--- a/Toy-project/bee4설계_진행중.pptx
+++ b/Toy-project/bee4설계_진행중.pptx
@@ -5,19 +5,21 @@
     <p:sldMasterId id="2147483648" r:id="rId1"/>
   </p:sldMasterIdLst>
   <p:notesMasterIdLst>
-    <p:notesMasterId r:id="rId12"/>
+    <p:notesMasterId r:id="rId14"/>
   </p:notesMasterIdLst>
   <p:sldIdLst>
     <p:sldId id="289" r:id="rId2"/>
-    <p:sldId id="292" r:id="rId3"/>
-    <p:sldId id="281" r:id="rId4"/>
-    <p:sldId id="283" r:id="rId5"/>
-    <p:sldId id="265" r:id="rId6"/>
-    <p:sldId id="285" r:id="rId7"/>
-    <p:sldId id="291" r:id="rId8"/>
-    <p:sldId id="288" r:id="rId9"/>
-    <p:sldId id="267" r:id="rId10"/>
-    <p:sldId id="268" r:id="rId11"/>
+    <p:sldId id="293" r:id="rId3"/>
+    <p:sldId id="294" r:id="rId4"/>
+    <p:sldId id="292" r:id="rId5"/>
+    <p:sldId id="281" r:id="rId6"/>
+    <p:sldId id="283" r:id="rId7"/>
+    <p:sldId id="265" r:id="rId8"/>
+    <p:sldId id="285" r:id="rId9"/>
+    <p:sldId id="291" r:id="rId10"/>
+    <p:sldId id="288" r:id="rId11"/>
+    <p:sldId id="267" r:id="rId12"/>
+    <p:sldId id="268" r:id="rId13"/>
   </p:sldIdLst>
   <p:sldSz cx="12192000" cy="6858000"/>
   <p:notesSz cx="6858000" cy="9144000"/>
@@ -206,7 +208,7 @@
           <a:p>
             <a:fld id="{51C6EE63-EAFB-43B0-AA72-95A6EB9B6918}" type="datetimeFigureOut">
               <a:rPr lang="ko-KR" altLang="en-US" smtClean="0"/>
-              <a:t>2024-03-25</a:t>
+              <a:t>2024-04-08</a:t>
             </a:fld>
             <a:endParaRPr lang="ko-KR" altLang="en-US"/>
           </a:p>
@@ -620,7 +622,7 @@
           <a:p>
             <a:fld id="{FAE18B5F-2B3A-41E2-8C9B-9A146BA5DB45}" type="datetime1">
               <a:rPr lang="ko-KR" altLang="en-US" smtClean="0"/>
-              <a:t>2024-03-25</a:t>
+              <a:t>2024-04-08</a:t>
             </a:fld>
             <a:endParaRPr lang="ko-KR" altLang="en-US"/>
           </a:p>
@@ -823,7 +825,7 @@
           <a:p>
             <a:fld id="{DF74A3EA-D584-4189-A346-B52A1586DF5A}" type="datetime1">
               <a:rPr lang="ko-KR" altLang="en-US" smtClean="0"/>
-              <a:t>2024-03-25</a:t>
+              <a:t>2024-04-08</a:t>
             </a:fld>
             <a:endParaRPr lang="ko-KR" altLang="en-US"/>
           </a:p>
@@ -1031,7 +1033,7 @@
           <a:p>
             <a:fld id="{7DD28874-8F3C-4E9E-8468-65C6F0B59F50}" type="datetime1">
               <a:rPr lang="ko-KR" altLang="en-US" smtClean="0"/>
-              <a:t>2024-03-25</a:t>
+              <a:t>2024-04-08</a:t>
             </a:fld>
             <a:endParaRPr lang="ko-KR" altLang="en-US"/>
           </a:p>
@@ -1229,7 +1231,7 @@
           <a:p>
             <a:fld id="{2F2F19A6-E7D4-49BA-9128-40E350D94858}" type="datetime1">
               <a:rPr lang="ko-KR" altLang="en-US" smtClean="0"/>
-              <a:t>2024-03-25</a:t>
+              <a:t>2024-04-08</a:t>
             </a:fld>
             <a:endParaRPr lang="ko-KR" altLang="en-US"/>
           </a:p>
@@ -1504,7 +1506,7 @@
           <a:p>
             <a:fld id="{4C754405-9CAE-4E9F-8D69-3A9D872730D5}" type="datetime1">
               <a:rPr lang="ko-KR" altLang="en-US" smtClean="0"/>
-              <a:t>2024-03-25</a:t>
+              <a:t>2024-04-08</a:t>
             </a:fld>
             <a:endParaRPr lang="ko-KR" altLang="en-US"/>
           </a:p>
@@ -1769,7 +1771,7 @@
           <a:p>
             <a:fld id="{B88205F5-05F7-4DB1-AB34-9D2715D8F695}" type="datetime1">
               <a:rPr lang="ko-KR" altLang="en-US" smtClean="0"/>
-              <a:t>2024-03-25</a:t>
+              <a:t>2024-04-08</a:t>
             </a:fld>
             <a:endParaRPr lang="ko-KR" altLang="en-US"/>
           </a:p>
@@ -2181,7 +2183,7 @@
           <a:p>
             <a:fld id="{B4BE5A52-0759-42F1-B972-9DF35B6F7F69}" type="datetime1">
               <a:rPr lang="ko-KR" altLang="en-US" smtClean="0"/>
-              <a:t>2024-03-25</a:t>
+              <a:t>2024-04-08</a:t>
             </a:fld>
             <a:endParaRPr lang="ko-KR" altLang="en-US"/>
           </a:p>
@@ -2322,7 +2324,7 @@
           <a:p>
             <a:fld id="{21E1BF98-5BAF-4E10-BFF4-07A90368345B}" type="datetime1">
               <a:rPr lang="ko-KR" altLang="en-US" smtClean="0"/>
-              <a:t>2024-03-25</a:t>
+              <a:t>2024-04-08</a:t>
             </a:fld>
             <a:endParaRPr lang="ko-KR" altLang="en-US"/>
           </a:p>
@@ -2435,7 +2437,7 @@
           <a:p>
             <a:fld id="{66170E4C-0281-4A9D-A92C-F56F531DA030}" type="datetime1">
               <a:rPr lang="ko-KR" altLang="en-US" smtClean="0"/>
-              <a:t>2024-03-25</a:t>
+              <a:t>2024-04-08</a:t>
             </a:fld>
             <a:endParaRPr lang="ko-KR" altLang="en-US"/>
           </a:p>
@@ -2790,7 +2792,7 @@
           <a:p>
             <a:fld id="{75956195-C9BD-45A3-A71A-98887084073F}" type="datetime1">
               <a:rPr lang="ko-KR" altLang="en-US" smtClean="0"/>
-              <a:t>2024-03-25</a:t>
+              <a:t>2024-04-08</a:t>
             </a:fld>
             <a:endParaRPr lang="ko-KR" altLang="en-US"/>
           </a:p>
@@ -3078,7 +3080,7 @@
           <a:p>
             <a:fld id="{FA7CAE5C-1BB2-4F1F-ABD2-E757D9C24BA1}" type="datetime1">
               <a:rPr lang="ko-KR" altLang="en-US" smtClean="0"/>
-              <a:t>2024-03-25</a:t>
+              <a:t>2024-04-08</a:t>
             </a:fld>
             <a:endParaRPr lang="ko-KR" altLang="en-US"/>
           </a:p>
@@ -3319,7 +3321,7 @@
           <a:p>
             <a:fld id="{DD969061-4EBA-4879-8C2A-0E160E0CAE62}" type="datetime1">
               <a:rPr lang="ko-KR" altLang="en-US" smtClean="0"/>
-              <a:t>2024-03-25</a:t>
+              <a:t>2024-04-08</a:t>
             </a:fld>
             <a:endParaRPr lang="ko-KR" altLang="en-US"/>
           </a:p>
@@ -4386,6 +4388,2942 @@
           <a:chExt cx="0" cy="0"/>
         </a:xfrm>
       </p:grpSpPr>
+      <p:grpSp>
+        <p:nvGrpSpPr>
+          <p:cNvPr id="16" name="그룹 15">
+            <a:extLst>
+              <a:ext uri="{FF2B5EF4-FFF2-40B4-BE49-F238E27FC236}">
+                <a16:creationId xmlns:a16="http://schemas.microsoft.com/office/drawing/2014/main" id="{93670469-4401-C0E8-1962-F7DC38357E3F}"/>
+              </a:ext>
+            </a:extLst>
+          </p:cNvPr>
+          <p:cNvGrpSpPr/>
+          <p:nvPr/>
+        </p:nvGrpSpPr>
+        <p:grpSpPr>
+          <a:xfrm>
+            <a:off x="210308" y="187333"/>
+            <a:ext cx="6403546" cy="461665"/>
+            <a:chOff x="4743397" y="1441059"/>
+            <a:chExt cx="6403546" cy="461665"/>
+          </a:xfrm>
+        </p:grpSpPr>
+        <p:pic>
+          <p:nvPicPr>
+            <p:cNvPr id="22" name="그래픽 21">
+              <a:extLst>
+                <a:ext uri="{FF2B5EF4-FFF2-40B4-BE49-F238E27FC236}">
+                  <a16:creationId xmlns:a16="http://schemas.microsoft.com/office/drawing/2014/main" id="{C7830BD2-C286-F6E2-F17B-475C389DA4E2}"/>
+                </a:ext>
+              </a:extLst>
+            </p:cNvPr>
+            <p:cNvPicPr>
+              <a:picLocks noChangeAspect="1"/>
+            </p:cNvPicPr>
+            <p:nvPr/>
+          </p:nvPicPr>
+          <p:blipFill>
+            <a:blip r:embed="rId2">
+              <a:extLst>
+                <a:ext uri="{96DAC541-7B7A-43D3-8B79-37D633B846F1}">
+                  <asvg:svgBlip xmlns="" xmlns:asvg="http://schemas.microsoft.com/office/drawing/2016/SVG/main" r:embed="rId3"/>
+                </a:ext>
+              </a:extLst>
+            </a:blip>
+            <a:stretch>
+              <a:fillRect/>
+            </a:stretch>
+          </p:blipFill>
+          <p:spPr>
+            <a:xfrm>
+              <a:off x="4743397" y="1512196"/>
+              <a:ext cx="358301" cy="358301"/>
+            </a:xfrm>
+            <a:prstGeom prst="rect">
+              <a:avLst/>
+            </a:prstGeom>
+          </p:spPr>
+        </p:pic>
+        <p:sp>
+          <p:nvSpPr>
+            <p:cNvPr id="23" name="TextBox 22">
+              <a:extLst>
+                <a:ext uri="{FF2B5EF4-FFF2-40B4-BE49-F238E27FC236}">
+                  <a16:creationId xmlns:a16="http://schemas.microsoft.com/office/drawing/2014/main" id="{2EEF2A5D-0B8C-2D9D-029A-E06357175EB0}"/>
+                </a:ext>
+              </a:extLst>
+            </p:cNvPr>
+            <p:cNvSpPr txBox="1"/>
+            <p:nvPr/>
+          </p:nvSpPr>
+          <p:spPr>
+            <a:xfrm>
+              <a:off x="5101698" y="1441059"/>
+              <a:ext cx="6045245" cy="461665"/>
+            </a:xfrm>
+            <a:prstGeom prst="rect">
+              <a:avLst/>
+            </a:prstGeom>
+            <a:noFill/>
+          </p:spPr>
+          <p:txBody>
+            <a:bodyPr wrap="none" rtlCol="0">
+              <a:spAutoFit/>
+            </a:bodyPr>
+            <a:lstStyle/>
+            <a:p>
+              <a:r>
+                <a:rPr lang="ko-KR" altLang="en-US" sz="2400" dirty="0">
+                  <a:latin typeface="HY견고딕" panose="02030600000101010101" pitchFamily="18" charset="-127"/>
+                  <a:ea typeface="HY견고딕" panose="02030600000101010101" pitchFamily="18" charset="-127"/>
+                </a:rPr>
+                <a:t>수집 네트워크 서비스 상세</a:t>
+              </a:r>
+              <a:r>
+                <a:rPr lang="en-US" altLang="ko-KR" sz="2400" dirty="0">
+                  <a:latin typeface="HY견고딕" panose="02030600000101010101" pitchFamily="18" charset="-127"/>
+                  <a:ea typeface="HY견고딕" panose="02030600000101010101" pitchFamily="18" charset="-127"/>
+                </a:rPr>
+                <a:t>: </a:t>
+              </a:r>
+              <a:r>
+                <a:rPr lang="ko-KR" altLang="en-US" sz="2400" dirty="0">
+                  <a:latin typeface="HY견고딕" panose="02030600000101010101" pitchFamily="18" charset="-127"/>
+                  <a:ea typeface="HY견고딕" panose="02030600000101010101" pitchFamily="18" charset="-127"/>
+                </a:rPr>
+                <a:t>수집명세 분할</a:t>
+              </a:r>
+            </a:p>
+          </p:txBody>
+        </p:sp>
+      </p:grpSp>
+      <p:grpSp>
+        <p:nvGrpSpPr>
+          <p:cNvPr id="119" name="그룹 118">
+            <a:extLst>
+              <a:ext uri="{FF2B5EF4-FFF2-40B4-BE49-F238E27FC236}">
+                <a16:creationId xmlns:a16="http://schemas.microsoft.com/office/drawing/2014/main" id="{63922B8C-8C8A-E053-2A9C-3E2371E5A944}"/>
+              </a:ext>
+            </a:extLst>
+          </p:cNvPr>
+          <p:cNvGrpSpPr/>
+          <p:nvPr/>
+        </p:nvGrpSpPr>
+        <p:grpSpPr>
+          <a:xfrm>
+            <a:off x="3151543" y="1435750"/>
+            <a:ext cx="6144857" cy="4076368"/>
+            <a:chOff x="1639937" y="1379626"/>
+            <a:chExt cx="6144857" cy="4076368"/>
+          </a:xfrm>
+        </p:grpSpPr>
+        <p:sp>
+          <p:nvSpPr>
+            <p:cNvPr id="30" name="사각형: 둥근 모서리 6">
+              <a:extLst>
+                <a:ext uri="{FF2B5EF4-FFF2-40B4-BE49-F238E27FC236}">
+                  <a16:creationId xmlns:a16="http://schemas.microsoft.com/office/drawing/2014/main" id="{AB44BB17-F789-907C-FA72-DAAE67819B08}"/>
+                </a:ext>
+              </a:extLst>
+            </p:cNvPr>
+            <p:cNvSpPr/>
+            <p:nvPr/>
+          </p:nvSpPr>
+          <p:spPr>
+            <a:xfrm>
+              <a:off x="2042766" y="2668995"/>
+              <a:ext cx="2912904" cy="2786999"/>
+            </a:xfrm>
+            <a:prstGeom prst="roundRect">
+              <a:avLst>
+                <a:gd name="adj" fmla="val 3584"/>
+              </a:avLst>
+            </a:prstGeom>
+            <a:solidFill>
+              <a:srgbClr val="00BFFF">
+                <a:alpha val="30000"/>
+              </a:srgbClr>
+            </a:solidFill>
+            <a:ln>
+              <a:noFill/>
+            </a:ln>
+          </p:spPr>
+          <p:style>
+            <a:lnRef idx="2">
+              <a:schemeClr val="accent1">
+                <a:shade val="50000"/>
+              </a:schemeClr>
+            </a:lnRef>
+            <a:fillRef idx="1">
+              <a:schemeClr val="accent1"/>
+            </a:fillRef>
+            <a:effectRef idx="0">
+              <a:schemeClr val="accent1"/>
+            </a:effectRef>
+            <a:fontRef idx="minor">
+              <a:schemeClr val="lt1"/>
+            </a:fontRef>
+          </p:style>
+          <p:txBody>
+            <a:bodyPr rtlCol="0" anchor="ctr"/>
+            <a:lstStyle/>
+            <a:p>
+              <a:pPr algn="ctr"/>
+              <a:endParaRPr lang="ko-KR" altLang="en-US" sz="1000" dirty="0">
+                <a:solidFill>
+                  <a:schemeClr val="tx1"/>
+                </a:solidFill>
+                <a:latin typeface="Noto Sans CJK KR" panose="020B0500000000000000" pitchFamily="34" charset="-127"/>
+                <a:ea typeface="Noto Sans CJK KR" panose="020B0500000000000000" pitchFamily="34" charset="-127"/>
+              </a:endParaRPr>
+            </a:p>
+          </p:txBody>
+        </p:sp>
+        <p:sp>
+          <p:nvSpPr>
+            <p:cNvPr id="104" name="사각형: 둥근 모서리 6">
+              <a:extLst>
+                <a:ext uri="{FF2B5EF4-FFF2-40B4-BE49-F238E27FC236}">
+                  <a16:creationId xmlns:a16="http://schemas.microsoft.com/office/drawing/2014/main" id="{1255B7FB-BB00-A2D7-3AD7-DC58CBD04C91}"/>
+                </a:ext>
+              </a:extLst>
+            </p:cNvPr>
+            <p:cNvSpPr/>
+            <p:nvPr/>
+          </p:nvSpPr>
+          <p:spPr>
+            <a:xfrm>
+              <a:off x="3525920" y="3009274"/>
+              <a:ext cx="1198080" cy="2243235"/>
+            </a:xfrm>
+            <a:prstGeom prst="roundRect">
+              <a:avLst>
+                <a:gd name="adj" fmla="val 8071"/>
+              </a:avLst>
+            </a:prstGeom>
+            <a:solidFill>
+              <a:schemeClr val="bg1">
+                <a:lumMod val="85000"/>
+              </a:schemeClr>
+            </a:solidFill>
+            <a:ln>
+              <a:noFill/>
+            </a:ln>
+          </p:spPr>
+          <p:style>
+            <a:lnRef idx="2">
+              <a:schemeClr val="accent1">
+                <a:shade val="50000"/>
+              </a:schemeClr>
+            </a:lnRef>
+            <a:fillRef idx="1">
+              <a:schemeClr val="accent1"/>
+            </a:fillRef>
+            <a:effectRef idx="0">
+              <a:schemeClr val="accent1"/>
+            </a:effectRef>
+            <a:fontRef idx="minor">
+              <a:schemeClr val="lt1"/>
+            </a:fontRef>
+          </p:style>
+          <p:txBody>
+            <a:bodyPr rtlCol="0" anchor="ctr"/>
+            <a:lstStyle/>
+            <a:p>
+              <a:pPr algn="ctr"/>
+              <a:endParaRPr lang="ko-KR" altLang="en-US" sz="1000" dirty="0">
+                <a:solidFill>
+                  <a:schemeClr val="tx1"/>
+                </a:solidFill>
+                <a:latin typeface="Noto Sans CJK KR" panose="020B0500000000000000" pitchFamily="34" charset="-127"/>
+                <a:ea typeface="Noto Sans CJK KR" panose="020B0500000000000000" pitchFamily="34" charset="-127"/>
+              </a:endParaRPr>
+            </a:p>
+          </p:txBody>
+        </p:sp>
+        <p:sp>
+          <p:nvSpPr>
+            <p:cNvPr id="18" name="사각형: 둥근 모서리 6">
+              <a:extLst>
+                <a:ext uri="{FF2B5EF4-FFF2-40B4-BE49-F238E27FC236}">
+                  <a16:creationId xmlns:a16="http://schemas.microsoft.com/office/drawing/2014/main" id="{24FB913C-EE51-CBBE-2223-E2A82D106E32}"/>
+                </a:ext>
+              </a:extLst>
+            </p:cNvPr>
+            <p:cNvSpPr/>
+            <p:nvPr/>
+          </p:nvSpPr>
+          <p:spPr>
+            <a:xfrm>
+              <a:off x="6235026" y="4440357"/>
+              <a:ext cx="1534192" cy="881931"/>
+            </a:xfrm>
+            <a:prstGeom prst="roundRect">
+              <a:avLst/>
+            </a:prstGeom>
+            <a:solidFill>
+              <a:srgbClr val="7B68EE"/>
+            </a:solidFill>
+            <a:ln>
+              <a:noFill/>
+            </a:ln>
+          </p:spPr>
+          <p:style>
+            <a:lnRef idx="2">
+              <a:schemeClr val="accent1">
+                <a:shade val="50000"/>
+              </a:schemeClr>
+            </a:lnRef>
+            <a:fillRef idx="1">
+              <a:schemeClr val="accent1"/>
+            </a:fillRef>
+            <a:effectRef idx="0">
+              <a:schemeClr val="accent1"/>
+            </a:effectRef>
+            <a:fontRef idx="minor">
+              <a:schemeClr val="lt1"/>
+            </a:fontRef>
+          </p:style>
+          <p:txBody>
+            <a:bodyPr rtlCol="0" anchor="ctr"/>
+            <a:lstStyle/>
+            <a:p>
+              <a:pPr algn="ctr"/>
+              <a:r>
+                <a:rPr lang="en-US" altLang="ko-KR" dirty="0">
+                  <a:solidFill>
+                    <a:schemeClr val="tx1"/>
+                  </a:solidFill>
+                  <a:latin typeface="Noto Sans CJK KR" panose="020B0500000000000000" pitchFamily="34" charset="-127"/>
+                  <a:ea typeface="Noto Sans CJK KR" panose="020B0500000000000000" pitchFamily="34" charset="-127"/>
+                </a:rPr>
+                <a:t>Collect</a:t>
+              </a:r>
+            </a:p>
+            <a:p>
+              <a:pPr algn="ctr"/>
+              <a:r>
+                <a:rPr lang="en-US" altLang="ko-KR" dirty="0">
+                  <a:solidFill>
+                    <a:schemeClr val="tx1"/>
+                  </a:solidFill>
+                  <a:latin typeface="Noto Sans CJK KR" panose="020B0500000000000000" pitchFamily="34" charset="-127"/>
+                  <a:ea typeface="Noto Sans CJK KR" panose="020B0500000000000000" pitchFamily="34" charset="-127"/>
+                </a:rPr>
+                <a:t>Server-N</a:t>
+              </a:r>
+              <a:endParaRPr lang="ko-KR" altLang="en-US" dirty="0">
+                <a:solidFill>
+                  <a:schemeClr val="tx1"/>
+                </a:solidFill>
+                <a:latin typeface="Noto Sans CJK KR" panose="020B0500000000000000" pitchFamily="34" charset="-127"/>
+                <a:ea typeface="Noto Sans CJK KR" panose="020B0500000000000000" pitchFamily="34" charset="-127"/>
+              </a:endParaRPr>
+            </a:p>
+          </p:txBody>
+        </p:sp>
+        <p:grpSp>
+          <p:nvGrpSpPr>
+            <p:cNvPr id="118" name="그룹 117">
+              <a:extLst>
+                <a:ext uri="{FF2B5EF4-FFF2-40B4-BE49-F238E27FC236}">
+                  <a16:creationId xmlns:a16="http://schemas.microsoft.com/office/drawing/2014/main" id="{ECC45501-FE6B-9EFB-BC9B-A2CED3DC3FA1}"/>
+                </a:ext>
+              </a:extLst>
+            </p:cNvPr>
+            <p:cNvGrpSpPr/>
+            <p:nvPr/>
+          </p:nvGrpSpPr>
+          <p:grpSpPr>
+            <a:xfrm>
+              <a:off x="6235026" y="1379626"/>
+              <a:ext cx="1549768" cy="3079831"/>
+              <a:chOff x="6235026" y="1194800"/>
+              <a:chExt cx="1549768" cy="3079831"/>
+            </a:xfrm>
+          </p:grpSpPr>
+          <p:sp>
+            <p:nvSpPr>
+              <p:cNvPr id="14" name="사각형: 둥근 모서리 6">
+                <a:extLst>
+                  <a:ext uri="{FF2B5EF4-FFF2-40B4-BE49-F238E27FC236}">
+                    <a16:creationId xmlns:a16="http://schemas.microsoft.com/office/drawing/2014/main" id="{24FB913C-EE51-CBBE-2223-E2A82D106E32}"/>
+                  </a:ext>
+                </a:extLst>
+              </p:cNvPr>
+              <p:cNvSpPr/>
+              <p:nvPr/>
+            </p:nvSpPr>
+            <p:spPr>
+              <a:xfrm>
+                <a:off x="6250602" y="3081730"/>
+                <a:ext cx="1534192" cy="881931"/>
+              </a:xfrm>
+              <a:prstGeom prst="roundRect">
+                <a:avLst/>
+              </a:prstGeom>
+              <a:solidFill>
+                <a:srgbClr val="7B68EE"/>
+              </a:solidFill>
+              <a:ln>
+                <a:noFill/>
+              </a:ln>
+            </p:spPr>
+            <p:style>
+              <a:lnRef idx="2">
+                <a:schemeClr val="accent1">
+                  <a:shade val="50000"/>
+                </a:schemeClr>
+              </a:lnRef>
+              <a:fillRef idx="1">
+                <a:schemeClr val="accent1"/>
+              </a:fillRef>
+              <a:effectRef idx="0">
+                <a:schemeClr val="accent1"/>
+              </a:effectRef>
+              <a:fontRef idx="minor">
+                <a:schemeClr val="lt1"/>
+              </a:fontRef>
+            </p:style>
+            <p:txBody>
+              <a:bodyPr rtlCol="0" anchor="ctr"/>
+              <a:lstStyle/>
+              <a:p>
+                <a:pPr algn="ctr"/>
+                <a:r>
+                  <a:rPr lang="en-US" altLang="ko-KR" dirty="0">
+                    <a:solidFill>
+                      <a:schemeClr val="tx1"/>
+                    </a:solidFill>
+                    <a:latin typeface="Noto Sans CJK KR" panose="020B0500000000000000" pitchFamily="34" charset="-127"/>
+                    <a:ea typeface="Noto Sans CJK KR" panose="020B0500000000000000" pitchFamily="34" charset="-127"/>
+                  </a:rPr>
+                  <a:t>Collect</a:t>
+                </a:r>
+              </a:p>
+              <a:p>
+                <a:pPr algn="ctr"/>
+                <a:r>
+                  <a:rPr lang="en-US" altLang="ko-KR" dirty="0">
+                    <a:solidFill>
+                      <a:schemeClr val="tx1"/>
+                    </a:solidFill>
+                    <a:latin typeface="Noto Sans CJK KR" panose="020B0500000000000000" pitchFamily="34" charset="-127"/>
+                    <a:ea typeface="Noto Sans CJK KR" panose="020B0500000000000000" pitchFamily="34" charset="-127"/>
+                  </a:rPr>
+                  <a:t>Server-3</a:t>
+                </a:r>
+                <a:endParaRPr lang="ko-KR" altLang="en-US" dirty="0">
+                  <a:solidFill>
+                    <a:schemeClr val="tx1"/>
+                  </a:solidFill>
+                  <a:latin typeface="Noto Sans CJK KR" panose="020B0500000000000000" pitchFamily="34" charset="-127"/>
+                  <a:ea typeface="Noto Sans CJK KR" panose="020B0500000000000000" pitchFamily="34" charset="-127"/>
+                </a:endParaRPr>
+              </a:p>
+            </p:txBody>
+          </p:sp>
+          <p:sp>
+            <p:nvSpPr>
+              <p:cNvPr id="15" name="사각형: 둥근 모서리 6">
+                <a:extLst>
+                  <a:ext uri="{FF2B5EF4-FFF2-40B4-BE49-F238E27FC236}">
+                    <a16:creationId xmlns:a16="http://schemas.microsoft.com/office/drawing/2014/main" id="{24FB913C-EE51-CBBE-2223-E2A82D106E32}"/>
+                  </a:ext>
+                </a:extLst>
+              </p:cNvPr>
+              <p:cNvSpPr/>
+              <p:nvPr/>
+            </p:nvSpPr>
+            <p:spPr>
+              <a:xfrm>
+                <a:off x="6235026" y="1194800"/>
+                <a:ext cx="1534192" cy="881931"/>
+              </a:xfrm>
+              <a:prstGeom prst="roundRect">
+                <a:avLst/>
+              </a:prstGeom>
+              <a:solidFill>
+                <a:srgbClr val="7B68EE"/>
+              </a:solidFill>
+              <a:ln>
+                <a:noFill/>
+              </a:ln>
+            </p:spPr>
+            <p:style>
+              <a:lnRef idx="2">
+                <a:schemeClr val="accent1">
+                  <a:shade val="50000"/>
+                </a:schemeClr>
+              </a:lnRef>
+              <a:fillRef idx="1">
+                <a:schemeClr val="accent1"/>
+              </a:fillRef>
+              <a:effectRef idx="0">
+                <a:schemeClr val="accent1"/>
+              </a:effectRef>
+              <a:fontRef idx="minor">
+                <a:schemeClr val="lt1"/>
+              </a:fontRef>
+            </p:style>
+            <p:txBody>
+              <a:bodyPr rtlCol="0" anchor="ctr"/>
+              <a:lstStyle/>
+              <a:p>
+                <a:pPr algn="ctr"/>
+                <a:r>
+                  <a:rPr lang="en-US" altLang="ko-KR" dirty="0">
+                    <a:solidFill>
+                      <a:schemeClr val="tx1"/>
+                    </a:solidFill>
+                    <a:latin typeface="Noto Sans CJK KR" panose="020B0500000000000000" pitchFamily="34" charset="-127"/>
+                    <a:ea typeface="Noto Sans CJK KR" panose="020B0500000000000000" pitchFamily="34" charset="-127"/>
+                  </a:rPr>
+                  <a:t>Collect</a:t>
+                </a:r>
+              </a:p>
+              <a:p>
+                <a:pPr algn="ctr"/>
+                <a:r>
+                  <a:rPr lang="en-US" altLang="ko-KR" dirty="0">
+                    <a:solidFill>
+                      <a:schemeClr val="tx1"/>
+                    </a:solidFill>
+                    <a:latin typeface="Noto Sans CJK KR" panose="020B0500000000000000" pitchFamily="34" charset="-127"/>
+                    <a:ea typeface="Noto Sans CJK KR" panose="020B0500000000000000" pitchFamily="34" charset="-127"/>
+                  </a:rPr>
+                  <a:t>Server-1</a:t>
+                </a:r>
+                <a:endParaRPr lang="ko-KR" altLang="en-US" dirty="0">
+                  <a:solidFill>
+                    <a:schemeClr val="tx1"/>
+                  </a:solidFill>
+                  <a:latin typeface="Noto Sans CJK KR" panose="020B0500000000000000" pitchFamily="34" charset="-127"/>
+                  <a:ea typeface="Noto Sans CJK KR" panose="020B0500000000000000" pitchFamily="34" charset="-127"/>
+                </a:endParaRPr>
+              </a:p>
+            </p:txBody>
+          </p:sp>
+          <p:sp>
+            <p:nvSpPr>
+              <p:cNvPr id="17" name="사각형: 둥근 모서리 6">
+                <a:extLst>
+                  <a:ext uri="{FF2B5EF4-FFF2-40B4-BE49-F238E27FC236}">
+                    <a16:creationId xmlns:a16="http://schemas.microsoft.com/office/drawing/2014/main" id="{24FB913C-EE51-CBBE-2223-E2A82D106E32}"/>
+                  </a:ext>
+                </a:extLst>
+              </p:cNvPr>
+              <p:cNvSpPr/>
+              <p:nvPr/>
+            </p:nvSpPr>
+            <p:spPr>
+              <a:xfrm>
+                <a:off x="6250602" y="2141439"/>
+                <a:ext cx="1534192" cy="881931"/>
+              </a:xfrm>
+              <a:prstGeom prst="roundRect">
+                <a:avLst/>
+              </a:prstGeom>
+              <a:solidFill>
+                <a:srgbClr val="7B68EE"/>
+              </a:solidFill>
+              <a:ln>
+                <a:noFill/>
+              </a:ln>
+            </p:spPr>
+            <p:style>
+              <a:lnRef idx="2">
+                <a:schemeClr val="accent1">
+                  <a:shade val="50000"/>
+                </a:schemeClr>
+              </a:lnRef>
+              <a:fillRef idx="1">
+                <a:schemeClr val="accent1"/>
+              </a:fillRef>
+              <a:effectRef idx="0">
+                <a:schemeClr val="accent1"/>
+              </a:effectRef>
+              <a:fontRef idx="minor">
+                <a:schemeClr val="lt1"/>
+              </a:fontRef>
+            </p:style>
+            <p:txBody>
+              <a:bodyPr rtlCol="0" anchor="ctr"/>
+              <a:lstStyle/>
+              <a:p>
+                <a:pPr algn="ctr"/>
+                <a:r>
+                  <a:rPr lang="en-US" altLang="ko-KR" dirty="0">
+                    <a:solidFill>
+                      <a:schemeClr val="tx1"/>
+                    </a:solidFill>
+                    <a:latin typeface="Noto Sans CJK KR" panose="020B0500000000000000" pitchFamily="34" charset="-127"/>
+                    <a:ea typeface="Noto Sans CJK KR" panose="020B0500000000000000" pitchFamily="34" charset="-127"/>
+                  </a:rPr>
+                  <a:t>Collect</a:t>
+                </a:r>
+              </a:p>
+              <a:p>
+                <a:pPr algn="ctr"/>
+                <a:r>
+                  <a:rPr lang="en-US" altLang="ko-KR" dirty="0">
+                    <a:solidFill>
+                      <a:schemeClr val="tx1"/>
+                    </a:solidFill>
+                    <a:latin typeface="Noto Sans CJK KR" panose="020B0500000000000000" pitchFamily="34" charset="-127"/>
+                    <a:ea typeface="Noto Sans CJK KR" panose="020B0500000000000000" pitchFamily="34" charset="-127"/>
+                  </a:rPr>
+                  <a:t>Server-2</a:t>
+                </a:r>
+                <a:endParaRPr lang="ko-KR" altLang="en-US" dirty="0">
+                  <a:solidFill>
+                    <a:schemeClr val="tx1"/>
+                  </a:solidFill>
+                  <a:latin typeface="Noto Sans CJK KR" panose="020B0500000000000000" pitchFamily="34" charset="-127"/>
+                  <a:ea typeface="Noto Sans CJK KR" panose="020B0500000000000000" pitchFamily="34" charset="-127"/>
+                </a:endParaRPr>
+              </a:p>
+            </p:txBody>
+          </p:sp>
+          <mc:AlternateContent xmlns:mc="http://schemas.openxmlformats.org/markup-compatibility/2006" xmlns:a14="http://schemas.microsoft.com/office/drawing/2010/main">
+            <mc:Choice Requires="a14">
+              <p:sp>
+                <p:nvSpPr>
+                  <p:cNvPr id="2" name="TextBox 1"/>
+                  <p:cNvSpPr txBox="1"/>
+                  <p:nvPr/>
+                </p:nvSpPr>
+                <p:spPr>
+                  <a:xfrm>
+                    <a:off x="6848421" y="3905299"/>
+                    <a:ext cx="338554" cy="369332"/>
+                  </a:xfrm>
+                  <a:prstGeom prst="rect">
+                    <a:avLst/>
+                  </a:prstGeom>
+                  <a:noFill/>
+                </p:spPr>
+                <p:txBody>
+                  <a:bodyPr wrap="none" rtlCol="0">
+                    <a:spAutoFit/>
+                  </a:bodyPr>
+                  <a:lstStyle/>
+                  <a:p>
+                    <a:pPr/>
+                    <a14:m>
+                      <m:oMathPara xmlns:m="http://schemas.openxmlformats.org/officeDocument/2006/math">
+                        <m:oMathParaPr>
+                          <m:jc m:val="centerGroup"/>
+                        </m:oMathParaPr>
+                        <m:oMath xmlns:m="http://schemas.openxmlformats.org/officeDocument/2006/math">
+                          <m:r>
+                            <a:rPr lang="ko-KR" altLang="en-US" i="1" smtClean="0">
+                              <a:latin typeface="Cambria Math" panose="02040503050406030204" pitchFamily="18" charset="0"/>
+                            </a:rPr>
+                            <m:t>⋮</m:t>
+                          </m:r>
+                        </m:oMath>
+                      </m:oMathPara>
+                    </a14:m>
+                    <a:endParaRPr lang="ko-KR" altLang="en-US" dirty="0"/>
+                  </a:p>
+                </p:txBody>
+              </p:sp>
+            </mc:Choice>
+            <mc:Fallback xmlns="">
+              <p:sp>
+                <p:nvSpPr>
+                  <p:cNvPr id="2" name="TextBox 1"/>
+                  <p:cNvSpPr txBox="1">
+                    <a:spLocks noRot="1" noChangeAspect="1" noMove="1" noResize="1" noEditPoints="1" noAdjustHandles="1" noChangeArrowheads="1" noChangeShapeType="1" noTextEdit="1"/>
+                  </p:cNvSpPr>
+                  <p:nvPr/>
+                </p:nvSpPr>
+                <p:spPr>
+                  <a:xfrm>
+                    <a:off x="6848421" y="3905299"/>
+                    <a:ext cx="338554" cy="369332"/>
+                  </a:xfrm>
+                  <a:prstGeom prst="rect">
+                    <a:avLst/>
+                  </a:prstGeom>
+                  <a:blipFill>
+                    <a:blip r:embed="rId4"/>
+                    <a:stretch>
+                      <a:fillRect/>
+                    </a:stretch>
+                  </a:blipFill>
+                </p:spPr>
+                <p:txBody>
+                  <a:bodyPr/>
+                  <a:lstStyle/>
+                  <a:p>
+                    <a:r>
+                      <a:rPr lang="ko-KR" altLang="en-US">
+                        <a:noFill/>
+                      </a:rPr>
+                      <a:t> </a:t>
+                    </a:r>
+                  </a:p>
+                </p:txBody>
+              </p:sp>
+            </mc:Fallback>
+          </mc:AlternateContent>
+        </p:grpSp>
+        <p:sp>
+          <p:nvSpPr>
+            <p:cNvPr id="10" name="사각형: 둥근 모서리 5">
+              <a:extLst>
+                <a:ext uri="{FF2B5EF4-FFF2-40B4-BE49-F238E27FC236}">
+                  <a16:creationId xmlns:a16="http://schemas.microsoft.com/office/drawing/2014/main" id="{05157B58-D063-8713-B9A4-1D30A1953EC7}"/>
+                </a:ext>
+              </a:extLst>
+            </p:cNvPr>
+            <p:cNvSpPr/>
+            <p:nvPr/>
+          </p:nvSpPr>
+          <p:spPr>
+            <a:xfrm>
+              <a:off x="1639937" y="2231532"/>
+              <a:ext cx="1565429" cy="943181"/>
+            </a:xfrm>
+            <a:prstGeom prst="roundRect">
+              <a:avLst/>
+            </a:prstGeom>
+            <a:solidFill>
+              <a:srgbClr val="00BFFF"/>
+            </a:solidFill>
+            <a:ln>
+              <a:noFill/>
+            </a:ln>
+          </p:spPr>
+          <p:style>
+            <a:lnRef idx="2">
+              <a:schemeClr val="accent1">
+                <a:shade val="50000"/>
+              </a:schemeClr>
+            </a:lnRef>
+            <a:fillRef idx="1">
+              <a:schemeClr val="accent1"/>
+            </a:fillRef>
+            <a:effectRef idx="0">
+              <a:schemeClr val="accent1"/>
+            </a:effectRef>
+            <a:fontRef idx="minor">
+              <a:schemeClr val="lt1"/>
+            </a:fontRef>
+          </p:style>
+          <p:txBody>
+            <a:bodyPr rtlCol="0" anchor="ctr"/>
+            <a:lstStyle/>
+            <a:p>
+              <a:pPr algn="ctr"/>
+              <a:r>
+                <a:rPr lang="en-US" altLang="ko-KR" dirty="0">
+                  <a:solidFill>
+                    <a:schemeClr val="tx1"/>
+                  </a:solidFill>
+                  <a:latin typeface="Noto Sans CJK KR" panose="020B0500000000000000" pitchFamily="34" charset="-127"/>
+                  <a:ea typeface="Noto Sans CJK KR" panose="020B0500000000000000" pitchFamily="34" charset="-127"/>
+                </a:rPr>
+                <a:t>Manager</a:t>
+              </a:r>
+            </a:p>
+            <a:p>
+              <a:pPr algn="ctr"/>
+              <a:r>
+                <a:rPr lang="en-US" altLang="ko-KR" dirty="0">
+                  <a:solidFill>
+                    <a:schemeClr val="tx1"/>
+                  </a:solidFill>
+                  <a:latin typeface="Noto Sans CJK KR" panose="020B0500000000000000" pitchFamily="34" charset="-127"/>
+                  <a:ea typeface="Noto Sans CJK KR" panose="020B0500000000000000" pitchFamily="34" charset="-127"/>
+                </a:rPr>
+                <a:t>Server</a:t>
+              </a:r>
+              <a:endParaRPr lang="ko-KR" altLang="en-US" dirty="0">
+                <a:solidFill>
+                  <a:schemeClr val="tx1"/>
+                </a:solidFill>
+                <a:latin typeface="Noto Sans CJK KR" panose="020B0500000000000000" pitchFamily="34" charset="-127"/>
+                <a:ea typeface="Noto Sans CJK KR" panose="020B0500000000000000" pitchFamily="34" charset="-127"/>
+              </a:endParaRPr>
+            </a:p>
+          </p:txBody>
+        </p:sp>
+        <p:grpSp>
+          <p:nvGrpSpPr>
+            <p:cNvPr id="63" name="그룹 62">
+              <a:extLst>
+                <a:ext uri="{FF2B5EF4-FFF2-40B4-BE49-F238E27FC236}">
+                  <a16:creationId xmlns:a16="http://schemas.microsoft.com/office/drawing/2014/main" id="{32ACC6C5-3384-CA0A-3447-3D841DAAD772}"/>
+                </a:ext>
+              </a:extLst>
+            </p:cNvPr>
+            <p:cNvGrpSpPr/>
+            <p:nvPr/>
+          </p:nvGrpSpPr>
+          <p:grpSpPr>
+            <a:xfrm>
+              <a:off x="3783069" y="3143673"/>
+              <a:ext cx="741407" cy="1943831"/>
+              <a:chOff x="4206256" y="2253784"/>
+              <a:chExt cx="741407" cy="1943831"/>
+            </a:xfrm>
+          </p:grpSpPr>
+          <p:sp>
+            <p:nvSpPr>
+              <p:cNvPr id="37" name="직사각형 36">
+                <a:extLst>
+                  <a:ext uri="{FF2B5EF4-FFF2-40B4-BE49-F238E27FC236}">
+                    <a16:creationId xmlns:a16="http://schemas.microsoft.com/office/drawing/2014/main" id="{64A307A1-4236-B492-98E0-F8E81BD0BDA4}"/>
+                  </a:ext>
+                </a:extLst>
+              </p:cNvPr>
+              <p:cNvSpPr/>
+              <p:nvPr/>
+            </p:nvSpPr>
+            <p:spPr>
+              <a:xfrm>
+                <a:off x="4206258" y="2253784"/>
+                <a:ext cx="741405" cy="367101"/>
+              </a:xfrm>
+              <a:prstGeom prst="rect">
+                <a:avLst/>
+              </a:prstGeom>
+              <a:solidFill>
+                <a:srgbClr val="48D1CC"/>
+              </a:solidFill>
+              <a:ln>
+                <a:noFill/>
+              </a:ln>
+            </p:spPr>
+            <p:style>
+              <a:lnRef idx="2">
+                <a:schemeClr val="accent1">
+                  <a:shade val="50000"/>
+                </a:schemeClr>
+              </a:lnRef>
+              <a:fillRef idx="1">
+                <a:schemeClr val="accent1"/>
+              </a:fillRef>
+              <a:effectRef idx="0">
+                <a:schemeClr val="accent1"/>
+              </a:effectRef>
+              <a:fontRef idx="minor">
+                <a:schemeClr val="lt1"/>
+              </a:fontRef>
+            </p:style>
+            <p:txBody>
+              <a:bodyPr rtlCol="0" anchor="ctr"/>
+              <a:lstStyle/>
+              <a:p>
+                <a:pPr algn="ctr"/>
+                <a:r>
+                  <a:rPr lang="en-US" altLang="ko-KR" sz="1200" dirty="0">
+                    <a:solidFill>
+                      <a:schemeClr val="tx1"/>
+                    </a:solidFill>
+                    <a:latin typeface="Noto Sans CJK KR" panose="020B0500000000000000" pitchFamily="34" charset="-127"/>
+                    <a:ea typeface="Noto Sans CJK KR" panose="020B0500000000000000" pitchFamily="34" charset="-127"/>
+                  </a:rPr>
+                  <a:t>Task 1</a:t>
+                </a:r>
+                <a:endParaRPr lang="ko-KR" altLang="en-US" sz="1200" dirty="0">
+                  <a:solidFill>
+                    <a:schemeClr val="tx1"/>
+                  </a:solidFill>
+                  <a:latin typeface="Noto Sans CJK KR" panose="020B0500000000000000" pitchFamily="34" charset="-127"/>
+                  <a:ea typeface="Noto Sans CJK KR" panose="020B0500000000000000" pitchFamily="34" charset="-127"/>
+                </a:endParaRPr>
+              </a:p>
+            </p:txBody>
+          </p:sp>
+          <p:sp>
+            <p:nvSpPr>
+              <p:cNvPr id="53" name="직사각형 52">
+                <a:extLst>
+                  <a:ext uri="{FF2B5EF4-FFF2-40B4-BE49-F238E27FC236}">
+                    <a16:creationId xmlns:a16="http://schemas.microsoft.com/office/drawing/2014/main" id="{0B1BCF22-D433-4538-4109-FAE8E372AC15}"/>
+                  </a:ext>
+                </a:extLst>
+              </p:cNvPr>
+              <p:cNvSpPr/>
+              <p:nvPr/>
+            </p:nvSpPr>
+            <p:spPr>
+              <a:xfrm>
+                <a:off x="4206257" y="2667713"/>
+                <a:ext cx="741405" cy="367101"/>
+              </a:xfrm>
+              <a:prstGeom prst="rect">
+                <a:avLst/>
+              </a:prstGeom>
+              <a:solidFill>
+                <a:srgbClr val="48D1CC"/>
+              </a:solidFill>
+              <a:ln>
+                <a:noFill/>
+              </a:ln>
+            </p:spPr>
+            <p:style>
+              <a:lnRef idx="2">
+                <a:schemeClr val="accent1">
+                  <a:shade val="50000"/>
+                </a:schemeClr>
+              </a:lnRef>
+              <a:fillRef idx="1">
+                <a:schemeClr val="accent1"/>
+              </a:fillRef>
+              <a:effectRef idx="0">
+                <a:schemeClr val="accent1"/>
+              </a:effectRef>
+              <a:fontRef idx="minor">
+                <a:schemeClr val="lt1"/>
+              </a:fontRef>
+            </p:style>
+            <p:txBody>
+              <a:bodyPr rtlCol="0" anchor="ctr"/>
+              <a:lstStyle/>
+              <a:p>
+                <a:pPr algn="ctr"/>
+                <a:r>
+                  <a:rPr lang="en-US" altLang="ko-KR" sz="1200" dirty="0">
+                    <a:solidFill>
+                      <a:schemeClr val="tx1"/>
+                    </a:solidFill>
+                    <a:latin typeface="Noto Sans CJK KR" panose="020B0500000000000000" pitchFamily="34" charset="-127"/>
+                    <a:ea typeface="Noto Sans CJK KR" panose="020B0500000000000000" pitchFamily="34" charset="-127"/>
+                  </a:rPr>
+                  <a:t>Task 2</a:t>
+                </a:r>
+                <a:endParaRPr lang="ko-KR" altLang="en-US" sz="1200" dirty="0">
+                  <a:solidFill>
+                    <a:schemeClr val="tx1"/>
+                  </a:solidFill>
+                  <a:latin typeface="Noto Sans CJK KR" panose="020B0500000000000000" pitchFamily="34" charset="-127"/>
+                  <a:ea typeface="Noto Sans CJK KR" panose="020B0500000000000000" pitchFamily="34" charset="-127"/>
+                </a:endParaRPr>
+              </a:p>
+            </p:txBody>
+          </p:sp>
+          <p:sp>
+            <p:nvSpPr>
+              <p:cNvPr id="54" name="직사각형 53">
+                <a:extLst>
+                  <a:ext uri="{FF2B5EF4-FFF2-40B4-BE49-F238E27FC236}">
+                    <a16:creationId xmlns:a16="http://schemas.microsoft.com/office/drawing/2014/main" id="{C657A5B5-73BC-A9A0-67EE-E3329AC46C85}"/>
+                  </a:ext>
+                </a:extLst>
+              </p:cNvPr>
+              <p:cNvSpPr/>
+              <p:nvPr/>
+            </p:nvSpPr>
+            <p:spPr>
+              <a:xfrm>
+                <a:off x="4206257" y="3075674"/>
+                <a:ext cx="741405" cy="367101"/>
+              </a:xfrm>
+              <a:prstGeom prst="rect">
+                <a:avLst/>
+              </a:prstGeom>
+              <a:solidFill>
+                <a:srgbClr val="48D1CC"/>
+              </a:solidFill>
+              <a:ln>
+                <a:noFill/>
+              </a:ln>
+            </p:spPr>
+            <p:style>
+              <a:lnRef idx="2">
+                <a:schemeClr val="accent1">
+                  <a:shade val="50000"/>
+                </a:schemeClr>
+              </a:lnRef>
+              <a:fillRef idx="1">
+                <a:schemeClr val="accent1"/>
+              </a:fillRef>
+              <a:effectRef idx="0">
+                <a:schemeClr val="accent1"/>
+              </a:effectRef>
+              <a:fontRef idx="minor">
+                <a:schemeClr val="lt1"/>
+              </a:fontRef>
+            </p:style>
+            <p:txBody>
+              <a:bodyPr rtlCol="0" anchor="ctr"/>
+              <a:lstStyle/>
+              <a:p>
+                <a:pPr algn="ctr"/>
+                <a:r>
+                  <a:rPr lang="en-US" altLang="ko-KR" sz="1200" dirty="0">
+                    <a:solidFill>
+                      <a:schemeClr val="tx1"/>
+                    </a:solidFill>
+                    <a:latin typeface="Noto Sans CJK KR" panose="020B0500000000000000" pitchFamily="34" charset="-127"/>
+                    <a:ea typeface="Noto Sans CJK KR" panose="020B0500000000000000" pitchFamily="34" charset="-127"/>
+                  </a:rPr>
+                  <a:t>Task 3</a:t>
+                </a:r>
+                <a:endParaRPr lang="ko-KR" altLang="en-US" sz="1200" dirty="0">
+                  <a:solidFill>
+                    <a:schemeClr val="tx1"/>
+                  </a:solidFill>
+                  <a:latin typeface="Noto Sans CJK KR" panose="020B0500000000000000" pitchFamily="34" charset="-127"/>
+                  <a:ea typeface="Noto Sans CJK KR" panose="020B0500000000000000" pitchFamily="34" charset="-127"/>
+                </a:endParaRPr>
+              </a:p>
+            </p:txBody>
+          </p:sp>
+          <mc:AlternateContent xmlns:mc="http://schemas.openxmlformats.org/markup-compatibility/2006" xmlns:a14="http://schemas.microsoft.com/office/drawing/2010/main">
+            <mc:Choice Requires="a14">
+              <p:sp>
+                <p:nvSpPr>
+                  <p:cNvPr id="55" name="TextBox 54">
+                    <a:extLst>
+                      <a:ext uri="{FF2B5EF4-FFF2-40B4-BE49-F238E27FC236}">
+                        <a16:creationId xmlns:a16="http://schemas.microsoft.com/office/drawing/2014/main" id="{57360A07-E3BE-5501-98F5-EC80414F38DD}"/>
+                      </a:ext>
+                    </a:extLst>
+                  </p:cNvPr>
+                  <p:cNvSpPr txBox="1"/>
+                  <p:nvPr/>
+                </p:nvSpPr>
+                <p:spPr>
+                  <a:xfrm>
+                    <a:off x="4407682" y="3442775"/>
+                    <a:ext cx="338554" cy="369332"/>
+                  </a:xfrm>
+                  <a:prstGeom prst="rect">
+                    <a:avLst/>
+                  </a:prstGeom>
+                  <a:noFill/>
+                </p:spPr>
+                <p:txBody>
+                  <a:bodyPr wrap="none" rtlCol="0">
+                    <a:spAutoFit/>
+                  </a:bodyPr>
+                  <a:lstStyle/>
+                  <a:p>
+                    <a:pPr/>
+                    <a14:m>
+                      <m:oMathPara xmlns:m="http://schemas.openxmlformats.org/officeDocument/2006/math">
+                        <m:oMathParaPr>
+                          <m:jc m:val="centerGroup"/>
+                        </m:oMathParaPr>
+                        <m:oMath xmlns:m="http://schemas.openxmlformats.org/officeDocument/2006/math">
+                          <m:r>
+                            <a:rPr lang="ko-KR" altLang="en-US" i="1" smtClean="0">
+                              <a:latin typeface="Cambria Math" panose="02040503050406030204" pitchFamily="18" charset="0"/>
+                            </a:rPr>
+                            <m:t>⋮</m:t>
+                          </m:r>
+                        </m:oMath>
+                      </m:oMathPara>
+                    </a14:m>
+                    <a:endParaRPr lang="ko-KR" altLang="en-US" dirty="0"/>
+                  </a:p>
+                </p:txBody>
+              </p:sp>
+            </mc:Choice>
+            <mc:Fallback xmlns="">
+              <p:sp>
+                <p:nvSpPr>
+                  <p:cNvPr id="55" name="TextBox 54">
+                    <a:extLst>
+                      <a:ext uri="{FF2B5EF4-FFF2-40B4-BE49-F238E27FC236}">
+                        <a16:creationId xmlns:a16="http://schemas.microsoft.com/office/drawing/2014/main" id="{57360A07-E3BE-5501-98F5-EC80414F38DD}"/>
+                      </a:ext>
+                    </a:extLst>
+                  </p:cNvPr>
+                  <p:cNvSpPr txBox="1">
+                    <a:spLocks noRot="1" noChangeAspect="1" noMove="1" noResize="1" noEditPoints="1" noAdjustHandles="1" noChangeArrowheads="1" noChangeShapeType="1" noTextEdit="1"/>
+                  </p:cNvSpPr>
+                  <p:nvPr/>
+                </p:nvSpPr>
+                <p:spPr>
+                  <a:xfrm>
+                    <a:off x="4407682" y="3442775"/>
+                    <a:ext cx="338554" cy="369332"/>
+                  </a:xfrm>
+                  <a:prstGeom prst="rect">
+                    <a:avLst/>
+                  </a:prstGeom>
+                  <a:blipFill>
+                    <a:blip r:embed="rId5"/>
+                    <a:stretch>
+                      <a:fillRect/>
+                    </a:stretch>
+                  </a:blipFill>
+                </p:spPr>
+                <p:txBody>
+                  <a:bodyPr/>
+                  <a:lstStyle/>
+                  <a:p>
+                    <a:r>
+                      <a:rPr lang="ko-KR" altLang="en-US">
+                        <a:noFill/>
+                      </a:rPr>
+                      <a:t> </a:t>
+                    </a:r>
+                  </a:p>
+                </p:txBody>
+              </p:sp>
+            </mc:Fallback>
+          </mc:AlternateContent>
+          <p:sp>
+            <p:nvSpPr>
+              <p:cNvPr id="56" name="직사각형 55">
+                <a:extLst>
+                  <a:ext uri="{FF2B5EF4-FFF2-40B4-BE49-F238E27FC236}">
+                    <a16:creationId xmlns:a16="http://schemas.microsoft.com/office/drawing/2014/main" id="{57422DF4-3E87-50FF-2406-9A71C3E2A07F}"/>
+                  </a:ext>
+                </a:extLst>
+              </p:cNvPr>
+              <p:cNvSpPr/>
+              <p:nvPr/>
+            </p:nvSpPr>
+            <p:spPr>
+              <a:xfrm>
+                <a:off x="4206256" y="3830514"/>
+                <a:ext cx="741405" cy="367101"/>
+              </a:xfrm>
+              <a:prstGeom prst="rect">
+                <a:avLst/>
+              </a:prstGeom>
+              <a:solidFill>
+                <a:srgbClr val="48D1CC"/>
+              </a:solidFill>
+              <a:ln>
+                <a:noFill/>
+              </a:ln>
+            </p:spPr>
+            <p:style>
+              <a:lnRef idx="2">
+                <a:schemeClr val="accent1">
+                  <a:shade val="50000"/>
+                </a:schemeClr>
+              </a:lnRef>
+              <a:fillRef idx="1">
+                <a:schemeClr val="accent1"/>
+              </a:fillRef>
+              <a:effectRef idx="0">
+                <a:schemeClr val="accent1"/>
+              </a:effectRef>
+              <a:fontRef idx="minor">
+                <a:schemeClr val="lt1"/>
+              </a:fontRef>
+            </p:style>
+            <p:txBody>
+              <a:bodyPr rtlCol="0" anchor="ctr"/>
+              <a:lstStyle/>
+              <a:p>
+                <a:pPr algn="ctr"/>
+                <a:r>
+                  <a:rPr lang="en-US" altLang="ko-KR" sz="1200" dirty="0">
+                    <a:solidFill>
+                      <a:schemeClr val="tx1"/>
+                    </a:solidFill>
+                    <a:latin typeface="Noto Sans CJK KR" panose="020B0500000000000000" pitchFamily="34" charset="-127"/>
+                    <a:ea typeface="Noto Sans CJK KR" panose="020B0500000000000000" pitchFamily="34" charset="-127"/>
+                  </a:rPr>
+                  <a:t>Task K</a:t>
+                </a:r>
+                <a:endParaRPr lang="ko-KR" altLang="en-US" sz="1200" dirty="0">
+                  <a:solidFill>
+                    <a:schemeClr val="tx1"/>
+                  </a:solidFill>
+                  <a:latin typeface="Noto Sans CJK KR" panose="020B0500000000000000" pitchFamily="34" charset="-127"/>
+                  <a:ea typeface="Noto Sans CJK KR" panose="020B0500000000000000" pitchFamily="34" charset="-127"/>
+                </a:endParaRPr>
+              </a:p>
+            </p:txBody>
+          </p:sp>
+        </p:grpSp>
+        <p:sp>
+          <p:nvSpPr>
+            <p:cNvPr id="75" name="사각형: 둥근 모서리 6">
+              <a:extLst>
+                <a:ext uri="{FF2B5EF4-FFF2-40B4-BE49-F238E27FC236}">
+                  <a16:creationId xmlns:a16="http://schemas.microsoft.com/office/drawing/2014/main" id="{369836F7-289F-80D9-4C8B-9F7047C1B6C8}"/>
+                </a:ext>
+              </a:extLst>
+            </p:cNvPr>
+            <p:cNvSpPr/>
+            <p:nvPr/>
+          </p:nvSpPr>
+          <p:spPr>
+            <a:xfrm>
+              <a:off x="2371935" y="3711148"/>
+              <a:ext cx="1300743" cy="637788"/>
+            </a:xfrm>
+            <a:prstGeom prst="roundRect">
+              <a:avLst/>
+            </a:prstGeom>
+            <a:solidFill>
+              <a:srgbClr val="90EE90">
+                <a:alpha val="70000"/>
+              </a:srgbClr>
+            </a:solidFill>
+            <a:ln>
+              <a:noFill/>
+            </a:ln>
+          </p:spPr>
+          <p:style>
+            <a:lnRef idx="2">
+              <a:schemeClr val="accent1">
+                <a:shade val="50000"/>
+              </a:schemeClr>
+            </a:lnRef>
+            <a:fillRef idx="1">
+              <a:schemeClr val="accent1"/>
+            </a:fillRef>
+            <a:effectRef idx="0">
+              <a:schemeClr val="accent1"/>
+            </a:effectRef>
+            <a:fontRef idx="minor">
+              <a:schemeClr val="lt1"/>
+            </a:fontRef>
+          </p:style>
+          <p:txBody>
+            <a:bodyPr rtlCol="0" anchor="ctr"/>
+            <a:lstStyle/>
+            <a:p>
+              <a:pPr algn="ctr"/>
+              <a:r>
+                <a:rPr lang="en-US" altLang="ko-KR" sz="1000" dirty="0">
+                  <a:solidFill>
+                    <a:schemeClr val="tx1"/>
+                  </a:solidFill>
+                  <a:latin typeface="Noto Sans CJK KR" panose="020B0500000000000000" pitchFamily="34" charset="-127"/>
+                  <a:ea typeface="Noto Sans CJK KR" panose="020B0500000000000000" pitchFamily="34" charset="-127"/>
+                </a:rPr>
+                <a:t>Task</a:t>
+              </a:r>
+              <a:r>
+                <a:rPr lang="ko-KR" altLang="en-US" sz="1000" dirty="0">
+                  <a:solidFill>
+                    <a:schemeClr val="tx1"/>
+                  </a:solidFill>
+                  <a:latin typeface="Noto Sans CJK KR" panose="020B0500000000000000" pitchFamily="34" charset="-127"/>
+                  <a:ea typeface="Noto Sans CJK KR" panose="020B0500000000000000" pitchFamily="34" charset="-127"/>
+                </a:rPr>
+                <a:t> </a:t>
+              </a:r>
+              <a:r>
+                <a:rPr lang="en-US" altLang="ko-KR" sz="1000" dirty="0">
+                  <a:solidFill>
+                    <a:schemeClr val="tx1"/>
+                  </a:solidFill>
+                  <a:latin typeface="Noto Sans CJK KR" panose="020B0500000000000000" pitchFamily="34" charset="-127"/>
+                  <a:ea typeface="Noto Sans CJK KR" panose="020B0500000000000000" pitchFamily="34" charset="-127"/>
+                </a:rPr>
+                <a:t>Delivery</a:t>
+              </a:r>
+              <a:r>
+                <a:rPr lang="ko-KR" altLang="en-US" sz="1000" dirty="0">
+                  <a:solidFill>
+                    <a:schemeClr val="tx1"/>
+                  </a:solidFill>
+                  <a:latin typeface="Noto Sans CJK KR" panose="020B0500000000000000" pitchFamily="34" charset="-127"/>
+                  <a:ea typeface="Noto Sans CJK KR" panose="020B0500000000000000" pitchFamily="34" charset="-127"/>
+                </a:rPr>
+                <a:t> </a:t>
+              </a:r>
+              <a:endParaRPr lang="en-US" altLang="ko-KR" sz="1000" dirty="0">
+                <a:solidFill>
+                  <a:schemeClr val="tx1"/>
+                </a:solidFill>
+                <a:latin typeface="Noto Sans CJK KR" panose="020B0500000000000000" pitchFamily="34" charset="-127"/>
+                <a:ea typeface="Noto Sans CJK KR" panose="020B0500000000000000" pitchFamily="34" charset="-127"/>
+              </a:endParaRPr>
+            </a:p>
+            <a:p>
+              <a:pPr algn="ctr"/>
+              <a:r>
+                <a:rPr lang="en-US" altLang="ko-KR" sz="1000" dirty="0">
+                  <a:solidFill>
+                    <a:schemeClr val="tx1"/>
+                  </a:solidFill>
+                  <a:latin typeface="Noto Sans CJK KR" panose="020B0500000000000000" pitchFamily="34" charset="-127"/>
+                  <a:ea typeface="Noto Sans CJK KR" panose="020B0500000000000000" pitchFamily="34" charset="-127"/>
+                </a:rPr>
+                <a:t>Service Process</a:t>
+              </a:r>
+              <a:endParaRPr lang="ko-KR" altLang="en-US" sz="1000" dirty="0">
+                <a:solidFill>
+                  <a:schemeClr val="tx1"/>
+                </a:solidFill>
+                <a:latin typeface="Noto Sans CJK KR" panose="020B0500000000000000" pitchFamily="34" charset="-127"/>
+                <a:ea typeface="Noto Sans CJK KR" panose="020B0500000000000000" pitchFamily="34" charset="-127"/>
+              </a:endParaRPr>
+            </a:p>
+          </p:txBody>
+        </p:sp>
+        <p:cxnSp>
+          <p:nvCxnSpPr>
+            <p:cNvPr id="90" name="직선 화살표 연결선 89">
+              <a:extLst>
+                <a:ext uri="{FF2B5EF4-FFF2-40B4-BE49-F238E27FC236}">
+                  <a16:creationId xmlns:a16="http://schemas.microsoft.com/office/drawing/2014/main" id="{91B3AC3D-016C-A1FD-BE86-ADAAB56708AC}"/>
+                </a:ext>
+              </a:extLst>
+            </p:cNvPr>
+            <p:cNvCxnSpPr>
+              <a:cxnSpLocks/>
+              <a:endCxn id="15" idx="1"/>
+            </p:cNvCxnSpPr>
+            <p:nvPr/>
+          </p:nvCxnSpPr>
+          <p:spPr>
+            <a:xfrm flipV="1">
+              <a:off x="4524476" y="1820592"/>
+              <a:ext cx="1710550" cy="1438536"/>
+            </a:xfrm>
+            <a:prstGeom prst="straightConnector1">
+              <a:avLst/>
+            </a:prstGeom>
+            <a:ln w="19050">
+              <a:solidFill>
+                <a:schemeClr val="tx1"/>
+              </a:solidFill>
+              <a:tailEnd type="arrow"/>
+            </a:ln>
+          </p:spPr>
+          <p:style>
+            <a:lnRef idx="1">
+              <a:schemeClr val="accent1"/>
+            </a:lnRef>
+            <a:fillRef idx="0">
+              <a:schemeClr val="accent1"/>
+            </a:fillRef>
+            <a:effectRef idx="0">
+              <a:schemeClr val="accent1"/>
+            </a:effectRef>
+            <a:fontRef idx="minor">
+              <a:schemeClr val="tx1"/>
+            </a:fontRef>
+          </p:style>
+        </p:cxnSp>
+        <p:cxnSp>
+          <p:nvCxnSpPr>
+            <p:cNvPr id="93" name="직선 화살표 연결선 92">
+              <a:extLst>
+                <a:ext uri="{FF2B5EF4-FFF2-40B4-BE49-F238E27FC236}">
+                  <a16:creationId xmlns:a16="http://schemas.microsoft.com/office/drawing/2014/main" id="{25EC0201-154A-C342-9981-95481A84285F}"/>
+                </a:ext>
+              </a:extLst>
+            </p:cNvPr>
+            <p:cNvCxnSpPr>
+              <a:cxnSpLocks/>
+              <a:stCxn id="53" idx="3"/>
+              <a:endCxn id="17" idx="1"/>
+            </p:cNvCxnSpPr>
+            <p:nvPr/>
+          </p:nvCxnSpPr>
+          <p:spPr>
+            <a:xfrm flipV="1">
+              <a:off x="4524475" y="2767231"/>
+              <a:ext cx="1726127" cy="973922"/>
+            </a:xfrm>
+            <a:prstGeom prst="straightConnector1">
+              <a:avLst/>
+            </a:prstGeom>
+            <a:ln w="19050">
+              <a:solidFill>
+                <a:schemeClr val="tx1"/>
+              </a:solidFill>
+              <a:tailEnd type="arrow"/>
+            </a:ln>
+          </p:spPr>
+          <p:style>
+            <a:lnRef idx="1">
+              <a:schemeClr val="accent1"/>
+            </a:lnRef>
+            <a:fillRef idx="0">
+              <a:schemeClr val="accent1"/>
+            </a:fillRef>
+            <a:effectRef idx="0">
+              <a:schemeClr val="accent1"/>
+            </a:effectRef>
+            <a:fontRef idx="minor">
+              <a:schemeClr val="tx1"/>
+            </a:fontRef>
+          </p:style>
+        </p:cxnSp>
+        <p:cxnSp>
+          <p:nvCxnSpPr>
+            <p:cNvPr id="96" name="직선 화살표 연결선 95">
+              <a:extLst>
+                <a:ext uri="{FF2B5EF4-FFF2-40B4-BE49-F238E27FC236}">
+                  <a16:creationId xmlns:a16="http://schemas.microsoft.com/office/drawing/2014/main" id="{AEF54941-7679-7409-DC1B-9FA728754954}"/>
+                </a:ext>
+              </a:extLst>
+            </p:cNvPr>
+            <p:cNvCxnSpPr>
+              <a:cxnSpLocks/>
+              <a:stCxn id="54" idx="3"/>
+              <a:endCxn id="14" idx="1"/>
+            </p:cNvCxnSpPr>
+            <p:nvPr/>
+          </p:nvCxnSpPr>
+          <p:spPr>
+            <a:xfrm flipV="1">
+              <a:off x="4524475" y="3707522"/>
+              <a:ext cx="1726127" cy="441592"/>
+            </a:xfrm>
+            <a:prstGeom prst="straightConnector1">
+              <a:avLst/>
+            </a:prstGeom>
+            <a:ln w="19050">
+              <a:solidFill>
+                <a:schemeClr val="tx1"/>
+              </a:solidFill>
+              <a:tailEnd type="arrow"/>
+            </a:ln>
+          </p:spPr>
+          <p:style>
+            <a:lnRef idx="1">
+              <a:schemeClr val="accent1"/>
+            </a:lnRef>
+            <a:fillRef idx="0">
+              <a:schemeClr val="accent1"/>
+            </a:fillRef>
+            <a:effectRef idx="0">
+              <a:schemeClr val="accent1"/>
+            </a:effectRef>
+            <a:fontRef idx="minor">
+              <a:schemeClr val="tx1"/>
+            </a:fontRef>
+          </p:style>
+        </p:cxnSp>
+        <p:cxnSp>
+          <p:nvCxnSpPr>
+            <p:cNvPr id="101" name="직선 화살표 연결선 100">
+              <a:extLst>
+                <a:ext uri="{FF2B5EF4-FFF2-40B4-BE49-F238E27FC236}">
+                  <a16:creationId xmlns:a16="http://schemas.microsoft.com/office/drawing/2014/main" id="{6DB6E509-2E0E-4122-226E-CF8302A306C6}"/>
+                </a:ext>
+              </a:extLst>
+            </p:cNvPr>
+            <p:cNvCxnSpPr>
+              <a:cxnSpLocks/>
+              <a:stCxn id="56" idx="3"/>
+              <a:endCxn id="18" idx="1"/>
+            </p:cNvCxnSpPr>
+            <p:nvPr/>
+          </p:nvCxnSpPr>
+          <p:spPr>
+            <a:xfrm flipV="1">
+              <a:off x="4524474" y="4881323"/>
+              <a:ext cx="1710552" cy="22631"/>
+            </a:xfrm>
+            <a:prstGeom prst="straightConnector1">
+              <a:avLst/>
+            </a:prstGeom>
+            <a:ln w="19050">
+              <a:solidFill>
+                <a:schemeClr val="tx1"/>
+              </a:solidFill>
+              <a:tailEnd type="arrow"/>
+            </a:ln>
+          </p:spPr>
+          <p:style>
+            <a:lnRef idx="1">
+              <a:schemeClr val="accent1"/>
+            </a:lnRef>
+            <a:fillRef idx="0">
+              <a:schemeClr val="accent1"/>
+            </a:fillRef>
+            <a:effectRef idx="0">
+              <a:schemeClr val="accent1"/>
+            </a:effectRef>
+            <a:fontRef idx="minor">
+              <a:schemeClr val="tx1"/>
+            </a:fontRef>
+          </p:style>
+        </p:cxnSp>
+      </p:grpSp>
+      <p:sp>
+        <p:nvSpPr>
+          <p:cNvPr id="110" name="TextBox 109">
+            <a:extLst>
+              <a:ext uri="{FF2B5EF4-FFF2-40B4-BE49-F238E27FC236}">
+                <a16:creationId xmlns:a16="http://schemas.microsoft.com/office/drawing/2014/main" id="{B930C00C-FB5A-B0D1-DB4B-05418B58038F}"/>
+              </a:ext>
+            </a:extLst>
+          </p:cNvPr>
+          <p:cNvSpPr txBox="1"/>
+          <p:nvPr/>
+        </p:nvSpPr>
+        <p:spPr>
+          <a:xfrm>
+            <a:off x="131768" y="759462"/>
+            <a:ext cx="11570606" cy="377539"/>
+          </a:xfrm>
+          <a:prstGeom prst="rect">
+            <a:avLst/>
+          </a:prstGeom>
+          <a:noFill/>
+        </p:spPr>
+        <p:txBody>
+          <a:bodyPr wrap="square" rtlCol="0">
+            <a:spAutoFit/>
+          </a:bodyPr>
+          <a:lstStyle/>
+          <a:p>
+            <a:pPr marL="285750" indent="-285750">
+              <a:lnSpc>
+                <a:spcPct val="150000"/>
+              </a:lnSpc>
+              <a:buFont typeface="Wingdings" panose="05000000000000000000" pitchFamily="2" charset="2"/>
+              <a:buChar char="v"/>
+            </a:pPr>
+            <a:r>
+              <a:rPr lang="ko-KR" altLang="en-US" sz="1400" b="1" dirty="0">
+                <a:latin typeface="Noto Sans CJK KR" panose="020B0500000000000000" pitchFamily="34" charset="-127"/>
+                <a:ea typeface="Noto Sans CJK KR" panose="020B0500000000000000" pitchFamily="34" charset="-127"/>
+              </a:rPr>
+              <a:t>분할된 수집리스트 전달</a:t>
+            </a:r>
+            <a:endParaRPr lang="en-US" altLang="ko-KR" sz="1400" b="1" dirty="0">
+              <a:solidFill>
+                <a:srgbClr val="0000CD"/>
+              </a:solidFill>
+              <a:latin typeface="Noto Sans CJK KR" panose="020B0500000000000000" pitchFamily="34" charset="-127"/>
+              <a:ea typeface="Noto Sans CJK KR" panose="020B0500000000000000" pitchFamily="34" charset="-127"/>
+            </a:endParaRPr>
+          </a:p>
+        </p:txBody>
+      </p:sp>
+    </p:spTree>
+    <p:extLst>
+      <p:ext uri="{BB962C8B-B14F-4D97-AF65-F5344CB8AC3E}">
+        <p14:creationId xmlns:p14="http://schemas.microsoft.com/office/powerpoint/2010/main" val="3092577143"/>
+      </p:ext>
+    </p:extLst>
+  </p:cSld>
+  <p:clrMapOvr>
+    <a:masterClrMapping/>
+  </p:clrMapOvr>
+</p:sld>
+</file>
+
+<file path=ppt/slides/slide11.xml><?xml version="1.0" encoding="utf-8"?>
+<p:sld xmlns:a="http://schemas.openxmlformats.org/drawingml/2006/main" xmlns:r="http://schemas.openxmlformats.org/officeDocument/2006/relationships" xmlns:p="http://schemas.openxmlformats.org/presentationml/2006/main">
+  <p:cSld>
+    <p:spTree>
+      <p:nvGrpSpPr>
+        <p:cNvPr id="1" name=""/>
+        <p:cNvGrpSpPr/>
+        <p:nvPr/>
+      </p:nvGrpSpPr>
+      <p:grpSpPr>
+        <a:xfrm>
+          <a:off x="0" y="0"/>
+          <a:ext cx="0" cy="0"/>
+          <a:chOff x="0" y="0"/>
+          <a:chExt cx="0" cy="0"/>
+        </a:xfrm>
+      </p:grpSpPr>
+      <p:grpSp>
+        <p:nvGrpSpPr>
+          <p:cNvPr id="10" name="그룹 9">
+            <a:extLst>
+              <a:ext uri="{FF2B5EF4-FFF2-40B4-BE49-F238E27FC236}">
+                <a16:creationId xmlns:a16="http://schemas.microsoft.com/office/drawing/2014/main" id="{83F0A693-8190-61A0-945D-8C9500149875}"/>
+              </a:ext>
+            </a:extLst>
+          </p:cNvPr>
+          <p:cNvGrpSpPr/>
+          <p:nvPr/>
+        </p:nvGrpSpPr>
+        <p:grpSpPr>
+          <a:xfrm>
+            <a:off x="7762875" y="1391846"/>
+            <a:ext cx="3833717" cy="4437454"/>
+            <a:chOff x="7800975" y="297426"/>
+            <a:chExt cx="3833717" cy="4437454"/>
+          </a:xfrm>
+        </p:grpSpPr>
+        <p:cxnSp>
+          <p:nvCxnSpPr>
+            <p:cNvPr id="16" name="직선 화살표 연결선 15">
+              <a:extLst>
+                <a:ext uri="{FF2B5EF4-FFF2-40B4-BE49-F238E27FC236}">
+                  <a16:creationId xmlns:a16="http://schemas.microsoft.com/office/drawing/2014/main" id="{9FFE6438-71E8-EE06-C32D-B15BC6D33172}"/>
+                </a:ext>
+              </a:extLst>
+            </p:cNvPr>
+            <p:cNvCxnSpPr>
+              <a:cxnSpLocks/>
+            </p:cNvCxnSpPr>
+            <p:nvPr/>
+          </p:nvCxnSpPr>
+          <p:spPr>
+            <a:xfrm flipV="1">
+              <a:off x="9181093" y="1984243"/>
+              <a:ext cx="0" cy="566247"/>
+            </a:xfrm>
+            <a:prstGeom prst="straightConnector1">
+              <a:avLst/>
+            </a:prstGeom>
+            <a:ln w="19050">
+              <a:solidFill>
+                <a:schemeClr val="tx1"/>
+              </a:solidFill>
+              <a:headEnd type="arrow"/>
+              <a:tailEnd type="none"/>
+            </a:ln>
+          </p:spPr>
+          <p:style>
+            <a:lnRef idx="1">
+              <a:schemeClr val="accent1"/>
+            </a:lnRef>
+            <a:fillRef idx="0">
+              <a:schemeClr val="accent1"/>
+            </a:fillRef>
+            <a:effectRef idx="0">
+              <a:schemeClr val="accent1"/>
+            </a:effectRef>
+            <a:fontRef idx="minor">
+              <a:schemeClr val="tx1"/>
+            </a:fontRef>
+          </p:style>
+        </p:cxnSp>
+        <p:sp>
+          <p:nvSpPr>
+            <p:cNvPr id="28" name="직사각형 27"/>
+            <p:cNvSpPr/>
+            <p:nvPr/>
+          </p:nvSpPr>
+          <p:spPr>
+            <a:xfrm>
+              <a:off x="7800975" y="846615"/>
+              <a:ext cx="3833717" cy="3888265"/>
+            </a:xfrm>
+            <a:prstGeom prst="rect">
+              <a:avLst/>
+            </a:prstGeom>
+            <a:solidFill>
+              <a:srgbClr val="7B68EE">
+                <a:alpha val="11000"/>
+              </a:srgbClr>
+            </a:solidFill>
+            <a:ln>
+              <a:noFill/>
+            </a:ln>
+          </p:spPr>
+          <p:style>
+            <a:lnRef idx="2">
+              <a:schemeClr val="accent1">
+                <a:shade val="50000"/>
+              </a:schemeClr>
+            </a:lnRef>
+            <a:fillRef idx="1">
+              <a:schemeClr val="accent1"/>
+            </a:fillRef>
+            <a:effectRef idx="0">
+              <a:schemeClr val="accent1"/>
+            </a:effectRef>
+            <a:fontRef idx="minor">
+              <a:schemeClr val="lt1"/>
+            </a:fontRef>
+          </p:style>
+          <p:txBody>
+            <a:bodyPr rtlCol="0" anchor="ctr"/>
+            <a:lstStyle/>
+            <a:p>
+              <a:pPr algn="ctr"/>
+              <a:endParaRPr lang="ko-KR" altLang="en-US" dirty="0">
+                <a:latin typeface="Noto Sans CJK KR" panose="020B0500000000000000" pitchFamily="34" charset="-127"/>
+                <a:ea typeface="Noto Sans CJK KR" panose="020B0500000000000000" pitchFamily="34" charset="-127"/>
+              </a:endParaRPr>
+            </a:p>
+          </p:txBody>
+        </p:sp>
+        <p:sp>
+          <p:nvSpPr>
+            <p:cNvPr id="22" name="TextBox 21">
+              <a:extLst>
+                <a:ext uri="{FF2B5EF4-FFF2-40B4-BE49-F238E27FC236}">
+                  <a16:creationId xmlns:a16="http://schemas.microsoft.com/office/drawing/2014/main" id="{5A3B92B5-FE63-538A-FA0D-2C938FE70523}"/>
+                </a:ext>
+              </a:extLst>
+            </p:cNvPr>
+            <p:cNvSpPr txBox="1"/>
+            <p:nvPr/>
+          </p:nvSpPr>
+          <p:spPr>
+            <a:xfrm>
+              <a:off x="9190104" y="2083794"/>
+              <a:ext cx="820417" cy="338554"/>
+            </a:xfrm>
+            <a:prstGeom prst="rect">
+              <a:avLst/>
+            </a:prstGeom>
+            <a:noFill/>
+          </p:spPr>
+          <p:txBody>
+            <a:bodyPr wrap="none" rtlCol="0">
+              <a:spAutoFit/>
+            </a:bodyPr>
+            <a:lstStyle/>
+            <a:p>
+              <a:r>
+                <a:rPr lang="ko-KR" altLang="en-US" sz="1600" dirty="0">
+                  <a:latin typeface="Noto Sans CJK KR" panose="020B0500000000000000" pitchFamily="34" charset="-127"/>
+                  <a:ea typeface="Noto Sans CJK KR" panose="020B0500000000000000" pitchFamily="34" charset="-127"/>
+                </a:rPr>
+                <a:t>① </a:t>
+              </a:r>
+              <a:r>
+                <a:rPr lang="en-US" altLang="ko-KR" sz="1600" dirty="0">
+                  <a:latin typeface="Noto Sans CJK KR" panose="020B0500000000000000" pitchFamily="34" charset="-127"/>
+                  <a:ea typeface="Noto Sans CJK KR" panose="020B0500000000000000" pitchFamily="34" charset="-127"/>
+                </a:rPr>
+                <a:t>fork</a:t>
+              </a:r>
+              <a:endParaRPr lang="ko-KR" altLang="en-US" sz="1600" dirty="0">
+                <a:latin typeface="Noto Sans CJK KR" panose="020B0500000000000000" pitchFamily="34" charset="-127"/>
+                <a:ea typeface="Noto Sans CJK KR" panose="020B0500000000000000" pitchFamily="34" charset="-127"/>
+              </a:endParaRPr>
+            </a:p>
+          </p:txBody>
+        </p:sp>
+        <p:sp>
+          <p:nvSpPr>
+            <p:cNvPr id="40" name="TextBox 39">
+              <a:extLst>
+                <a:ext uri="{FF2B5EF4-FFF2-40B4-BE49-F238E27FC236}">
+                  <a16:creationId xmlns:a16="http://schemas.microsoft.com/office/drawing/2014/main" id="{5A3B92B5-FE63-538A-FA0D-2C938FE70523}"/>
+                </a:ext>
+              </a:extLst>
+            </p:cNvPr>
+            <p:cNvSpPr txBox="1"/>
+            <p:nvPr/>
+          </p:nvSpPr>
+          <p:spPr>
+            <a:xfrm>
+              <a:off x="10373593" y="4075417"/>
+              <a:ext cx="1177887" cy="338554"/>
+            </a:xfrm>
+            <a:prstGeom prst="rect">
+              <a:avLst/>
+            </a:prstGeom>
+            <a:noFill/>
+          </p:spPr>
+          <p:txBody>
+            <a:bodyPr wrap="none" rtlCol="0">
+              <a:spAutoFit/>
+            </a:bodyPr>
+            <a:lstStyle/>
+            <a:p>
+              <a:r>
+                <a:rPr lang="ko-KR" altLang="en-US" sz="1600" dirty="0">
+                  <a:latin typeface="Noto Sans CJK KR" panose="020B0500000000000000" pitchFamily="34" charset="-127"/>
+                  <a:ea typeface="Noto Sans CJK KR" panose="020B0500000000000000" pitchFamily="34" charset="-127"/>
+                </a:rPr>
+                <a:t>② </a:t>
+              </a:r>
+              <a:r>
+                <a:rPr lang="en-US" altLang="ko-KR" sz="1600" dirty="0">
+                  <a:latin typeface="Noto Sans CJK KR" panose="020B0500000000000000" pitchFamily="34" charset="-127"/>
+                  <a:ea typeface="Noto Sans CJK KR" panose="020B0500000000000000" pitchFamily="34" charset="-127"/>
+                </a:rPr>
+                <a:t>execute</a:t>
+              </a:r>
+              <a:endParaRPr lang="ko-KR" altLang="en-US" sz="1600" dirty="0">
+                <a:latin typeface="Noto Sans CJK KR" panose="020B0500000000000000" pitchFamily="34" charset="-127"/>
+                <a:ea typeface="Noto Sans CJK KR" panose="020B0500000000000000" pitchFamily="34" charset="-127"/>
+              </a:endParaRPr>
+            </a:p>
+          </p:txBody>
+        </p:sp>
+        <p:cxnSp>
+          <p:nvCxnSpPr>
+            <p:cNvPr id="44" name="직선 화살표 연결선 43">
+              <a:extLst>
+                <a:ext uri="{FF2B5EF4-FFF2-40B4-BE49-F238E27FC236}">
+                  <a16:creationId xmlns:a16="http://schemas.microsoft.com/office/drawing/2014/main" id="{6D48CCA8-8ECA-2288-8434-92FFE3F31B7B}"/>
+                </a:ext>
+              </a:extLst>
+            </p:cNvPr>
+            <p:cNvCxnSpPr>
+              <a:cxnSpLocks/>
+            </p:cNvCxnSpPr>
+            <p:nvPr/>
+          </p:nvCxnSpPr>
+          <p:spPr>
+            <a:xfrm flipV="1">
+              <a:off x="9181093" y="648998"/>
+              <a:ext cx="0" cy="566247"/>
+            </a:xfrm>
+            <a:prstGeom prst="straightConnector1">
+              <a:avLst/>
+            </a:prstGeom>
+            <a:ln w="19050">
+              <a:solidFill>
+                <a:schemeClr val="tx1"/>
+              </a:solidFill>
+              <a:headEnd type="arrow"/>
+              <a:tailEnd type="none"/>
+            </a:ln>
+          </p:spPr>
+          <p:style>
+            <a:lnRef idx="1">
+              <a:schemeClr val="accent1"/>
+            </a:lnRef>
+            <a:fillRef idx="0">
+              <a:schemeClr val="accent1"/>
+            </a:fillRef>
+            <a:effectRef idx="0">
+              <a:schemeClr val="accent1"/>
+            </a:effectRef>
+            <a:fontRef idx="minor">
+              <a:schemeClr val="tx1"/>
+            </a:fontRef>
+          </p:style>
+        </p:cxnSp>
+        <p:sp>
+          <p:nvSpPr>
+            <p:cNvPr id="45" name="TextBox 44">
+              <a:extLst>
+                <a:ext uri="{FF2B5EF4-FFF2-40B4-BE49-F238E27FC236}">
+                  <a16:creationId xmlns:a16="http://schemas.microsoft.com/office/drawing/2014/main" id="{1423A233-9AEA-8CAC-76FB-A3B8F3493281}"/>
+                </a:ext>
+              </a:extLst>
+            </p:cNvPr>
+            <p:cNvSpPr txBox="1"/>
+            <p:nvPr/>
+          </p:nvSpPr>
+          <p:spPr>
+            <a:xfrm>
+              <a:off x="8687576" y="297426"/>
+              <a:ext cx="952825" cy="338554"/>
+            </a:xfrm>
+            <a:prstGeom prst="rect">
+              <a:avLst/>
+            </a:prstGeom>
+            <a:noFill/>
+          </p:spPr>
+          <p:txBody>
+            <a:bodyPr wrap="none" rtlCol="0">
+              <a:spAutoFit/>
+            </a:bodyPr>
+            <a:lstStyle/>
+            <a:p>
+              <a:r>
+                <a:rPr lang="en-US" altLang="ko-KR" sz="1600" dirty="0">
+                  <a:latin typeface="Noto Sans CJK KR" panose="020B0500000000000000" pitchFamily="34" charset="-127"/>
+                  <a:ea typeface="Noto Sans CJK KR" panose="020B0500000000000000" pitchFamily="34" charset="-127"/>
+                </a:rPr>
+                <a:t>delivery</a:t>
+              </a:r>
+              <a:endParaRPr lang="ko-KR" altLang="en-US" sz="1600" dirty="0">
+                <a:latin typeface="Noto Sans CJK KR" panose="020B0500000000000000" pitchFamily="34" charset="-127"/>
+                <a:ea typeface="Noto Sans CJK KR" panose="020B0500000000000000" pitchFamily="34" charset="-127"/>
+              </a:endParaRPr>
+            </a:p>
+          </p:txBody>
+        </p:sp>
+        <p:sp>
+          <p:nvSpPr>
+            <p:cNvPr id="46" name="사각형: 둥근 모서리 6">
+              <a:extLst>
+                <a:ext uri="{FF2B5EF4-FFF2-40B4-BE49-F238E27FC236}">
+                  <a16:creationId xmlns:a16="http://schemas.microsoft.com/office/drawing/2014/main" id="{6854C04A-E523-F587-164E-852C04F0CA90}"/>
+                </a:ext>
+              </a:extLst>
+            </p:cNvPr>
+            <p:cNvSpPr/>
+            <p:nvPr/>
+          </p:nvSpPr>
+          <p:spPr>
+            <a:xfrm>
+              <a:off x="8302887" y="1297501"/>
+              <a:ext cx="1725986" cy="686742"/>
+            </a:xfrm>
+            <a:prstGeom prst="roundRect">
+              <a:avLst/>
+            </a:prstGeom>
+            <a:solidFill>
+              <a:srgbClr val="00BFFF">
+                <a:alpha val="50000"/>
+              </a:srgbClr>
+            </a:solidFill>
+            <a:ln>
+              <a:noFill/>
+            </a:ln>
+          </p:spPr>
+          <p:style>
+            <a:lnRef idx="2">
+              <a:schemeClr val="accent1">
+                <a:shade val="50000"/>
+              </a:schemeClr>
+            </a:lnRef>
+            <a:fillRef idx="1">
+              <a:schemeClr val="accent1"/>
+            </a:fillRef>
+            <a:effectRef idx="0">
+              <a:schemeClr val="accent1"/>
+            </a:effectRef>
+            <a:fontRef idx="minor">
+              <a:schemeClr val="lt1"/>
+            </a:fontRef>
+          </p:style>
+          <p:txBody>
+            <a:bodyPr rtlCol="0" anchor="ctr"/>
+            <a:lstStyle/>
+            <a:p>
+              <a:pPr algn="ctr"/>
+              <a:r>
+                <a:rPr lang="en-US" altLang="ko-KR" sz="1200" dirty="0">
+                  <a:solidFill>
+                    <a:schemeClr val="tx1"/>
+                  </a:solidFill>
+                  <a:latin typeface="Noto Sans CJK KR" panose="020B0500000000000000" pitchFamily="34" charset="-127"/>
+                  <a:ea typeface="Noto Sans CJK KR" panose="020B0500000000000000" pitchFamily="34" charset="-127"/>
+                </a:rPr>
+                <a:t>IPC Service</a:t>
+              </a:r>
+              <a:r>
+                <a:rPr lang="ko-KR" altLang="en-US" sz="1200" dirty="0">
+                  <a:solidFill>
+                    <a:schemeClr val="tx1"/>
+                  </a:solidFill>
+                  <a:latin typeface="Noto Sans CJK KR" panose="020B0500000000000000" pitchFamily="34" charset="-127"/>
+                  <a:ea typeface="Noto Sans CJK KR" panose="020B0500000000000000" pitchFamily="34" charset="-127"/>
+                </a:rPr>
+                <a:t> </a:t>
+              </a:r>
+              <a:r>
+                <a:rPr lang="en-US" altLang="ko-KR" sz="1200" dirty="0">
+                  <a:solidFill>
+                    <a:schemeClr val="tx1"/>
+                  </a:solidFill>
+                  <a:latin typeface="Noto Sans CJK KR" panose="020B0500000000000000" pitchFamily="34" charset="-127"/>
+                  <a:ea typeface="Noto Sans CJK KR" panose="020B0500000000000000" pitchFamily="34" charset="-127"/>
+                </a:rPr>
+                <a:t>Module</a:t>
+              </a:r>
+              <a:endParaRPr lang="ko-KR" altLang="en-US" sz="1200" dirty="0">
+                <a:solidFill>
+                  <a:schemeClr val="tx1"/>
+                </a:solidFill>
+                <a:latin typeface="Noto Sans CJK KR" panose="020B0500000000000000" pitchFamily="34" charset="-127"/>
+                <a:ea typeface="Noto Sans CJK KR" panose="020B0500000000000000" pitchFamily="34" charset="-127"/>
+              </a:endParaRPr>
+            </a:p>
+          </p:txBody>
+        </p:sp>
+        <p:grpSp>
+          <p:nvGrpSpPr>
+            <p:cNvPr id="9" name="그룹 8">
+              <a:extLst>
+                <a:ext uri="{FF2B5EF4-FFF2-40B4-BE49-F238E27FC236}">
+                  <a16:creationId xmlns:a16="http://schemas.microsoft.com/office/drawing/2014/main" id="{660DFAD9-0E45-B465-3067-2EEFE3ED198D}"/>
+                </a:ext>
+              </a:extLst>
+            </p:cNvPr>
+            <p:cNvGrpSpPr/>
+            <p:nvPr/>
+          </p:nvGrpSpPr>
+          <p:grpSpPr>
+            <a:xfrm>
+              <a:off x="8031094" y="2583050"/>
+              <a:ext cx="2318019" cy="1861699"/>
+              <a:chOff x="7991475" y="2491226"/>
+              <a:chExt cx="2318019" cy="1861699"/>
+            </a:xfrm>
+          </p:grpSpPr>
+          <p:sp>
+            <p:nvSpPr>
+              <p:cNvPr id="8" name="직사각형 7">
+                <a:extLst>
+                  <a:ext uri="{FF2B5EF4-FFF2-40B4-BE49-F238E27FC236}">
+                    <a16:creationId xmlns:a16="http://schemas.microsoft.com/office/drawing/2014/main" id="{292B17BF-8BD5-8768-F478-A0CBE8726C04}"/>
+                  </a:ext>
+                </a:extLst>
+              </p:cNvPr>
+              <p:cNvSpPr/>
+              <p:nvPr/>
+            </p:nvSpPr>
+            <p:spPr>
+              <a:xfrm>
+                <a:off x="7991475" y="2491226"/>
+                <a:ext cx="2318019" cy="1861699"/>
+              </a:xfrm>
+              <a:prstGeom prst="rect">
+                <a:avLst/>
+              </a:prstGeom>
+              <a:noFill/>
+              <a:ln>
+                <a:solidFill>
+                  <a:schemeClr val="tx1"/>
+                </a:solidFill>
+              </a:ln>
+            </p:spPr>
+            <p:style>
+              <a:lnRef idx="2">
+                <a:schemeClr val="accent1">
+                  <a:shade val="50000"/>
+                </a:schemeClr>
+              </a:lnRef>
+              <a:fillRef idx="1">
+                <a:schemeClr val="accent1"/>
+              </a:fillRef>
+              <a:effectRef idx="0">
+                <a:schemeClr val="accent1"/>
+              </a:effectRef>
+              <a:fontRef idx="minor">
+                <a:schemeClr val="lt1"/>
+              </a:fontRef>
+            </p:style>
+            <p:txBody>
+              <a:bodyPr rtlCol="0" anchor="ctr"/>
+              <a:lstStyle/>
+              <a:p>
+                <a:pPr algn="ctr"/>
+                <a:endParaRPr lang="ko-KR" altLang="en-US"/>
+              </a:p>
+            </p:txBody>
+          </p:sp>
+          <p:grpSp>
+            <p:nvGrpSpPr>
+              <p:cNvPr id="5" name="그룹 4">
+                <a:extLst>
+                  <a:ext uri="{FF2B5EF4-FFF2-40B4-BE49-F238E27FC236}">
+                    <a16:creationId xmlns:a16="http://schemas.microsoft.com/office/drawing/2014/main" id="{5A537DFB-04ED-D69F-2E02-00D758608956}"/>
+                  </a:ext>
+                </a:extLst>
+              </p:cNvPr>
+              <p:cNvGrpSpPr/>
+              <p:nvPr/>
+            </p:nvGrpSpPr>
+            <p:grpSpPr>
+              <a:xfrm>
+                <a:off x="8100651" y="2603467"/>
+                <a:ext cx="2130458" cy="1635239"/>
+                <a:chOff x="3548342" y="1766161"/>
+                <a:chExt cx="2130458" cy="1635239"/>
+              </a:xfrm>
+            </p:grpSpPr>
+            <p:sp>
+              <p:nvSpPr>
+                <p:cNvPr id="48" name="사각형: 둥근 모서리 6">
+                  <a:extLst>
+                    <a:ext uri="{FF2B5EF4-FFF2-40B4-BE49-F238E27FC236}">
+                      <a16:creationId xmlns:a16="http://schemas.microsoft.com/office/drawing/2014/main" id="{60F10154-40E8-874D-DCB3-0CA0B07CF973}"/>
+                    </a:ext>
+                  </a:extLst>
+                </p:cNvPr>
+                <p:cNvSpPr/>
+                <p:nvPr/>
+              </p:nvSpPr>
+              <p:spPr>
+                <a:xfrm>
+                  <a:off x="3548342" y="1766161"/>
+                  <a:ext cx="2130458" cy="499025"/>
+                </a:xfrm>
+                <a:prstGeom prst="roundRect">
+                  <a:avLst/>
+                </a:prstGeom>
+                <a:solidFill>
+                  <a:srgbClr val="90EE90">
+                    <a:alpha val="70000"/>
+                  </a:srgbClr>
+                </a:solidFill>
+                <a:ln>
+                  <a:noFill/>
+                </a:ln>
+              </p:spPr>
+              <p:style>
+                <a:lnRef idx="2">
+                  <a:schemeClr val="accent1">
+                    <a:shade val="50000"/>
+                  </a:schemeClr>
+                </a:lnRef>
+                <a:fillRef idx="1">
+                  <a:schemeClr val="accent1"/>
+                </a:fillRef>
+                <a:effectRef idx="0">
+                  <a:schemeClr val="accent1"/>
+                </a:effectRef>
+                <a:fontRef idx="minor">
+                  <a:schemeClr val="lt1"/>
+                </a:fontRef>
+              </p:style>
+              <p:txBody>
+                <a:bodyPr rtlCol="0" anchor="ctr"/>
+                <a:lstStyle/>
+                <a:p>
+                  <a:pPr algn="ctr"/>
+                  <a:r>
+                    <a:rPr lang="en-US" altLang="ko-KR" sz="1000" dirty="0">
+                      <a:solidFill>
+                        <a:schemeClr val="tx1"/>
+                      </a:solidFill>
+                      <a:latin typeface="Noto Sans CJK KR" panose="020B0500000000000000" pitchFamily="34" charset="-127"/>
+                      <a:ea typeface="Noto Sans CJK KR" panose="020B0500000000000000" pitchFamily="34" charset="-127"/>
+                    </a:rPr>
+                    <a:t>Portal Collect Service Process</a:t>
+                  </a:r>
+                  <a:endParaRPr lang="ko-KR" altLang="en-US" sz="1000" dirty="0">
+                    <a:solidFill>
+                      <a:schemeClr val="tx1"/>
+                    </a:solidFill>
+                    <a:latin typeface="Noto Sans CJK KR" panose="020B0500000000000000" pitchFamily="34" charset="-127"/>
+                    <a:ea typeface="Noto Sans CJK KR" panose="020B0500000000000000" pitchFamily="34" charset="-127"/>
+                  </a:endParaRPr>
+                </a:p>
+              </p:txBody>
+            </p:sp>
+            <p:sp>
+              <p:nvSpPr>
+                <p:cNvPr id="51" name="사각형: 둥근 모서리 6">
+                  <a:extLst>
+                    <a:ext uri="{FF2B5EF4-FFF2-40B4-BE49-F238E27FC236}">
+                      <a16:creationId xmlns:a16="http://schemas.microsoft.com/office/drawing/2014/main" id="{2A43BC52-0A7A-C3E3-05D8-8357FD508F0C}"/>
+                    </a:ext>
+                  </a:extLst>
+                </p:cNvPr>
+                <p:cNvSpPr/>
+                <p:nvPr/>
+              </p:nvSpPr>
+              <p:spPr>
+                <a:xfrm>
+                  <a:off x="3548342" y="2334268"/>
+                  <a:ext cx="2130458" cy="499025"/>
+                </a:xfrm>
+                <a:prstGeom prst="roundRect">
+                  <a:avLst/>
+                </a:prstGeom>
+                <a:solidFill>
+                  <a:srgbClr val="90EE90">
+                    <a:alpha val="70000"/>
+                  </a:srgbClr>
+                </a:solidFill>
+                <a:ln>
+                  <a:noFill/>
+                </a:ln>
+              </p:spPr>
+              <p:style>
+                <a:lnRef idx="2">
+                  <a:schemeClr val="accent1">
+                    <a:shade val="50000"/>
+                  </a:schemeClr>
+                </a:lnRef>
+                <a:fillRef idx="1">
+                  <a:schemeClr val="accent1"/>
+                </a:fillRef>
+                <a:effectRef idx="0">
+                  <a:schemeClr val="accent1"/>
+                </a:effectRef>
+                <a:fontRef idx="minor">
+                  <a:schemeClr val="lt1"/>
+                </a:fontRef>
+              </p:style>
+              <p:txBody>
+                <a:bodyPr rtlCol="0" anchor="ctr"/>
+                <a:lstStyle/>
+                <a:p>
+                  <a:pPr algn="ctr"/>
+                  <a:r>
+                    <a:rPr lang="en-US" altLang="ko-KR" sz="1000" dirty="0">
+                      <a:solidFill>
+                        <a:schemeClr val="tx1"/>
+                      </a:solidFill>
+                      <a:latin typeface="Noto Sans CJK KR" panose="020B0500000000000000" pitchFamily="34" charset="-127"/>
+                      <a:ea typeface="Noto Sans CJK KR" panose="020B0500000000000000" pitchFamily="34" charset="-127"/>
+                    </a:rPr>
+                    <a:t>News Collect Service Process</a:t>
+                  </a:r>
+                  <a:endParaRPr lang="ko-KR" altLang="en-US" sz="1000" dirty="0">
+                    <a:solidFill>
+                      <a:schemeClr val="tx1"/>
+                    </a:solidFill>
+                    <a:latin typeface="Noto Sans CJK KR" panose="020B0500000000000000" pitchFamily="34" charset="-127"/>
+                    <a:ea typeface="Noto Sans CJK KR" panose="020B0500000000000000" pitchFamily="34" charset="-127"/>
+                  </a:endParaRPr>
+                </a:p>
+              </p:txBody>
+            </p:sp>
+            <p:sp>
+              <p:nvSpPr>
+                <p:cNvPr id="52" name="사각형: 둥근 모서리 6">
+                  <a:extLst>
+                    <a:ext uri="{FF2B5EF4-FFF2-40B4-BE49-F238E27FC236}">
+                      <a16:creationId xmlns:a16="http://schemas.microsoft.com/office/drawing/2014/main" id="{B96AD634-3F44-3276-7DFE-827B4D6919E3}"/>
+                    </a:ext>
+                  </a:extLst>
+                </p:cNvPr>
+                <p:cNvSpPr/>
+                <p:nvPr/>
+              </p:nvSpPr>
+              <p:spPr>
+                <a:xfrm>
+                  <a:off x="3548342" y="2902375"/>
+                  <a:ext cx="2130458" cy="499025"/>
+                </a:xfrm>
+                <a:prstGeom prst="roundRect">
+                  <a:avLst/>
+                </a:prstGeom>
+                <a:solidFill>
+                  <a:srgbClr val="90EE90">
+                    <a:alpha val="70000"/>
+                  </a:srgbClr>
+                </a:solidFill>
+                <a:ln>
+                  <a:noFill/>
+                </a:ln>
+              </p:spPr>
+              <p:style>
+                <a:lnRef idx="2">
+                  <a:schemeClr val="accent1">
+                    <a:shade val="50000"/>
+                  </a:schemeClr>
+                </a:lnRef>
+                <a:fillRef idx="1">
+                  <a:schemeClr val="accent1"/>
+                </a:fillRef>
+                <a:effectRef idx="0">
+                  <a:schemeClr val="accent1"/>
+                </a:effectRef>
+                <a:fontRef idx="minor">
+                  <a:schemeClr val="lt1"/>
+                </a:fontRef>
+              </p:style>
+              <p:txBody>
+                <a:bodyPr rtlCol="0" anchor="ctr"/>
+                <a:lstStyle/>
+                <a:p>
+                  <a:pPr algn="ctr"/>
+                  <a:r>
+                    <a:rPr lang="en-US" altLang="ko-KR" sz="1000" dirty="0">
+                      <a:solidFill>
+                        <a:schemeClr val="tx1"/>
+                      </a:solidFill>
+                      <a:latin typeface="Noto Sans CJK KR" panose="020B0500000000000000" pitchFamily="34" charset="-127"/>
+                      <a:ea typeface="Noto Sans CJK KR" panose="020B0500000000000000" pitchFamily="34" charset="-127"/>
+                    </a:rPr>
+                    <a:t>SNS Collect Service Process</a:t>
+                  </a:r>
+                  <a:endParaRPr lang="ko-KR" altLang="en-US" sz="1000" dirty="0">
+                    <a:solidFill>
+                      <a:schemeClr val="tx1"/>
+                    </a:solidFill>
+                    <a:latin typeface="Noto Sans CJK KR" panose="020B0500000000000000" pitchFamily="34" charset="-127"/>
+                    <a:ea typeface="Noto Sans CJK KR" panose="020B0500000000000000" pitchFamily="34" charset="-127"/>
+                  </a:endParaRPr>
+                </a:p>
+              </p:txBody>
+            </p:sp>
+          </p:grpSp>
+        </p:grpSp>
+      </p:grpSp>
+      <p:sp>
+        <p:nvSpPr>
+          <p:cNvPr id="55" name="사각형: 둥근 모서리 6">
+            <a:extLst>
+              <a:ext uri="{FF2B5EF4-FFF2-40B4-BE49-F238E27FC236}">
+                <a16:creationId xmlns:a16="http://schemas.microsoft.com/office/drawing/2014/main" id="{89A47E33-9720-B483-3BB6-DFC5E42241BD}"/>
+              </a:ext>
+            </a:extLst>
+          </p:cNvPr>
+          <p:cNvSpPr/>
+          <p:nvPr/>
+        </p:nvSpPr>
+        <p:spPr>
+          <a:xfrm>
+            <a:off x="10992255" y="3227793"/>
+            <a:ext cx="1475632" cy="1082005"/>
+          </a:xfrm>
+          <a:prstGeom prst="roundRect">
+            <a:avLst/>
+          </a:prstGeom>
+          <a:solidFill>
+            <a:srgbClr val="7B68EE"/>
+          </a:solidFill>
+          <a:ln>
+            <a:noFill/>
+          </a:ln>
+        </p:spPr>
+        <p:style>
+          <a:lnRef idx="2">
+            <a:schemeClr val="accent1">
+              <a:shade val="50000"/>
+            </a:schemeClr>
+          </a:lnRef>
+          <a:fillRef idx="1">
+            <a:schemeClr val="accent1"/>
+          </a:fillRef>
+          <a:effectRef idx="0">
+            <a:schemeClr val="accent1"/>
+          </a:effectRef>
+          <a:fontRef idx="minor">
+            <a:schemeClr val="lt1"/>
+          </a:fontRef>
+        </p:style>
+        <p:txBody>
+          <a:bodyPr rtlCol="0" anchor="ctr"/>
+          <a:lstStyle/>
+          <a:p>
+            <a:pPr algn="ctr"/>
+            <a:r>
+              <a:rPr lang="en-US" altLang="ko-KR" dirty="0">
+                <a:solidFill>
+                  <a:schemeClr val="tx1"/>
+                </a:solidFill>
+                <a:latin typeface="Noto Sans CJK KR" panose="020B0500000000000000" pitchFamily="34" charset="-127"/>
+                <a:ea typeface="Noto Sans CJK KR" panose="020B0500000000000000" pitchFamily="34" charset="-127"/>
+              </a:rPr>
+              <a:t>Collect</a:t>
+            </a:r>
+          </a:p>
+          <a:p>
+            <a:pPr algn="ctr"/>
+            <a:r>
+              <a:rPr lang="en-US" altLang="ko-KR" dirty="0">
+                <a:solidFill>
+                  <a:schemeClr val="tx1"/>
+                </a:solidFill>
+                <a:latin typeface="Noto Sans CJK KR" panose="020B0500000000000000" pitchFamily="34" charset="-127"/>
+                <a:ea typeface="Noto Sans CJK KR" panose="020B0500000000000000" pitchFamily="34" charset="-127"/>
+              </a:rPr>
+              <a:t>Server</a:t>
+            </a:r>
+            <a:endParaRPr lang="ko-KR" altLang="en-US" dirty="0">
+              <a:solidFill>
+                <a:schemeClr val="tx1"/>
+              </a:solidFill>
+              <a:latin typeface="Noto Sans CJK KR" panose="020B0500000000000000" pitchFamily="34" charset="-127"/>
+              <a:ea typeface="Noto Sans CJK KR" panose="020B0500000000000000" pitchFamily="34" charset="-127"/>
+            </a:endParaRPr>
+          </a:p>
+        </p:txBody>
+      </p:sp>
+      <p:cxnSp>
+        <p:nvCxnSpPr>
+          <p:cNvPr id="56" name="직선 화살표 연결선 55">
+            <a:extLst>
+              <a:ext uri="{FF2B5EF4-FFF2-40B4-BE49-F238E27FC236}">
+                <a16:creationId xmlns:a16="http://schemas.microsoft.com/office/drawing/2014/main" id="{234B1996-D80A-13DA-B446-92ADE657B1FB}"/>
+              </a:ext>
+            </a:extLst>
+          </p:cNvPr>
+          <p:cNvCxnSpPr>
+            <a:cxnSpLocks/>
+            <a:stCxn id="27" idx="3"/>
+            <a:endCxn id="8" idx="1"/>
+          </p:cNvCxnSpPr>
+          <p:nvPr/>
+        </p:nvCxnSpPr>
+        <p:spPr>
+          <a:xfrm>
+            <a:off x="6964199" y="4608320"/>
+            <a:ext cx="1028795" cy="0"/>
+          </a:xfrm>
+          <a:prstGeom prst="straightConnector1">
+            <a:avLst/>
+          </a:prstGeom>
+          <a:ln w="19050">
+            <a:solidFill>
+              <a:schemeClr val="tx1"/>
+            </a:solidFill>
+            <a:headEnd type="arrow"/>
+            <a:tailEnd type="none"/>
+          </a:ln>
+        </p:spPr>
+        <p:style>
+          <a:lnRef idx="1">
+            <a:schemeClr val="accent1"/>
+          </a:lnRef>
+          <a:fillRef idx="0">
+            <a:schemeClr val="accent1"/>
+          </a:fillRef>
+          <a:effectRef idx="0">
+            <a:schemeClr val="accent1"/>
+          </a:effectRef>
+          <a:fontRef idx="minor">
+            <a:schemeClr val="tx1"/>
+          </a:fontRef>
+        </p:style>
+      </p:cxnSp>
+      <p:sp>
+        <p:nvSpPr>
+          <p:cNvPr id="57" name="TextBox 56">
+            <a:extLst>
+              <a:ext uri="{FF2B5EF4-FFF2-40B4-BE49-F238E27FC236}">
+                <a16:creationId xmlns:a16="http://schemas.microsoft.com/office/drawing/2014/main" id="{26B2FC10-A15D-AD82-0567-AB9B35369AEE}"/>
+              </a:ext>
+            </a:extLst>
+          </p:cNvPr>
+          <p:cNvSpPr txBox="1"/>
+          <p:nvPr/>
+        </p:nvSpPr>
+        <p:spPr>
+          <a:xfrm>
+            <a:off x="7121699" y="4288736"/>
+            <a:ext cx="785151" cy="338554"/>
+          </a:xfrm>
+          <a:prstGeom prst="rect">
+            <a:avLst/>
+          </a:prstGeom>
+          <a:noFill/>
+        </p:spPr>
+        <p:txBody>
+          <a:bodyPr wrap="none" rtlCol="0">
+            <a:spAutoFit/>
+          </a:bodyPr>
+          <a:lstStyle/>
+          <a:p>
+            <a:r>
+              <a:rPr lang="en-US" altLang="ko-KR" sz="1600" dirty="0">
+                <a:latin typeface="Noto Sans CJK KR" panose="020B0500000000000000" pitchFamily="34" charset="-127"/>
+                <a:ea typeface="Noto Sans CJK KR" panose="020B0500000000000000" pitchFamily="34" charset="-127"/>
+              </a:rPr>
+              <a:t>report</a:t>
+            </a:r>
+            <a:endParaRPr lang="ko-KR" altLang="en-US" sz="1600" dirty="0">
+              <a:latin typeface="Noto Sans CJK KR" panose="020B0500000000000000" pitchFamily="34" charset="-127"/>
+              <a:ea typeface="Noto Sans CJK KR" panose="020B0500000000000000" pitchFamily="34" charset="-127"/>
+            </a:endParaRPr>
+          </a:p>
+        </p:txBody>
+      </p:sp>
+      <p:sp>
+        <p:nvSpPr>
+          <p:cNvPr id="61" name="TextBox 60">
+            <a:extLst>
+              <a:ext uri="{FF2B5EF4-FFF2-40B4-BE49-F238E27FC236}">
+                <a16:creationId xmlns:a16="http://schemas.microsoft.com/office/drawing/2014/main" id="{716BBAD7-C3E7-7041-CF95-D8762EE5659B}"/>
+              </a:ext>
+            </a:extLst>
+          </p:cNvPr>
+          <p:cNvSpPr txBox="1"/>
+          <p:nvPr/>
+        </p:nvSpPr>
+        <p:spPr>
+          <a:xfrm>
+            <a:off x="568609" y="187333"/>
+            <a:ext cx="6647974" cy="461665"/>
+          </a:xfrm>
+          <a:prstGeom prst="rect">
+            <a:avLst/>
+          </a:prstGeom>
+          <a:noFill/>
+        </p:spPr>
+        <p:txBody>
+          <a:bodyPr wrap="none" rtlCol="0">
+            <a:spAutoFit/>
+          </a:bodyPr>
+          <a:lstStyle/>
+          <a:p>
+            <a:r>
+              <a:rPr lang="ko-KR" altLang="en-US" sz="2400" dirty="0">
+                <a:latin typeface="HY견고딕" panose="02030600000101010101" pitchFamily="18" charset="-127"/>
+                <a:ea typeface="HY견고딕" panose="02030600000101010101" pitchFamily="18" charset="-127"/>
+              </a:rPr>
+              <a:t>수집 네트워크 서비스 상세</a:t>
+            </a:r>
+            <a:r>
+              <a:rPr lang="en-US" altLang="ko-KR" sz="2400" dirty="0">
+                <a:latin typeface="HY견고딕" panose="02030600000101010101" pitchFamily="18" charset="-127"/>
+                <a:ea typeface="HY견고딕" panose="02030600000101010101" pitchFamily="18" charset="-127"/>
+              </a:rPr>
+              <a:t>: Collect Service</a:t>
+            </a:r>
+            <a:endParaRPr lang="ko-KR" altLang="en-US" sz="2400" dirty="0">
+              <a:latin typeface="HY견고딕" panose="02030600000101010101" pitchFamily="18" charset="-127"/>
+              <a:ea typeface="HY견고딕" panose="02030600000101010101" pitchFamily="18" charset="-127"/>
+            </a:endParaRPr>
+          </a:p>
+        </p:txBody>
+      </p:sp>
+      <p:sp>
+        <p:nvSpPr>
+          <p:cNvPr id="62" name="TextBox 61">
+            <a:extLst>
+              <a:ext uri="{FF2B5EF4-FFF2-40B4-BE49-F238E27FC236}">
+                <a16:creationId xmlns:a16="http://schemas.microsoft.com/office/drawing/2014/main" id="{FFFF3AD0-2186-56C4-4A85-178B1F9A07AD}"/>
+              </a:ext>
+            </a:extLst>
+          </p:cNvPr>
+          <p:cNvSpPr txBox="1"/>
+          <p:nvPr/>
+        </p:nvSpPr>
+        <p:spPr>
+          <a:xfrm>
+            <a:off x="131769" y="759462"/>
+            <a:ext cx="6948953" cy="2726644"/>
+          </a:xfrm>
+          <a:prstGeom prst="rect">
+            <a:avLst/>
+          </a:prstGeom>
+          <a:noFill/>
+        </p:spPr>
+        <p:txBody>
+          <a:bodyPr wrap="square" rtlCol="0">
+            <a:spAutoFit/>
+          </a:bodyPr>
+          <a:lstStyle/>
+          <a:p>
+            <a:pPr marL="285750" indent="-285750">
+              <a:lnSpc>
+                <a:spcPct val="150000"/>
+              </a:lnSpc>
+              <a:buFont typeface="Wingdings" panose="05000000000000000000" pitchFamily="2" charset="2"/>
+              <a:buChar char="v"/>
+            </a:pPr>
+            <a:r>
+              <a:rPr lang="en-US" altLang="ko-KR" sz="1400" b="1" dirty="0">
+                <a:latin typeface="Noto Sans CJK KR" panose="020B0500000000000000" pitchFamily="34" charset="-127"/>
+                <a:ea typeface="Noto Sans CJK KR" panose="020B0500000000000000" pitchFamily="34" charset="-127"/>
+              </a:rPr>
+              <a:t>Mechanism</a:t>
+            </a:r>
+            <a:endParaRPr lang="en-US" altLang="ko-KR" sz="1400" b="1" dirty="0">
+              <a:solidFill>
+                <a:srgbClr val="0000CD"/>
+              </a:solidFill>
+              <a:latin typeface="Noto Sans CJK KR" panose="020B0500000000000000" pitchFamily="34" charset="-127"/>
+              <a:ea typeface="Noto Sans CJK KR" panose="020B0500000000000000" pitchFamily="34" charset="-127"/>
+            </a:endParaRPr>
+          </a:p>
+          <a:p>
+            <a:pPr>
+              <a:lnSpc>
+                <a:spcPct val="150000"/>
+              </a:lnSpc>
+            </a:pPr>
+            <a:r>
+              <a:rPr lang="ko-KR" altLang="en-US" sz="1400" dirty="0">
+                <a:solidFill>
+                  <a:srgbClr val="0000CD"/>
+                </a:solidFill>
+                <a:latin typeface="Noto Sans CJK KR" panose="020B0500000000000000" pitchFamily="34" charset="-127"/>
+                <a:ea typeface="Noto Sans CJK KR" panose="020B0500000000000000" pitchFamily="34" charset="-127"/>
+              </a:rPr>
+              <a:t>① </a:t>
+            </a:r>
+            <a:r>
+              <a:rPr lang="en-US" altLang="ko-KR" sz="1400" dirty="0">
+                <a:solidFill>
+                  <a:srgbClr val="0000CD"/>
+                </a:solidFill>
+                <a:latin typeface="Noto Sans CJK KR" panose="020B0500000000000000" pitchFamily="34" charset="-127"/>
+                <a:ea typeface="Noto Sans CJK KR" panose="020B0500000000000000" pitchFamily="34" charset="-127"/>
+              </a:rPr>
+              <a:t>fork</a:t>
+            </a:r>
+            <a:r>
+              <a:rPr lang="en-US" altLang="ko-KR" sz="1400" dirty="0">
+                <a:latin typeface="Noto Sans CJK KR" panose="020B0500000000000000" pitchFamily="34" charset="-127"/>
+                <a:ea typeface="Noto Sans CJK KR" panose="020B0500000000000000" pitchFamily="34" charset="-127"/>
+              </a:rPr>
+              <a:t>: </a:t>
+            </a:r>
+            <a:r>
+              <a:rPr lang="ko-KR" altLang="en-US" sz="1400" dirty="0">
+                <a:solidFill>
+                  <a:srgbClr val="696969"/>
+                </a:solidFill>
+                <a:latin typeface="Noto Sans CJK KR" panose="020B0500000000000000" pitchFamily="34" charset="-127"/>
+                <a:ea typeface="Noto Sans CJK KR" panose="020B0500000000000000" pitchFamily="34" charset="-127"/>
+              </a:rPr>
+              <a:t>워커서버에 매니저서버로부터 수집작업명세의 리스트가 전달되면 </a:t>
+            </a:r>
+            <a:r>
+              <a:rPr lang="en-US" altLang="ko-KR" sz="1400" dirty="0">
+                <a:solidFill>
+                  <a:srgbClr val="696969"/>
+                </a:solidFill>
+                <a:latin typeface="Noto Sans CJK KR" panose="020B0500000000000000" pitchFamily="34" charset="-127"/>
+                <a:ea typeface="Noto Sans CJK KR" panose="020B0500000000000000" pitchFamily="34" charset="-127"/>
+              </a:rPr>
+              <a:t>IPC </a:t>
+            </a:r>
+            <a:r>
+              <a:rPr lang="ko-KR" altLang="en-US" sz="1400" dirty="0">
+                <a:solidFill>
+                  <a:srgbClr val="696969"/>
+                </a:solidFill>
+                <a:latin typeface="Noto Sans CJK KR" panose="020B0500000000000000" pitchFamily="34" charset="-127"/>
+                <a:ea typeface="Noto Sans CJK KR" panose="020B0500000000000000" pitchFamily="34" charset="-127"/>
+              </a:rPr>
+              <a:t>서비스</a:t>
+            </a:r>
+            <a:r>
+              <a:rPr lang="en-US" altLang="ko-KR" sz="1400" dirty="0">
+                <a:solidFill>
+                  <a:srgbClr val="696969"/>
+                </a:solidFill>
+                <a:latin typeface="Noto Sans CJK KR" panose="020B0500000000000000" pitchFamily="34" charset="-127"/>
+                <a:ea typeface="Noto Sans CJK KR" panose="020B0500000000000000" pitchFamily="34" charset="-127"/>
+              </a:rPr>
+              <a:t> </a:t>
+            </a:r>
+            <a:r>
+              <a:rPr lang="ko-KR" altLang="en-US" sz="1400" dirty="0">
+                <a:solidFill>
+                  <a:srgbClr val="696969"/>
+                </a:solidFill>
+                <a:latin typeface="Noto Sans CJK KR" panose="020B0500000000000000" pitchFamily="34" charset="-127"/>
+                <a:ea typeface="Noto Sans CJK KR" panose="020B0500000000000000" pitchFamily="34" charset="-127"/>
+              </a:rPr>
+              <a:t>모듈은 이를 해석하여 명세에 맞는 수집 서비스 프로세스를 실행하고</a:t>
+            </a:r>
+            <a:r>
+              <a:rPr lang="en-US" altLang="ko-KR" sz="1400" dirty="0">
+                <a:solidFill>
+                  <a:srgbClr val="696969"/>
+                </a:solidFill>
+                <a:latin typeface="Noto Sans CJK KR" panose="020B0500000000000000" pitchFamily="34" charset="-127"/>
+                <a:ea typeface="Noto Sans CJK KR" panose="020B0500000000000000" pitchFamily="34" charset="-127"/>
+              </a:rPr>
+              <a:t>, </a:t>
+            </a:r>
+            <a:r>
+              <a:rPr lang="ko-KR" altLang="en-US" sz="1400" dirty="0">
+                <a:solidFill>
+                  <a:srgbClr val="696969"/>
+                </a:solidFill>
+                <a:latin typeface="Noto Sans CJK KR" panose="020B0500000000000000" pitchFamily="34" charset="-127"/>
+                <a:ea typeface="Noto Sans CJK KR" panose="020B0500000000000000" pitchFamily="34" charset="-127"/>
+              </a:rPr>
+              <a:t>실행된 명세를 제외한 리스트를 매니저서버에게 반환함</a:t>
+            </a:r>
+            <a:r>
+              <a:rPr lang="en-US" altLang="ko-KR" sz="1400" dirty="0">
+                <a:solidFill>
+                  <a:srgbClr val="696969"/>
+                </a:solidFill>
+                <a:latin typeface="Noto Sans CJK KR" panose="020B0500000000000000" pitchFamily="34" charset="-127"/>
+                <a:ea typeface="Noto Sans CJK KR" panose="020B0500000000000000" pitchFamily="34" charset="-127"/>
+              </a:rPr>
+              <a:t>(return)</a:t>
+            </a:r>
+          </a:p>
+          <a:p>
+            <a:pPr>
+              <a:lnSpc>
+                <a:spcPct val="150000"/>
+              </a:lnSpc>
+            </a:pPr>
+            <a:r>
+              <a:rPr lang="ko-KR" altLang="en-US" sz="1400" dirty="0">
+                <a:solidFill>
+                  <a:srgbClr val="0000CD"/>
+                </a:solidFill>
+                <a:latin typeface="Noto Sans CJK KR" panose="020B0500000000000000" pitchFamily="34" charset="-127"/>
+                <a:ea typeface="Noto Sans CJK KR" panose="020B0500000000000000" pitchFamily="34" charset="-127"/>
+              </a:rPr>
+              <a:t>② </a:t>
+            </a:r>
+            <a:r>
+              <a:rPr lang="en-US" altLang="ko-KR" sz="1400" dirty="0">
+                <a:solidFill>
+                  <a:srgbClr val="0000CD"/>
+                </a:solidFill>
+                <a:latin typeface="Noto Sans CJK KR" panose="020B0500000000000000" pitchFamily="34" charset="-127"/>
+                <a:ea typeface="Noto Sans CJK KR" panose="020B0500000000000000" pitchFamily="34" charset="-127"/>
+              </a:rPr>
+              <a:t>execute:</a:t>
+            </a:r>
+            <a:r>
+              <a:rPr lang="en-US" altLang="ko-KR" sz="1400" dirty="0">
+                <a:latin typeface="Noto Sans CJK KR" panose="020B0500000000000000" pitchFamily="34" charset="-127"/>
+                <a:ea typeface="Noto Sans CJK KR" panose="020B0500000000000000" pitchFamily="34" charset="-127"/>
+              </a:rPr>
+              <a:t> </a:t>
+            </a:r>
+            <a:r>
+              <a:rPr lang="en-US" altLang="ko-KR" sz="1400" dirty="0">
+                <a:solidFill>
+                  <a:srgbClr val="696969"/>
+                </a:solidFill>
+                <a:latin typeface="Noto Sans CJK KR" panose="020B0500000000000000" pitchFamily="34" charset="-127"/>
+                <a:ea typeface="Noto Sans CJK KR" panose="020B0500000000000000" pitchFamily="34" charset="-127"/>
+              </a:rPr>
+              <a:t>IPC </a:t>
+            </a:r>
+            <a:r>
+              <a:rPr lang="ko-KR" altLang="en-US" sz="1400" dirty="0">
+                <a:solidFill>
+                  <a:srgbClr val="696969"/>
+                </a:solidFill>
+                <a:latin typeface="Noto Sans CJK KR" panose="020B0500000000000000" pitchFamily="34" charset="-127"/>
+                <a:ea typeface="Noto Sans CJK KR" panose="020B0500000000000000" pitchFamily="34" charset="-127"/>
+              </a:rPr>
+              <a:t>모듈에 의해 실행된 서비스 프로세스는 명세의 수집 조건에 따라 수집 사이트에 접근하여 실질적인 수집 작업을 수행한 후 작업결과를 매니저서버에게 보고함</a:t>
+            </a:r>
+            <a:r>
+              <a:rPr lang="en-US" altLang="ko-KR" sz="1400" dirty="0">
+                <a:solidFill>
+                  <a:srgbClr val="696969"/>
+                </a:solidFill>
+                <a:latin typeface="Noto Sans CJK KR" panose="020B0500000000000000" pitchFamily="34" charset="-127"/>
+                <a:ea typeface="Noto Sans CJK KR" panose="020B0500000000000000" pitchFamily="34" charset="-127"/>
+              </a:rPr>
+              <a:t>(report)</a:t>
+            </a:r>
+          </a:p>
+          <a:p>
+            <a:pPr>
+              <a:lnSpc>
+                <a:spcPct val="150000"/>
+              </a:lnSpc>
+            </a:pPr>
+            <a:endParaRPr lang="ko-KR" altLang="en-US" sz="1600" dirty="0">
+              <a:latin typeface="Noto Sans CJK KR" panose="020B0500000000000000" pitchFamily="34" charset="-127"/>
+              <a:ea typeface="Noto Sans CJK KR" panose="020B0500000000000000" pitchFamily="34" charset="-127"/>
+            </a:endParaRPr>
+          </a:p>
+          <a:p>
+            <a:pPr>
+              <a:lnSpc>
+                <a:spcPct val="150000"/>
+              </a:lnSpc>
+            </a:pPr>
+            <a:endParaRPr lang="en-US" altLang="ko-KR" sz="1600" dirty="0">
+              <a:solidFill>
+                <a:srgbClr val="696969"/>
+              </a:solidFill>
+              <a:latin typeface="Noto Sans CJK KR" panose="020B0500000000000000" pitchFamily="34" charset="-127"/>
+              <a:ea typeface="Noto Sans CJK KR" panose="020B0500000000000000" pitchFamily="34" charset="-127"/>
+            </a:endParaRPr>
+          </a:p>
+        </p:txBody>
+      </p:sp>
+      <p:sp>
+        <p:nvSpPr>
+          <p:cNvPr id="64" name="TextBox 63">
+            <a:extLst>
+              <a:ext uri="{FF2B5EF4-FFF2-40B4-BE49-F238E27FC236}">
+                <a16:creationId xmlns:a16="http://schemas.microsoft.com/office/drawing/2014/main" id="{B62081E3-CD09-B824-5E3F-567ADCF56F1C}"/>
+              </a:ext>
+            </a:extLst>
+          </p:cNvPr>
+          <p:cNvSpPr txBox="1"/>
+          <p:nvPr/>
+        </p:nvSpPr>
+        <p:spPr>
+          <a:xfrm rot="19025957">
+            <a:off x="7170784" y="2985045"/>
+            <a:ext cx="781304" cy="338554"/>
+          </a:xfrm>
+          <a:prstGeom prst="rect">
+            <a:avLst/>
+          </a:prstGeom>
+          <a:noFill/>
+        </p:spPr>
+        <p:txBody>
+          <a:bodyPr wrap="none" rtlCol="0">
+            <a:spAutoFit/>
+          </a:bodyPr>
+          <a:lstStyle/>
+          <a:p>
+            <a:r>
+              <a:rPr lang="en-US" altLang="ko-KR" sz="1600" dirty="0">
+                <a:latin typeface="Noto Sans CJK KR" panose="020B0500000000000000" pitchFamily="34" charset="-127"/>
+                <a:ea typeface="Noto Sans CJK KR" panose="020B0500000000000000" pitchFamily="34" charset="-127"/>
+              </a:rPr>
+              <a:t>return</a:t>
+            </a:r>
+            <a:endParaRPr lang="ko-KR" altLang="en-US" sz="1600" dirty="0">
+              <a:latin typeface="Noto Sans CJK KR" panose="020B0500000000000000" pitchFamily="34" charset="-127"/>
+              <a:ea typeface="Noto Sans CJK KR" panose="020B0500000000000000" pitchFamily="34" charset="-127"/>
+            </a:endParaRPr>
+          </a:p>
+        </p:txBody>
+      </p:sp>
+      <p:sp>
+        <p:nvSpPr>
+          <p:cNvPr id="18" name="슬라이드 번호 개체 틀 17">
+            <a:extLst>
+              <a:ext uri="{FF2B5EF4-FFF2-40B4-BE49-F238E27FC236}">
+                <a16:creationId xmlns:a16="http://schemas.microsoft.com/office/drawing/2014/main" id="{FD8A2AD4-5705-AFB6-82A0-029FC36381FA}"/>
+              </a:ext>
+            </a:extLst>
+          </p:cNvPr>
+          <p:cNvSpPr>
+            <a:spLocks noGrp="1"/>
+          </p:cNvSpPr>
+          <p:nvPr>
+            <p:ph type="sldNum" sz="quarter" idx="12"/>
+          </p:nvPr>
+        </p:nvSpPr>
+        <p:spPr/>
+        <p:txBody>
+          <a:bodyPr/>
+          <a:lstStyle/>
+          <a:p>
+            <a:fld id="{B6A9F74D-109D-4BF9-BFEA-3B5AFCB83424}" type="slidenum">
+              <a:rPr lang="ko-KR" altLang="en-US" smtClean="0"/>
+              <a:t>10</a:t>
+            </a:fld>
+            <a:endParaRPr lang="ko-KR" altLang="en-US"/>
+          </a:p>
+        </p:txBody>
+      </p:sp>
+      <p:sp>
+        <p:nvSpPr>
+          <p:cNvPr id="27" name="사각형: 둥근 모서리 5">
+            <a:extLst>
+              <a:ext uri="{FF2B5EF4-FFF2-40B4-BE49-F238E27FC236}">
+                <a16:creationId xmlns:a16="http://schemas.microsoft.com/office/drawing/2014/main" id="{82716FF5-5F1F-DEF8-B67B-6326A26A15AD}"/>
+              </a:ext>
+            </a:extLst>
+          </p:cNvPr>
+          <p:cNvSpPr/>
+          <p:nvPr/>
+        </p:nvSpPr>
+        <p:spPr>
+          <a:xfrm>
+            <a:off x="5398770" y="4006450"/>
+            <a:ext cx="1565429" cy="1203740"/>
+          </a:xfrm>
+          <a:prstGeom prst="roundRect">
+            <a:avLst/>
+          </a:prstGeom>
+          <a:solidFill>
+            <a:srgbClr val="00BFFF"/>
+          </a:solidFill>
+          <a:ln>
+            <a:noFill/>
+          </a:ln>
+        </p:spPr>
+        <p:style>
+          <a:lnRef idx="2">
+            <a:schemeClr val="accent1">
+              <a:shade val="50000"/>
+            </a:schemeClr>
+          </a:lnRef>
+          <a:fillRef idx="1">
+            <a:schemeClr val="accent1"/>
+          </a:fillRef>
+          <a:effectRef idx="0">
+            <a:schemeClr val="accent1"/>
+          </a:effectRef>
+          <a:fontRef idx="minor">
+            <a:schemeClr val="lt1"/>
+          </a:fontRef>
+        </p:style>
+        <p:txBody>
+          <a:bodyPr rtlCol="0" anchor="ctr"/>
+          <a:lstStyle/>
+          <a:p>
+            <a:pPr algn="ctr"/>
+            <a:r>
+              <a:rPr lang="en-US" altLang="ko-KR" dirty="0">
+                <a:solidFill>
+                  <a:schemeClr val="tx1"/>
+                </a:solidFill>
+                <a:latin typeface="Noto Sans CJK KR" panose="020B0500000000000000" pitchFamily="34" charset="-127"/>
+                <a:ea typeface="Noto Sans CJK KR" panose="020B0500000000000000" pitchFamily="34" charset="-127"/>
+              </a:rPr>
+              <a:t>Manager</a:t>
+            </a:r>
+          </a:p>
+          <a:p>
+            <a:pPr algn="ctr"/>
+            <a:r>
+              <a:rPr lang="en-US" altLang="ko-KR" dirty="0">
+                <a:solidFill>
+                  <a:schemeClr val="tx1"/>
+                </a:solidFill>
+                <a:latin typeface="Noto Sans CJK KR" panose="020B0500000000000000" pitchFamily="34" charset="-127"/>
+                <a:ea typeface="Noto Sans CJK KR" panose="020B0500000000000000" pitchFamily="34" charset="-127"/>
+              </a:rPr>
+              <a:t>Server</a:t>
+            </a:r>
+            <a:endParaRPr lang="ko-KR" altLang="en-US" dirty="0">
+              <a:solidFill>
+                <a:schemeClr val="tx1"/>
+              </a:solidFill>
+              <a:latin typeface="Noto Sans CJK KR" panose="020B0500000000000000" pitchFamily="34" charset="-127"/>
+              <a:ea typeface="Noto Sans CJK KR" panose="020B0500000000000000" pitchFamily="34" charset="-127"/>
+            </a:endParaRPr>
+          </a:p>
+        </p:txBody>
+      </p:sp>
+      <p:cxnSp>
+        <p:nvCxnSpPr>
+          <p:cNvPr id="36" name="직선 화살표 연결선 35">
+            <a:extLst>
+              <a:ext uri="{FF2B5EF4-FFF2-40B4-BE49-F238E27FC236}">
+                <a16:creationId xmlns:a16="http://schemas.microsoft.com/office/drawing/2014/main" id="{4FCBEA5B-6216-9F41-DE8E-E188B443A6F5}"/>
+              </a:ext>
+            </a:extLst>
+          </p:cNvPr>
+          <p:cNvCxnSpPr>
+            <a:cxnSpLocks/>
+            <a:endCxn id="46" idx="1"/>
+          </p:cNvCxnSpPr>
+          <p:nvPr/>
+        </p:nvCxnSpPr>
+        <p:spPr>
+          <a:xfrm flipV="1">
+            <a:off x="6973209" y="2735292"/>
+            <a:ext cx="1291578" cy="1218800"/>
+          </a:xfrm>
+          <a:prstGeom prst="straightConnector1">
+            <a:avLst/>
+          </a:prstGeom>
+          <a:ln w="19050">
+            <a:solidFill>
+              <a:schemeClr val="tx1"/>
+            </a:solidFill>
+            <a:headEnd type="arrow"/>
+            <a:tailEnd type="none"/>
+          </a:ln>
+        </p:spPr>
+        <p:style>
+          <a:lnRef idx="1">
+            <a:schemeClr val="accent1"/>
+          </a:lnRef>
+          <a:fillRef idx="0">
+            <a:schemeClr val="accent1"/>
+          </a:fillRef>
+          <a:effectRef idx="0">
+            <a:schemeClr val="accent1"/>
+          </a:effectRef>
+          <a:fontRef idx="minor">
+            <a:schemeClr val="tx1"/>
+          </a:fontRef>
+        </p:style>
+      </p:cxnSp>
+    </p:spTree>
+    <p:extLst>
+      <p:ext uri="{BB962C8B-B14F-4D97-AF65-F5344CB8AC3E}">
+        <p14:creationId xmlns:p14="http://schemas.microsoft.com/office/powerpoint/2010/main" val="2756363949"/>
+      </p:ext>
+    </p:extLst>
+  </p:cSld>
+  <p:clrMapOvr>
+    <a:masterClrMapping/>
+  </p:clrMapOvr>
+</p:sld>
+</file>
+
+<file path=ppt/slides/slide12.xml><?xml version="1.0" encoding="utf-8"?>
+<p:sld xmlns:a="http://schemas.openxmlformats.org/drawingml/2006/main" xmlns:r="http://schemas.openxmlformats.org/officeDocument/2006/relationships" xmlns:p="http://schemas.openxmlformats.org/presentationml/2006/main">
+  <p:cSld>
+    <p:spTree>
+      <p:nvGrpSpPr>
+        <p:cNvPr id="1" name=""/>
+        <p:cNvGrpSpPr/>
+        <p:nvPr/>
+      </p:nvGrpSpPr>
+      <p:grpSpPr>
+        <a:xfrm>
+          <a:off x="0" y="0"/>
+          <a:ext cx="0" cy="0"/>
+          <a:chOff x="0" y="0"/>
+          <a:chExt cx="0" cy="0"/>
+        </a:xfrm>
+      </p:grpSpPr>
       <p:cxnSp>
         <p:nvCxnSpPr>
           <p:cNvPr id="25" name="직선 화살표 연결선 24">
@@ -5758,7 +8696,7 @@
           <a:p>
             <a:fld id="{B6A9F74D-109D-4BF9-BFEA-3B5AFCB83424}" type="slidenum">
               <a:rPr lang="ko-KR" altLang="en-US" smtClean="0"/>
-              <a:t>9</a:t>
+              <a:t>11</a:t>
             </a:fld>
             <a:endParaRPr lang="ko-KR" altLang="en-US"/>
           </a:p>
@@ -5832,6 +8770,2700 @@
           <a:bodyPr/>
           <a:lstStyle/>
           <a:p>
+            <a:r>
+              <a:rPr lang="en-US" altLang="ko-KR" smtClean="0"/>
+              <a:t>Healthy &amp; Idle Check</a:t>
+            </a:r>
+            <a:endParaRPr lang="ko-KR" altLang="en-US"/>
+          </a:p>
+        </p:txBody>
+      </p:sp>
+      <p:grpSp>
+        <p:nvGrpSpPr>
+          <p:cNvPr id="50" name="그룹 49"/>
+          <p:cNvGrpSpPr/>
+          <p:nvPr/>
+        </p:nvGrpSpPr>
+        <p:grpSpPr>
+          <a:xfrm>
+            <a:off x="269411" y="1033826"/>
+            <a:ext cx="7009898" cy="2713771"/>
+            <a:chOff x="1472255" y="1396983"/>
+            <a:chExt cx="7009898" cy="2713771"/>
+          </a:xfrm>
+        </p:grpSpPr>
+        <p:cxnSp>
+          <p:nvCxnSpPr>
+            <p:cNvPr id="6" name="직선 화살표 연결선 5">
+              <a:extLst>
+                <a:ext uri="{FF2B5EF4-FFF2-40B4-BE49-F238E27FC236}">
+                  <a16:creationId xmlns:a16="http://schemas.microsoft.com/office/drawing/2014/main" id="{9FFE6438-71E8-EE06-C32D-B15BC6D33172}"/>
+                </a:ext>
+              </a:extLst>
+            </p:cNvPr>
+            <p:cNvCxnSpPr>
+              <a:cxnSpLocks/>
+            </p:cNvCxnSpPr>
+            <p:nvPr/>
+          </p:nvCxnSpPr>
+          <p:spPr>
+            <a:xfrm flipH="1">
+              <a:off x="4238957" y="1747433"/>
+              <a:ext cx="1584000" cy="0"/>
+            </a:xfrm>
+            <a:prstGeom prst="straightConnector1">
+              <a:avLst/>
+            </a:prstGeom>
+            <a:ln w="19050">
+              <a:solidFill>
+                <a:schemeClr val="tx1"/>
+              </a:solidFill>
+              <a:tailEnd type="arrow"/>
+            </a:ln>
+          </p:spPr>
+          <p:style>
+            <a:lnRef idx="1">
+              <a:schemeClr val="accent1"/>
+            </a:lnRef>
+            <a:fillRef idx="0">
+              <a:schemeClr val="accent1"/>
+            </a:fillRef>
+            <a:effectRef idx="0">
+              <a:schemeClr val="accent1"/>
+            </a:effectRef>
+            <a:fontRef idx="minor">
+              <a:schemeClr val="tx1"/>
+            </a:fontRef>
+          </p:style>
+        </p:cxnSp>
+        <p:sp>
+          <p:nvSpPr>
+            <p:cNvPr id="10" name="사각형: 둥근 모서리 5">
+              <a:extLst>
+                <a:ext uri="{FF2B5EF4-FFF2-40B4-BE49-F238E27FC236}">
+                  <a16:creationId xmlns:a16="http://schemas.microsoft.com/office/drawing/2014/main" id="{05157B58-D063-8713-B9A4-1D30A1953EC7}"/>
+                </a:ext>
+              </a:extLst>
+            </p:cNvPr>
+            <p:cNvSpPr/>
+            <p:nvPr/>
+          </p:nvSpPr>
+          <p:spPr>
+            <a:xfrm>
+              <a:off x="2646888" y="1458871"/>
+              <a:ext cx="1567022" cy="900803"/>
+            </a:xfrm>
+            <a:prstGeom prst="roundRect">
+              <a:avLst/>
+            </a:prstGeom>
+            <a:solidFill>
+              <a:srgbClr val="00BFFF"/>
+            </a:solidFill>
+            <a:ln>
+              <a:noFill/>
+            </a:ln>
+          </p:spPr>
+          <p:style>
+            <a:lnRef idx="2">
+              <a:schemeClr val="accent1">
+                <a:shade val="50000"/>
+              </a:schemeClr>
+            </a:lnRef>
+            <a:fillRef idx="1">
+              <a:schemeClr val="accent1"/>
+            </a:fillRef>
+            <a:effectRef idx="0">
+              <a:schemeClr val="accent1"/>
+            </a:effectRef>
+            <a:fontRef idx="minor">
+              <a:schemeClr val="lt1"/>
+            </a:fontRef>
+          </p:style>
+          <p:txBody>
+            <a:bodyPr rtlCol="0" anchor="ctr"/>
+            <a:lstStyle/>
+            <a:p>
+              <a:pPr algn="ctr"/>
+              <a:r>
+                <a:rPr lang="en-US" altLang="ko-KR" dirty="0">
+                  <a:solidFill>
+                    <a:schemeClr val="tx1"/>
+                  </a:solidFill>
+                  <a:latin typeface="Noto Sans KR Light" panose="020B0300000000000000" pitchFamily="34" charset="-127"/>
+                  <a:ea typeface="Noto Sans KR Light" panose="020B0300000000000000" pitchFamily="34" charset="-127"/>
+                </a:rPr>
+                <a:t>Manager</a:t>
+              </a:r>
+            </a:p>
+            <a:p>
+              <a:pPr algn="ctr"/>
+              <a:r>
+                <a:rPr lang="en-US" altLang="ko-KR" smtClean="0">
+                  <a:solidFill>
+                    <a:srgbClr val="0000CD"/>
+                  </a:solidFill>
+                  <a:latin typeface="Noto Sans KR Light" panose="020B0300000000000000" pitchFamily="34" charset="-127"/>
+                  <a:ea typeface="Noto Sans KR Light" panose="020B0300000000000000" pitchFamily="34" charset="-127"/>
+                </a:rPr>
+                <a:t>(Working)</a:t>
+              </a:r>
+              <a:endParaRPr lang="ko-KR" altLang="en-US" dirty="0">
+                <a:solidFill>
+                  <a:srgbClr val="0000CD"/>
+                </a:solidFill>
+                <a:latin typeface="Noto Sans KR Light" panose="020B0300000000000000" pitchFamily="34" charset="-127"/>
+                <a:ea typeface="Noto Sans KR Light" panose="020B0300000000000000" pitchFamily="34" charset="-127"/>
+              </a:endParaRPr>
+            </a:p>
+          </p:txBody>
+        </p:sp>
+        <p:sp>
+          <p:nvSpPr>
+            <p:cNvPr id="13" name="사각형: 둥근 모서리 5">
+              <a:extLst>
+                <a:ext uri="{FF2B5EF4-FFF2-40B4-BE49-F238E27FC236}">
+                  <a16:creationId xmlns:a16="http://schemas.microsoft.com/office/drawing/2014/main" id="{05157B58-D063-8713-B9A4-1D30A1953EC7}"/>
+                </a:ext>
+              </a:extLst>
+            </p:cNvPr>
+            <p:cNvSpPr/>
+            <p:nvPr/>
+          </p:nvSpPr>
+          <p:spPr>
+            <a:xfrm>
+              <a:off x="5865740" y="1458871"/>
+              <a:ext cx="1567022" cy="900803"/>
+            </a:xfrm>
+            <a:prstGeom prst="roundRect">
+              <a:avLst/>
+            </a:prstGeom>
+            <a:solidFill>
+              <a:srgbClr val="00BFFF"/>
+            </a:solidFill>
+            <a:ln>
+              <a:noFill/>
+            </a:ln>
+          </p:spPr>
+          <p:style>
+            <a:lnRef idx="2">
+              <a:schemeClr val="accent1">
+                <a:shade val="50000"/>
+              </a:schemeClr>
+            </a:lnRef>
+            <a:fillRef idx="1">
+              <a:schemeClr val="accent1"/>
+            </a:fillRef>
+            <a:effectRef idx="0">
+              <a:schemeClr val="accent1"/>
+            </a:effectRef>
+            <a:fontRef idx="minor">
+              <a:schemeClr val="lt1"/>
+            </a:fontRef>
+          </p:style>
+          <p:txBody>
+            <a:bodyPr rtlCol="0" anchor="ctr"/>
+            <a:lstStyle/>
+            <a:p>
+              <a:pPr algn="ctr"/>
+              <a:r>
+                <a:rPr lang="en-US" altLang="ko-KR" dirty="0">
+                  <a:solidFill>
+                    <a:schemeClr val="tx1"/>
+                  </a:solidFill>
+                  <a:latin typeface="Noto Sans KR Light" panose="020B0300000000000000" pitchFamily="34" charset="-127"/>
+                  <a:ea typeface="Noto Sans KR Light" panose="020B0300000000000000" pitchFamily="34" charset="-127"/>
+                </a:rPr>
+                <a:t>Manager</a:t>
+              </a:r>
+            </a:p>
+            <a:p>
+              <a:pPr algn="ctr"/>
+              <a:r>
+                <a:rPr lang="en-US" altLang="ko-KR" smtClean="0">
+                  <a:solidFill>
+                    <a:srgbClr val="0000CD"/>
+                  </a:solidFill>
+                  <a:latin typeface="Noto Sans KR Light" panose="020B0300000000000000" pitchFamily="34" charset="-127"/>
+                  <a:ea typeface="Noto Sans KR Light" panose="020B0300000000000000" pitchFamily="34" charset="-127"/>
+                </a:rPr>
+                <a:t>(Standby)</a:t>
+              </a:r>
+              <a:endParaRPr lang="ko-KR" altLang="en-US" dirty="0">
+                <a:solidFill>
+                  <a:srgbClr val="0000CD"/>
+                </a:solidFill>
+                <a:latin typeface="Noto Sans KR Light" panose="020B0300000000000000" pitchFamily="34" charset="-127"/>
+                <a:ea typeface="Noto Sans KR Light" panose="020B0300000000000000" pitchFamily="34" charset="-127"/>
+              </a:endParaRPr>
+            </a:p>
+          </p:txBody>
+        </p:sp>
+        <p:cxnSp>
+          <p:nvCxnSpPr>
+            <p:cNvPr id="18" name="직선 화살표 연결선 17">
+              <a:extLst>
+                <a:ext uri="{FF2B5EF4-FFF2-40B4-BE49-F238E27FC236}">
+                  <a16:creationId xmlns:a16="http://schemas.microsoft.com/office/drawing/2014/main" id="{9FFE6438-71E8-EE06-C32D-B15BC6D33172}"/>
+                </a:ext>
+              </a:extLst>
+            </p:cNvPr>
+            <p:cNvCxnSpPr>
+              <a:cxnSpLocks/>
+            </p:cNvCxnSpPr>
+            <p:nvPr/>
+          </p:nvCxnSpPr>
+          <p:spPr>
+            <a:xfrm>
+              <a:off x="4282500" y="2071113"/>
+              <a:ext cx="1584000" cy="0"/>
+            </a:xfrm>
+            <a:prstGeom prst="straightConnector1">
+              <a:avLst/>
+            </a:prstGeom>
+            <a:ln w="19050">
+              <a:solidFill>
+                <a:schemeClr val="tx1"/>
+              </a:solidFill>
+              <a:tailEnd type="arrow"/>
+            </a:ln>
+          </p:spPr>
+          <p:style>
+            <a:lnRef idx="1">
+              <a:schemeClr val="accent1"/>
+            </a:lnRef>
+            <a:fillRef idx="0">
+              <a:schemeClr val="accent1"/>
+            </a:fillRef>
+            <a:effectRef idx="0">
+              <a:schemeClr val="accent1"/>
+            </a:effectRef>
+            <a:fontRef idx="minor">
+              <a:schemeClr val="tx1"/>
+            </a:fontRef>
+          </p:style>
+        </p:cxnSp>
+        <p:sp>
+          <p:nvSpPr>
+            <p:cNvPr id="21" name="TextBox 20">
+              <a:extLst>
+                <a:ext uri="{FF2B5EF4-FFF2-40B4-BE49-F238E27FC236}">
+                  <a16:creationId xmlns:a16="http://schemas.microsoft.com/office/drawing/2014/main" id="{5A3B92B5-FE63-538A-FA0D-2C938FE70523}"/>
+                </a:ext>
+              </a:extLst>
+            </p:cNvPr>
+            <p:cNvSpPr txBox="1"/>
+            <p:nvPr/>
+          </p:nvSpPr>
+          <p:spPr>
+            <a:xfrm>
+              <a:off x="4257984" y="1396983"/>
+              <a:ext cx="1661802" cy="307777"/>
+            </a:xfrm>
+            <a:prstGeom prst="rect">
+              <a:avLst/>
+            </a:prstGeom>
+            <a:noFill/>
+          </p:spPr>
+          <p:txBody>
+            <a:bodyPr wrap="none" rtlCol="0">
+              <a:spAutoFit/>
+            </a:bodyPr>
+            <a:lstStyle/>
+            <a:p>
+              <a:r>
+                <a:rPr lang="en-US" altLang="ko-KR" sz="1400" smtClean="0">
+                  <a:latin typeface="Noto Sans KR Light" panose="020B0300000000000000" pitchFamily="34" charset="-127"/>
+                  <a:ea typeface="Noto Sans KR Light" panose="020B0300000000000000" pitchFamily="34" charset="-127"/>
+                </a:rPr>
+                <a:t>i)</a:t>
+              </a:r>
+              <a:r>
+                <a:rPr lang="en-US" altLang="ko-KR" sz="1400" smtClean="0">
+                  <a:latin typeface="Noto Sans KR Light" panose="020B0300000000000000" pitchFamily="34" charset="-127"/>
+                  <a:ea typeface="Noto Sans KR Light" panose="020B0300000000000000" pitchFamily="34" charset="-127"/>
+                </a:rPr>
+                <a:t> Are You Healthy?</a:t>
+              </a:r>
+              <a:endParaRPr lang="ko-KR" altLang="en-US" sz="1400" dirty="0">
+                <a:latin typeface="Noto Sans KR Light" panose="020B0300000000000000" pitchFamily="34" charset="-127"/>
+                <a:ea typeface="Noto Sans KR Light" panose="020B0300000000000000" pitchFamily="34" charset="-127"/>
+              </a:endParaRPr>
+            </a:p>
+          </p:txBody>
+        </p:sp>
+        <p:sp>
+          <p:nvSpPr>
+            <p:cNvPr id="22" name="TextBox 21">
+              <a:extLst>
+                <a:ext uri="{FF2B5EF4-FFF2-40B4-BE49-F238E27FC236}">
+                  <a16:creationId xmlns:a16="http://schemas.microsoft.com/office/drawing/2014/main" id="{5A3B92B5-FE63-538A-FA0D-2C938FE70523}"/>
+                </a:ext>
+              </a:extLst>
+            </p:cNvPr>
+            <p:cNvSpPr txBox="1"/>
+            <p:nvPr/>
+          </p:nvSpPr>
+          <p:spPr>
+            <a:xfrm>
+              <a:off x="4481330" y="2093653"/>
+              <a:ext cx="1120243" cy="307777"/>
+            </a:xfrm>
+            <a:prstGeom prst="rect">
+              <a:avLst/>
+            </a:prstGeom>
+            <a:noFill/>
+          </p:spPr>
+          <p:txBody>
+            <a:bodyPr wrap="none" rtlCol="0">
+              <a:spAutoFit/>
+            </a:bodyPr>
+            <a:lstStyle/>
+            <a:p>
+              <a:r>
+                <a:rPr lang="en-US" altLang="ko-KR" sz="1400" smtClean="0">
+                  <a:latin typeface="Noto Sans KR Light" panose="020B0300000000000000" pitchFamily="34" charset="-127"/>
+                  <a:ea typeface="Noto Sans KR Light" panose="020B0300000000000000" pitchFamily="34" charset="-127"/>
+                </a:rPr>
+                <a:t>ii)</a:t>
+              </a:r>
+              <a:r>
+                <a:rPr lang="en-US" altLang="ko-KR" sz="1400" smtClean="0">
+                  <a:latin typeface="Noto Sans KR Light" panose="020B0300000000000000" pitchFamily="34" charset="-127"/>
+                  <a:ea typeface="Noto Sans KR Light" panose="020B0300000000000000" pitchFamily="34" charset="-127"/>
+                </a:rPr>
+                <a:t> Yes or No</a:t>
+              </a:r>
+              <a:endParaRPr lang="ko-KR" altLang="en-US" sz="1400" dirty="0">
+                <a:latin typeface="Noto Sans KR Light" panose="020B0300000000000000" pitchFamily="34" charset="-127"/>
+                <a:ea typeface="Noto Sans KR Light" panose="020B0300000000000000" pitchFamily="34" charset="-127"/>
+              </a:endParaRPr>
+            </a:p>
+          </p:txBody>
+        </p:sp>
+        <p:cxnSp>
+          <p:nvCxnSpPr>
+            <p:cNvPr id="23" name="직선 화살표 연결선 22">
+              <a:extLst>
+                <a:ext uri="{FF2B5EF4-FFF2-40B4-BE49-F238E27FC236}">
+                  <a16:creationId xmlns:a16="http://schemas.microsoft.com/office/drawing/2014/main" id="{9FFE6438-71E8-EE06-C32D-B15BC6D33172}"/>
+                </a:ext>
+              </a:extLst>
+            </p:cNvPr>
+            <p:cNvCxnSpPr>
+              <a:cxnSpLocks/>
+            </p:cNvCxnSpPr>
+            <p:nvPr/>
+          </p:nvCxnSpPr>
+          <p:spPr>
+            <a:xfrm flipH="1">
+              <a:off x="2444541" y="2379658"/>
+              <a:ext cx="720000" cy="804570"/>
+            </a:xfrm>
+            <a:prstGeom prst="straightConnector1">
+              <a:avLst/>
+            </a:prstGeom>
+            <a:ln w="19050">
+              <a:solidFill>
+                <a:schemeClr val="tx1"/>
+              </a:solidFill>
+              <a:tailEnd type="arrow"/>
+            </a:ln>
+          </p:spPr>
+          <p:style>
+            <a:lnRef idx="1">
+              <a:schemeClr val="accent1"/>
+            </a:lnRef>
+            <a:fillRef idx="0">
+              <a:schemeClr val="accent1"/>
+            </a:fillRef>
+            <a:effectRef idx="0">
+              <a:schemeClr val="accent1"/>
+            </a:effectRef>
+            <a:fontRef idx="minor">
+              <a:schemeClr val="tx1"/>
+            </a:fontRef>
+          </p:style>
+        </p:cxnSp>
+        <p:cxnSp>
+          <p:nvCxnSpPr>
+            <p:cNvPr id="27" name="직선 화살표 연결선 26">
+              <a:extLst>
+                <a:ext uri="{FF2B5EF4-FFF2-40B4-BE49-F238E27FC236}">
+                  <a16:creationId xmlns:a16="http://schemas.microsoft.com/office/drawing/2014/main" id="{9FFE6438-71E8-EE06-C32D-B15BC6D33172}"/>
+                </a:ext>
+              </a:extLst>
+            </p:cNvPr>
+            <p:cNvCxnSpPr>
+              <a:cxnSpLocks/>
+            </p:cNvCxnSpPr>
+            <p:nvPr/>
+          </p:nvCxnSpPr>
+          <p:spPr>
+            <a:xfrm flipH="1">
+              <a:off x="2803775" y="2379657"/>
+              <a:ext cx="720000" cy="804570"/>
+            </a:xfrm>
+            <a:prstGeom prst="straightConnector1">
+              <a:avLst/>
+            </a:prstGeom>
+            <a:ln w="19050">
+              <a:solidFill>
+                <a:schemeClr val="tx1"/>
+              </a:solidFill>
+              <a:headEnd type="arrow"/>
+              <a:tailEnd type="none"/>
+            </a:ln>
+          </p:spPr>
+          <p:style>
+            <a:lnRef idx="1">
+              <a:schemeClr val="accent1"/>
+            </a:lnRef>
+            <a:fillRef idx="0">
+              <a:schemeClr val="accent1"/>
+            </a:fillRef>
+            <a:effectRef idx="0">
+              <a:schemeClr val="accent1"/>
+            </a:effectRef>
+            <a:fontRef idx="minor">
+              <a:schemeClr val="tx1"/>
+            </a:fontRef>
+          </p:style>
+        </p:cxnSp>
+        <p:sp>
+          <p:nvSpPr>
+            <p:cNvPr id="28" name="TextBox 27">
+              <a:extLst>
+                <a:ext uri="{FF2B5EF4-FFF2-40B4-BE49-F238E27FC236}">
+                  <a16:creationId xmlns:a16="http://schemas.microsoft.com/office/drawing/2014/main" id="{5A3B92B5-FE63-538A-FA0D-2C938FE70523}"/>
+                </a:ext>
+              </a:extLst>
+            </p:cNvPr>
+            <p:cNvSpPr txBox="1"/>
+            <p:nvPr/>
+          </p:nvSpPr>
+          <p:spPr>
+            <a:xfrm>
+              <a:off x="1472255" y="2474165"/>
+              <a:ext cx="1442959" cy="307777"/>
+            </a:xfrm>
+            <a:prstGeom prst="rect">
+              <a:avLst/>
+            </a:prstGeom>
+            <a:noFill/>
+          </p:spPr>
+          <p:txBody>
+            <a:bodyPr wrap="none" rtlCol="0">
+              <a:spAutoFit/>
+            </a:bodyPr>
+            <a:lstStyle/>
+            <a:p>
+              <a:r>
+                <a:rPr lang="en-US" altLang="ko-KR" sz="1400" smtClean="0">
+                  <a:latin typeface="Noto Sans KR Light" panose="020B0300000000000000" pitchFamily="34" charset="-127"/>
+                  <a:ea typeface="Noto Sans KR Light" panose="020B0300000000000000" pitchFamily="34" charset="-127"/>
+                </a:rPr>
+                <a:t>iii)</a:t>
+              </a:r>
+              <a:r>
+                <a:rPr lang="en-US" altLang="ko-KR" sz="1400" smtClean="0">
+                  <a:latin typeface="Noto Sans KR Light" panose="020B0300000000000000" pitchFamily="34" charset="-127"/>
+                  <a:ea typeface="Noto Sans KR Light" panose="020B0300000000000000" pitchFamily="34" charset="-127"/>
+                </a:rPr>
+                <a:t> Are You Idle?</a:t>
+              </a:r>
+              <a:endParaRPr lang="ko-KR" altLang="en-US" sz="1400" dirty="0">
+                <a:latin typeface="Noto Sans KR Light" panose="020B0300000000000000" pitchFamily="34" charset="-127"/>
+                <a:ea typeface="Noto Sans KR Light" panose="020B0300000000000000" pitchFamily="34" charset="-127"/>
+              </a:endParaRPr>
+            </a:p>
+          </p:txBody>
+        </p:sp>
+        <p:cxnSp>
+          <p:nvCxnSpPr>
+            <p:cNvPr id="31" name="직선 화살표 연결선 30">
+              <a:extLst>
+                <a:ext uri="{FF2B5EF4-FFF2-40B4-BE49-F238E27FC236}">
+                  <a16:creationId xmlns:a16="http://schemas.microsoft.com/office/drawing/2014/main" id="{9FFE6438-71E8-EE06-C32D-B15BC6D33172}"/>
+                </a:ext>
+              </a:extLst>
+            </p:cNvPr>
+            <p:cNvCxnSpPr>
+              <a:cxnSpLocks/>
+            </p:cNvCxnSpPr>
+            <p:nvPr/>
+          </p:nvCxnSpPr>
+          <p:spPr>
+            <a:xfrm>
+              <a:off x="3882673" y="2423202"/>
+              <a:ext cx="760612" cy="664428"/>
+            </a:xfrm>
+            <a:prstGeom prst="straightConnector1">
+              <a:avLst/>
+            </a:prstGeom>
+            <a:ln w="19050">
+              <a:solidFill>
+                <a:schemeClr val="tx1"/>
+              </a:solidFill>
+              <a:tailEnd type="arrow"/>
+            </a:ln>
+          </p:spPr>
+          <p:style>
+            <a:lnRef idx="1">
+              <a:schemeClr val="accent1"/>
+            </a:lnRef>
+            <a:fillRef idx="0">
+              <a:schemeClr val="accent1"/>
+            </a:fillRef>
+            <a:effectRef idx="0">
+              <a:schemeClr val="accent1"/>
+            </a:effectRef>
+            <a:fontRef idx="minor">
+              <a:schemeClr val="tx1"/>
+            </a:fontRef>
+          </p:style>
+        </p:cxnSp>
+        <p:cxnSp>
+          <p:nvCxnSpPr>
+            <p:cNvPr id="37" name="직선 화살표 연결선 36">
+              <a:extLst>
+                <a:ext uri="{FF2B5EF4-FFF2-40B4-BE49-F238E27FC236}">
+                  <a16:creationId xmlns:a16="http://schemas.microsoft.com/office/drawing/2014/main" id="{9FFE6438-71E8-EE06-C32D-B15BC6D33172}"/>
+                </a:ext>
+              </a:extLst>
+            </p:cNvPr>
+            <p:cNvCxnSpPr>
+              <a:cxnSpLocks/>
+            </p:cNvCxnSpPr>
+            <p:nvPr/>
+          </p:nvCxnSpPr>
+          <p:spPr>
+            <a:xfrm>
+              <a:off x="4249843" y="2390544"/>
+              <a:ext cx="760612" cy="664428"/>
+            </a:xfrm>
+            <a:prstGeom prst="straightConnector1">
+              <a:avLst/>
+            </a:prstGeom>
+            <a:ln w="19050">
+              <a:solidFill>
+                <a:schemeClr val="tx1"/>
+              </a:solidFill>
+              <a:headEnd type="arrow"/>
+              <a:tailEnd type="none"/>
+            </a:ln>
+          </p:spPr>
+          <p:style>
+            <a:lnRef idx="1">
+              <a:schemeClr val="accent1"/>
+            </a:lnRef>
+            <a:fillRef idx="0">
+              <a:schemeClr val="accent1"/>
+            </a:fillRef>
+            <a:effectRef idx="0">
+              <a:schemeClr val="accent1"/>
+            </a:effectRef>
+            <a:fontRef idx="minor">
+              <a:schemeClr val="tx1"/>
+            </a:fontRef>
+          </p:style>
+        </p:cxnSp>
+        <p:cxnSp>
+          <p:nvCxnSpPr>
+            <p:cNvPr id="39" name="직선 화살표 연결선 38">
+              <a:extLst>
+                <a:ext uri="{FF2B5EF4-FFF2-40B4-BE49-F238E27FC236}">
+                  <a16:creationId xmlns:a16="http://schemas.microsoft.com/office/drawing/2014/main" id="{9FFE6438-71E8-EE06-C32D-B15BC6D33172}"/>
+                </a:ext>
+              </a:extLst>
+            </p:cNvPr>
+            <p:cNvCxnSpPr>
+              <a:cxnSpLocks/>
+            </p:cNvCxnSpPr>
+            <p:nvPr/>
+          </p:nvCxnSpPr>
+          <p:spPr>
+            <a:xfrm>
+              <a:off x="6068837" y="2587632"/>
+              <a:ext cx="897041" cy="499998"/>
+            </a:xfrm>
+            <a:prstGeom prst="straightConnector1">
+              <a:avLst/>
+            </a:prstGeom>
+            <a:ln w="19050">
+              <a:solidFill>
+                <a:schemeClr val="tx1"/>
+              </a:solidFill>
+              <a:headEnd type="arrow"/>
+              <a:tailEnd type="none"/>
+            </a:ln>
+          </p:spPr>
+          <p:style>
+            <a:lnRef idx="1">
+              <a:schemeClr val="accent1"/>
+            </a:lnRef>
+            <a:fillRef idx="0">
+              <a:schemeClr val="accent1"/>
+            </a:fillRef>
+            <a:effectRef idx="0">
+              <a:schemeClr val="accent1"/>
+            </a:effectRef>
+            <a:fontRef idx="minor">
+              <a:schemeClr val="tx1"/>
+            </a:fontRef>
+          </p:style>
+        </p:cxnSp>
+        <p:grpSp>
+          <p:nvGrpSpPr>
+            <p:cNvPr id="49" name="그룹 48"/>
+            <p:cNvGrpSpPr/>
+            <p:nvPr/>
+          </p:nvGrpSpPr>
+          <p:grpSpPr>
+            <a:xfrm>
+              <a:off x="1803663" y="2750412"/>
+              <a:ext cx="6678490" cy="1360342"/>
+              <a:chOff x="1803663" y="2750412"/>
+              <a:chExt cx="6678490" cy="1360342"/>
+            </a:xfrm>
+          </p:grpSpPr>
+          <p:sp>
+            <p:nvSpPr>
+              <p:cNvPr id="11" name="사각형: 둥근 모서리 6">
+                <a:extLst>
+                  <a:ext uri="{FF2B5EF4-FFF2-40B4-BE49-F238E27FC236}">
+                    <a16:creationId xmlns:a16="http://schemas.microsoft.com/office/drawing/2014/main" id="{24FB913C-EE51-CBBE-2223-E2A82D106E32}"/>
+                  </a:ext>
+                </a:extLst>
+              </p:cNvPr>
+              <p:cNvSpPr/>
+              <p:nvPr/>
+            </p:nvSpPr>
+            <p:spPr>
+              <a:xfrm>
+                <a:off x="1803663" y="3209951"/>
+                <a:ext cx="1567022" cy="900803"/>
+              </a:xfrm>
+              <a:prstGeom prst="roundRect">
+                <a:avLst/>
+              </a:prstGeom>
+              <a:solidFill>
+                <a:srgbClr val="7B68EE"/>
+              </a:solidFill>
+              <a:ln>
+                <a:noFill/>
+              </a:ln>
+            </p:spPr>
+            <p:style>
+              <a:lnRef idx="2">
+                <a:schemeClr val="accent1">
+                  <a:shade val="50000"/>
+                </a:schemeClr>
+              </a:lnRef>
+              <a:fillRef idx="1">
+                <a:schemeClr val="accent1"/>
+              </a:fillRef>
+              <a:effectRef idx="0">
+                <a:schemeClr val="accent1"/>
+              </a:effectRef>
+              <a:fontRef idx="minor">
+                <a:schemeClr val="lt1"/>
+              </a:fontRef>
+            </p:style>
+            <p:txBody>
+              <a:bodyPr rtlCol="0" anchor="ctr"/>
+              <a:lstStyle/>
+              <a:p>
+                <a:pPr algn="ctr"/>
+                <a:r>
+                  <a:rPr lang="en-US" altLang="ko-KR" smtClean="0">
+                    <a:solidFill>
+                      <a:schemeClr val="tx1"/>
+                    </a:solidFill>
+                    <a:latin typeface="Noto Sans KR Light" panose="020B0300000000000000" pitchFamily="34" charset="-127"/>
+                    <a:ea typeface="Noto Sans KR Light" panose="020B0300000000000000" pitchFamily="34" charset="-127"/>
+                  </a:rPr>
+                  <a:t>Worker1</a:t>
+                </a:r>
+                <a:endParaRPr lang="en-US" altLang="ko-KR" dirty="0">
+                  <a:solidFill>
+                    <a:schemeClr val="tx1"/>
+                  </a:solidFill>
+                  <a:latin typeface="Noto Sans KR Light" panose="020B0300000000000000" pitchFamily="34" charset="-127"/>
+                  <a:ea typeface="Noto Sans KR Light" panose="020B0300000000000000" pitchFamily="34" charset="-127"/>
+                </a:endParaRPr>
+              </a:p>
+              <a:p>
+                <a:pPr algn="ctr"/>
+                <a:r>
+                  <a:rPr lang="en-US" altLang="ko-KR" smtClean="0">
+                    <a:solidFill>
+                      <a:srgbClr val="0000CD"/>
+                    </a:solidFill>
+                    <a:latin typeface="Noto Sans KR Light" panose="020B0300000000000000" pitchFamily="34" charset="-127"/>
+                    <a:ea typeface="Noto Sans KR Light" panose="020B0300000000000000" pitchFamily="34" charset="-127"/>
+                  </a:rPr>
+                  <a:t>(Working)</a:t>
+                </a:r>
+                <a:endParaRPr lang="ko-KR" altLang="en-US" dirty="0">
+                  <a:solidFill>
+                    <a:srgbClr val="0000CD"/>
+                  </a:solidFill>
+                  <a:latin typeface="Noto Sans KR Light" panose="020B0300000000000000" pitchFamily="34" charset="-127"/>
+                  <a:ea typeface="Noto Sans KR Light" panose="020B0300000000000000" pitchFamily="34" charset="-127"/>
+                </a:endParaRPr>
+              </a:p>
+            </p:txBody>
+          </p:sp>
+          <p:sp>
+            <p:nvSpPr>
+              <p:cNvPr id="14" name="사각형: 둥근 모서리 6">
+                <a:extLst>
+                  <a:ext uri="{FF2B5EF4-FFF2-40B4-BE49-F238E27FC236}">
+                    <a16:creationId xmlns:a16="http://schemas.microsoft.com/office/drawing/2014/main" id="{24FB913C-EE51-CBBE-2223-E2A82D106E32}"/>
+                  </a:ext>
+                </a:extLst>
+              </p:cNvPr>
+              <p:cNvSpPr/>
+              <p:nvPr/>
+            </p:nvSpPr>
+            <p:spPr>
+              <a:xfrm>
+                <a:off x="4359397" y="3206001"/>
+                <a:ext cx="1567022" cy="900803"/>
+              </a:xfrm>
+              <a:prstGeom prst="roundRect">
+                <a:avLst/>
+              </a:prstGeom>
+              <a:solidFill>
+                <a:srgbClr val="7B68EE"/>
+              </a:solidFill>
+              <a:ln>
+                <a:noFill/>
+              </a:ln>
+            </p:spPr>
+            <p:style>
+              <a:lnRef idx="2">
+                <a:schemeClr val="accent1">
+                  <a:shade val="50000"/>
+                </a:schemeClr>
+              </a:lnRef>
+              <a:fillRef idx="1">
+                <a:schemeClr val="accent1"/>
+              </a:fillRef>
+              <a:effectRef idx="0">
+                <a:schemeClr val="accent1"/>
+              </a:effectRef>
+              <a:fontRef idx="minor">
+                <a:schemeClr val="lt1"/>
+              </a:fontRef>
+            </p:style>
+            <p:txBody>
+              <a:bodyPr rtlCol="0" anchor="ctr"/>
+              <a:lstStyle/>
+              <a:p>
+                <a:pPr algn="ctr"/>
+                <a:r>
+                  <a:rPr lang="en-US" altLang="ko-KR" smtClean="0">
+                    <a:solidFill>
+                      <a:schemeClr val="tx1"/>
+                    </a:solidFill>
+                    <a:latin typeface="Noto Sans KR Light" panose="020B0300000000000000" pitchFamily="34" charset="-127"/>
+                    <a:ea typeface="Noto Sans KR Light" panose="020B0300000000000000" pitchFamily="34" charset="-127"/>
+                  </a:rPr>
+                  <a:t>Worker2</a:t>
+                </a:r>
+                <a:endParaRPr lang="en-US" altLang="ko-KR" dirty="0">
+                  <a:solidFill>
+                    <a:schemeClr val="tx1"/>
+                  </a:solidFill>
+                  <a:latin typeface="Noto Sans KR Light" panose="020B0300000000000000" pitchFamily="34" charset="-127"/>
+                  <a:ea typeface="Noto Sans KR Light" panose="020B0300000000000000" pitchFamily="34" charset="-127"/>
+                </a:endParaRPr>
+              </a:p>
+              <a:p>
+                <a:pPr algn="ctr"/>
+                <a:r>
+                  <a:rPr lang="en-US" altLang="ko-KR" smtClean="0">
+                    <a:solidFill>
+                      <a:srgbClr val="0000CD"/>
+                    </a:solidFill>
+                    <a:latin typeface="Noto Sans KR Light" panose="020B0300000000000000" pitchFamily="34" charset="-127"/>
+                    <a:ea typeface="Noto Sans KR Light" panose="020B0300000000000000" pitchFamily="34" charset="-127"/>
+                  </a:rPr>
+                  <a:t>(Working)</a:t>
+                </a:r>
+                <a:endParaRPr lang="ko-KR" altLang="en-US" dirty="0">
+                  <a:solidFill>
+                    <a:srgbClr val="0000CD"/>
+                  </a:solidFill>
+                  <a:latin typeface="Noto Sans KR Light" panose="020B0300000000000000" pitchFamily="34" charset="-127"/>
+                  <a:ea typeface="Noto Sans KR Light" panose="020B0300000000000000" pitchFamily="34" charset="-127"/>
+                </a:endParaRPr>
+              </a:p>
+            </p:txBody>
+          </p:sp>
+          <p:sp>
+            <p:nvSpPr>
+              <p:cNvPr id="15" name="사각형: 둥근 모서리 6">
+                <a:extLst>
+                  <a:ext uri="{FF2B5EF4-FFF2-40B4-BE49-F238E27FC236}">
+                    <a16:creationId xmlns:a16="http://schemas.microsoft.com/office/drawing/2014/main" id="{24FB913C-EE51-CBBE-2223-E2A82D106E32}"/>
+                  </a:ext>
+                </a:extLst>
+              </p:cNvPr>
+              <p:cNvSpPr/>
+              <p:nvPr/>
+            </p:nvSpPr>
+            <p:spPr>
+              <a:xfrm>
+                <a:off x="6915131" y="3206000"/>
+                <a:ext cx="1567022" cy="900803"/>
+              </a:xfrm>
+              <a:prstGeom prst="roundRect">
+                <a:avLst/>
+              </a:prstGeom>
+              <a:solidFill>
+                <a:srgbClr val="7B68EE"/>
+              </a:solidFill>
+              <a:ln>
+                <a:noFill/>
+              </a:ln>
+            </p:spPr>
+            <p:style>
+              <a:lnRef idx="2">
+                <a:schemeClr val="accent1">
+                  <a:shade val="50000"/>
+                </a:schemeClr>
+              </a:lnRef>
+              <a:fillRef idx="1">
+                <a:schemeClr val="accent1"/>
+              </a:fillRef>
+              <a:effectRef idx="0">
+                <a:schemeClr val="accent1"/>
+              </a:effectRef>
+              <a:fontRef idx="minor">
+                <a:schemeClr val="lt1"/>
+              </a:fontRef>
+            </p:style>
+            <p:txBody>
+              <a:bodyPr rtlCol="0" anchor="ctr"/>
+              <a:lstStyle/>
+              <a:p>
+                <a:pPr algn="ctr"/>
+                <a:r>
+                  <a:rPr lang="en-US" altLang="ko-KR" smtClean="0">
+                    <a:solidFill>
+                      <a:schemeClr val="tx1"/>
+                    </a:solidFill>
+                    <a:latin typeface="Noto Sans KR Light" panose="020B0300000000000000" pitchFamily="34" charset="-127"/>
+                    <a:ea typeface="Noto Sans KR Light" panose="020B0300000000000000" pitchFamily="34" charset="-127"/>
+                  </a:rPr>
+                  <a:t>Worker3</a:t>
+                </a:r>
+                <a:endParaRPr lang="en-US" altLang="ko-KR" dirty="0">
+                  <a:solidFill>
+                    <a:schemeClr val="tx1"/>
+                  </a:solidFill>
+                  <a:latin typeface="Noto Sans KR Light" panose="020B0300000000000000" pitchFamily="34" charset="-127"/>
+                  <a:ea typeface="Noto Sans KR Light" panose="020B0300000000000000" pitchFamily="34" charset="-127"/>
+                </a:endParaRPr>
+              </a:p>
+              <a:p>
+                <a:pPr algn="ctr"/>
+                <a:r>
+                  <a:rPr lang="en-US" altLang="ko-KR" smtClean="0">
+                    <a:solidFill>
+                      <a:srgbClr val="0000CD"/>
+                    </a:solidFill>
+                    <a:latin typeface="Noto Sans KR Light" panose="020B0300000000000000" pitchFamily="34" charset="-127"/>
+                    <a:ea typeface="Noto Sans KR Light" panose="020B0300000000000000" pitchFamily="34" charset="-127"/>
+                  </a:rPr>
+                  <a:t>(Working)</a:t>
+                </a:r>
+                <a:endParaRPr lang="ko-KR" altLang="en-US" dirty="0">
+                  <a:solidFill>
+                    <a:srgbClr val="0000CD"/>
+                  </a:solidFill>
+                  <a:latin typeface="Noto Sans KR Light" panose="020B0300000000000000" pitchFamily="34" charset="-127"/>
+                  <a:ea typeface="Noto Sans KR Light" panose="020B0300000000000000" pitchFamily="34" charset="-127"/>
+                </a:endParaRPr>
+              </a:p>
+            </p:txBody>
+          </p:sp>
+          <p:sp>
+            <p:nvSpPr>
+              <p:cNvPr id="30" name="TextBox 29">
+                <a:extLst>
+                  <a:ext uri="{FF2B5EF4-FFF2-40B4-BE49-F238E27FC236}">
+                    <a16:creationId xmlns:a16="http://schemas.microsoft.com/office/drawing/2014/main" id="{5A3B92B5-FE63-538A-FA0D-2C938FE70523}"/>
+                  </a:ext>
+                </a:extLst>
+              </p:cNvPr>
+              <p:cNvSpPr txBox="1"/>
+              <p:nvPr/>
+            </p:nvSpPr>
+            <p:spPr>
+              <a:xfrm>
+                <a:off x="2986196" y="2896433"/>
+                <a:ext cx="1115434" cy="307777"/>
+              </a:xfrm>
+              <a:prstGeom prst="rect">
+                <a:avLst/>
+              </a:prstGeom>
+              <a:noFill/>
+            </p:spPr>
+            <p:txBody>
+              <a:bodyPr wrap="none" rtlCol="0">
+                <a:spAutoFit/>
+              </a:bodyPr>
+              <a:lstStyle/>
+              <a:p>
+                <a:r>
+                  <a:rPr lang="en-US" altLang="ko-KR" sz="1400" smtClean="0">
+                    <a:latin typeface="Noto Sans KR Light" panose="020B0300000000000000" pitchFamily="34" charset="-127"/>
+                    <a:ea typeface="Noto Sans KR Light" panose="020B0300000000000000" pitchFamily="34" charset="-127"/>
+                  </a:rPr>
+                  <a:t>v)</a:t>
+                </a:r>
+                <a:r>
+                  <a:rPr lang="en-US" altLang="ko-KR" sz="1400" smtClean="0">
+                    <a:latin typeface="Noto Sans KR Light" panose="020B0300000000000000" pitchFamily="34" charset="-127"/>
+                    <a:ea typeface="Noto Sans KR Light" panose="020B0300000000000000" pitchFamily="34" charset="-127"/>
+                  </a:rPr>
+                  <a:t> Yes or No</a:t>
+                </a:r>
+                <a:endParaRPr lang="ko-KR" altLang="en-US" sz="1400" dirty="0">
+                  <a:latin typeface="Noto Sans KR Light" panose="020B0300000000000000" pitchFamily="34" charset="-127"/>
+                  <a:ea typeface="Noto Sans KR Light" panose="020B0300000000000000" pitchFamily="34" charset="-127"/>
+                </a:endParaRPr>
+              </a:p>
+            </p:txBody>
+          </p:sp>
+          <p:cxnSp>
+            <p:nvCxnSpPr>
+              <p:cNvPr id="46" name="직선 화살표 연결선 45">
+                <a:extLst>
+                  <a:ext uri="{FF2B5EF4-FFF2-40B4-BE49-F238E27FC236}">
+                    <a16:creationId xmlns:a16="http://schemas.microsoft.com/office/drawing/2014/main" id="{9FFE6438-71E8-EE06-C32D-B15BC6D33172}"/>
+                  </a:ext>
+                </a:extLst>
+              </p:cNvPr>
+              <p:cNvCxnSpPr>
+                <a:cxnSpLocks/>
+              </p:cNvCxnSpPr>
+              <p:nvPr/>
+            </p:nvCxnSpPr>
+            <p:spPr>
+              <a:xfrm>
+                <a:off x="5846368" y="2750412"/>
+                <a:ext cx="897041" cy="499998"/>
+              </a:xfrm>
+              <a:prstGeom prst="straightConnector1">
+                <a:avLst/>
+              </a:prstGeom>
+              <a:ln w="19050">
+                <a:solidFill>
+                  <a:schemeClr val="tx1"/>
+                </a:solidFill>
+                <a:headEnd type="none"/>
+                <a:tailEnd type="arrow"/>
+              </a:ln>
+            </p:spPr>
+            <p:style>
+              <a:lnRef idx="1">
+                <a:schemeClr val="accent1"/>
+              </a:lnRef>
+              <a:fillRef idx="0">
+                <a:schemeClr val="accent1"/>
+              </a:fillRef>
+              <a:effectRef idx="0">
+                <a:schemeClr val="accent1"/>
+              </a:effectRef>
+              <a:fontRef idx="minor">
+                <a:schemeClr val="tx1"/>
+              </a:fontRef>
+            </p:style>
+          </p:cxnSp>
+          <mc:AlternateContent xmlns:mc="http://schemas.openxmlformats.org/markup-compatibility/2006">
+            <mc:Choice xmlns:a14="http://schemas.microsoft.com/office/drawing/2010/main" Requires="a14">
+              <p:sp>
+                <p:nvSpPr>
+                  <p:cNvPr id="47" name="TextBox 46"/>
+                  <p:cNvSpPr txBox="1"/>
+                  <p:nvPr/>
+                </p:nvSpPr>
+                <p:spPr>
+                  <a:xfrm>
+                    <a:off x="3723465" y="3494735"/>
+                    <a:ext cx="278923" cy="276999"/>
+                  </a:xfrm>
+                  <a:prstGeom prst="rect">
+                    <a:avLst/>
+                  </a:prstGeom>
+                  <a:noFill/>
+                </p:spPr>
+                <p:txBody>
+                  <a:bodyPr wrap="none" lIns="0" tIns="0" rIns="0" bIns="0" rtlCol="0">
+                    <a:spAutoFit/>
+                  </a:bodyPr>
+                  <a:lstStyle/>
+                  <a:p>
+                    <a14:m>
+                      <m:oMathPara xmlns:m="http://schemas.openxmlformats.org/officeDocument/2006/math">
+                        <m:oMathParaPr>
+                          <m:jc m:val="centerGroup"/>
+                        </m:oMathParaPr>
+                        <m:oMath xmlns:m="http://schemas.openxmlformats.org/officeDocument/2006/math">
+                          <m:r>
+                            <a:rPr lang="ko-KR" altLang="en-US" i="1" smtClean="0">
+                              <a:latin typeface="Cambria Math" panose="02040503050406030204" pitchFamily="18" charset="0"/>
+                            </a:rPr>
+                            <m:t>⋯</m:t>
+                          </m:r>
+                        </m:oMath>
+                      </m:oMathPara>
+                    </a14:m>
+                    <a:endParaRPr lang="ko-KR" altLang="en-US"/>
+                  </a:p>
+                </p:txBody>
+              </p:sp>
+            </mc:Choice>
+            <mc:Fallback>
+              <p:sp>
+                <p:nvSpPr>
+                  <p:cNvPr id="47" name="TextBox 46"/>
+                  <p:cNvSpPr txBox="1">
+                    <a:spLocks noRot="1" noChangeAspect="1" noMove="1" noResize="1" noEditPoints="1" noAdjustHandles="1" noChangeArrowheads="1" noChangeShapeType="1" noTextEdit="1"/>
+                  </p:cNvSpPr>
+                  <p:nvPr/>
+                </p:nvSpPr>
+                <p:spPr>
+                  <a:xfrm>
+                    <a:off x="3723465" y="3494735"/>
+                    <a:ext cx="278923" cy="276999"/>
+                  </a:xfrm>
+                  <a:prstGeom prst="rect">
+                    <a:avLst/>
+                  </a:prstGeom>
+                  <a:blipFill>
+                    <a:blip r:embed="rId2"/>
+                    <a:stretch>
+                      <a:fillRect r="-2174"/>
+                    </a:stretch>
+                  </a:blipFill>
+                </p:spPr>
+                <p:txBody>
+                  <a:bodyPr/>
+                  <a:lstStyle/>
+                  <a:p>
+                    <a:r>
+                      <a:rPr lang="ko-KR" altLang="en-US">
+                        <a:noFill/>
+                      </a:rPr>
+                      <a:t> </a:t>
+                    </a:r>
+                  </a:p>
+                </p:txBody>
+              </p:sp>
+            </mc:Fallback>
+          </mc:AlternateContent>
+          <mc:AlternateContent xmlns:mc="http://schemas.openxmlformats.org/markup-compatibility/2006">
+            <mc:Choice xmlns:a14="http://schemas.microsoft.com/office/drawing/2010/main" Requires="a14">
+              <p:sp>
+                <p:nvSpPr>
+                  <p:cNvPr id="48" name="TextBox 47"/>
+                  <p:cNvSpPr txBox="1"/>
+                  <p:nvPr/>
+                </p:nvSpPr>
+                <p:spPr>
+                  <a:xfrm>
+                    <a:off x="6281313" y="3507015"/>
+                    <a:ext cx="278923" cy="276999"/>
+                  </a:xfrm>
+                  <a:prstGeom prst="rect">
+                    <a:avLst/>
+                  </a:prstGeom>
+                  <a:noFill/>
+                </p:spPr>
+                <p:txBody>
+                  <a:bodyPr wrap="none" lIns="0" tIns="0" rIns="0" bIns="0" rtlCol="0">
+                    <a:spAutoFit/>
+                  </a:bodyPr>
+                  <a:lstStyle/>
+                  <a:p>
+                    <a14:m>
+                      <m:oMathPara xmlns:m="http://schemas.openxmlformats.org/officeDocument/2006/math">
+                        <m:oMathParaPr>
+                          <m:jc m:val="centerGroup"/>
+                        </m:oMathParaPr>
+                        <m:oMath xmlns:m="http://schemas.openxmlformats.org/officeDocument/2006/math">
+                          <m:r>
+                            <a:rPr lang="ko-KR" altLang="en-US" i="1" smtClean="0">
+                              <a:latin typeface="Cambria Math" panose="02040503050406030204" pitchFamily="18" charset="0"/>
+                            </a:rPr>
+                            <m:t>⋯</m:t>
+                          </m:r>
+                        </m:oMath>
+                      </m:oMathPara>
+                    </a14:m>
+                    <a:endParaRPr lang="ko-KR" altLang="en-US"/>
+                  </a:p>
+                </p:txBody>
+              </p:sp>
+            </mc:Choice>
+            <mc:Fallback>
+              <p:sp>
+                <p:nvSpPr>
+                  <p:cNvPr id="48" name="TextBox 47"/>
+                  <p:cNvSpPr txBox="1">
+                    <a:spLocks noRot="1" noChangeAspect="1" noMove="1" noResize="1" noEditPoints="1" noAdjustHandles="1" noChangeArrowheads="1" noChangeShapeType="1" noTextEdit="1"/>
+                  </p:cNvSpPr>
+                  <p:nvPr/>
+                </p:nvSpPr>
+                <p:spPr>
+                  <a:xfrm>
+                    <a:off x="6281313" y="3507015"/>
+                    <a:ext cx="278923" cy="276999"/>
+                  </a:xfrm>
+                  <a:prstGeom prst="rect">
+                    <a:avLst/>
+                  </a:prstGeom>
+                  <a:blipFill>
+                    <a:blip r:embed="rId3"/>
+                    <a:stretch>
+                      <a:fillRect r="-2174"/>
+                    </a:stretch>
+                  </a:blipFill>
+                </p:spPr>
+                <p:txBody>
+                  <a:bodyPr/>
+                  <a:lstStyle/>
+                  <a:p>
+                    <a:r>
+                      <a:rPr lang="ko-KR" altLang="en-US">
+                        <a:noFill/>
+                      </a:rPr>
+                      <a:t> </a:t>
+                    </a:r>
+                  </a:p>
+                </p:txBody>
+              </p:sp>
+            </mc:Fallback>
+          </mc:AlternateContent>
+        </p:grpSp>
+      </p:grpSp>
+      <p:sp>
+        <p:nvSpPr>
+          <p:cNvPr id="51" name="TextBox 50"/>
+          <p:cNvSpPr txBox="1"/>
+          <p:nvPr/>
+        </p:nvSpPr>
+        <p:spPr>
+          <a:xfrm>
+            <a:off x="7892143" y="822924"/>
+            <a:ext cx="4593772" cy="3231654"/>
+          </a:xfrm>
+          <a:prstGeom prst="rect">
+            <a:avLst/>
+          </a:prstGeom>
+          <a:noFill/>
+        </p:spPr>
+        <p:txBody>
+          <a:bodyPr wrap="square" rtlCol="0">
+            <a:spAutoFit/>
+          </a:bodyPr>
+          <a:lstStyle/>
+          <a:p>
+            <a:r>
+              <a:rPr lang="en-US" altLang="ko-KR" sz="1200" b="1" smtClean="0">
+                <a:solidFill>
+                  <a:srgbClr val="0000FF"/>
+                </a:solidFill>
+                <a:latin typeface="D2Coding" panose="020B0609020101020101" pitchFamily="49" charset="-127"/>
+                <a:ea typeface="D2Coding" panose="020B0609020101020101" pitchFamily="49" charset="-127"/>
+              </a:rPr>
+              <a:t>bee4.proto</a:t>
+            </a:r>
+          </a:p>
+          <a:p>
+            <a:endParaRPr lang="en-US" altLang="ko-KR" sz="1200" smtClean="0">
+              <a:latin typeface="D2Coding" panose="020B0609020101020101" pitchFamily="49" charset="-127"/>
+              <a:ea typeface="D2Coding" panose="020B0609020101020101" pitchFamily="49" charset="-127"/>
+            </a:endParaRPr>
+          </a:p>
+          <a:p>
+            <a:r>
+              <a:rPr lang="en-US" altLang="ko-KR" sz="1200">
+                <a:latin typeface="D2Coding" panose="020B0609020101020101" pitchFamily="49" charset="-127"/>
+                <a:ea typeface="D2Coding" panose="020B0609020101020101" pitchFamily="49" charset="-127"/>
+              </a:rPr>
+              <a:t>syntax = "proto3";</a:t>
+            </a:r>
+          </a:p>
+          <a:p>
+            <a:endParaRPr lang="en-US" altLang="ko-KR" sz="1200">
+              <a:latin typeface="D2Coding" panose="020B0609020101020101" pitchFamily="49" charset="-127"/>
+              <a:ea typeface="D2Coding" panose="020B0609020101020101" pitchFamily="49" charset="-127"/>
+            </a:endParaRPr>
+          </a:p>
+          <a:p>
+            <a:r>
+              <a:rPr lang="en-US" altLang="ko-KR" sz="1200">
+                <a:latin typeface="D2Coding" panose="020B0609020101020101" pitchFamily="49" charset="-127"/>
+                <a:ea typeface="D2Coding" panose="020B0609020101020101" pitchFamily="49" charset="-127"/>
+              </a:rPr>
+              <a:t>option java_multiple_files = true;</a:t>
+            </a:r>
+          </a:p>
+          <a:p>
+            <a:r>
+              <a:rPr lang="en-US" altLang="ko-KR" sz="1200">
+                <a:latin typeface="D2Coding" panose="020B0609020101020101" pitchFamily="49" charset="-127"/>
+                <a:ea typeface="D2Coding" panose="020B0609020101020101" pitchFamily="49" charset="-127"/>
+              </a:rPr>
+              <a:t>option java_package = "org.chb.examples.lib";</a:t>
+            </a:r>
+          </a:p>
+          <a:p>
+            <a:r>
+              <a:rPr lang="en-US" altLang="ko-KR" sz="1200">
+                <a:latin typeface="D2Coding" panose="020B0609020101020101" pitchFamily="49" charset="-127"/>
+                <a:ea typeface="D2Coding" panose="020B0609020101020101" pitchFamily="49" charset="-127"/>
+              </a:rPr>
+              <a:t>option java_outer_classname </a:t>
+            </a:r>
+            <a:r>
+              <a:rPr lang="en-US" altLang="ko-KR" sz="1200">
+                <a:latin typeface="D2Coding" panose="020B0609020101020101" pitchFamily="49" charset="-127"/>
+                <a:ea typeface="D2Coding" panose="020B0609020101020101" pitchFamily="49" charset="-127"/>
+              </a:rPr>
+              <a:t>= </a:t>
+            </a:r>
+            <a:r>
+              <a:rPr lang="en-US" altLang="ko-KR" sz="1200" smtClean="0">
+                <a:latin typeface="D2Coding" panose="020B0609020101020101" pitchFamily="49" charset="-127"/>
+                <a:ea typeface="D2Coding" panose="020B0609020101020101" pitchFamily="49" charset="-127"/>
+              </a:rPr>
+              <a:t>"Bee4Proto</a:t>
+            </a:r>
+            <a:r>
+              <a:rPr lang="en-US" altLang="ko-KR" sz="1200">
+                <a:latin typeface="D2Coding" panose="020B0609020101020101" pitchFamily="49" charset="-127"/>
+                <a:ea typeface="D2Coding" panose="020B0609020101020101" pitchFamily="49" charset="-127"/>
+              </a:rPr>
+              <a:t>";</a:t>
+            </a:r>
+          </a:p>
+          <a:p>
+            <a:endParaRPr lang="en-US" altLang="ko-KR" sz="1200">
+              <a:latin typeface="D2Coding" panose="020B0609020101020101" pitchFamily="49" charset="-127"/>
+              <a:ea typeface="D2Coding" panose="020B0609020101020101" pitchFamily="49" charset="-127"/>
+            </a:endParaRPr>
+          </a:p>
+          <a:p>
+            <a:r>
+              <a:rPr lang="en-US" altLang="ko-KR" sz="1200" smtClean="0">
+                <a:latin typeface="D2Coding" panose="020B0609020101020101" pitchFamily="49" charset="-127"/>
+                <a:ea typeface="D2Coding" panose="020B0609020101020101" pitchFamily="49" charset="-127"/>
+              </a:rPr>
+              <a:t>message NodeCondition {</a:t>
+            </a:r>
+          </a:p>
+          <a:p>
+            <a:r>
+              <a:rPr lang="en-US" altLang="ko-KR" sz="1200" smtClean="0">
+                <a:latin typeface="D2Coding" panose="020B0609020101020101" pitchFamily="49" charset="-127"/>
+                <a:ea typeface="D2Coding" panose="020B0609020101020101" pitchFamily="49" charset="-127"/>
+              </a:rPr>
+              <a:t>  bool healthy = 1;</a:t>
+            </a:r>
+          </a:p>
+          <a:p>
+            <a:r>
+              <a:rPr lang="en-US" altLang="ko-KR" sz="1200">
+                <a:latin typeface="D2Coding" panose="020B0609020101020101" pitchFamily="49" charset="-127"/>
+                <a:ea typeface="D2Coding" panose="020B0609020101020101" pitchFamily="49" charset="-127"/>
+              </a:rPr>
+              <a:t> </a:t>
+            </a:r>
+            <a:r>
+              <a:rPr lang="en-US" altLang="ko-KR" sz="1200" smtClean="0">
+                <a:latin typeface="D2Coding" panose="020B0609020101020101" pitchFamily="49" charset="-127"/>
+                <a:ea typeface="D2Coding" panose="020B0609020101020101" pitchFamily="49" charset="-127"/>
+              </a:rPr>
+              <a:t> bool idle = 2;</a:t>
+            </a:r>
+            <a:endParaRPr lang="en-US" altLang="ko-KR" sz="1200">
+              <a:latin typeface="D2Coding" panose="020B0609020101020101" pitchFamily="49" charset="-127"/>
+              <a:ea typeface="D2Coding" panose="020B0609020101020101" pitchFamily="49" charset="-127"/>
+            </a:endParaRPr>
+          </a:p>
+          <a:p>
+            <a:r>
+              <a:rPr lang="en-US" altLang="ko-KR" sz="1200" smtClean="0">
+                <a:latin typeface="D2Coding" panose="020B0609020101020101" pitchFamily="49" charset="-127"/>
+                <a:ea typeface="D2Coding" panose="020B0609020101020101" pitchFamily="49" charset="-127"/>
+              </a:rPr>
+              <a:t>}</a:t>
+            </a:r>
+          </a:p>
+          <a:p>
+            <a:endParaRPr lang="en-US" altLang="ko-KR" sz="1200">
+              <a:latin typeface="D2Coding" panose="020B0609020101020101" pitchFamily="49" charset="-127"/>
+              <a:ea typeface="D2Coding" panose="020B0609020101020101" pitchFamily="49" charset="-127"/>
+            </a:endParaRPr>
+          </a:p>
+          <a:p>
+            <a:r>
+              <a:rPr lang="en-US" altLang="ko-KR" sz="1200" smtClean="0">
+                <a:latin typeface="D2Coding" panose="020B0609020101020101" pitchFamily="49" charset="-127"/>
+                <a:ea typeface="D2Coding" panose="020B0609020101020101" pitchFamily="49" charset="-127"/>
+              </a:rPr>
+              <a:t>service Bee4Service{</a:t>
+            </a:r>
+          </a:p>
+          <a:p>
+            <a:r>
+              <a:rPr lang="en-US" altLang="ko-KR" sz="1200" smtClean="0">
+                <a:latin typeface="D2Coding" panose="020B0609020101020101" pitchFamily="49" charset="-127"/>
+                <a:ea typeface="D2Coding" panose="020B0609020101020101" pitchFamily="49" charset="-127"/>
+              </a:rPr>
+              <a:t>  rpc areYouHealthy() returns (NodeCondition);</a:t>
+            </a:r>
+          </a:p>
+          <a:p>
+            <a:r>
+              <a:rPr lang="en-US" altLang="ko-KR" sz="1200">
+                <a:latin typeface="D2Coding" panose="020B0609020101020101" pitchFamily="49" charset="-127"/>
+                <a:ea typeface="D2Coding" panose="020B0609020101020101" pitchFamily="49" charset="-127"/>
+              </a:rPr>
+              <a:t> </a:t>
+            </a:r>
+            <a:r>
+              <a:rPr lang="en-US" altLang="ko-KR" sz="1200" smtClean="0">
+                <a:latin typeface="D2Coding" panose="020B0609020101020101" pitchFamily="49" charset="-127"/>
+                <a:ea typeface="D2Coding" panose="020B0609020101020101" pitchFamily="49" charset="-127"/>
+              </a:rPr>
+              <a:t> rpc areYouIdle() returns (NodeCondition);</a:t>
+            </a:r>
+            <a:endParaRPr lang="en-US" altLang="ko-KR" sz="1200">
+              <a:latin typeface="D2Coding" panose="020B0609020101020101" pitchFamily="49" charset="-127"/>
+              <a:ea typeface="D2Coding" panose="020B0609020101020101" pitchFamily="49" charset="-127"/>
+            </a:endParaRPr>
+          </a:p>
+          <a:p>
+            <a:r>
+              <a:rPr lang="en-US" altLang="ko-KR" sz="1200" smtClean="0">
+                <a:latin typeface="D2Coding" panose="020B0609020101020101" pitchFamily="49" charset="-127"/>
+                <a:ea typeface="D2Coding" panose="020B0609020101020101" pitchFamily="49" charset="-127"/>
+              </a:rPr>
+              <a:t>}</a:t>
+            </a:r>
+            <a:endParaRPr lang="ko-KR" altLang="en-US" sz="1200">
+              <a:latin typeface="D2Coding" panose="020B0609020101020101" pitchFamily="49" charset="-127"/>
+              <a:ea typeface="D2Coding" panose="020B0609020101020101" pitchFamily="49" charset="-127"/>
+            </a:endParaRPr>
+          </a:p>
+        </p:txBody>
+      </p:sp>
+    </p:spTree>
+    <p:extLst>
+      <p:ext uri="{BB962C8B-B14F-4D97-AF65-F5344CB8AC3E}">
+        <p14:creationId xmlns:p14="http://schemas.microsoft.com/office/powerpoint/2010/main" val="4230359640"/>
+      </p:ext>
+    </p:extLst>
+  </p:cSld>
+  <p:clrMapOvr>
+    <a:masterClrMapping/>
+  </p:clrMapOvr>
+</p:sld>
+</file>
+
+<file path=ppt/slides/slide3.xml><?xml version="1.0" encoding="utf-8"?>
+<p:sld xmlns:a="http://schemas.openxmlformats.org/drawingml/2006/main" xmlns:r="http://schemas.openxmlformats.org/officeDocument/2006/relationships" xmlns:p="http://schemas.openxmlformats.org/presentationml/2006/main">
+  <p:cSld>
+    <p:spTree>
+      <p:nvGrpSpPr>
+        <p:cNvPr id="1" name=""/>
+        <p:cNvGrpSpPr/>
+        <p:nvPr/>
+      </p:nvGrpSpPr>
+      <p:grpSpPr>
+        <a:xfrm>
+          <a:off x="0" y="0"/>
+          <a:ext cx="0" cy="0"/>
+          <a:chOff x="0" y="0"/>
+          <a:chExt cx="0" cy="0"/>
+        </a:xfrm>
+      </p:grpSpPr>
+      <p:sp>
+        <p:nvSpPr>
+          <p:cNvPr id="4" name="슬라이드 번호 개체 틀 3"/>
+          <p:cNvSpPr>
+            <a:spLocks noGrp="1"/>
+          </p:cNvSpPr>
+          <p:nvPr>
+            <p:ph type="sldNum" sz="quarter" idx="12"/>
+          </p:nvPr>
+        </p:nvSpPr>
+        <p:spPr/>
+        <p:txBody>
+          <a:bodyPr/>
+          <a:lstStyle/>
+          <a:p>
+            <a:fld id="{B6A9F74D-109D-4BF9-BFEA-3B5AFCB83424}" type="slidenum">
+              <a:rPr lang="ko-KR" altLang="en-US" smtClean="0"/>
+              <a:t>2</a:t>
+            </a:fld>
+            <a:endParaRPr lang="ko-KR" altLang="en-US"/>
+          </a:p>
+        </p:txBody>
+      </p:sp>
+      <p:sp>
+        <p:nvSpPr>
+          <p:cNvPr id="5" name="텍스트 개체 틀 4"/>
+          <p:cNvSpPr>
+            <a:spLocks noGrp="1"/>
+          </p:cNvSpPr>
+          <p:nvPr>
+            <p:ph type="body" sz="quarter" idx="13"/>
+          </p:nvPr>
+        </p:nvSpPr>
+        <p:spPr/>
+        <p:txBody>
+          <a:bodyPr/>
+          <a:lstStyle/>
+          <a:p>
+            <a:r>
+              <a:rPr lang="en-US" altLang="ko-KR" smtClean="0"/>
+              <a:t>Task Deliver &amp; Fetch</a:t>
+            </a:r>
+            <a:endParaRPr lang="ko-KR" altLang="en-US"/>
+          </a:p>
+        </p:txBody>
+      </p:sp>
+      <p:sp>
+        <p:nvSpPr>
+          <p:cNvPr id="10" name="사각형: 둥근 모서리 5">
+            <a:extLst>
+              <a:ext uri="{FF2B5EF4-FFF2-40B4-BE49-F238E27FC236}">
+                <a16:creationId xmlns:a16="http://schemas.microsoft.com/office/drawing/2014/main" id="{05157B58-D063-8713-B9A4-1D30A1953EC7}"/>
+              </a:ext>
+            </a:extLst>
+          </p:cNvPr>
+          <p:cNvSpPr/>
+          <p:nvPr/>
+        </p:nvSpPr>
+        <p:spPr>
+          <a:xfrm>
+            <a:off x="774047" y="1245338"/>
+            <a:ext cx="1567022" cy="900803"/>
+          </a:xfrm>
+          <a:prstGeom prst="roundRect">
+            <a:avLst/>
+          </a:prstGeom>
+          <a:solidFill>
+            <a:srgbClr val="00BFFF"/>
+          </a:solidFill>
+          <a:ln>
+            <a:noFill/>
+          </a:ln>
+        </p:spPr>
+        <p:style>
+          <a:lnRef idx="2">
+            <a:schemeClr val="accent1">
+              <a:shade val="50000"/>
+            </a:schemeClr>
+          </a:lnRef>
+          <a:fillRef idx="1">
+            <a:schemeClr val="accent1"/>
+          </a:fillRef>
+          <a:effectRef idx="0">
+            <a:schemeClr val="accent1"/>
+          </a:effectRef>
+          <a:fontRef idx="minor">
+            <a:schemeClr val="lt1"/>
+          </a:fontRef>
+        </p:style>
+        <p:txBody>
+          <a:bodyPr rtlCol="0" anchor="ctr"/>
+          <a:lstStyle/>
+          <a:p>
+            <a:pPr algn="ctr"/>
+            <a:r>
+              <a:rPr lang="en-US" altLang="ko-KR" dirty="0">
+                <a:solidFill>
+                  <a:schemeClr val="tx1"/>
+                </a:solidFill>
+                <a:latin typeface="Noto Sans KR Light" panose="020B0300000000000000" pitchFamily="34" charset="-127"/>
+                <a:ea typeface="Noto Sans KR Light" panose="020B0300000000000000" pitchFamily="34" charset="-127"/>
+              </a:rPr>
+              <a:t>Manager</a:t>
+            </a:r>
+          </a:p>
+          <a:p>
+            <a:pPr algn="ctr"/>
+            <a:r>
+              <a:rPr lang="en-US" altLang="ko-KR" smtClean="0">
+                <a:solidFill>
+                  <a:srgbClr val="0000CD"/>
+                </a:solidFill>
+                <a:latin typeface="Noto Sans KR Light" panose="020B0300000000000000" pitchFamily="34" charset="-127"/>
+                <a:ea typeface="Noto Sans KR Light" panose="020B0300000000000000" pitchFamily="34" charset="-127"/>
+              </a:rPr>
+              <a:t>(Working)</a:t>
+            </a:r>
+            <a:endParaRPr lang="ko-KR" altLang="en-US" dirty="0">
+              <a:solidFill>
+                <a:srgbClr val="0000CD"/>
+              </a:solidFill>
+              <a:latin typeface="Noto Sans KR Light" panose="020B0300000000000000" pitchFamily="34" charset="-127"/>
+              <a:ea typeface="Noto Sans KR Light" panose="020B0300000000000000" pitchFamily="34" charset="-127"/>
+            </a:endParaRPr>
+          </a:p>
+        </p:txBody>
+      </p:sp>
+      <p:cxnSp>
+        <p:nvCxnSpPr>
+          <p:cNvPr id="23" name="직선 화살표 연결선 22">
+            <a:extLst>
+              <a:ext uri="{FF2B5EF4-FFF2-40B4-BE49-F238E27FC236}">
+                <a16:creationId xmlns:a16="http://schemas.microsoft.com/office/drawing/2014/main" id="{9FFE6438-71E8-EE06-C32D-B15BC6D33172}"/>
+              </a:ext>
+            </a:extLst>
+          </p:cNvPr>
+          <p:cNvCxnSpPr>
+            <a:cxnSpLocks/>
+            <a:stCxn id="10" idx="2"/>
+            <a:endCxn id="11" idx="0"/>
+          </p:cNvCxnSpPr>
+          <p:nvPr/>
+        </p:nvCxnSpPr>
+        <p:spPr>
+          <a:xfrm>
+            <a:off x="1557558" y="2146141"/>
+            <a:ext cx="0" cy="700653"/>
+          </a:xfrm>
+          <a:prstGeom prst="straightConnector1">
+            <a:avLst/>
+          </a:prstGeom>
+          <a:ln w="19050">
+            <a:solidFill>
+              <a:schemeClr val="tx1"/>
+            </a:solidFill>
+            <a:tailEnd type="arrow"/>
+          </a:ln>
+        </p:spPr>
+        <p:style>
+          <a:lnRef idx="1">
+            <a:schemeClr val="accent1"/>
+          </a:lnRef>
+          <a:fillRef idx="0">
+            <a:schemeClr val="accent1"/>
+          </a:fillRef>
+          <a:effectRef idx="0">
+            <a:schemeClr val="accent1"/>
+          </a:effectRef>
+          <a:fontRef idx="minor">
+            <a:schemeClr val="tx1"/>
+          </a:fontRef>
+        </p:style>
+      </p:cxnSp>
+      <p:cxnSp>
+        <p:nvCxnSpPr>
+          <p:cNvPr id="27" name="직선 화살표 연결선 26">
+            <a:extLst>
+              <a:ext uri="{FF2B5EF4-FFF2-40B4-BE49-F238E27FC236}">
+                <a16:creationId xmlns:a16="http://schemas.microsoft.com/office/drawing/2014/main" id="{9FFE6438-71E8-EE06-C32D-B15BC6D33172}"/>
+              </a:ext>
+            </a:extLst>
+          </p:cNvPr>
+          <p:cNvCxnSpPr>
+            <a:cxnSpLocks/>
+            <a:stCxn id="32" idx="1"/>
+            <a:endCxn id="11" idx="2"/>
+          </p:cNvCxnSpPr>
+          <p:nvPr/>
+        </p:nvCxnSpPr>
+        <p:spPr>
+          <a:xfrm flipH="1" flipV="1">
+            <a:off x="1557558" y="3747597"/>
+            <a:ext cx="154" cy="604036"/>
+          </a:xfrm>
+          <a:prstGeom prst="straightConnector1">
+            <a:avLst/>
+          </a:prstGeom>
+          <a:ln w="19050">
+            <a:solidFill>
+              <a:schemeClr val="tx1"/>
+            </a:solidFill>
+            <a:headEnd type="arrow"/>
+            <a:tailEnd type="none"/>
+          </a:ln>
+        </p:spPr>
+        <p:style>
+          <a:lnRef idx="1">
+            <a:schemeClr val="accent1"/>
+          </a:lnRef>
+          <a:fillRef idx="0">
+            <a:schemeClr val="accent1"/>
+          </a:fillRef>
+          <a:effectRef idx="0">
+            <a:schemeClr val="accent1"/>
+          </a:effectRef>
+          <a:fontRef idx="minor">
+            <a:schemeClr val="tx1"/>
+          </a:fontRef>
+        </p:style>
+      </p:cxnSp>
+      <p:sp>
+        <p:nvSpPr>
+          <p:cNvPr id="28" name="TextBox 27">
+            <a:extLst>
+              <a:ext uri="{FF2B5EF4-FFF2-40B4-BE49-F238E27FC236}">
+                <a16:creationId xmlns:a16="http://schemas.microsoft.com/office/drawing/2014/main" id="{5A3B92B5-FE63-538A-FA0D-2C938FE70523}"/>
+              </a:ext>
+            </a:extLst>
+          </p:cNvPr>
+          <p:cNvSpPr txBox="1"/>
+          <p:nvPr/>
+        </p:nvSpPr>
+        <p:spPr>
+          <a:xfrm>
+            <a:off x="269257" y="2276105"/>
+            <a:ext cx="1322093" cy="307777"/>
+          </a:xfrm>
+          <a:prstGeom prst="rect">
+            <a:avLst/>
+          </a:prstGeom>
+          <a:noFill/>
+        </p:spPr>
+        <p:txBody>
+          <a:bodyPr wrap="none" rtlCol="0">
+            <a:spAutoFit/>
+          </a:bodyPr>
+          <a:lstStyle/>
+          <a:p>
+            <a:r>
+              <a:rPr lang="en-US" altLang="ko-KR" sz="1400" smtClean="0">
+                <a:latin typeface="Noto Sans KR Light" panose="020B0300000000000000" pitchFamily="34" charset="-127"/>
+                <a:ea typeface="Noto Sans KR Light" panose="020B0300000000000000" pitchFamily="34" charset="-127"/>
+              </a:rPr>
+              <a:t>i)</a:t>
+            </a:r>
+            <a:r>
+              <a:rPr lang="en-US" altLang="ko-KR" sz="1400" smtClean="0">
+                <a:latin typeface="Noto Sans KR Light" panose="020B0300000000000000" pitchFamily="34" charset="-127"/>
+                <a:ea typeface="Noto Sans KR Light" panose="020B0300000000000000" pitchFamily="34" charset="-127"/>
+              </a:rPr>
+              <a:t> Deliver Feed</a:t>
+            </a:r>
+            <a:endParaRPr lang="ko-KR" altLang="en-US" sz="1400" dirty="0">
+              <a:latin typeface="Noto Sans KR Light" panose="020B0300000000000000" pitchFamily="34" charset="-127"/>
+              <a:ea typeface="Noto Sans KR Light" panose="020B0300000000000000" pitchFamily="34" charset="-127"/>
+            </a:endParaRPr>
+          </a:p>
+        </p:txBody>
+      </p:sp>
+      <p:sp>
+        <p:nvSpPr>
+          <p:cNvPr id="11" name="사각형: 둥근 모서리 6">
+            <a:extLst>
+              <a:ext uri="{FF2B5EF4-FFF2-40B4-BE49-F238E27FC236}">
+                <a16:creationId xmlns:a16="http://schemas.microsoft.com/office/drawing/2014/main" id="{24FB913C-EE51-CBBE-2223-E2A82D106E32}"/>
+              </a:ext>
+            </a:extLst>
+          </p:cNvPr>
+          <p:cNvSpPr/>
+          <p:nvPr/>
+        </p:nvSpPr>
+        <p:spPr>
+          <a:xfrm>
+            <a:off x="774047" y="2846794"/>
+            <a:ext cx="1567022" cy="900803"/>
+          </a:xfrm>
+          <a:prstGeom prst="roundRect">
+            <a:avLst/>
+          </a:prstGeom>
+          <a:solidFill>
+            <a:srgbClr val="7B68EE"/>
+          </a:solidFill>
+          <a:ln>
+            <a:noFill/>
+          </a:ln>
+        </p:spPr>
+        <p:style>
+          <a:lnRef idx="2">
+            <a:schemeClr val="accent1">
+              <a:shade val="50000"/>
+            </a:schemeClr>
+          </a:lnRef>
+          <a:fillRef idx="1">
+            <a:schemeClr val="accent1"/>
+          </a:fillRef>
+          <a:effectRef idx="0">
+            <a:schemeClr val="accent1"/>
+          </a:effectRef>
+          <a:fontRef idx="minor">
+            <a:schemeClr val="lt1"/>
+          </a:fontRef>
+        </p:style>
+        <p:txBody>
+          <a:bodyPr rtlCol="0" anchor="ctr"/>
+          <a:lstStyle/>
+          <a:p>
+            <a:pPr algn="ctr"/>
+            <a:r>
+              <a:rPr lang="en-US" altLang="ko-KR" smtClean="0">
+                <a:solidFill>
+                  <a:schemeClr val="tx1"/>
+                </a:solidFill>
+                <a:latin typeface="Noto Sans KR Light" panose="020B0300000000000000" pitchFamily="34" charset="-127"/>
+                <a:ea typeface="Noto Sans KR Light" panose="020B0300000000000000" pitchFamily="34" charset="-127"/>
+              </a:rPr>
+              <a:t>Worker1</a:t>
+            </a:r>
+            <a:endParaRPr lang="en-US" altLang="ko-KR" dirty="0">
+              <a:solidFill>
+                <a:schemeClr val="tx1"/>
+              </a:solidFill>
+              <a:latin typeface="Noto Sans KR Light" panose="020B0300000000000000" pitchFamily="34" charset="-127"/>
+              <a:ea typeface="Noto Sans KR Light" panose="020B0300000000000000" pitchFamily="34" charset="-127"/>
+            </a:endParaRPr>
+          </a:p>
+          <a:p>
+            <a:pPr algn="ctr"/>
+            <a:r>
+              <a:rPr lang="en-US" altLang="ko-KR" smtClean="0">
+                <a:solidFill>
+                  <a:srgbClr val="0000CD"/>
+                </a:solidFill>
+                <a:latin typeface="Noto Sans KR Light" panose="020B0300000000000000" pitchFamily="34" charset="-127"/>
+                <a:ea typeface="Noto Sans KR Light" panose="020B0300000000000000" pitchFamily="34" charset="-127"/>
+              </a:rPr>
+              <a:t>(Working)</a:t>
+            </a:r>
+            <a:endParaRPr lang="ko-KR" altLang="en-US" dirty="0">
+              <a:solidFill>
+                <a:srgbClr val="0000CD"/>
+              </a:solidFill>
+              <a:latin typeface="Noto Sans KR Light" panose="020B0300000000000000" pitchFamily="34" charset="-127"/>
+              <a:ea typeface="Noto Sans KR Light" panose="020B0300000000000000" pitchFamily="34" charset="-127"/>
+            </a:endParaRPr>
+          </a:p>
+        </p:txBody>
+      </p:sp>
+      <p:sp>
+        <p:nvSpPr>
+          <p:cNvPr id="30" name="TextBox 29">
+            <a:extLst>
+              <a:ext uri="{FF2B5EF4-FFF2-40B4-BE49-F238E27FC236}">
+                <a16:creationId xmlns:a16="http://schemas.microsoft.com/office/drawing/2014/main" id="{5A3B92B5-FE63-538A-FA0D-2C938FE70523}"/>
+              </a:ext>
+            </a:extLst>
+          </p:cNvPr>
+          <p:cNvSpPr txBox="1"/>
+          <p:nvPr/>
+        </p:nvSpPr>
+        <p:spPr>
+          <a:xfrm>
+            <a:off x="253803" y="3875289"/>
+            <a:ext cx="1319207" cy="307777"/>
+          </a:xfrm>
+          <a:prstGeom prst="rect">
+            <a:avLst/>
+          </a:prstGeom>
+          <a:noFill/>
+        </p:spPr>
+        <p:txBody>
+          <a:bodyPr wrap="none" rtlCol="0">
+            <a:spAutoFit/>
+          </a:bodyPr>
+          <a:lstStyle/>
+          <a:p>
+            <a:r>
+              <a:rPr lang="en-US" altLang="ko-KR" sz="1400" smtClean="0">
+                <a:latin typeface="Noto Sans KR Light" panose="020B0300000000000000" pitchFamily="34" charset="-127"/>
+                <a:ea typeface="Noto Sans KR Light" panose="020B0300000000000000" pitchFamily="34" charset="-127"/>
+              </a:rPr>
+              <a:t>ii) </a:t>
+            </a:r>
+            <a:r>
+              <a:rPr lang="en-US" altLang="ko-KR" sz="1400" smtClean="0">
+                <a:latin typeface="Noto Sans KR Light" panose="020B0300000000000000" pitchFamily="34" charset="-127"/>
+                <a:ea typeface="Noto Sans KR Light" panose="020B0300000000000000" pitchFamily="34" charset="-127"/>
+              </a:rPr>
+              <a:t>Push Result</a:t>
+            </a:r>
+            <a:endParaRPr lang="ko-KR" altLang="en-US" sz="1400" dirty="0">
+              <a:latin typeface="Noto Sans KR Light" panose="020B0300000000000000" pitchFamily="34" charset="-127"/>
+              <a:ea typeface="Noto Sans KR Light" panose="020B0300000000000000" pitchFamily="34" charset="-127"/>
+            </a:endParaRPr>
+          </a:p>
+        </p:txBody>
+      </p:sp>
+      <p:sp>
+        <p:nvSpPr>
+          <p:cNvPr id="51" name="TextBox 50"/>
+          <p:cNvSpPr txBox="1"/>
+          <p:nvPr/>
+        </p:nvSpPr>
+        <p:spPr>
+          <a:xfrm>
+            <a:off x="7056664" y="236743"/>
+            <a:ext cx="4593772" cy="4708981"/>
+          </a:xfrm>
+          <a:prstGeom prst="rect">
+            <a:avLst/>
+          </a:prstGeom>
+          <a:noFill/>
+        </p:spPr>
+        <p:txBody>
+          <a:bodyPr wrap="square" rtlCol="0">
+            <a:spAutoFit/>
+          </a:bodyPr>
+          <a:lstStyle/>
+          <a:p>
+            <a:r>
+              <a:rPr lang="en-US" altLang="ko-KR" sz="1200" b="1" smtClean="0">
+                <a:latin typeface="D2Coding" panose="020B0609020101020101" pitchFamily="49" charset="-127"/>
+                <a:ea typeface="D2Coding" panose="020B0609020101020101" pitchFamily="49" charset="-127"/>
+              </a:rPr>
+              <a:t>bee4.proto</a:t>
+            </a:r>
+          </a:p>
+          <a:p>
+            <a:endParaRPr lang="en-US" altLang="ko-KR" sz="1200" smtClean="0">
+              <a:latin typeface="D2Coding" panose="020B0609020101020101" pitchFamily="49" charset="-127"/>
+              <a:ea typeface="D2Coding" panose="020B0609020101020101" pitchFamily="49" charset="-127"/>
+            </a:endParaRPr>
+          </a:p>
+          <a:p>
+            <a:r>
+              <a:rPr lang="en-US" altLang="ko-KR" sz="1200">
+                <a:latin typeface="D2Coding" panose="020B0609020101020101" pitchFamily="49" charset="-127"/>
+                <a:ea typeface="D2Coding" panose="020B0609020101020101" pitchFamily="49" charset="-127"/>
+              </a:rPr>
+              <a:t>syntax = "proto3";</a:t>
+            </a:r>
+          </a:p>
+          <a:p>
+            <a:endParaRPr lang="en-US" altLang="ko-KR" sz="1200">
+              <a:latin typeface="D2Coding" panose="020B0609020101020101" pitchFamily="49" charset="-127"/>
+              <a:ea typeface="D2Coding" panose="020B0609020101020101" pitchFamily="49" charset="-127"/>
+            </a:endParaRPr>
+          </a:p>
+          <a:p>
+            <a:r>
+              <a:rPr lang="en-US" altLang="ko-KR" sz="1200">
+                <a:latin typeface="D2Coding" panose="020B0609020101020101" pitchFamily="49" charset="-127"/>
+                <a:ea typeface="D2Coding" panose="020B0609020101020101" pitchFamily="49" charset="-127"/>
+              </a:rPr>
+              <a:t>option java_multiple_files = true;</a:t>
+            </a:r>
+          </a:p>
+          <a:p>
+            <a:r>
+              <a:rPr lang="en-US" altLang="ko-KR" sz="1200">
+                <a:latin typeface="D2Coding" panose="020B0609020101020101" pitchFamily="49" charset="-127"/>
+                <a:ea typeface="D2Coding" panose="020B0609020101020101" pitchFamily="49" charset="-127"/>
+              </a:rPr>
+              <a:t>option java_package = "org.chb.examples.lib";</a:t>
+            </a:r>
+          </a:p>
+          <a:p>
+            <a:r>
+              <a:rPr lang="en-US" altLang="ko-KR" sz="1200">
+                <a:latin typeface="D2Coding" panose="020B0609020101020101" pitchFamily="49" charset="-127"/>
+                <a:ea typeface="D2Coding" panose="020B0609020101020101" pitchFamily="49" charset="-127"/>
+              </a:rPr>
+              <a:t>option java_outer_classname </a:t>
+            </a:r>
+            <a:r>
+              <a:rPr lang="en-US" altLang="ko-KR" sz="1200">
+                <a:latin typeface="D2Coding" panose="020B0609020101020101" pitchFamily="49" charset="-127"/>
+                <a:ea typeface="D2Coding" panose="020B0609020101020101" pitchFamily="49" charset="-127"/>
+              </a:rPr>
+              <a:t>= </a:t>
+            </a:r>
+            <a:r>
+              <a:rPr lang="en-US" altLang="ko-KR" sz="1200" smtClean="0">
+                <a:latin typeface="D2Coding" panose="020B0609020101020101" pitchFamily="49" charset="-127"/>
+                <a:ea typeface="D2Coding" panose="020B0609020101020101" pitchFamily="49" charset="-127"/>
+              </a:rPr>
+              <a:t>"Bee4Proto</a:t>
+            </a:r>
+            <a:r>
+              <a:rPr lang="en-US" altLang="ko-KR" sz="1200">
+                <a:latin typeface="D2Coding" panose="020B0609020101020101" pitchFamily="49" charset="-127"/>
+                <a:ea typeface="D2Coding" panose="020B0609020101020101" pitchFamily="49" charset="-127"/>
+              </a:rPr>
+              <a:t>";</a:t>
+            </a:r>
+          </a:p>
+          <a:p>
+            <a:endParaRPr lang="en-US" altLang="ko-KR" sz="1200">
+              <a:latin typeface="D2Coding" panose="020B0609020101020101" pitchFamily="49" charset="-127"/>
+              <a:ea typeface="D2Coding" panose="020B0609020101020101" pitchFamily="49" charset="-127"/>
+            </a:endParaRPr>
+          </a:p>
+          <a:p>
+            <a:r>
+              <a:rPr lang="en-US" altLang="ko-KR" sz="1200" smtClean="0">
+                <a:latin typeface="D2Coding" panose="020B0609020101020101" pitchFamily="49" charset="-127"/>
+                <a:ea typeface="D2Coding" panose="020B0609020101020101" pitchFamily="49" charset="-127"/>
+              </a:rPr>
+              <a:t>message NodeCondition {</a:t>
+            </a:r>
+          </a:p>
+          <a:p>
+            <a:r>
+              <a:rPr lang="en-US" altLang="ko-KR" sz="1200" smtClean="0">
+                <a:latin typeface="D2Coding" panose="020B0609020101020101" pitchFamily="49" charset="-127"/>
+                <a:ea typeface="D2Coding" panose="020B0609020101020101" pitchFamily="49" charset="-127"/>
+              </a:rPr>
+              <a:t>  bool healthy = 1;</a:t>
+            </a:r>
+          </a:p>
+          <a:p>
+            <a:r>
+              <a:rPr lang="en-US" altLang="ko-KR" sz="1200">
+                <a:latin typeface="D2Coding" panose="020B0609020101020101" pitchFamily="49" charset="-127"/>
+                <a:ea typeface="D2Coding" panose="020B0609020101020101" pitchFamily="49" charset="-127"/>
+              </a:rPr>
+              <a:t> </a:t>
+            </a:r>
+            <a:r>
+              <a:rPr lang="en-US" altLang="ko-KR" sz="1200" smtClean="0">
+                <a:latin typeface="D2Coding" panose="020B0609020101020101" pitchFamily="49" charset="-127"/>
+                <a:ea typeface="D2Coding" panose="020B0609020101020101" pitchFamily="49" charset="-127"/>
+              </a:rPr>
+              <a:t> bool idle = 2;</a:t>
+            </a:r>
+            <a:endParaRPr lang="en-US" altLang="ko-KR" sz="1200">
+              <a:latin typeface="D2Coding" panose="020B0609020101020101" pitchFamily="49" charset="-127"/>
+              <a:ea typeface="D2Coding" panose="020B0609020101020101" pitchFamily="49" charset="-127"/>
+            </a:endParaRPr>
+          </a:p>
+          <a:p>
+            <a:r>
+              <a:rPr lang="en-US" altLang="ko-KR" sz="1200" smtClean="0">
+                <a:latin typeface="D2Coding" panose="020B0609020101020101" pitchFamily="49" charset="-127"/>
+                <a:ea typeface="D2Coding" panose="020B0609020101020101" pitchFamily="49" charset="-127"/>
+              </a:rPr>
+              <a:t>}</a:t>
+            </a:r>
+          </a:p>
+          <a:p>
+            <a:endParaRPr lang="en-US" altLang="ko-KR" sz="1200">
+              <a:latin typeface="D2Coding" panose="020B0609020101020101" pitchFamily="49" charset="-127"/>
+              <a:ea typeface="D2Coding" panose="020B0609020101020101" pitchFamily="49" charset="-127"/>
+            </a:endParaRPr>
+          </a:p>
+          <a:p>
+            <a:r>
+              <a:rPr lang="en-US" altLang="ko-KR" sz="1200" smtClean="0">
+                <a:solidFill>
+                  <a:srgbClr val="0000FF"/>
+                </a:solidFill>
+                <a:latin typeface="D2Coding" panose="020B0609020101020101" pitchFamily="49" charset="-127"/>
+                <a:ea typeface="D2Coding" panose="020B0609020101020101" pitchFamily="49" charset="-127"/>
+              </a:rPr>
+              <a:t>message Feed {</a:t>
+            </a:r>
+          </a:p>
+          <a:p>
+            <a:r>
+              <a:rPr lang="en-US" altLang="ko-KR" sz="1200">
+                <a:solidFill>
+                  <a:srgbClr val="0000FF"/>
+                </a:solidFill>
+                <a:latin typeface="D2Coding" panose="020B0609020101020101" pitchFamily="49" charset="-127"/>
+                <a:ea typeface="D2Coding" panose="020B0609020101020101" pitchFamily="49" charset="-127"/>
+              </a:rPr>
+              <a:t> </a:t>
+            </a:r>
+            <a:r>
+              <a:rPr lang="en-US" altLang="ko-KR" sz="1200" smtClean="0">
+                <a:solidFill>
+                  <a:srgbClr val="0000FF"/>
+                </a:solidFill>
+                <a:latin typeface="D2Coding" panose="020B0609020101020101" pitchFamily="49" charset="-127"/>
+                <a:ea typeface="D2Coding" panose="020B0609020101020101" pitchFamily="49" charset="-127"/>
+              </a:rPr>
+              <a:t> int32 no = 1;</a:t>
+            </a:r>
+          </a:p>
+          <a:p>
+            <a:r>
+              <a:rPr lang="en-US" altLang="ko-KR" sz="1200">
+                <a:solidFill>
+                  <a:srgbClr val="0000FF"/>
+                </a:solidFill>
+                <a:latin typeface="D2Coding" panose="020B0609020101020101" pitchFamily="49" charset="-127"/>
+                <a:ea typeface="D2Coding" panose="020B0609020101020101" pitchFamily="49" charset="-127"/>
+              </a:rPr>
+              <a:t> </a:t>
+            </a:r>
+            <a:r>
+              <a:rPr lang="en-US" altLang="ko-KR" sz="1200" smtClean="0">
+                <a:solidFill>
+                  <a:srgbClr val="0000FF"/>
+                </a:solidFill>
+                <a:latin typeface="D2Coding" panose="020B0609020101020101" pitchFamily="49" charset="-127"/>
+                <a:ea typeface="D2Coding" panose="020B0609020101020101" pitchFamily="49" charset="-127"/>
+              </a:rPr>
+              <a:t> string botType = 2;</a:t>
+            </a:r>
+          </a:p>
+          <a:p>
+            <a:r>
+              <a:rPr lang="en-US" altLang="ko-KR" sz="1200">
+                <a:solidFill>
+                  <a:srgbClr val="0000FF"/>
+                </a:solidFill>
+                <a:latin typeface="D2Coding" panose="020B0609020101020101" pitchFamily="49" charset="-127"/>
+                <a:ea typeface="D2Coding" panose="020B0609020101020101" pitchFamily="49" charset="-127"/>
+              </a:rPr>
+              <a:t> </a:t>
+            </a:r>
+            <a:r>
+              <a:rPr lang="en-US" altLang="ko-KR" sz="1200" smtClean="0">
+                <a:solidFill>
+                  <a:srgbClr val="0000FF"/>
+                </a:solidFill>
+                <a:latin typeface="D2Coding" panose="020B0609020101020101" pitchFamily="49" charset="-127"/>
+                <a:ea typeface="D2Coding" panose="020B0609020101020101" pitchFamily="49" charset="-127"/>
+              </a:rPr>
+              <a:t> stirng script = 3;</a:t>
+            </a:r>
+          </a:p>
+          <a:p>
+            <a:r>
+              <a:rPr lang="en-US" altLang="ko-KR" sz="1200" smtClean="0">
+                <a:solidFill>
+                  <a:srgbClr val="0000FF"/>
+                </a:solidFill>
+                <a:latin typeface="D2Coding" panose="020B0609020101020101" pitchFamily="49" charset="-127"/>
+                <a:ea typeface="D2Coding" panose="020B0609020101020101" pitchFamily="49" charset="-127"/>
+              </a:rPr>
+              <a:t>  </a:t>
+            </a:r>
+            <a:r>
+              <a:rPr lang="en-US" altLang="ko-KR" sz="1200">
+                <a:solidFill>
+                  <a:srgbClr val="0000FF"/>
+                </a:solidFill>
+                <a:latin typeface="D2Coding" panose="020B0609020101020101" pitchFamily="49" charset="-127"/>
+                <a:ea typeface="D2Coding" panose="020B0609020101020101" pitchFamily="49" charset="-127"/>
+              </a:rPr>
+              <a:t>string botAnswer = 2;</a:t>
+            </a:r>
+            <a:endParaRPr lang="en-US" altLang="ko-KR" sz="1200" smtClean="0">
+              <a:solidFill>
+                <a:srgbClr val="0000FF"/>
+              </a:solidFill>
+              <a:latin typeface="D2Coding" panose="020B0609020101020101" pitchFamily="49" charset="-127"/>
+              <a:ea typeface="D2Coding" panose="020B0609020101020101" pitchFamily="49" charset="-127"/>
+            </a:endParaRPr>
+          </a:p>
+          <a:p>
+            <a:r>
+              <a:rPr lang="en-US" altLang="ko-KR" sz="1200" smtClean="0">
+                <a:solidFill>
+                  <a:srgbClr val="0000FF"/>
+                </a:solidFill>
+                <a:latin typeface="D2Coding" panose="020B0609020101020101" pitchFamily="49" charset="-127"/>
+                <a:ea typeface="D2Coding" panose="020B0609020101020101" pitchFamily="49" charset="-127"/>
+              </a:rPr>
+              <a:t>}</a:t>
+            </a:r>
+          </a:p>
+          <a:p>
+            <a:endParaRPr lang="en-US" altLang="ko-KR" sz="1200">
+              <a:latin typeface="D2Coding" panose="020B0609020101020101" pitchFamily="49" charset="-127"/>
+              <a:ea typeface="D2Coding" panose="020B0609020101020101" pitchFamily="49" charset="-127"/>
+            </a:endParaRPr>
+          </a:p>
+          <a:p>
+            <a:r>
+              <a:rPr lang="en-US" altLang="ko-KR" sz="1200" smtClean="0">
+                <a:latin typeface="D2Coding" panose="020B0609020101020101" pitchFamily="49" charset="-127"/>
+                <a:ea typeface="D2Coding" panose="020B0609020101020101" pitchFamily="49" charset="-127"/>
+              </a:rPr>
+              <a:t>service Bee4Service{</a:t>
+            </a:r>
+          </a:p>
+          <a:p>
+            <a:r>
+              <a:rPr lang="en-US" altLang="ko-KR" sz="1200" smtClean="0">
+                <a:latin typeface="D2Coding" panose="020B0609020101020101" pitchFamily="49" charset="-127"/>
+                <a:ea typeface="D2Coding" panose="020B0609020101020101" pitchFamily="49" charset="-127"/>
+              </a:rPr>
+              <a:t>  rpc areYouHealthy() returns (NodeCondition);</a:t>
+            </a:r>
+          </a:p>
+          <a:p>
+            <a:r>
+              <a:rPr lang="en-US" altLang="ko-KR" sz="1200">
+                <a:latin typeface="D2Coding" panose="020B0609020101020101" pitchFamily="49" charset="-127"/>
+                <a:ea typeface="D2Coding" panose="020B0609020101020101" pitchFamily="49" charset="-127"/>
+              </a:rPr>
+              <a:t> </a:t>
+            </a:r>
+            <a:r>
+              <a:rPr lang="en-US" altLang="ko-KR" sz="1200" smtClean="0">
+                <a:latin typeface="D2Coding" panose="020B0609020101020101" pitchFamily="49" charset="-127"/>
+                <a:ea typeface="D2Coding" panose="020B0609020101020101" pitchFamily="49" charset="-127"/>
+              </a:rPr>
+              <a:t> rpc areYouIdle() returns (NodeCondition);</a:t>
+            </a:r>
+          </a:p>
+          <a:p>
+            <a:r>
+              <a:rPr lang="en-US" altLang="ko-KR" sz="1200">
+                <a:solidFill>
+                  <a:srgbClr val="0000FF"/>
+                </a:solidFill>
+                <a:latin typeface="D2Coding" panose="020B0609020101020101" pitchFamily="49" charset="-127"/>
+                <a:ea typeface="D2Coding" panose="020B0609020101020101" pitchFamily="49" charset="-127"/>
+              </a:rPr>
+              <a:t> </a:t>
+            </a:r>
+            <a:r>
+              <a:rPr lang="en-US" altLang="ko-KR" sz="1200" smtClean="0">
+                <a:solidFill>
+                  <a:srgbClr val="0000FF"/>
+                </a:solidFill>
+                <a:latin typeface="D2Coding" panose="020B0609020101020101" pitchFamily="49" charset="-127"/>
+                <a:ea typeface="D2Coding" panose="020B0609020101020101" pitchFamily="49" charset="-127"/>
+              </a:rPr>
+              <a:t> rpc deliver(</a:t>
+            </a:r>
+            <a:r>
+              <a:rPr lang="en-US" altLang="ko-KR" sz="1200">
+                <a:solidFill>
+                  <a:srgbClr val="0000FF"/>
+                </a:solidFill>
+                <a:latin typeface="D2Coding" panose="020B0609020101020101" pitchFamily="49" charset="-127"/>
+                <a:ea typeface="D2Coding" panose="020B0609020101020101" pitchFamily="49" charset="-127"/>
+              </a:rPr>
+              <a:t>Feed</a:t>
+            </a:r>
+            <a:r>
+              <a:rPr lang="en-US" altLang="ko-KR" sz="1200" smtClean="0">
+                <a:solidFill>
+                  <a:srgbClr val="0000FF"/>
+                </a:solidFill>
+                <a:latin typeface="D2Coding" panose="020B0609020101020101" pitchFamily="49" charset="-127"/>
+                <a:ea typeface="D2Coding" panose="020B0609020101020101" pitchFamily="49" charset="-127"/>
+              </a:rPr>
+              <a:t>) returns (</a:t>
+            </a:r>
+            <a:r>
+              <a:rPr lang="en-US" altLang="ko-KR" sz="1200">
+                <a:solidFill>
+                  <a:srgbClr val="0000FF"/>
+                </a:solidFill>
+                <a:latin typeface="D2Coding" panose="020B0609020101020101" pitchFamily="49" charset="-127"/>
+                <a:ea typeface="D2Coding" panose="020B0609020101020101" pitchFamily="49" charset="-127"/>
+              </a:rPr>
+              <a:t>Feed</a:t>
+            </a:r>
+            <a:r>
+              <a:rPr lang="en-US" altLang="ko-KR" sz="1200" smtClean="0">
+                <a:solidFill>
+                  <a:srgbClr val="0000FF"/>
+                </a:solidFill>
+                <a:latin typeface="D2Coding" panose="020B0609020101020101" pitchFamily="49" charset="-127"/>
+                <a:ea typeface="D2Coding" panose="020B0609020101020101" pitchFamily="49" charset="-127"/>
+              </a:rPr>
+              <a:t>);</a:t>
+            </a:r>
+          </a:p>
+          <a:p>
+            <a:r>
+              <a:rPr lang="en-US" altLang="ko-KR" sz="1200" smtClean="0">
+                <a:latin typeface="D2Coding" panose="020B0609020101020101" pitchFamily="49" charset="-127"/>
+                <a:ea typeface="D2Coding" panose="020B0609020101020101" pitchFamily="49" charset="-127"/>
+              </a:rPr>
+              <a:t>}</a:t>
+            </a:r>
+            <a:endParaRPr lang="ko-KR" altLang="en-US" sz="1200">
+              <a:latin typeface="D2Coding" panose="020B0609020101020101" pitchFamily="49" charset="-127"/>
+              <a:ea typeface="D2Coding" panose="020B0609020101020101" pitchFamily="49" charset="-127"/>
+            </a:endParaRPr>
+          </a:p>
+        </p:txBody>
+      </p:sp>
+      <p:sp>
+        <p:nvSpPr>
+          <p:cNvPr id="26" name="원통형 22">
+            <a:extLst>
+              <a:ext uri="{FF2B5EF4-FFF2-40B4-BE49-F238E27FC236}">
+                <a16:creationId xmlns:a16="http://schemas.microsoft.com/office/drawing/2014/main" id="{BCC1752D-B889-54F4-AC32-05490D638586}"/>
+              </a:ext>
+            </a:extLst>
+          </p:cNvPr>
+          <p:cNvSpPr/>
+          <p:nvPr/>
+        </p:nvSpPr>
+        <p:spPr>
+          <a:xfrm>
+            <a:off x="3609062" y="4351633"/>
+            <a:ext cx="1049646" cy="875484"/>
+          </a:xfrm>
+          <a:prstGeom prst="can">
+            <a:avLst/>
+          </a:prstGeom>
+          <a:solidFill>
+            <a:srgbClr val="90EE90"/>
+          </a:solidFill>
+          <a:ln>
+            <a:noFill/>
+          </a:ln>
+        </p:spPr>
+        <p:style>
+          <a:lnRef idx="2">
+            <a:schemeClr val="accent1">
+              <a:shade val="50000"/>
+            </a:schemeClr>
+          </a:lnRef>
+          <a:fillRef idx="1">
+            <a:schemeClr val="accent1"/>
+          </a:fillRef>
+          <a:effectRef idx="0">
+            <a:schemeClr val="accent1"/>
+          </a:effectRef>
+          <a:fontRef idx="minor">
+            <a:schemeClr val="lt1"/>
+          </a:fontRef>
+        </p:style>
+        <p:txBody>
+          <a:bodyPr rtlCol="0" anchor="ctr"/>
+          <a:lstStyle/>
+          <a:p>
+            <a:pPr algn="ctr"/>
+            <a:r>
+              <a:rPr lang="en-US" altLang="ko-KR" dirty="0">
+                <a:solidFill>
+                  <a:schemeClr val="tx1"/>
+                </a:solidFill>
+                <a:latin typeface="Noto Sans CJK KR" panose="020B0500000000000000" pitchFamily="34" charset="-127"/>
+                <a:ea typeface="Noto Sans CJK KR" panose="020B0500000000000000" pitchFamily="34" charset="-127"/>
+              </a:rPr>
+              <a:t>DB</a:t>
+            </a:r>
+            <a:endParaRPr lang="ko-KR" altLang="en-US" dirty="0">
+              <a:solidFill>
+                <a:schemeClr val="tx1"/>
+              </a:solidFill>
+              <a:latin typeface="Noto Sans CJK KR" panose="020B0500000000000000" pitchFamily="34" charset="-127"/>
+              <a:ea typeface="Noto Sans CJK KR" panose="020B0500000000000000" pitchFamily="34" charset="-127"/>
+            </a:endParaRPr>
+          </a:p>
+        </p:txBody>
+      </p:sp>
+      <p:sp>
+        <p:nvSpPr>
+          <p:cNvPr id="29" name="사각형: 둥근 모서리 6">
+            <a:extLst>
+              <a:ext uri="{FF2B5EF4-FFF2-40B4-BE49-F238E27FC236}">
+                <a16:creationId xmlns:a16="http://schemas.microsoft.com/office/drawing/2014/main" id="{24FB913C-EE51-CBBE-2223-E2A82D106E32}"/>
+              </a:ext>
+            </a:extLst>
+          </p:cNvPr>
+          <p:cNvSpPr/>
+          <p:nvPr/>
+        </p:nvSpPr>
+        <p:spPr>
+          <a:xfrm>
+            <a:off x="3350374" y="2841053"/>
+            <a:ext cx="1567022" cy="900803"/>
+          </a:xfrm>
+          <a:prstGeom prst="roundRect">
+            <a:avLst/>
+          </a:prstGeom>
+          <a:solidFill>
+            <a:srgbClr val="FFAD01"/>
+          </a:solidFill>
+          <a:ln>
+            <a:noFill/>
+          </a:ln>
+        </p:spPr>
+        <p:style>
+          <a:lnRef idx="2">
+            <a:schemeClr val="accent1">
+              <a:shade val="50000"/>
+            </a:schemeClr>
+          </a:lnRef>
+          <a:fillRef idx="1">
+            <a:schemeClr val="accent1"/>
+          </a:fillRef>
+          <a:effectRef idx="0">
+            <a:schemeClr val="accent1"/>
+          </a:effectRef>
+          <a:fontRef idx="minor">
+            <a:schemeClr val="lt1"/>
+          </a:fontRef>
+        </p:style>
+        <p:txBody>
+          <a:bodyPr rtlCol="0" anchor="ctr"/>
+          <a:lstStyle/>
+          <a:p>
+            <a:pPr algn="ctr"/>
+            <a:r>
+              <a:rPr lang="en-US" altLang="ko-KR" smtClean="0">
+                <a:solidFill>
+                  <a:schemeClr val="tx1"/>
+                </a:solidFill>
+                <a:latin typeface="Noto Sans KR Light" panose="020B0300000000000000" pitchFamily="34" charset="-127"/>
+                <a:ea typeface="Noto Sans KR Light" panose="020B0300000000000000" pitchFamily="34" charset="-127"/>
+              </a:rPr>
+              <a:t>Fetcher</a:t>
+            </a:r>
+            <a:endParaRPr lang="ko-KR" altLang="en-US" dirty="0">
+              <a:solidFill>
+                <a:srgbClr val="0000CD"/>
+              </a:solidFill>
+              <a:latin typeface="Noto Sans KR Light" panose="020B0300000000000000" pitchFamily="34" charset="-127"/>
+              <a:ea typeface="Noto Sans KR Light" panose="020B0300000000000000" pitchFamily="34" charset="-127"/>
+            </a:endParaRPr>
+          </a:p>
+        </p:txBody>
+      </p:sp>
+      <p:sp>
+        <p:nvSpPr>
+          <p:cNvPr id="32" name="원통형 22">
+            <a:extLst>
+              <a:ext uri="{FF2B5EF4-FFF2-40B4-BE49-F238E27FC236}">
+                <a16:creationId xmlns:a16="http://schemas.microsoft.com/office/drawing/2014/main" id="{BCC1752D-B889-54F4-AC32-05490D638586}"/>
+              </a:ext>
+            </a:extLst>
+          </p:cNvPr>
+          <p:cNvSpPr/>
+          <p:nvPr/>
+        </p:nvSpPr>
+        <p:spPr>
+          <a:xfrm>
+            <a:off x="1032889" y="4351633"/>
+            <a:ext cx="1049646" cy="875484"/>
+          </a:xfrm>
+          <a:prstGeom prst="can">
+            <a:avLst/>
+          </a:prstGeom>
+          <a:solidFill>
+            <a:srgbClr val="90EE90"/>
+          </a:solidFill>
+          <a:ln>
+            <a:noFill/>
+          </a:ln>
+        </p:spPr>
+        <p:style>
+          <a:lnRef idx="2">
+            <a:schemeClr val="accent1">
+              <a:shade val="50000"/>
+            </a:schemeClr>
+          </a:lnRef>
+          <a:fillRef idx="1">
+            <a:schemeClr val="accent1"/>
+          </a:fillRef>
+          <a:effectRef idx="0">
+            <a:schemeClr val="accent1"/>
+          </a:effectRef>
+          <a:fontRef idx="minor">
+            <a:schemeClr val="lt1"/>
+          </a:fontRef>
+        </p:style>
+        <p:txBody>
+          <a:bodyPr rtlCol="0" anchor="ctr"/>
+          <a:lstStyle/>
+          <a:p>
+            <a:pPr algn="ctr"/>
+            <a:r>
+              <a:rPr lang="en-US" altLang="ko-KR" smtClean="0">
+                <a:solidFill>
+                  <a:schemeClr val="tx1"/>
+                </a:solidFill>
+                <a:latin typeface="Noto Sans CJK KR" panose="020B0500000000000000" pitchFamily="34" charset="-127"/>
+                <a:ea typeface="Noto Sans CJK KR" panose="020B0500000000000000" pitchFamily="34" charset="-127"/>
+              </a:rPr>
+              <a:t>Kafka</a:t>
+            </a:r>
+            <a:endParaRPr lang="ko-KR" altLang="en-US" dirty="0">
+              <a:solidFill>
+                <a:schemeClr val="tx1"/>
+              </a:solidFill>
+              <a:latin typeface="Noto Sans CJK KR" panose="020B0500000000000000" pitchFamily="34" charset="-127"/>
+              <a:ea typeface="Noto Sans CJK KR" panose="020B0500000000000000" pitchFamily="34" charset="-127"/>
+            </a:endParaRPr>
+          </a:p>
+        </p:txBody>
+      </p:sp>
+      <p:cxnSp>
+        <p:nvCxnSpPr>
+          <p:cNvPr id="33" name="직선 화살표 연결선 32">
+            <a:extLst>
+              <a:ext uri="{FF2B5EF4-FFF2-40B4-BE49-F238E27FC236}">
+                <a16:creationId xmlns:a16="http://schemas.microsoft.com/office/drawing/2014/main" id="{9FFE6438-71E8-EE06-C32D-B15BC6D33172}"/>
+              </a:ext>
+            </a:extLst>
+          </p:cNvPr>
+          <p:cNvCxnSpPr>
+            <a:cxnSpLocks/>
+          </p:cNvCxnSpPr>
+          <p:nvPr/>
+        </p:nvCxnSpPr>
+        <p:spPr>
+          <a:xfrm flipV="1">
+            <a:off x="2187659" y="3706723"/>
+            <a:ext cx="983314" cy="644910"/>
+          </a:xfrm>
+          <a:prstGeom prst="straightConnector1">
+            <a:avLst/>
+          </a:prstGeom>
+          <a:ln w="19050">
+            <a:solidFill>
+              <a:schemeClr val="tx1"/>
+            </a:solidFill>
+            <a:tailEnd type="arrow"/>
+          </a:ln>
+        </p:spPr>
+        <p:style>
+          <a:lnRef idx="1">
+            <a:schemeClr val="accent1"/>
+          </a:lnRef>
+          <a:fillRef idx="0">
+            <a:schemeClr val="accent1"/>
+          </a:fillRef>
+          <a:effectRef idx="0">
+            <a:schemeClr val="accent1"/>
+          </a:effectRef>
+          <a:fontRef idx="minor">
+            <a:schemeClr val="tx1"/>
+          </a:fontRef>
+        </p:style>
+      </p:cxnSp>
+      <p:cxnSp>
+        <p:nvCxnSpPr>
+          <p:cNvPr id="34" name="직선 화살표 연결선 33">
+            <a:extLst>
+              <a:ext uri="{FF2B5EF4-FFF2-40B4-BE49-F238E27FC236}">
+                <a16:creationId xmlns:a16="http://schemas.microsoft.com/office/drawing/2014/main" id="{9FFE6438-71E8-EE06-C32D-B15BC6D33172}"/>
+              </a:ext>
+            </a:extLst>
+          </p:cNvPr>
+          <p:cNvCxnSpPr>
+            <a:cxnSpLocks/>
+            <a:stCxn id="26" idx="1"/>
+            <a:endCxn id="29" idx="2"/>
+          </p:cNvCxnSpPr>
+          <p:nvPr/>
+        </p:nvCxnSpPr>
+        <p:spPr>
+          <a:xfrm flipV="1">
+            <a:off x="4133885" y="3741856"/>
+            <a:ext cx="0" cy="609777"/>
+          </a:xfrm>
+          <a:prstGeom prst="straightConnector1">
+            <a:avLst/>
+          </a:prstGeom>
+          <a:ln w="19050">
+            <a:solidFill>
+              <a:schemeClr val="tx1"/>
+            </a:solidFill>
+            <a:headEnd type="arrow"/>
+            <a:tailEnd type="none"/>
+          </a:ln>
+        </p:spPr>
+        <p:style>
+          <a:lnRef idx="1">
+            <a:schemeClr val="accent1"/>
+          </a:lnRef>
+          <a:fillRef idx="0">
+            <a:schemeClr val="accent1"/>
+          </a:fillRef>
+          <a:effectRef idx="0">
+            <a:schemeClr val="accent1"/>
+          </a:effectRef>
+          <a:fontRef idx="minor">
+            <a:schemeClr val="tx1"/>
+          </a:fontRef>
+        </p:style>
+      </p:cxnSp>
+      <p:sp>
+        <p:nvSpPr>
+          <p:cNvPr id="41" name="TextBox 40">
+            <a:extLst>
+              <a:ext uri="{FF2B5EF4-FFF2-40B4-BE49-F238E27FC236}">
+                <a16:creationId xmlns:a16="http://schemas.microsoft.com/office/drawing/2014/main" id="{5A3B92B5-FE63-538A-FA0D-2C938FE70523}"/>
+              </a:ext>
+            </a:extLst>
+          </p:cNvPr>
+          <p:cNvSpPr txBox="1"/>
+          <p:nvPr/>
+        </p:nvSpPr>
+        <p:spPr>
+          <a:xfrm>
+            <a:off x="2563791" y="4029177"/>
+            <a:ext cx="1283749" cy="307777"/>
+          </a:xfrm>
+          <a:prstGeom prst="rect">
+            <a:avLst/>
+          </a:prstGeom>
+          <a:noFill/>
+        </p:spPr>
+        <p:txBody>
+          <a:bodyPr wrap="none" rtlCol="0">
+            <a:spAutoFit/>
+          </a:bodyPr>
+          <a:lstStyle/>
+          <a:p>
+            <a:r>
+              <a:rPr lang="en-US" altLang="ko-KR" sz="1400" smtClean="0">
+                <a:latin typeface="Noto Sans KR Light" panose="020B0300000000000000" pitchFamily="34" charset="-127"/>
+                <a:ea typeface="Noto Sans KR Light" panose="020B0300000000000000" pitchFamily="34" charset="-127"/>
+              </a:rPr>
+              <a:t>iii) </a:t>
+            </a:r>
+            <a:r>
+              <a:rPr lang="en-US" altLang="ko-KR" sz="1400" smtClean="0">
+                <a:latin typeface="Noto Sans KR Light" panose="020B0300000000000000" pitchFamily="34" charset="-127"/>
+                <a:ea typeface="Noto Sans KR Light" panose="020B0300000000000000" pitchFamily="34" charset="-127"/>
+              </a:rPr>
+              <a:t>Pop Result</a:t>
+            </a:r>
+            <a:endParaRPr lang="ko-KR" altLang="en-US" sz="1400" dirty="0">
+              <a:latin typeface="Noto Sans KR Light" panose="020B0300000000000000" pitchFamily="34" charset="-127"/>
+              <a:ea typeface="Noto Sans KR Light" panose="020B0300000000000000" pitchFamily="34" charset="-127"/>
+            </a:endParaRPr>
+          </a:p>
+        </p:txBody>
+      </p:sp>
+      <p:sp>
+        <p:nvSpPr>
+          <p:cNvPr id="42" name="TextBox 41">
+            <a:extLst>
+              <a:ext uri="{FF2B5EF4-FFF2-40B4-BE49-F238E27FC236}">
+                <a16:creationId xmlns:a16="http://schemas.microsoft.com/office/drawing/2014/main" id="{5A3B92B5-FE63-538A-FA0D-2C938FE70523}"/>
+              </a:ext>
+            </a:extLst>
+          </p:cNvPr>
+          <p:cNvSpPr txBox="1"/>
+          <p:nvPr/>
+        </p:nvSpPr>
+        <p:spPr>
+          <a:xfrm>
+            <a:off x="4168577" y="3892856"/>
+            <a:ext cx="1354282" cy="307777"/>
+          </a:xfrm>
+          <a:prstGeom prst="rect">
+            <a:avLst/>
+          </a:prstGeom>
+          <a:noFill/>
+        </p:spPr>
+        <p:txBody>
+          <a:bodyPr wrap="none" rtlCol="0">
+            <a:spAutoFit/>
+          </a:bodyPr>
+          <a:lstStyle/>
+          <a:p>
+            <a:r>
+              <a:rPr lang="en-US" altLang="ko-KR" sz="1400">
+                <a:latin typeface="Noto Sans KR Light" panose="020B0300000000000000" pitchFamily="34" charset="-127"/>
+                <a:ea typeface="Noto Sans KR Light" panose="020B0300000000000000" pitchFamily="34" charset="-127"/>
+              </a:rPr>
+              <a:t>v</a:t>
+            </a:r>
+            <a:r>
+              <a:rPr lang="en-US" altLang="ko-KR" sz="1400" smtClean="0">
+                <a:latin typeface="Noto Sans KR Light" panose="020B0300000000000000" pitchFamily="34" charset="-127"/>
+                <a:ea typeface="Noto Sans KR Light" panose="020B0300000000000000" pitchFamily="34" charset="-127"/>
+              </a:rPr>
+              <a:t>) </a:t>
+            </a:r>
+            <a:r>
+              <a:rPr lang="en-US" altLang="ko-KR" sz="1400" smtClean="0">
+                <a:latin typeface="Noto Sans KR Light" panose="020B0300000000000000" pitchFamily="34" charset="-127"/>
+                <a:ea typeface="Noto Sans KR Light" panose="020B0300000000000000" pitchFamily="34" charset="-127"/>
+              </a:rPr>
+              <a:t>Fetch Result</a:t>
+            </a:r>
+            <a:endParaRPr lang="ko-KR" altLang="en-US" sz="1400" dirty="0">
+              <a:latin typeface="Noto Sans KR Light" panose="020B0300000000000000" pitchFamily="34" charset="-127"/>
+              <a:ea typeface="Noto Sans KR Light" panose="020B0300000000000000" pitchFamily="34" charset="-127"/>
+            </a:endParaRPr>
+          </a:p>
+        </p:txBody>
+      </p:sp>
+    </p:spTree>
+    <p:extLst>
+      <p:ext uri="{BB962C8B-B14F-4D97-AF65-F5344CB8AC3E}">
+        <p14:creationId xmlns:p14="http://schemas.microsoft.com/office/powerpoint/2010/main" val="2322672991"/>
+      </p:ext>
+    </p:extLst>
+  </p:cSld>
+  <p:clrMapOvr>
+    <a:masterClrMapping/>
+  </p:clrMapOvr>
+</p:sld>
+</file>
+
+<file path=ppt/slides/slide4.xml><?xml version="1.0" encoding="utf-8"?>
+<p:sld xmlns:a="http://schemas.openxmlformats.org/drawingml/2006/main" xmlns:r="http://schemas.openxmlformats.org/officeDocument/2006/relationships" xmlns:p="http://schemas.openxmlformats.org/presentationml/2006/main">
+  <p:cSld>
+    <p:spTree>
+      <p:nvGrpSpPr>
+        <p:cNvPr id="1" name=""/>
+        <p:cNvGrpSpPr/>
+        <p:nvPr/>
+      </p:nvGrpSpPr>
+      <p:grpSpPr>
+        <a:xfrm>
+          <a:off x="0" y="0"/>
+          <a:ext cx="0" cy="0"/>
+          <a:chOff x="0" y="0"/>
+          <a:chExt cx="0" cy="0"/>
+        </a:xfrm>
+      </p:grpSpPr>
+      <p:sp>
+        <p:nvSpPr>
+          <p:cNvPr id="4" name="슬라이드 번호 개체 틀 3"/>
+          <p:cNvSpPr>
+            <a:spLocks noGrp="1"/>
+          </p:cNvSpPr>
+          <p:nvPr>
+            <p:ph type="sldNum" sz="quarter" idx="12"/>
+          </p:nvPr>
+        </p:nvSpPr>
+        <p:spPr/>
+        <p:txBody>
+          <a:bodyPr/>
+          <a:lstStyle/>
+          <a:p>
+            <a:fld id="{B6A9F74D-109D-4BF9-BFEA-3B5AFCB83424}" type="slidenum">
+              <a:rPr lang="ko-KR" altLang="en-US" smtClean="0"/>
+              <a:t>3</a:t>
+            </a:fld>
+            <a:endParaRPr lang="ko-KR" altLang="en-US"/>
+          </a:p>
+        </p:txBody>
+      </p:sp>
+      <p:sp>
+        <p:nvSpPr>
+          <p:cNvPr id="5" name="텍스트 개체 틀 4"/>
+          <p:cNvSpPr>
+            <a:spLocks noGrp="1"/>
+          </p:cNvSpPr>
+          <p:nvPr>
+            <p:ph type="body" sz="quarter" idx="13"/>
+          </p:nvPr>
+        </p:nvSpPr>
+        <p:spPr/>
+        <p:txBody>
+          <a:bodyPr/>
+          <a:lstStyle/>
+          <a:p>
             <a:endParaRPr lang="ko-KR" altLang="en-US"/>
           </a:p>
         </p:txBody>
@@ -5849,7 +11481,7 @@
 </p:sld>
 </file>
 
-<file path=ppt/slides/slide3.xml><?xml version="1.0" encoding="utf-8"?>
+<file path=ppt/slides/slide5.xml><?xml version="1.0" encoding="utf-8"?>
 <p:sld xmlns:a="http://schemas.openxmlformats.org/drawingml/2006/main" xmlns:r="http://schemas.openxmlformats.org/officeDocument/2006/relationships" xmlns:p="http://schemas.openxmlformats.org/presentationml/2006/main">
   <p:cSld>
     <p:spTree>
@@ -6245,7 +11877,7 @@
           <a:p>
             <a:fld id="{B6A9F74D-109D-4BF9-BFEA-3B5AFCB83424}" type="slidenum">
               <a:rPr lang="ko-KR" altLang="en-US" smtClean="0"/>
-              <a:t>2</a:t>
+              <a:t>4</a:t>
             </a:fld>
             <a:endParaRPr lang="ko-KR" altLang="en-US"/>
           </a:p>
@@ -7456,7 +13088,7 @@
 </p:sld>
 </file>
 
-<file path=ppt/slides/slide4.xml><?xml version="1.0" encoding="utf-8"?>
+<file path=ppt/slides/slide6.xml><?xml version="1.0" encoding="utf-8"?>
 <p:sld xmlns:a="http://schemas.openxmlformats.org/drawingml/2006/main" xmlns:r="http://schemas.openxmlformats.org/officeDocument/2006/relationships" xmlns:p="http://schemas.openxmlformats.org/presentationml/2006/main">
   <p:cSld>
     <p:spTree>
@@ -9010,7 +14642,7 @@
           <a:p>
             <a:fld id="{B6A9F74D-109D-4BF9-BFEA-3B5AFCB83424}" type="slidenum">
               <a:rPr lang="ko-KR" altLang="en-US" smtClean="0"/>
-              <a:t>3</a:t>
+              <a:t>5</a:t>
             </a:fld>
             <a:endParaRPr lang="ko-KR" altLang="en-US"/>
           </a:p>
@@ -9029,7 +14661,7 @@
 </p:sld>
 </file>
 
-<file path=ppt/slides/slide5.xml><?xml version="1.0" encoding="utf-8"?>
+<file path=ppt/slides/slide7.xml><?xml version="1.0" encoding="utf-8"?>
 <p:sld xmlns:a="http://schemas.openxmlformats.org/drawingml/2006/main" xmlns:r="http://schemas.openxmlformats.org/officeDocument/2006/relationships" xmlns:p="http://schemas.openxmlformats.org/presentationml/2006/main">
   <p:cSld>
     <p:spTree>
@@ -9833,7 +15465,7 @@
           <a:p>
             <a:fld id="{B6A9F74D-109D-4BF9-BFEA-3B5AFCB83424}" type="slidenum">
               <a:rPr lang="ko-KR" altLang="en-US" smtClean="0"/>
-              <a:t>4</a:t>
+              <a:t>6</a:t>
             </a:fld>
             <a:endParaRPr lang="ko-KR" altLang="en-US"/>
           </a:p>
@@ -9933,7 +15565,7 @@
 </p:sld>
 </file>
 
-<file path=ppt/slides/slide6.xml><?xml version="1.0" encoding="utf-8"?>
+<file path=ppt/slides/slide8.xml><?xml version="1.0" encoding="utf-8"?>
 <p:sld xmlns:a="http://schemas.openxmlformats.org/drawingml/2006/main" xmlns:r="http://schemas.openxmlformats.org/officeDocument/2006/relationships" xmlns:p="http://schemas.openxmlformats.org/presentationml/2006/main">
   <p:cSld>
     <p:spTree>
@@ -10264,7 +15896,7 @@
             <a:blip r:embed="rId2">
               <a:extLst>
                 <a:ext uri="{96DAC541-7B7A-43D3-8B79-37D633B846F1}">
-                  <asvg:svgBlip xmlns:asvg="http://schemas.microsoft.com/office/drawing/2016/SVG/main" xmlns="" r:embed="rId3"/>
+                  <asvg:svgBlip xmlns="" xmlns:asvg="http://schemas.microsoft.com/office/drawing/2016/SVG/main" r:embed="rId3"/>
                 </a:ext>
               </a:extLst>
             </a:blip>
@@ -10355,7 +15987,7 @@
           <a:p>
             <a:fld id="{B6A9F74D-109D-4BF9-BFEA-3B5AFCB83424}" type="slidenum">
               <a:rPr lang="ko-KR" altLang="en-US" smtClean="0"/>
-              <a:t>5</a:t>
+              <a:t>7</a:t>
             </a:fld>
             <a:endParaRPr lang="ko-KR" altLang="en-US"/>
           </a:p>
@@ -12010,7 +17642,7 @@
 </p:sld>
 </file>
 
-<file path=ppt/slides/slide7.xml><?xml version="1.0" encoding="utf-8"?>
+<file path=ppt/slides/slide9.xml><?xml version="1.0" encoding="utf-8"?>
 <p:sld xmlns:a="http://schemas.openxmlformats.org/drawingml/2006/main" xmlns:r="http://schemas.openxmlformats.org/officeDocument/2006/relationships" xmlns:p="http://schemas.openxmlformats.org/presentationml/2006/main">
   <p:cSld>
     <p:spTree>
@@ -12394,7 +18026,7 @@
             <a:blip r:embed="rId2">
               <a:extLst>
                 <a:ext uri="{96DAC541-7B7A-43D3-8B79-37D633B846F1}">
-                  <asvg:svgBlip xmlns:asvg="http://schemas.microsoft.com/office/drawing/2016/SVG/main" xmlns="" r:embed="rId3"/>
+                  <asvg:svgBlip xmlns="" xmlns:asvg="http://schemas.microsoft.com/office/drawing/2016/SVG/main" r:embed="rId3"/>
                 </a:ext>
               </a:extLst>
             </a:blip>
@@ -12488,7 +18120,7 @@
           <a:p>
             <a:fld id="{B6A9F74D-109D-4BF9-BFEA-3B5AFCB83424}" type="slidenum">
               <a:rPr lang="ko-KR" altLang="en-US" smtClean="0"/>
-              <a:t>6</a:t>
+              <a:t>8</a:t>
             </a:fld>
             <a:endParaRPr lang="ko-KR" altLang="en-US"/>
           </a:p>
@@ -14883,2942 +20515,6 @@
 </p:sld>
 </file>
 
-<file path=ppt/slides/slide8.xml><?xml version="1.0" encoding="utf-8"?>
-<p:sld xmlns:a="http://schemas.openxmlformats.org/drawingml/2006/main" xmlns:r="http://schemas.openxmlformats.org/officeDocument/2006/relationships" xmlns:p="http://schemas.openxmlformats.org/presentationml/2006/main">
-  <p:cSld>
-    <p:spTree>
-      <p:nvGrpSpPr>
-        <p:cNvPr id="1" name=""/>
-        <p:cNvGrpSpPr/>
-        <p:nvPr/>
-      </p:nvGrpSpPr>
-      <p:grpSpPr>
-        <a:xfrm>
-          <a:off x="0" y="0"/>
-          <a:ext cx="0" cy="0"/>
-          <a:chOff x="0" y="0"/>
-          <a:chExt cx="0" cy="0"/>
-        </a:xfrm>
-      </p:grpSpPr>
-      <p:grpSp>
-        <p:nvGrpSpPr>
-          <p:cNvPr id="16" name="그룹 15">
-            <a:extLst>
-              <a:ext uri="{FF2B5EF4-FFF2-40B4-BE49-F238E27FC236}">
-                <a16:creationId xmlns:a16="http://schemas.microsoft.com/office/drawing/2014/main" id="{93670469-4401-C0E8-1962-F7DC38357E3F}"/>
-              </a:ext>
-            </a:extLst>
-          </p:cNvPr>
-          <p:cNvGrpSpPr/>
-          <p:nvPr/>
-        </p:nvGrpSpPr>
-        <p:grpSpPr>
-          <a:xfrm>
-            <a:off x="210308" y="187333"/>
-            <a:ext cx="6403546" cy="461665"/>
-            <a:chOff x="4743397" y="1441059"/>
-            <a:chExt cx="6403546" cy="461665"/>
-          </a:xfrm>
-        </p:grpSpPr>
-        <p:pic>
-          <p:nvPicPr>
-            <p:cNvPr id="22" name="그래픽 21">
-              <a:extLst>
-                <a:ext uri="{FF2B5EF4-FFF2-40B4-BE49-F238E27FC236}">
-                  <a16:creationId xmlns:a16="http://schemas.microsoft.com/office/drawing/2014/main" id="{C7830BD2-C286-F6E2-F17B-475C389DA4E2}"/>
-                </a:ext>
-              </a:extLst>
-            </p:cNvPr>
-            <p:cNvPicPr>
-              <a:picLocks noChangeAspect="1"/>
-            </p:cNvPicPr>
-            <p:nvPr/>
-          </p:nvPicPr>
-          <p:blipFill>
-            <a:blip r:embed="rId2">
-              <a:extLst>
-                <a:ext uri="{96DAC541-7B7A-43D3-8B79-37D633B846F1}">
-                  <asvg:svgBlip xmlns:asvg="http://schemas.microsoft.com/office/drawing/2016/SVG/main" xmlns="" r:embed="rId3"/>
-                </a:ext>
-              </a:extLst>
-            </a:blip>
-            <a:stretch>
-              <a:fillRect/>
-            </a:stretch>
-          </p:blipFill>
-          <p:spPr>
-            <a:xfrm>
-              <a:off x="4743397" y="1512196"/>
-              <a:ext cx="358301" cy="358301"/>
-            </a:xfrm>
-            <a:prstGeom prst="rect">
-              <a:avLst/>
-            </a:prstGeom>
-          </p:spPr>
-        </p:pic>
-        <p:sp>
-          <p:nvSpPr>
-            <p:cNvPr id="23" name="TextBox 22">
-              <a:extLst>
-                <a:ext uri="{FF2B5EF4-FFF2-40B4-BE49-F238E27FC236}">
-                  <a16:creationId xmlns:a16="http://schemas.microsoft.com/office/drawing/2014/main" id="{2EEF2A5D-0B8C-2D9D-029A-E06357175EB0}"/>
-                </a:ext>
-              </a:extLst>
-            </p:cNvPr>
-            <p:cNvSpPr txBox="1"/>
-            <p:nvPr/>
-          </p:nvSpPr>
-          <p:spPr>
-            <a:xfrm>
-              <a:off x="5101698" y="1441059"/>
-              <a:ext cx="6045245" cy="461665"/>
-            </a:xfrm>
-            <a:prstGeom prst="rect">
-              <a:avLst/>
-            </a:prstGeom>
-            <a:noFill/>
-          </p:spPr>
-          <p:txBody>
-            <a:bodyPr wrap="none" rtlCol="0">
-              <a:spAutoFit/>
-            </a:bodyPr>
-            <a:lstStyle/>
-            <a:p>
-              <a:r>
-                <a:rPr lang="ko-KR" altLang="en-US" sz="2400" dirty="0">
-                  <a:latin typeface="HY견고딕" panose="02030600000101010101" pitchFamily="18" charset="-127"/>
-                  <a:ea typeface="HY견고딕" panose="02030600000101010101" pitchFamily="18" charset="-127"/>
-                </a:rPr>
-                <a:t>수집 네트워크 서비스 상세</a:t>
-              </a:r>
-              <a:r>
-                <a:rPr lang="en-US" altLang="ko-KR" sz="2400" dirty="0">
-                  <a:latin typeface="HY견고딕" panose="02030600000101010101" pitchFamily="18" charset="-127"/>
-                  <a:ea typeface="HY견고딕" panose="02030600000101010101" pitchFamily="18" charset="-127"/>
-                </a:rPr>
-                <a:t>: </a:t>
-              </a:r>
-              <a:r>
-                <a:rPr lang="ko-KR" altLang="en-US" sz="2400" dirty="0">
-                  <a:latin typeface="HY견고딕" panose="02030600000101010101" pitchFamily="18" charset="-127"/>
-                  <a:ea typeface="HY견고딕" panose="02030600000101010101" pitchFamily="18" charset="-127"/>
-                </a:rPr>
-                <a:t>수집명세 분할</a:t>
-              </a:r>
-            </a:p>
-          </p:txBody>
-        </p:sp>
-      </p:grpSp>
-      <p:grpSp>
-        <p:nvGrpSpPr>
-          <p:cNvPr id="119" name="그룹 118">
-            <a:extLst>
-              <a:ext uri="{FF2B5EF4-FFF2-40B4-BE49-F238E27FC236}">
-                <a16:creationId xmlns:a16="http://schemas.microsoft.com/office/drawing/2014/main" id="{63922B8C-8C8A-E053-2A9C-3E2371E5A944}"/>
-              </a:ext>
-            </a:extLst>
-          </p:cNvPr>
-          <p:cNvGrpSpPr/>
-          <p:nvPr/>
-        </p:nvGrpSpPr>
-        <p:grpSpPr>
-          <a:xfrm>
-            <a:off x="3151543" y="1435750"/>
-            <a:ext cx="6144857" cy="4076368"/>
-            <a:chOff x="1639937" y="1379626"/>
-            <a:chExt cx="6144857" cy="4076368"/>
-          </a:xfrm>
-        </p:grpSpPr>
-        <p:sp>
-          <p:nvSpPr>
-            <p:cNvPr id="30" name="사각형: 둥근 모서리 6">
-              <a:extLst>
-                <a:ext uri="{FF2B5EF4-FFF2-40B4-BE49-F238E27FC236}">
-                  <a16:creationId xmlns:a16="http://schemas.microsoft.com/office/drawing/2014/main" id="{AB44BB17-F789-907C-FA72-DAAE67819B08}"/>
-                </a:ext>
-              </a:extLst>
-            </p:cNvPr>
-            <p:cNvSpPr/>
-            <p:nvPr/>
-          </p:nvSpPr>
-          <p:spPr>
-            <a:xfrm>
-              <a:off x="2042766" y="2668995"/>
-              <a:ext cx="2912904" cy="2786999"/>
-            </a:xfrm>
-            <a:prstGeom prst="roundRect">
-              <a:avLst>
-                <a:gd name="adj" fmla="val 3584"/>
-              </a:avLst>
-            </a:prstGeom>
-            <a:solidFill>
-              <a:srgbClr val="00BFFF">
-                <a:alpha val="30000"/>
-              </a:srgbClr>
-            </a:solidFill>
-            <a:ln>
-              <a:noFill/>
-            </a:ln>
-          </p:spPr>
-          <p:style>
-            <a:lnRef idx="2">
-              <a:schemeClr val="accent1">
-                <a:shade val="50000"/>
-              </a:schemeClr>
-            </a:lnRef>
-            <a:fillRef idx="1">
-              <a:schemeClr val="accent1"/>
-            </a:fillRef>
-            <a:effectRef idx="0">
-              <a:schemeClr val="accent1"/>
-            </a:effectRef>
-            <a:fontRef idx="minor">
-              <a:schemeClr val="lt1"/>
-            </a:fontRef>
-          </p:style>
-          <p:txBody>
-            <a:bodyPr rtlCol="0" anchor="ctr"/>
-            <a:lstStyle/>
-            <a:p>
-              <a:pPr algn="ctr"/>
-              <a:endParaRPr lang="ko-KR" altLang="en-US" sz="1000" dirty="0">
-                <a:solidFill>
-                  <a:schemeClr val="tx1"/>
-                </a:solidFill>
-                <a:latin typeface="Noto Sans CJK KR" panose="020B0500000000000000" pitchFamily="34" charset="-127"/>
-                <a:ea typeface="Noto Sans CJK KR" panose="020B0500000000000000" pitchFamily="34" charset="-127"/>
-              </a:endParaRPr>
-            </a:p>
-          </p:txBody>
-        </p:sp>
-        <p:sp>
-          <p:nvSpPr>
-            <p:cNvPr id="104" name="사각형: 둥근 모서리 6">
-              <a:extLst>
-                <a:ext uri="{FF2B5EF4-FFF2-40B4-BE49-F238E27FC236}">
-                  <a16:creationId xmlns:a16="http://schemas.microsoft.com/office/drawing/2014/main" id="{1255B7FB-BB00-A2D7-3AD7-DC58CBD04C91}"/>
-                </a:ext>
-              </a:extLst>
-            </p:cNvPr>
-            <p:cNvSpPr/>
-            <p:nvPr/>
-          </p:nvSpPr>
-          <p:spPr>
-            <a:xfrm>
-              <a:off x="3525920" y="3009274"/>
-              <a:ext cx="1198080" cy="2243235"/>
-            </a:xfrm>
-            <a:prstGeom prst="roundRect">
-              <a:avLst>
-                <a:gd name="adj" fmla="val 8071"/>
-              </a:avLst>
-            </a:prstGeom>
-            <a:solidFill>
-              <a:schemeClr val="bg1">
-                <a:lumMod val="85000"/>
-              </a:schemeClr>
-            </a:solidFill>
-            <a:ln>
-              <a:noFill/>
-            </a:ln>
-          </p:spPr>
-          <p:style>
-            <a:lnRef idx="2">
-              <a:schemeClr val="accent1">
-                <a:shade val="50000"/>
-              </a:schemeClr>
-            </a:lnRef>
-            <a:fillRef idx="1">
-              <a:schemeClr val="accent1"/>
-            </a:fillRef>
-            <a:effectRef idx="0">
-              <a:schemeClr val="accent1"/>
-            </a:effectRef>
-            <a:fontRef idx="minor">
-              <a:schemeClr val="lt1"/>
-            </a:fontRef>
-          </p:style>
-          <p:txBody>
-            <a:bodyPr rtlCol="0" anchor="ctr"/>
-            <a:lstStyle/>
-            <a:p>
-              <a:pPr algn="ctr"/>
-              <a:endParaRPr lang="ko-KR" altLang="en-US" sz="1000" dirty="0">
-                <a:solidFill>
-                  <a:schemeClr val="tx1"/>
-                </a:solidFill>
-                <a:latin typeface="Noto Sans CJK KR" panose="020B0500000000000000" pitchFamily="34" charset="-127"/>
-                <a:ea typeface="Noto Sans CJK KR" panose="020B0500000000000000" pitchFamily="34" charset="-127"/>
-              </a:endParaRPr>
-            </a:p>
-          </p:txBody>
-        </p:sp>
-        <p:sp>
-          <p:nvSpPr>
-            <p:cNvPr id="18" name="사각형: 둥근 모서리 6">
-              <a:extLst>
-                <a:ext uri="{FF2B5EF4-FFF2-40B4-BE49-F238E27FC236}">
-                  <a16:creationId xmlns:a16="http://schemas.microsoft.com/office/drawing/2014/main" id="{24FB913C-EE51-CBBE-2223-E2A82D106E32}"/>
-                </a:ext>
-              </a:extLst>
-            </p:cNvPr>
-            <p:cNvSpPr/>
-            <p:nvPr/>
-          </p:nvSpPr>
-          <p:spPr>
-            <a:xfrm>
-              <a:off x="6235026" y="4440357"/>
-              <a:ext cx="1534192" cy="881931"/>
-            </a:xfrm>
-            <a:prstGeom prst="roundRect">
-              <a:avLst/>
-            </a:prstGeom>
-            <a:solidFill>
-              <a:srgbClr val="7B68EE"/>
-            </a:solidFill>
-            <a:ln>
-              <a:noFill/>
-            </a:ln>
-          </p:spPr>
-          <p:style>
-            <a:lnRef idx="2">
-              <a:schemeClr val="accent1">
-                <a:shade val="50000"/>
-              </a:schemeClr>
-            </a:lnRef>
-            <a:fillRef idx="1">
-              <a:schemeClr val="accent1"/>
-            </a:fillRef>
-            <a:effectRef idx="0">
-              <a:schemeClr val="accent1"/>
-            </a:effectRef>
-            <a:fontRef idx="minor">
-              <a:schemeClr val="lt1"/>
-            </a:fontRef>
-          </p:style>
-          <p:txBody>
-            <a:bodyPr rtlCol="0" anchor="ctr"/>
-            <a:lstStyle/>
-            <a:p>
-              <a:pPr algn="ctr"/>
-              <a:r>
-                <a:rPr lang="en-US" altLang="ko-KR" dirty="0">
-                  <a:solidFill>
-                    <a:schemeClr val="tx1"/>
-                  </a:solidFill>
-                  <a:latin typeface="Noto Sans CJK KR" panose="020B0500000000000000" pitchFamily="34" charset="-127"/>
-                  <a:ea typeface="Noto Sans CJK KR" panose="020B0500000000000000" pitchFamily="34" charset="-127"/>
-                </a:rPr>
-                <a:t>Collect</a:t>
-              </a:r>
-            </a:p>
-            <a:p>
-              <a:pPr algn="ctr"/>
-              <a:r>
-                <a:rPr lang="en-US" altLang="ko-KR" dirty="0">
-                  <a:solidFill>
-                    <a:schemeClr val="tx1"/>
-                  </a:solidFill>
-                  <a:latin typeface="Noto Sans CJK KR" panose="020B0500000000000000" pitchFamily="34" charset="-127"/>
-                  <a:ea typeface="Noto Sans CJK KR" panose="020B0500000000000000" pitchFamily="34" charset="-127"/>
-                </a:rPr>
-                <a:t>Server-N</a:t>
-              </a:r>
-              <a:endParaRPr lang="ko-KR" altLang="en-US" dirty="0">
-                <a:solidFill>
-                  <a:schemeClr val="tx1"/>
-                </a:solidFill>
-                <a:latin typeface="Noto Sans CJK KR" panose="020B0500000000000000" pitchFamily="34" charset="-127"/>
-                <a:ea typeface="Noto Sans CJK KR" panose="020B0500000000000000" pitchFamily="34" charset="-127"/>
-              </a:endParaRPr>
-            </a:p>
-          </p:txBody>
-        </p:sp>
-        <p:grpSp>
-          <p:nvGrpSpPr>
-            <p:cNvPr id="118" name="그룹 117">
-              <a:extLst>
-                <a:ext uri="{FF2B5EF4-FFF2-40B4-BE49-F238E27FC236}">
-                  <a16:creationId xmlns:a16="http://schemas.microsoft.com/office/drawing/2014/main" id="{ECC45501-FE6B-9EFB-BC9B-A2CED3DC3FA1}"/>
-                </a:ext>
-              </a:extLst>
-            </p:cNvPr>
-            <p:cNvGrpSpPr/>
-            <p:nvPr/>
-          </p:nvGrpSpPr>
-          <p:grpSpPr>
-            <a:xfrm>
-              <a:off x="6235026" y="1379626"/>
-              <a:ext cx="1549768" cy="3079831"/>
-              <a:chOff x="6235026" y="1194800"/>
-              <a:chExt cx="1549768" cy="3079831"/>
-            </a:xfrm>
-          </p:grpSpPr>
-          <p:sp>
-            <p:nvSpPr>
-              <p:cNvPr id="14" name="사각형: 둥근 모서리 6">
-                <a:extLst>
-                  <a:ext uri="{FF2B5EF4-FFF2-40B4-BE49-F238E27FC236}">
-                    <a16:creationId xmlns:a16="http://schemas.microsoft.com/office/drawing/2014/main" id="{24FB913C-EE51-CBBE-2223-E2A82D106E32}"/>
-                  </a:ext>
-                </a:extLst>
-              </p:cNvPr>
-              <p:cNvSpPr/>
-              <p:nvPr/>
-            </p:nvSpPr>
-            <p:spPr>
-              <a:xfrm>
-                <a:off x="6250602" y="3081730"/>
-                <a:ext cx="1534192" cy="881931"/>
-              </a:xfrm>
-              <a:prstGeom prst="roundRect">
-                <a:avLst/>
-              </a:prstGeom>
-              <a:solidFill>
-                <a:srgbClr val="7B68EE"/>
-              </a:solidFill>
-              <a:ln>
-                <a:noFill/>
-              </a:ln>
-            </p:spPr>
-            <p:style>
-              <a:lnRef idx="2">
-                <a:schemeClr val="accent1">
-                  <a:shade val="50000"/>
-                </a:schemeClr>
-              </a:lnRef>
-              <a:fillRef idx="1">
-                <a:schemeClr val="accent1"/>
-              </a:fillRef>
-              <a:effectRef idx="0">
-                <a:schemeClr val="accent1"/>
-              </a:effectRef>
-              <a:fontRef idx="minor">
-                <a:schemeClr val="lt1"/>
-              </a:fontRef>
-            </p:style>
-            <p:txBody>
-              <a:bodyPr rtlCol="0" anchor="ctr"/>
-              <a:lstStyle/>
-              <a:p>
-                <a:pPr algn="ctr"/>
-                <a:r>
-                  <a:rPr lang="en-US" altLang="ko-KR" dirty="0">
-                    <a:solidFill>
-                      <a:schemeClr val="tx1"/>
-                    </a:solidFill>
-                    <a:latin typeface="Noto Sans CJK KR" panose="020B0500000000000000" pitchFamily="34" charset="-127"/>
-                    <a:ea typeface="Noto Sans CJK KR" panose="020B0500000000000000" pitchFamily="34" charset="-127"/>
-                  </a:rPr>
-                  <a:t>Collect</a:t>
-                </a:r>
-              </a:p>
-              <a:p>
-                <a:pPr algn="ctr"/>
-                <a:r>
-                  <a:rPr lang="en-US" altLang="ko-KR" dirty="0">
-                    <a:solidFill>
-                      <a:schemeClr val="tx1"/>
-                    </a:solidFill>
-                    <a:latin typeface="Noto Sans CJK KR" panose="020B0500000000000000" pitchFamily="34" charset="-127"/>
-                    <a:ea typeface="Noto Sans CJK KR" panose="020B0500000000000000" pitchFamily="34" charset="-127"/>
-                  </a:rPr>
-                  <a:t>Server-3</a:t>
-                </a:r>
-                <a:endParaRPr lang="ko-KR" altLang="en-US" dirty="0">
-                  <a:solidFill>
-                    <a:schemeClr val="tx1"/>
-                  </a:solidFill>
-                  <a:latin typeface="Noto Sans CJK KR" panose="020B0500000000000000" pitchFamily="34" charset="-127"/>
-                  <a:ea typeface="Noto Sans CJK KR" panose="020B0500000000000000" pitchFamily="34" charset="-127"/>
-                </a:endParaRPr>
-              </a:p>
-            </p:txBody>
-          </p:sp>
-          <p:sp>
-            <p:nvSpPr>
-              <p:cNvPr id="15" name="사각형: 둥근 모서리 6">
-                <a:extLst>
-                  <a:ext uri="{FF2B5EF4-FFF2-40B4-BE49-F238E27FC236}">
-                    <a16:creationId xmlns:a16="http://schemas.microsoft.com/office/drawing/2014/main" id="{24FB913C-EE51-CBBE-2223-E2A82D106E32}"/>
-                  </a:ext>
-                </a:extLst>
-              </p:cNvPr>
-              <p:cNvSpPr/>
-              <p:nvPr/>
-            </p:nvSpPr>
-            <p:spPr>
-              <a:xfrm>
-                <a:off x="6235026" y="1194800"/>
-                <a:ext cx="1534192" cy="881931"/>
-              </a:xfrm>
-              <a:prstGeom prst="roundRect">
-                <a:avLst/>
-              </a:prstGeom>
-              <a:solidFill>
-                <a:srgbClr val="7B68EE"/>
-              </a:solidFill>
-              <a:ln>
-                <a:noFill/>
-              </a:ln>
-            </p:spPr>
-            <p:style>
-              <a:lnRef idx="2">
-                <a:schemeClr val="accent1">
-                  <a:shade val="50000"/>
-                </a:schemeClr>
-              </a:lnRef>
-              <a:fillRef idx="1">
-                <a:schemeClr val="accent1"/>
-              </a:fillRef>
-              <a:effectRef idx="0">
-                <a:schemeClr val="accent1"/>
-              </a:effectRef>
-              <a:fontRef idx="minor">
-                <a:schemeClr val="lt1"/>
-              </a:fontRef>
-            </p:style>
-            <p:txBody>
-              <a:bodyPr rtlCol="0" anchor="ctr"/>
-              <a:lstStyle/>
-              <a:p>
-                <a:pPr algn="ctr"/>
-                <a:r>
-                  <a:rPr lang="en-US" altLang="ko-KR" dirty="0">
-                    <a:solidFill>
-                      <a:schemeClr val="tx1"/>
-                    </a:solidFill>
-                    <a:latin typeface="Noto Sans CJK KR" panose="020B0500000000000000" pitchFamily="34" charset="-127"/>
-                    <a:ea typeface="Noto Sans CJK KR" panose="020B0500000000000000" pitchFamily="34" charset="-127"/>
-                  </a:rPr>
-                  <a:t>Collect</a:t>
-                </a:r>
-              </a:p>
-              <a:p>
-                <a:pPr algn="ctr"/>
-                <a:r>
-                  <a:rPr lang="en-US" altLang="ko-KR" dirty="0">
-                    <a:solidFill>
-                      <a:schemeClr val="tx1"/>
-                    </a:solidFill>
-                    <a:latin typeface="Noto Sans CJK KR" panose="020B0500000000000000" pitchFamily="34" charset="-127"/>
-                    <a:ea typeface="Noto Sans CJK KR" panose="020B0500000000000000" pitchFamily="34" charset="-127"/>
-                  </a:rPr>
-                  <a:t>Server-1</a:t>
-                </a:r>
-                <a:endParaRPr lang="ko-KR" altLang="en-US" dirty="0">
-                  <a:solidFill>
-                    <a:schemeClr val="tx1"/>
-                  </a:solidFill>
-                  <a:latin typeface="Noto Sans CJK KR" panose="020B0500000000000000" pitchFamily="34" charset="-127"/>
-                  <a:ea typeface="Noto Sans CJK KR" panose="020B0500000000000000" pitchFamily="34" charset="-127"/>
-                </a:endParaRPr>
-              </a:p>
-            </p:txBody>
-          </p:sp>
-          <p:sp>
-            <p:nvSpPr>
-              <p:cNvPr id="17" name="사각형: 둥근 모서리 6">
-                <a:extLst>
-                  <a:ext uri="{FF2B5EF4-FFF2-40B4-BE49-F238E27FC236}">
-                    <a16:creationId xmlns:a16="http://schemas.microsoft.com/office/drawing/2014/main" id="{24FB913C-EE51-CBBE-2223-E2A82D106E32}"/>
-                  </a:ext>
-                </a:extLst>
-              </p:cNvPr>
-              <p:cNvSpPr/>
-              <p:nvPr/>
-            </p:nvSpPr>
-            <p:spPr>
-              <a:xfrm>
-                <a:off x="6250602" y="2141439"/>
-                <a:ext cx="1534192" cy="881931"/>
-              </a:xfrm>
-              <a:prstGeom prst="roundRect">
-                <a:avLst/>
-              </a:prstGeom>
-              <a:solidFill>
-                <a:srgbClr val="7B68EE"/>
-              </a:solidFill>
-              <a:ln>
-                <a:noFill/>
-              </a:ln>
-            </p:spPr>
-            <p:style>
-              <a:lnRef idx="2">
-                <a:schemeClr val="accent1">
-                  <a:shade val="50000"/>
-                </a:schemeClr>
-              </a:lnRef>
-              <a:fillRef idx="1">
-                <a:schemeClr val="accent1"/>
-              </a:fillRef>
-              <a:effectRef idx="0">
-                <a:schemeClr val="accent1"/>
-              </a:effectRef>
-              <a:fontRef idx="minor">
-                <a:schemeClr val="lt1"/>
-              </a:fontRef>
-            </p:style>
-            <p:txBody>
-              <a:bodyPr rtlCol="0" anchor="ctr"/>
-              <a:lstStyle/>
-              <a:p>
-                <a:pPr algn="ctr"/>
-                <a:r>
-                  <a:rPr lang="en-US" altLang="ko-KR" dirty="0">
-                    <a:solidFill>
-                      <a:schemeClr val="tx1"/>
-                    </a:solidFill>
-                    <a:latin typeface="Noto Sans CJK KR" panose="020B0500000000000000" pitchFamily="34" charset="-127"/>
-                    <a:ea typeface="Noto Sans CJK KR" panose="020B0500000000000000" pitchFamily="34" charset="-127"/>
-                  </a:rPr>
-                  <a:t>Collect</a:t>
-                </a:r>
-              </a:p>
-              <a:p>
-                <a:pPr algn="ctr"/>
-                <a:r>
-                  <a:rPr lang="en-US" altLang="ko-KR" dirty="0">
-                    <a:solidFill>
-                      <a:schemeClr val="tx1"/>
-                    </a:solidFill>
-                    <a:latin typeface="Noto Sans CJK KR" panose="020B0500000000000000" pitchFamily="34" charset="-127"/>
-                    <a:ea typeface="Noto Sans CJK KR" panose="020B0500000000000000" pitchFamily="34" charset="-127"/>
-                  </a:rPr>
-                  <a:t>Server-2</a:t>
-                </a:r>
-                <a:endParaRPr lang="ko-KR" altLang="en-US" dirty="0">
-                  <a:solidFill>
-                    <a:schemeClr val="tx1"/>
-                  </a:solidFill>
-                  <a:latin typeface="Noto Sans CJK KR" panose="020B0500000000000000" pitchFamily="34" charset="-127"/>
-                  <a:ea typeface="Noto Sans CJK KR" panose="020B0500000000000000" pitchFamily="34" charset="-127"/>
-                </a:endParaRPr>
-              </a:p>
-            </p:txBody>
-          </p:sp>
-          <mc:AlternateContent xmlns:mc="http://schemas.openxmlformats.org/markup-compatibility/2006" xmlns:a14="http://schemas.microsoft.com/office/drawing/2010/main">
-            <mc:Choice Requires="a14">
-              <p:sp>
-                <p:nvSpPr>
-                  <p:cNvPr id="2" name="TextBox 1"/>
-                  <p:cNvSpPr txBox="1"/>
-                  <p:nvPr/>
-                </p:nvSpPr>
-                <p:spPr>
-                  <a:xfrm>
-                    <a:off x="6848421" y="3905299"/>
-                    <a:ext cx="338554" cy="369332"/>
-                  </a:xfrm>
-                  <a:prstGeom prst="rect">
-                    <a:avLst/>
-                  </a:prstGeom>
-                  <a:noFill/>
-                </p:spPr>
-                <p:txBody>
-                  <a:bodyPr wrap="none" rtlCol="0">
-                    <a:spAutoFit/>
-                  </a:bodyPr>
-                  <a:lstStyle/>
-                  <a:p>
-                    <a:pPr/>
-                    <a14:m>
-                      <m:oMathPara xmlns:m="http://schemas.openxmlformats.org/officeDocument/2006/math">
-                        <m:oMathParaPr>
-                          <m:jc m:val="centerGroup"/>
-                        </m:oMathParaPr>
-                        <m:oMath xmlns:m="http://schemas.openxmlformats.org/officeDocument/2006/math">
-                          <m:r>
-                            <a:rPr lang="ko-KR" altLang="en-US" i="1" smtClean="0">
-                              <a:latin typeface="Cambria Math" panose="02040503050406030204" pitchFamily="18" charset="0"/>
-                            </a:rPr>
-                            <m:t>⋮</m:t>
-                          </m:r>
-                        </m:oMath>
-                      </m:oMathPara>
-                    </a14:m>
-                    <a:endParaRPr lang="ko-KR" altLang="en-US" dirty="0"/>
-                  </a:p>
-                </p:txBody>
-              </p:sp>
-            </mc:Choice>
-            <mc:Fallback xmlns="">
-              <p:sp>
-                <p:nvSpPr>
-                  <p:cNvPr id="2" name="TextBox 1"/>
-                  <p:cNvSpPr txBox="1">
-                    <a:spLocks noRot="1" noChangeAspect="1" noMove="1" noResize="1" noEditPoints="1" noAdjustHandles="1" noChangeArrowheads="1" noChangeShapeType="1" noTextEdit="1"/>
-                  </p:cNvSpPr>
-                  <p:nvPr/>
-                </p:nvSpPr>
-                <p:spPr>
-                  <a:xfrm>
-                    <a:off x="6848421" y="3905299"/>
-                    <a:ext cx="338554" cy="369332"/>
-                  </a:xfrm>
-                  <a:prstGeom prst="rect">
-                    <a:avLst/>
-                  </a:prstGeom>
-                  <a:blipFill>
-                    <a:blip r:embed="rId4"/>
-                    <a:stretch>
-                      <a:fillRect/>
-                    </a:stretch>
-                  </a:blipFill>
-                </p:spPr>
-                <p:txBody>
-                  <a:bodyPr/>
-                  <a:lstStyle/>
-                  <a:p>
-                    <a:r>
-                      <a:rPr lang="ko-KR" altLang="en-US">
-                        <a:noFill/>
-                      </a:rPr>
-                      <a:t> </a:t>
-                    </a:r>
-                  </a:p>
-                </p:txBody>
-              </p:sp>
-            </mc:Fallback>
-          </mc:AlternateContent>
-        </p:grpSp>
-        <p:sp>
-          <p:nvSpPr>
-            <p:cNvPr id="10" name="사각형: 둥근 모서리 5">
-              <a:extLst>
-                <a:ext uri="{FF2B5EF4-FFF2-40B4-BE49-F238E27FC236}">
-                  <a16:creationId xmlns:a16="http://schemas.microsoft.com/office/drawing/2014/main" id="{05157B58-D063-8713-B9A4-1D30A1953EC7}"/>
-                </a:ext>
-              </a:extLst>
-            </p:cNvPr>
-            <p:cNvSpPr/>
-            <p:nvPr/>
-          </p:nvSpPr>
-          <p:spPr>
-            <a:xfrm>
-              <a:off x="1639937" y="2231532"/>
-              <a:ext cx="1565429" cy="943181"/>
-            </a:xfrm>
-            <a:prstGeom prst="roundRect">
-              <a:avLst/>
-            </a:prstGeom>
-            <a:solidFill>
-              <a:srgbClr val="00BFFF"/>
-            </a:solidFill>
-            <a:ln>
-              <a:noFill/>
-            </a:ln>
-          </p:spPr>
-          <p:style>
-            <a:lnRef idx="2">
-              <a:schemeClr val="accent1">
-                <a:shade val="50000"/>
-              </a:schemeClr>
-            </a:lnRef>
-            <a:fillRef idx="1">
-              <a:schemeClr val="accent1"/>
-            </a:fillRef>
-            <a:effectRef idx="0">
-              <a:schemeClr val="accent1"/>
-            </a:effectRef>
-            <a:fontRef idx="minor">
-              <a:schemeClr val="lt1"/>
-            </a:fontRef>
-          </p:style>
-          <p:txBody>
-            <a:bodyPr rtlCol="0" anchor="ctr"/>
-            <a:lstStyle/>
-            <a:p>
-              <a:pPr algn="ctr"/>
-              <a:r>
-                <a:rPr lang="en-US" altLang="ko-KR" dirty="0">
-                  <a:solidFill>
-                    <a:schemeClr val="tx1"/>
-                  </a:solidFill>
-                  <a:latin typeface="Noto Sans CJK KR" panose="020B0500000000000000" pitchFamily="34" charset="-127"/>
-                  <a:ea typeface="Noto Sans CJK KR" panose="020B0500000000000000" pitchFamily="34" charset="-127"/>
-                </a:rPr>
-                <a:t>Manager</a:t>
-              </a:r>
-            </a:p>
-            <a:p>
-              <a:pPr algn="ctr"/>
-              <a:r>
-                <a:rPr lang="en-US" altLang="ko-KR" dirty="0">
-                  <a:solidFill>
-                    <a:schemeClr val="tx1"/>
-                  </a:solidFill>
-                  <a:latin typeface="Noto Sans CJK KR" panose="020B0500000000000000" pitchFamily="34" charset="-127"/>
-                  <a:ea typeface="Noto Sans CJK KR" panose="020B0500000000000000" pitchFamily="34" charset="-127"/>
-                </a:rPr>
-                <a:t>Server</a:t>
-              </a:r>
-              <a:endParaRPr lang="ko-KR" altLang="en-US" dirty="0">
-                <a:solidFill>
-                  <a:schemeClr val="tx1"/>
-                </a:solidFill>
-                <a:latin typeface="Noto Sans CJK KR" panose="020B0500000000000000" pitchFamily="34" charset="-127"/>
-                <a:ea typeface="Noto Sans CJK KR" panose="020B0500000000000000" pitchFamily="34" charset="-127"/>
-              </a:endParaRPr>
-            </a:p>
-          </p:txBody>
-        </p:sp>
-        <p:grpSp>
-          <p:nvGrpSpPr>
-            <p:cNvPr id="63" name="그룹 62">
-              <a:extLst>
-                <a:ext uri="{FF2B5EF4-FFF2-40B4-BE49-F238E27FC236}">
-                  <a16:creationId xmlns:a16="http://schemas.microsoft.com/office/drawing/2014/main" id="{32ACC6C5-3384-CA0A-3447-3D841DAAD772}"/>
-                </a:ext>
-              </a:extLst>
-            </p:cNvPr>
-            <p:cNvGrpSpPr/>
-            <p:nvPr/>
-          </p:nvGrpSpPr>
-          <p:grpSpPr>
-            <a:xfrm>
-              <a:off x="3783069" y="3143673"/>
-              <a:ext cx="741407" cy="1943831"/>
-              <a:chOff x="4206256" y="2253784"/>
-              <a:chExt cx="741407" cy="1943831"/>
-            </a:xfrm>
-          </p:grpSpPr>
-          <p:sp>
-            <p:nvSpPr>
-              <p:cNvPr id="37" name="직사각형 36">
-                <a:extLst>
-                  <a:ext uri="{FF2B5EF4-FFF2-40B4-BE49-F238E27FC236}">
-                    <a16:creationId xmlns:a16="http://schemas.microsoft.com/office/drawing/2014/main" id="{64A307A1-4236-B492-98E0-F8E81BD0BDA4}"/>
-                  </a:ext>
-                </a:extLst>
-              </p:cNvPr>
-              <p:cNvSpPr/>
-              <p:nvPr/>
-            </p:nvSpPr>
-            <p:spPr>
-              <a:xfrm>
-                <a:off x="4206258" y="2253784"/>
-                <a:ext cx="741405" cy="367101"/>
-              </a:xfrm>
-              <a:prstGeom prst="rect">
-                <a:avLst/>
-              </a:prstGeom>
-              <a:solidFill>
-                <a:srgbClr val="48D1CC"/>
-              </a:solidFill>
-              <a:ln>
-                <a:noFill/>
-              </a:ln>
-            </p:spPr>
-            <p:style>
-              <a:lnRef idx="2">
-                <a:schemeClr val="accent1">
-                  <a:shade val="50000"/>
-                </a:schemeClr>
-              </a:lnRef>
-              <a:fillRef idx="1">
-                <a:schemeClr val="accent1"/>
-              </a:fillRef>
-              <a:effectRef idx="0">
-                <a:schemeClr val="accent1"/>
-              </a:effectRef>
-              <a:fontRef idx="minor">
-                <a:schemeClr val="lt1"/>
-              </a:fontRef>
-            </p:style>
-            <p:txBody>
-              <a:bodyPr rtlCol="0" anchor="ctr"/>
-              <a:lstStyle/>
-              <a:p>
-                <a:pPr algn="ctr"/>
-                <a:r>
-                  <a:rPr lang="en-US" altLang="ko-KR" sz="1200" dirty="0">
-                    <a:solidFill>
-                      <a:schemeClr val="tx1"/>
-                    </a:solidFill>
-                    <a:latin typeface="Noto Sans CJK KR" panose="020B0500000000000000" pitchFamily="34" charset="-127"/>
-                    <a:ea typeface="Noto Sans CJK KR" panose="020B0500000000000000" pitchFamily="34" charset="-127"/>
-                  </a:rPr>
-                  <a:t>Task 1</a:t>
-                </a:r>
-                <a:endParaRPr lang="ko-KR" altLang="en-US" sz="1200" dirty="0">
-                  <a:solidFill>
-                    <a:schemeClr val="tx1"/>
-                  </a:solidFill>
-                  <a:latin typeface="Noto Sans CJK KR" panose="020B0500000000000000" pitchFamily="34" charset="-127"/>
-                  <a:ea typeface="Noto Sans CJK KR" panose="020B0500000000000000" pitchFamily="34" charset="-127"/>
-                </a:endParaRPr>
-              </a:p>
-            </p:txBody>
-          </p:sp>
-          <p:sp>
-            <p:nvSpPr>
-              <p:cNvPr id="53" name="직사각형 52">
-                <a:extLst>
-                  <a:ext uri="{FF2B5EF4-FFF2-40B4-BE49-F238E27FC236}">
-                    <a16:creationId xmlns:a16="http://schemas.microsoft.com/office/drawing/2014/main" id="{0B1BCF22-D433-4538-4109-FAE8E372AC15}"/>
-                  </a:ext>
-                </a:extLst>
-              </p:cNvPr>
-              <p:cNvSpPr/>
-              <p:nvPr/>
-            </p:nvSpPr>
-            <p:spPr>
-              <a:xfrm>
-                <a:off x="4206257" y="2667713"/>
-                <a:ext cx="741405" cy="367101"/>
-              </a:xfrm>
-              <a:prstGeom prst="rect">
-                <a:avLst/>
-              </a:prstGeom>
-              <a:solidFill>
-                <a:srgbClr val="48D1CC"/>
-              </a:solidFill>
-              <a:ln>
-                <a:noFill/>
-              </a:ln>
-            </p:spPr>
-            <p:style>
-              <a:lnRef idx="2">
-                <a:schemeClr val="accent1">
-                  <a:shade val="50000"/>
-                </a:schemeClr>
-              </a:lnRef>
-              <a:fillRef idx="1">
-                <a:schemeClr val="accent1"/>
-              </a:fillRef>
-              <a:effectRef idx="0">
-                <a:schemeClr val="accent1"/>
-              </a:effectRef>
-              <a:fontRef idx="minor">
-                <a:schemeClr val="lt1"/>
-              </a:fontRef>
-            </p:style>
-            <p:txBody>
-              <a:bodyPr rtlCol="0" anchor="ctr"/>
-              <a:lstStyle/>
-              <a:p>
-                <a:pPr algn="ctr"/>
-                <a:r>
-                  <a:rPr lang="en-US" altLang="ko-KR" sz="1200" dirty="0">
-                    <a:solidFill>
-                      <a:schemeClr val="tx1"/>
-                    </a:solidFill>
-                    <a:latin typeface="Noto Sans CJK KR" panose="020B0500000000000000" pitchFamily="34" charset="-127"/>
-                    <a:ea typeface="Noto Sans CJK KR" panose="020B0500000000000000" pitchFamily="34" charset="-127"/>
-                  </a:rPr>
-                  <a:t>Task 2</a:t>
-                </a:r>
-                <a:endParaRPr lang="ko-KR" altLang="en-US" sz="1200" dirty="0">
-                  <a:solidFill>
-                    <a:schemeClr val="tx1"/>
-                  </a:solidFill>
-                  <a:latin typeface="Noto Sans CJK KR" panose="020B0500000000000000" pitchFamily="34" charset="-127"/>
-                  <a:ea typeface="Noto Sans CJK KR" panose="020B0500000000000000" pitchFamily="34" charset="-127"/>
-                </a:endParaRPr>
-              </a:p>
-            </p:txBody>
-          </p:sp>
-          <p:sp>
-            <p:nvSpPr>
-              <p:cNvPr id="54" name="직사각형 53">
-                <a:extLst>
-                  <a:ext uri="{FF2B5EF4-FFF2-40B4-BE49-F238E27FC236}">
-                    <a16:creationId xmlns:a16="http://schemas.microsoft.com/office/drawing/2014/main" id="{C657A5B5-73BC-A9A0-67EE-E3329AC46C85}"/>
-                  </a:ext>
-                </a:extLst>
-              </p:cNvPr>
-              <p:cNvSpPr/>
-              <p:nvPr/>
-            </p:nvSpPr>
-            <p:spPr>
-              <a:xfrm>
-                <a:off x="4206257" y="3075674"/>
-                <a:ext cx="741405" cy="367101"/>
-              </a:xfrm>
-              <a:prstGeom prst="rect">
-                <a:avLst/>
-              </a:prstGeom>
-              <a:solidFill>
-                <a:srgbClr val="48D1CC"/>
-              </a:solidFill>
-              <a:ln>
-                <a:noFill/>
-              </a:ln>
-            </p:spPr>
-            <p:style>
-              <a:lnRef idx="2">
-                <a:schemeClr val="accent1">
-                  <a:shade val="50000"/>
-                </a:schemeClr>
-              </a:lnRef>
-              <a:fillRef idx="1">
-                <a:schemeClr val="accent1"/>
-              </a:fillRef>
-              <a:effectRef idx="0">
-                <a:schemeClr val="accent1"/>
-              </a:effectRef>
-              <a:fontRef idx="minor">
-                <a:schemeClr val="lt1"/>
-              </a:fontRef>
-            </p:style>
-            <p:txBody>
-              <a:bodyPr rtlCol="0" anchor="ctr"/>
-              <a:lstStyle/>
-              <a:p>
-                <a:pPr algn="ctr"/>
-                <a:r>
-                  <a:rPr lang="en-US" altLang="ko-KR" sz="1200" dirty="0">
-                    <a:solidFill>
-                      <a:schemeClr val="tx1"/>
-                    </a:solidFill>
-                    <a:latin typeface="Noto Sans CJK KR" panose="020B0500000000000000" pitchFamily="34" charset="-127"/>
-                    <a:ea typeface="Noto Sans CJK KR" panose="020B0500000000000000" pitchFamily="34" charset="-127"/>
-                  </a:rPr>
-                  <a:t>Task 3</a:t>
-                </a:r>
-                <a:endParaRPr lang="ko-KR" altLang="en-US" sz="1200" dirty="0">
-                  <a:solidFill>
-                    <a:schemeClr val="tx1"/>
-                  </a:solidFill>
-                  <a:latin typeface="Noto Sans CJK KR" panose="020B0500000000000000" pitchFamily="34" charset="-127"/>
-                  <a:ea typeface="Noto Sans CJK KR" panose="020B0500000000000000" pitchFamily="34" charset="-127"/>
-                </a:endParaRPr>
-              </a:p>
-            </p:txBody>
-          </p:sp>
-          <mc:AlternateContent xmlns:mc="http://schemas.openxmlformats.org/markup-compatibility/2006" xmlns:a14="http://schemas.microsoft.com/office/drawing/2010/main">
-            <mc:Choice Requires="a14">
-              <p:sp>
-                <p:nvSpPr>
-                  <p:cNvPr id="55" name="TextBox 54">
-                    <a:extLst>
-                      <a:ext uri="{FF2B5EF4-FFF2-40B4-BE49-F238E27FC236}">
-                        <a16:creationId xmlns:a16="http://schemas.microsoft.com/office/drawing/2014/main" id="{57360A07-E3BE-5501-98F5-EC80414F38DD}"/>
-                      </a:ext>
-                    </a:extLst>
-                  </p:cNvPr>
-                  <p:cNvSpPr txBox="1"/>
-                  <p:nvPr/>
-                </p:nvSpPr>
-                <p:spPr>
-                  <a:xfrm>
-                    <a:off x="4407682" y="3442775"/>
-                    <a:ext cx="338554" cy="369332"/>
-                  </a:xfrm>
-                  <a:prstGeom prst="rect">
-                    <a:avLst/>
-                  </a:prstGeom>
-                  <a:noFill/>
-                </p:spPr>
-                <p:txBody>
-                  <a:bodyPr wrap="none" rtlCol="0">
-                    <a:spAutoFit/>
-                  </a:bodyPr>
-                  <a:lstStyle/>
-                  <a:p>
-                    <a:pPr/>
-                    <a14:m>
-                      <m:oMathPara xmlns:m="http://schemas.openxmlformats.org/officeDocument/2006/math">
-                        <m:oMathParaPr>
-                          <m:jc m:val="centerGroup"/>
-                        </m:oMathParaPr>
-                        <m:oMath xmlns:m="http://schemas.openxmlformats.org/officeDocument/2006/math">
-                          <m:r>
-                            <a:rPr lang="ko-KR" altLang="en-US" i="1" smtClean="0">
-                              <a:latin typeface="Cambria Math" panose="02040503050406030204" pitchFamily="18" charset="0"/>
-                            </a:rPr>
-                            <m:t>⋮</m:t>
-                          </m:r>
-                        </m:oMath>
-                      </m:oMathPara>
-                    </a14:m>
-                    <a:endParaRPr lang="ko-KR" altLang="en-US" dirty="0"/>
-                  </a:p>
-                </p:txBody>
-              </p:sp>
-            </mc:Choice>
-            <mc:Fallback xmlns="">
-              <p:sp>
-                <p:nvSpPr>
-                  <p:cNvPr id="55" name="TextBox 54">
-                    <a:extLst>
-                      <a:ext uri="{FF2B5EF4-FFF2-40B4-BE49-F238E27FC236}">
-                        <a16:creationId xmlns:a16="http://schemas.microsoft.com/office/drawing/2014/main" id="{57360A07-E3BE-5501-98F5-EC80414F38DD}"/>
-                      </a:ext>
-                    </a:extLst>
-                  </p:cNvPr>
-                  <p:cNvSpPr txBox="1">
-                    <a:spLocks noRot="1" noChangeAspect="1" noMove="1" noResize="1" noEditPoints="1" noAdjustHandles="1" noChangeArrowheads="1" noChangeShapeType="1" noTextEdit="1"/>
-                  </p:cNvSpPr>
-                  <p:nvPr/>
-                </p:nvSpPr>
-                <p:spPr>
-                  <a:xfrm>
-                    <a:off x="4407682" y="3442775"/>
-                    <a:ext cx="338554" cy="369332"/>
-                  </a:xfrm>
-                  <a:prstGeom prst="rect">
-                    <a:avLst/>
-                  </a:prstGeom>
-                  <a:blipFill>
-                    <a:blip r:embed="rId5"/>
-                    <a:stretch>
-                      <a:fillRect/>
-                    </a:stretch>
-                  </a:blipFill>
-                </p:spPr>
-                <p:txBody>
-                  <a:bodyPr/>
-                  <a:lstStyle/>
-                  <a:p>
-                    <a:r>
-                      <a:rPr lang="ko-KR" altLang="en-US">
-                        <a:noFill/>
-                      </a:rPr>
-                      <a:t> </a:t>
-                    </a:r>
-                  </a:p>
-                </p:txBody>
-              </p:sp>
-            </mc:Fallback>
-          </mc:AlternateContent>
-          <p:sp>
-            <p:nvSpPr>
-              <p:cNvPr id="56" name="직사각형 55">
-                <a:extLst>
-                  <a:ext uri="{FF2B5EF4-FFF2-40B4-BE49-F238E27FC236}">
-                    <a16:creationId xmlns:a16="http://schemas.microsoft.com/office/drawing/2014/main" id="{57422DF4-3E87-50FF-2406-9A71C3E2A07F}"/>
-                  </a:ext>
-                </a:extLst>
-              </p:cNvPr>
-              <p:cNvSpPr/>
-              <p:nvPr/>
-            </p:nvSpPr>
-            <p:spPr>
-              <a:xfrm>
-                <a:off x="4206256" y="3830514"/>
-                <a:ext cx="741405" cy="367101"/>
-              </a:xfrm>
-              <a:prstGeom prst="rect">
-                <a:avLst/>
-              </a:prstGeom>
-              <a:solidFill>
-                <a:srgbClr val="48D1CC"/>
-              </a:solidFill>
-              <a:ln>
-                <a:noFill/>
-              </a:ln>
-            </p:spPr>
-            <p:style>
-              <a:lnRef idx="2">
-                <a:schemeClr val="accent1">
-                  <a:shade val="50000"/>
-                </a:schemeClr>
-              </a:lnRef>
-              <a:fillRef idx="1">
-                <a:schemeClr val="accent1"/>
-              </a:fillRef>
-              <a:effectRef idx="0">
-                <a:schemeClr val="accent1"/>
-              </a:effectRef>
-              <a:fontRef idx="minor">
-                <a:schemeClr val="lt1"/>
-              </a:fontRef>
-            </p:style>
-            <p:txBody>
-              <a:bodyPr rtlCol="0" anchor="ctr"/>
-              <a:lstStyle/>
-              <a:p>
-                <a:pPr algn="ctr"/>
-                <a:r>
-                  <a:rPr lang="en-US" altLang="ko-KR" sz="1200" dirty="0">
-                    <a:solidFill>
-                      <a:schemeClr val="tx1"/>
-                    </a:solidFill>
-                    <a:latin typeface="Noto Sans CJK KR" panose="020B0500000000000000" pitchFamily="34" charset="-127"/>
-                    <a:ea typeface="Noto Sans CJK KR" panose="020B0500000000000000" pitchFamily="34" charset="-127"/>
-                  </a:rPr>
-                  <a:t>Task K</a:t>
-                </a:r>
-                <a:endParaRPr lang="ko-KR" altLang="en-US" sz="1200" dirty="0">
-                  <a:solidFill>
-                    <a:schemeClr val="tx1"/>
-                  </a:solidFill>
-                  <a:latin typeface="Noto Sans CJK KR" panose="020B0500000000000000" pitchFamily="34" charset="-127"/>
-                  <a:ea typeface="Noto Sans CJK KR" panose="020B0500000000000000" pitchFamily="34" charset="-127"/>
-                </a:endParaRPr>
-              </a:p>
-            </p:txBody>
-          </p:sp>
-        </p:grpSp>
-        <p:sp>
-          <p:nvSpPr>
-            <p:cNvPr id="75" name="사각형: 둥근 모서리 6">
-              <a:extLst>
-                <a:ext uri="{FF2B5EF4-FFF2-40B4-BE49-F238E27FC236}">
-                  <a16:creationId xmlns:a16="http://schemas.microsoft.com/office/drawing/2014/main" id="{369836F7-289F-80D9-4C8B-9F7047C1B6C8}"/>
-                </a:ext>
-              </a:extLst>
-            </p:cNvPr>
-            <p:cNvSpPr/>
-            <p:nvPr/>
-          </p:nvSpPr>
-          <p:spPr>
-            <a:xfrm>
-              <a:off x="2371935" y="3711148"/>
-              <a:ext cx="1300743" cy="637788"/>
-            </a:xfrm>
-            <a:prstGeom prst="roundRect">
-              <a:avLst/>
-            </a:prstGeom>
-            <a:solidFill>
-              <a:srgbClr val="90EE90">
-                <a:alpha val="70000"/>
-              </a:srgbClr>
-            </a:solidFill>
-            <a:ln>
-              <a:noFill/>
-            </a:ln>
-          </p:spPr>
-          <p:style>
-            <a:lnRef idx="2">
-              <a:schemeClr val="accent1">
-                <a:shade val="50000"/>
-              </a:schemeClr>
-            </a:lnRef>
-            <a:fillRef idx="1">
-              <a:schemeClr val="accent1"/>
-            </a:fillRef>
-            <a:effectRef idx="0">
-              <a:schemeClr val="accent1"/>
-            </a:effectRef>
-            <a:fontRef idx="minor">
-              <a:schemeClr val="lt1"/>
-            </a:fontRef>
-          </p:style>
-          <p:txBody>
-            <a:bodyPr rtlCol="0" anchor="ctr"/>
-            <a:lstStyle/>
-            <a:p>
-              <a:pPr algn="ctr"/>
-              <a:r>
-                <a:rPr lang="en-US" altLang="ko-KR" sz="1000" dirty="0">
-                  <a:solidFill>
-                    <a:schemeClr val="tx1"/>
-                  </a:solidFill>
-                  <a:latin typeface="Noto Sans CJK KR" panose="020B0500000000000000" pitchFamily="34" charset="-127"/>
-                  <a:ea typeface="Noto Sans CJK KR" panose="020B0500000000000000" pitchFamily="34" charset="-127"/>
-                </a:rPr>
-                <a:t>Task</a:t>
-              </a:r>
-              <a:r>
-                <a:rPr lang="ko-KR" altLang="en-US" sz="1000" dirty="0">
-                  <a:solidFill>
-                    <a:schemeClr val="tx1"/>
-                  </a:solidFill>
-                  <a:latin typeface="Noto Sans CJK KR" panose="020B0500000000000000" pitchFamily="34" charset="-127"/>
-                  <a:ea typeface="Noto Sans CJK KR" panose="020B0500000000000000" pitchFamily="34" charset="-127"/>
-                </a:rPr>
-                <a:t> </a:t>
-              </a:r>
-              <a:r>
-                <a:rPr lang="en-US" altLang="ko-KR" sz="1000" dirty="0">
-                  <a:solidFill>
-                    <a:schemeClr val="tx1"/>
-                  </a:solidFill>
-                  <a:latin typeface="Noto Sans CJK KR" panose="020B0500000000000000" pitchFamily="34" charset="-127"/>
-                  <a:ea typeface="Noto Sans CJK KR" panose="020B0500000000000000" pitchFamily="34" charset="-127"/>
-                </a:rPr>
-                <a:t>Delivery</a:t>
-              </a:r>
-              <a:r>
-                <a:rPr lang="ko-KR" altLang="en-US" sz="1000" dirty="0">
-                  <a:solidFill>
-                    <a:schemeClr val="tx1"/>
-                  </a:solidFill>
-                  <a:latin typeface="Noto Sans CJK KR" panose="020B0500000000000000" pitchFamily="34" charset="-127"/>
-                  <a:ea typeface="Noto Sans CJK KR" panose="020B0500000000000000" pitchFamily="34" charset="-127"/>
-                </a:rPr>
-                <a:t> </a:t>
-              </a:r>
-              <a:endParaRPr lang="en-US" altLang="ko-KR" sz="1000" dirty="0">
-                <a:solidFill>
-                  <a:schemeClr val="tx1"/>
-                </a:solidFill>
-                <a:latin typeface="Noto Sans CJK KR" panose="020B0500000000000000" pitchFamily="34" charset="-127"/>
-                <a:ea typeface="Noto Sans CJK KR" panose="020B0500000000000000" pitchFamily="34" charset="-127"/>
-              </a:endParaRPr>
-            </a:p>
-            <a:p>
-              <a:pPr algn="ctr"/>
-              <a:r>
-                <a:rPr lang="en-US" altLang="ko-KR" sz="1000" dirty="0">
-                  <a:solidFill>
-                    <a:schemeClr val="tx1"/>
-                  </a:solidFill>
-                  <a:latin typeface="Noto Sans CJK KR" panose="020B0500000000000000" pitchFamily="34" charset="-127"/>
-                  <a:ea typeface="Noto Sans CJK KR" panose="020B0500000000000000" pitchFamily="34" charset="-127"/>
-                </a:rPr>
-                <a:t>Service Process</a:t>
-              </a:r>
-              <a:endParaRPr lang="ko-KR" altLang="en-US" sz="1000" dirty="0">
-                <a:solidFill>
-                  <a:schemeClr val="tx1"/>
-                </a:solidFill>
-                <a:latin typeface="Noto Sans CJK KR" panose="020B0500000000000000" pitchFamily="34" charset="-127"/>
-                <a:ea typeface="Noto Sans CJK KR" panose="020B0500000000000000" pitchFamily="34" charset="-127"/>
-              </a:endParaRPr>
-            </a:p>
-          </p:txBody>
-        </p:sp>
-        <p:cxnSp>
-          <p:nvCxnSpPr>
-            <p:cNvPr id="90" name="직선 화살표 연결선 89">
-              <a:extLst>
-                <a:ext uri="{FF2B5EF4-FFF2-40B4-BE49-F238E27FC236}">
-                  <a16:creationId xmlns:a16="http://schemas.microsoft.com/office/drawing/2014/main" id="{91B3AC3D-016C-A1FD-BE86-ADAAB56708AC}"/>
-                </a:ext>
-              </a:extLst>
-            </p:cNvPr>
-            <p:cNvCxnSpPr>
-              <a:cxnSpLocks/>
-              <a:endCxn id="15" idx="1"/>
-            </p:cNvCxnSpPr>
-            <p:nvPr/>
-          </p:nvCxnSpPr>
-          <p:spPr>
-            <a:xfrm flipV="1">
-              <a:off x="4524476" y="1820592"/>
-              <a:ext cx="1710550" cy="1438536"/>
-            </a:xfrm>
-            <a:prstGeom prst="straightConnector1">
-              <a:avLst/>
-            </a:prstGeom>
-            <a:ln w="19050">
-              <a:solidFill>
-                <a:schemeClr val="tx1"/>
-              </a:solidFill>
-              <a:tailEnd type="arrow"/>
-            </a:ln>
-          </p:spPr>
-          <p:style>
-            <a:lnRef idx="1">
-              <a:schemeClr val="accent1"/>
-            </a:lnRef>
-            <a:fillRef idx="0">
-              <a:schemeClr val="accent1"/>
-            </a:fillRef>
-            <a:effectRef idx="0">
-              <a:schemeClr val="accent1"/>
-            </a:effectRef>
-            <a:fontRef idx="minor">
-              <a:schemeClr val="tx1"/>
-            </a:fontRef>
-          </p:style>
-        </p:cxnSp>
-        <p:cxnSp>
-          <p:nvCxnSpPr>
-            <p:cNvPr id="93" name="직선 화살표 연결선 92">
-              <a:extLst>
-                <a:ext uri="{FF2B5EF4-FFF2-40B4-BE49-F238E27FC236}">
-                  <a16:creationId xmlns:a16="http://schemas.microsoft.com/office/drawing/2014/main" id="{25EC0201-154A-C342-9981-95481A84285F}"/>
-                </a:ext>
-              </a:extLst>
-            </p:cNvPr>
-            <p:cNvCxnSpPr>
-              <a:cxnSpLocks/>
-              <a:stCxn id="53" idx="3"/>
-              <a:endCxn id="17" idx="1"/>
-            </p:cNvCxnSpPr>
-            <p:nvPr/>
-          </p:nvCxnSpPr>
-          <p:spPr>
-            <a:xfrm flipV="1">
-              <a:off x="4524475" y="2767231"/>
-              <a:ext cx="1726127" cy="973922"/>
-            </a:xfrm>
-            <a:prstGeom prst="straightConnector1">
-              <a:avLst/>
-            </a:prstGeom>
-            <a:ln w="19050">
-              <a:solidFill>
-                <a:schemeClr val="tx1"/>
-              </a:solidFill>
-              <a:tailEnd type="arrow"/>
-            </a:ln>
-          </p:spPr>
-          <p:style>
-            <a:lnRef idx="1">
-              <a:schemeClr val="accent1"/>
-            </a:lnRef>
-            <a:fillRef idx="0">
-              <a:schemeClr val="accent1"/>
-            </a:fillRef>
-            <a:effectRef idx="0">
-              <a:schemeClr val="accent1"/>
-            </a:effectRef>
-            <a:fontRef idx="minor">
-              <a:schemeClr val="tx1"/>
-            </a:fontRef>
-          </p:style>
-        </p:cxnSp>
-        <p:cxnSp>
-          <p:nvCxnSpPr>
-            <p:cNvPr id="96" name="직선 화살표 연결선 95">
-              <a:extLst>
-                <a:ext uri="{FF2B5EF4-FFF2-40B4-BE49-F238E27FC236}">
-                  <a16:creationId xmlns:a16="http://schemas.microsoft.com/office/drawing/2014/main" id="{AEF54941-7679-7409-DC1B-9FA728754954}"/>
-                </a:ext>
-              </a:extLst>
-            </p:cNvPr>
-            <p:cNvCxnSpPr>
-              <a:cxnSpLocks/>
-              <a:stCxn id="54" idx="3"/>
-              <a:endCxn id="14" idx="1"/>
-            </p:cNvCxnSpPr>
-            <p:nvPr/>
-          </p:nvCxnSpPr>
-          <p:spPr>
-            <a:xfrm flipV="1">
-              <a:off x="4524475" y="3707522"/>
-              <a:ext cx="1726127" cy="441592"/>
-            </a:xfrm>
-            <a:prstGeom prst="straightConnector1">
-              <a:avLst/>
-            </a:prstGeom>
-            <a:ln w="19050">
-              <a:solidFill>
-                <a:schemeClr val="tx1"/>
-              </a:solidFill>
-              <a:tailEnd type="arrow"/>
-            </a:ln>
-          </p:spPr>
-          <p:style>
-            <a:lnRef idx="1">
-              <a:schemeClr val="accent1"/>
-            </a:lnRef>
-            <a:fillRef idx="0">
-              <a:schemeClr val="accent1"/>
-            </a:fillRef>
-            <a:effectRef idx="0">
-              <a:schemeClr val="accent1"/>
-            </a:effectRef>
-            <a:fontRef idx="minor">
-              <a:schemeClr val="tx1"/>
-            </a:fontRef>
-          </p:style>
-        </p:cxnSp>
-        <p:cxnSp>
-          <p:nvCxnSpPr>
-            <p:cNvPr id="101" name="직선 화살표 연결선 100">
-              <a:extLst>
-                <a:ext uri="{FF2B5EF4-FFF2-40B4-BE49-F238E27FC236}">
-                  <a16:creationId xmlns:a16="http://schemas.microsoft.com/office/drawing/2014/main" id="{6DB6E509-2E0E-4122-226E-CF8302A306C6}"/>
-                </a:ext>
-              </a:extLst>
-            </p:cNvPr>
-            <p:cNvCxnSpPr>
-              <a:cxnSpLocks/>
-              <a:stCxn id="56" idx="3"/>
-              <a:endCxn id="18" idx="1"/>
-            </p:cNvCxnSpPr>
-            <p:nvPr/>
-          </p:nvCxnSpPr>
-          <p:spPr>
-            <a:xfrm flipV="1">
-              <a:off x="4524474" y="4881323"/>
-              <a:ext cx="1710552" cy="22631"/>
-            </a:xfrm>
-            <a:prstGeom prst="straightConnector1">
-              <a:avLst/>
-            </a:prstGeom>
-            <a:ln w="19050">
-              <a:solidFill>
-                <a:schemeClr val="tx1"/>
-              </a:solidFill>
-              <a:tailEnd type="arrow"/>
-            </a:ln>
-          </p:spPr>
-          <p:style>
-            <a:lnRef idx="1">
-              <a:schemeClr val="accent1"/>
-            </a:lnRef>
-            <a:fillRef idx="0">
-              <a:schemeClr val="accent1"/>
-            </a:fillRef>
-            <a:effectRef idx="0">
-              <a:schemeClr val="accent1"/>
-            </a:effectRef>
-            <a:fontRef idx="minor">
-              <a:schemeClr val="tx1"/>
-            </a:fontRef>
-          </p:style>
-        </p:cxnSp>
-      </p:grpSp>
-      <p:sp>
-        <p:nvSpPr>
-          <p:cNvPr id="110" name="TextBox 109">
-            <a:extLst>
-              <a:ext uri="{FF2B5EF4-FFF2-40B4-BE49-F238E27FC236}">
-                <a16:creationId xmlns:a16="http://schemas.microsoft.com/office/drawing/2014/main" id="{B930C00C-FB5A-B0D1-DB4B-05418B58038F}"/>
-              </a:ext>
-            </a:extLst>
-          </p:cNvPr>
-          <p:cNvSpPr txBox="1"/>
-          <p:nvPr/>
-        </p:nvSpPr>
-        <p:spPr>
-          <a:xfrm>
-            <a:off x="131768" y="759462"/>
-            <a:ext cx="11570606" cy="377539"/>
-          </a:xfrm>
-          <a:prstGeom prst="rect">
-            <a:avLst/>
-          </a:prstGeom>
-          <a:noFill/>
-        </p:spPr>
-        <p:txBody>
-          <a:bodyPr wrap="square" rtlCol="0">
-            <a:spAutoFit/>
-          </a:bodyPr>
-          <a:lstStyle/>
-          <a:p>
-            <a:pPr marL="285750" indent="-285750">
-              <a:lnSpc>
-                <a:spcPct val="150000"/>
-              </a:lnSpc>
-              <a:buFont typeface="Wingdings" panose="05000000000000000000" pitchFamily="2" charset="2"/>
-              <a:buChar char="v"/>
-            </a:pPr>
-            <a:r>
-              <a:rPr lang="ko-KR" altLang="en-US" sz="1400" b="1" dirty="0">
-                <a:latin typeface="Noto Sans CJK KR" panose="020B0500000000000000" pitchFamily="34" charset="-127"/>
-                <a:ea typeface="Noto Sans CJK KR" panose="020B0500000000000000" pitchFamily="34" charset="-127"/>
-              </a:rPr>
-              <a:t>분할된 수집리스트 전달</a:t>
-            </a:r>
-            <a:endParaRPr lang="en-US" altLang="ko-KR" sz="1400" b="1" dirty="0">
-              <a:solidFill>
-                <a:srgbClr val="0000CD"/>
-              </a:solidFill>
-              <a:latin typeface="Noto Sans CJK KR" panose="020B0500000000000000" pitchFamily="34" charset="-127"/>
-              <a:ea typeface="Noto Sans CJK KR" panose="020B0500000000000000" pitchFamily="34" charset="-127"/>
-            </a:endParaRPr>
-          </a:p>
-        </p:txBody>
-      </p:sp>
-    </p:spTree>
-    <p:extLst>
-      <p:ext uri="{BB962C8B-B14F-4D97-AF65-F5344CB8AC3E}">
-        <p14:creationId xmlns:p14="http://schemas.microsoft.com/office/powerpoint/2010/main" val="3092577143"/>
-      </p:ext>
-    </p:extLst>
-  </p:cSld>
-  <p:clrMapOvr>
-    <a:masterClrMapping/>
-  </p:clrMapOvr>
-</p:sld>
-</file>
-
-<file path=ppt/slides/slide9.xml><?xml version="1.0" encoding="utf-8"?>
-<p:sld xmlns:a="http://schemas.openxmlformats.org/drawingml/2006/main" xmlns:r="http://schemas.openxmlformats.org/officeDocument/2006/relationships" xmlns:p="http://schemas.openxmlformats.org/presentationml/2006/main">
-  <p:cSld>
-    <p:spTree>
-      <p:nvGrpSpPr>
-        <p:cNvPr id="1" name=""/>
-        <p:cNvGrpSpPr/>
-        <p:nvPr/>
-      </p:nvGrpSpPr>
-      <p:grpSpPr>
-        <a:xfrm>
-          <a:off x="0" y="0"/>
-          <a:ext cx="0" cy="0"/>
-          <a:chOff x="0" y="0"/>
-          <a:chExt cx="0" cy="0"/>
-        </a:xfrm>
-      </p:grpSpPr>
-      <p:grpSp>
-        <p:nvGrpSpPr>
-          <p:cNvPr id="10" name="그룹 9">
-            <a:extLst>
-              <a:ext uri="{FF2B5EF4-FFF2-40B4-BE49-F238E27FC236}">
-                <a16:creationId xmlns:a16="http://schemas.microsoft.com/office/drawing/2014/main" id="{83F0A693-8190-61A0-945D-8C9500149875}"/>
-              </a:ext>
-            </a:extLst>
-          </p:cNvPr>
-          <p:cNvGrpSpPr/>
-          <p:nvPr/>
-        </p:nvGrpSpPr>
-        <p:grpSpPr>
-          <a:xfrm>
-            <a:off x="7762875" y="1391846"/>
-            <a:ext cx="3833717" cy="4437454"/>
-            <a:chOff x="7800975" y="297426"/>
-            <a:chExt cx="3833717" cy="4437454"/>
-          </a:xfrm>
-        </p:grpSpPr>
-        <p:cxnSp>
-          <p:nvCxnSpPr>
-            <p:cNvPr id="16" name="직선 화살표 연결선 15">
-              <a:extLst>
-                <a:ext uri="{FF2B5EF4-FFF2-40B4-BE49-F238E27FC236}">
-                  <a16:creationId xmlns:a16="http://schemas.microsoft.com/office/drawing/2014/main" id="{9FFE6438-71E8-EE06-C32D-B15BC6D33172}"/>
-                </a:ext>
-              </a:extLst>
-            </p:cNvPr>
-            <p:cNvCxnSpPr>
-              <a:cxnSpLocks/>
-            </p:cNvCxnSpPr>
-            <p:nvPr/>
-          </p:nvCxnSpPr>
-          <p:spPr>
-            <a:xfrm flipV="1">
-              <a:off x="9181093" y="1984243"/>
-              <a:ext cx="0" cy="566247"/>
-            </a:xfrm>
-            <a:prstGeom prst="straightConnector1">
-              <a:avLst/>
-            </a:prstGeom>
-            <a:ln w="19050">
-              <a:solidFill>
-                <a:schemeClr val="tx1"/>
-              </a:solidFill>
-              <a:headEnd type="arrow"/>
-              <a:tailEnd type="none"/>
-            </a:ln>
-          </p:spPr>
-          <p:style>
-            <a:lnRef idx="1">
-              <a:schemeClr val="accent1"/>
-            </a:lnRef>
-            <a:fillRef idx="0">
-              <a:schemeClr val="accent1"/>
-            </a:fillRef>
-            <a:effectRef idx="0">
-              <a:schemeClr val="accent1"/>
-            </a:effectRef>
-            <a:fontRef idx="minor">
-              <a:schemeClr val="tx1"/>
-            </a:fontRef>
-          </p:style>
-        </p:cxnSp>
-        <p:sp>
-          <p:nvSpPr>
-            <p:cNvPr id="28" name="직사각형 27"/>
-            <p:cNvSpPr/>
-            <p:nvPr/>
-          </p:nvSpPr>
-          <p:spPr>
-            <a:xfrm>
-              <a:off x="7800975" y="846615"/>
-              <a:ext cx="3833717" cy="3888265"/>
-            </a:xfrm>
-            <a:prstGeom prst="rect">
-              <a:avLst/>
-            </a:prstGeom>
-            <a:solidFill>
-              <a:srgbClr val="7B68EE">
-                <a:alpha val="11000"/>
-              </a:srgbClr>
-            </a:solidFill>
-            <a:ln>
-              <a:noFill/>
-            </a:ln>
-          </p:spPr>
-          <p:style>
-            <a:lnRef idx="2">
-              <a:schemeClr val="accent1">
-                <a:shade val="50000"/>
-              </a:schemeClr>
-            </a:lnRef>
-            <a:fillRef idx="1">
-              <a:schemeClr val="accent1"/>
-            </a:fillRef>
-            <a:effectRef idx="0">
-              <a:schemeClr val="accent1"/>
-            </a:effectRef>
-            <a:fontRef idx="minor">
-              <a:schemeClr val="lt1"/>
-            </a:fontRef>
-          </p:style>
-          <p:txBody>
-            <a:bodyPr rtlCol="0" anchor="ctr"/>
-            <a:lstStyle/>
-            <a:p>
-              <a:pPr algn="ctr"/>
-              <a:endParaRPr lang="ko-KR" altLang="en-US" dirty="0">
-                <a:latin typeface="Noto Sans CJK KR" panose="020B0500000000000000" pitchFamily="34" charset="-127"/>
-                <a:ea typeface="Noto Sans CJK KR" panose="020B0500000000000000" pitchFamily="34" charset="-127"/>
-              </a:endParaRPr>
-            </a:p>
-          </p:txBody>
-        </p:sp>
-        <p:sp>
-          <p:nvSpPr>
-            <p:cNvPr id="22" name="TextBox 21">
-              <a:extLst>
-                <a:ext uri="{FF2B5EF4-FFF2-40B4-BE49-F238E27FC236}">
-                  <a16:creationId xmlns:a16="http://schemas.microsoft.com/office/drawing/2014/main" id="{5A3B92B5-FE63-538A-FA0D-2C938FE70523}"/>
-                </a:ext>
-              </a:extLst>
-            </p:cNvPr>
-            <p:cNvSpPr txBox="1"/>
-            <p:nvPr/>
-          </p:nvSpPr>
-          <p:spPr>
-            <a:xfrm>
-              <a:off x="9190104" y="2083794"/>
-              <a:ext cx="820417" cy="338554"/>
-            </a:xfrm>
-            <a:prstGeom prst="rect">
-              <a:avLst/>
-            </a:prstGeom>
-            <a:noFill/>
-          </p:spPr>
-          <p:txBody>
-            <a:bodyPr wrap="none" rtlCol="0">
-              <a:spAutoFit/>
-            </a:bodyPr>
-            <a:lstStyle/>
-            <a:p>
-              <a:r>
-                <a:rPr lang="ko-KR" altLang="en-US" sz="1600" dirty="0">
-                  <a:latin typeface="Noto Sans CJK KR" panose="020B0500000000000000" pitchFamily="34" charset="-127"/>
-                  <a:ea typeface="Noto Sans CJK KR" panose="020B0500000000000000" pitchFamily="34" charset="-127"/>
-                </a:rPr>
-                <a:t>① </a:t>
-              </a:r>
-              <a:r>
-                <a:rPr lang="en-US" altLang="ko-KR" sz="1600" dirty="0">
-                  <a:latin typeface="Noto Sans CJK KR" panose="020B0500000000000000" pitchFamily="34" charset="-127"/>
-                  <a:ea typeface="Noto Sans CJK KR" panose="020B0500000000000000" pitchFamily="34" charset="-127"/>
-                </a:rPr>
-                <a:t>fork</a:t>
-              </a:r>
-              <a:endParaRPr lang="ko-KR" altLang="en-US" sz="1600" dirty="0">
-                <a:latin typeface="Noto Sans CJK KR" panose="020B0500000000000000" pitchFamily="34" charset="-127"/>
-                <a:ea typeface="Noto Sans CJK KR" panose="020B0500000000000000" pitchFamily="34" charset="-127"/>
-              </a:endParaRPr>
-            </a:p>
-          </p:txBody>
-        </p:sp>
-        <p:sp>
-          <p:nvSpPr>
-            <p:cNvPr id="40" name="TextBox 39">
-              <a:extLst>
-                <a:ext uri="{FF2B5EF4-FFF2-40B4-BE49-F238E27FC236}">
-                  <a16:creationId xmlns:a16="http://schemas.microsoft.com/office/drawing/2014/main" id="{5A3B92B5-FE63-538A-FA0D-2C938FE70523}"/>
-                </a:ext>
-              </a:extLst>
-            </p:cNvPr>
-            <p:cNvSpPr txBox="1"/>
-            <p:nvPr/>
-          </p:nvSpPr>
-          <p:spPr>
-            <a:xfrm>
-              <a:off x="10373593" y="4075417"/>
-              <a:ext cx="1177887" cy="338554"/>
-            </a:xfrm>
-            <a:prstGeom prst="rect">
-              <a:avLst/>
-            </a:prstGeom>
-            <a:noFill/>
-          </p:spPr>
-          <p:txBody>
-            <a:bodyPr wrap="none" rtlCol="0">
-              <a:spAutoFit/>
-            </a:bodyPr>
-            <a:lstStyle/>
-            <a:p>
-              <a:r>
-                <a:rPr lang="ko-KR" altLang="en-US" sz="1600" dirty="0">
-                  <a:latin typeface="Noto Sans CJK KR" panose="020B0500000000000000" pitchFamily="34" charset="-127"/>
-                  <a:ea typeface="Noto Sans CJK KR" panose="020B0500000000000000" pitchFamily="34" charset="-127"/>
-                </a:rPr>
-                <a:t>② </a:t>
-              </a:r>
-              <a:r>
-                <a:rPr lang="en-US" altLang="ko-KR" sz="1600" dirty="0">
-                  <a:latin typeface="Noto Sans CJK KR" panose="020B0500000000000000" pitchFamily="34" charset="-127"/>
-                  <a:ea typeface="Noto Sans CJK KR" panose="020B0500000000000000" pitchFamily="34" charset="-127"/>
-                </a:rPr>
-                <a:t>execute</a:t>
-              </a:r>
-              <a:endParaRPr lang="ko-KR" altLang="en-US" sz="1600" dirty="0">
-                <a:latin typeface="Noto Sans CJK KR" panose="020B0500000000000000" pitchFamily="34" charset="-127"/>
-                <a:ea typeface="Noto Sans CJK KR" panose="020B0500000000000000" pitchFamily="34" charset="-127"/>
-              </a:endParaRPr>
-            </a:p>
-          </p:txBody>
-        </p:sp>
-        <p:cxnSp>
-          <p:nvCxnSpPr>
-            <p:cNvPr id="44" name="직선 화살표 연결선 43">
-              <a:extLst>
-                <a:ext uri="{FF2B5EF4-FFF2-40B4-BE49-F238E27FC236}">
-                  <a16:creationId xmlns:a16="http://schemas.microsoft.com/office/drawing/2014/main" id="{6D48CCA8-8ECA-2288-8434-92FFE3F31B7B}"/>
-                </a:ext>
-              </a:extLst>
-            </p:cNvPr>
-            <p:cNvCxnSpPr>
-              <a:cxnSpLocks/>
-            </p:cNvCxnSpPr>
-            <p:nvPr/>
-          </p:nvCxnSpPr>
-          <p:spPr>
-            <a:xfrm flipV="1">
-              <a:off x="9181093" y="648998"/>
-              <a:ext cx="0" cy="566247"/>
-            </a:xfrm>
-            <a:prstGeom prst="straightConnector1">
-              <a:avLst/>
-            </a:prstGeom>
-            <a:ln w="19050">
-              <a:solidFill>
-                <a:schemeClr val="tx1"/>
-              </a:solidFill>
-              <a:headEnd type="arrow"/>
-              <a:tailEnd type="none"/>
-            </a:ln>
-          </p:spPr>
-          <p:style>
-            <a:lnRef idx="1">
-              <a:schemeClr val="accent1"/>
-            </a:lnRef>
-            <a:fillRef idx="0">
-              <a:schemeClr val="accent1"/>
-            </a:fillRef>
-            <a:effectRef idx="0">
-              <a:schemeClr val="accent1"/>
-            </a:effectRef>
-            <a:fontRef idx="minor">
-              <a:schemeClr val="tx1"/>
-            </a:fontRef>
-          </p:style>
-        </p:cxnSp>
-        <p:sp>
-          <p:nvSpPr>
-            <p:cNvPr id="45" name="TextBox 44">
-              <a:extLst>
-                <a:ext uri="{FF2B5EF4-FFF2-40B4-BE49-F238E27FC236}">
-                  <a16:creationId xmlns:a16="http://schemas.microsoft.com/office/drawing/2014/main" id="{1423A233-9AEA-8CAC-76FB-A3B8F3493281}"/>
-                </a:ext>
-              </a:extLst>
-            </p:cNvPr>
-            <p:cNvSpPr txBox="1"/>
-            <p:nvPr/>
-          </p:nvSpPr>
-          <p:spPr>
-            <a:xfrm>
-              <a:off x="8687576" y="297426"/>
-              <a:ext cx="952825" cy="338554"/>
-            </a:xfrm>
-            <a:prstGeom prst="rect">
-              <a:avLst/>
-            </a:prstGeom>
-            <a:noFill/>
-          </p:spPr>
-          <p:txBody>
-            <a:bodyPr wrap="none" rtlCol="0">
-              <a:spAutoFit/>
-            </a:bodyPr>
-            <a:lstStyle/>
-            <a:p>
-              <a:r>
-                <a:rPr lang="en-US" altLang="ko-KR" sz="1600" dirty="0">
-                  <a:latin typeface="Noto Sans CJK KR" panose="020B0500000000000000" pitchFamily="34" charset="-127"/>
-                  <a:ea typeface="Noto Sans CJK KR" panose="020B0500000000000000" pitchFamily="34" charset="-127"/>
-                </a:rPr>
-                <a:t>delivery</a:t>
-              </a:r>
-              <a:endParaRPr lang="ko-KR" altLang="en-US" sz="1600" dirty="0">
-                <a:latin typeface="Noto Sans CJK KR" panose="020B0500000000000000" pitchFamily="34" charset="-127"/>
-                <a:ea typeface="Noto Sans CJK KR" panose="020B0500000000000000" pitchFamily="34" charset="-127"/>
-              </a:endParaRPr>
-            </a:p>
-          </p:txBody>
-        </p:sp>
-        <p:sp>
-          <p:nvSpPr>
-            <p:cNvPr id="46" name="사각형: 둥근 모서리 6">
-              <a:extLst>
-                <a:ext uri="{FF2B5EF4-FFF2-40B4-BE49-F238E27FC236}">
-                  <a16:creationId xmlns:a16="http://schemas.microsoft.com/office/drawing/2014/main" id="{6854C04A-E523-F587-164E-852C04F0CA90}"/>
-                </a:ext>
-              </a:extLst>
-            </p:cNvPr>
-            <p:cNvSpPr/>
-            <p:nvPr/>
-          </p:nvSpPr>
-          <p:spPr>
-            <a:xfrm>
-              <a:off x="8302887" y="1297501"/>
-              <a:ext cx="1725986" cy="686742"/>
-            </a:xfrm>
-            <a:prstGeom prst="roundRect">
-              <a:avLst/>
-            </a:prstGeom>
-            <a:solidFill>
-              <a:srgbClr val="00BFFF">
-                <a:alpha val="50000"/>
-              </a:srgbClr>
-            </a:solidFill>
-            <a:ln>
-              <a:noFill/>
-            </a:ln>
-          </p:spPr>
-          <p:style>
-            <a:lnRef idx="2">
-              <a:schemeClr val="accent1">
-                <a:shade val="50000"/>
-              </a:schemeClr>
-            </a:lnRef>
-            <a:fillRef idx="1">
-              <a:schemeClr val="accent1"/>
-            </a:fillRef>
-            <a:effectRef idx="0">
-              <a:schemeClr val="accent1"/>
-            </a:effectRef>
-            <a:fontRef idx="minor">
-              <a:schemeClr val="lt1"/>
-            </a:fontRef>
-          </p:style>
-          <p:txBody>
-            <a:bodyPr rtlCol="0" anchor="ctr"/>
-            <a:lstStyle/>
-            <a:p>
-              <a:pPr algn="ctr"/>
-              <a:r>
-                <a:rPr lang="en-US" altLang="ko-KR" sz="1200" dirty="0">
-                  <a:solidFill>
-                    <a:schemeClr val="tx1"/>
-                  </a:solidFill>
-                  <a:latin typeface="Noto Sans CJK KR" panose="020B0500000000000000" pitchFamily="34" charset="-127"/>
-                  <a:ea typeface="Noto Sans CJK KR" panose="020B0500000000000000" pitchFamily="34" charset="-127"/>
-                </a:rPr>
-                <a:t>IPC Service</a:t>
-              </a:r>
-              <a:r>
-                <a:rPr lang="ko-KR" altLang="en-US" sz="1200" dirty="0">
-                  <a:solidFill>
-                    <a:schemeClr val="tx1"/>
-                  </a:solidFill>
-                  <a:latin typeface="Noto Sans CJK KR" panose="020B0500000000000000" pitchFamily="34" charset="-127"/>
-                  <a:ea typeface="Noto Sans CJK KR" panose="020B0500000000000000" pitchFamily="34" charset="-127"/>
-                </a:rPr>
-                <a:t> </a:t>
-              </a:r>
-              <a:r>
-                <a:rPr lang="en-US" altLang="ko-KR" sz="1200" dirty="0">
-                  <a:solidFill>
-                    <a:schemeClr val="tx1"/>
-                  </a:solidFill>
-                  <a:latin typeface="Noto Sans CJK KR" panose="020B0500000000000000" pitchFamily="34" charset="-127"/>
-                  <a:ea typeface="Noto Sans CJK KR" panose="020B0500000000000000" pitchFamily="34" charset="-127"/>
-                </a:rPr>
-                <a:t>Module</a:t>
-              </a:r>
-              <a:endParaRPr lang="ko-KR" altLang="en-US" sz="1200" dirty="0">
-                <a:solidFill>
-                  <a:schemeClr val="tx1"/>
-                </a:solidFill>
-                <a:latin typeface="Noto Sans CJK KR" panose="020B0500000000000000" pitchFamily="34" charset="-127"/>
-                <a:ea typeface="Noto Sans CJK KR" panose="020B0500000000000000" pitchFamily="34" charset="-127"/>
-              </a:endParaRPr>
-            </a:p>
-          </p:txBody>
-        </p:sp>
-        <p:grpSp>
-          <p:nvGrpSpPr>
-            <p:cNvPr id="9" name="그룹 8">
-              <a:extLst>
-                <a:ext uri="{FF2B5EF4-FFF2-40B4-BE49-F238E27FC236}">
-                  <a16:creationId xmlns:a16="http://schemas.microsoft.com/office/drawing/2014/main" id="{660DFAD9-0E45-B465-3067-2EEFE3ED198D}"/>
-                </a:ext>
-              </a:extLst>
-            </p:cNvPr>
-            <p:cNvGrpSpPr/>
-            <p:nvPr/>
-          </p:nvGrpSpPr>
-          <p:grpSpPr>
-            <a:xfrm>
-              <a:off x="8031094" y="2583050"/>
-              <a:ext cx="2318019" cy="1861699"/>
-              <a:chOff x="7991475" y="2491226"/>
-              <a:chExt cx="2318019" cy="1861699"/>
-            </a:xfrm>
-          </p:grpSpPr>
-          <p:sp>
-            <p:nvSpPr>
-              <p:cNvPr id="8" name="직사각형 7">
-                <a:extLst>
-                  <a:ext uri="{FF2B5EF4-FFF2-40B4-BE49-F238E27FC236}">
-                    <a16:creationId xmlns:a16="http://schemas.microsoft.com/office/drawing/2014/main" id="{292B17BF-8BD5-8768-F478-A0CBE8726C04}"/>
-                  </a:ext>
-                </a:extLst>
-              </p:cNvPr>
-              <p:cNvSpPr/>
-              <p:nvPr/>
-            </p:nvSpPr>
-            <p:spPr>
-              <a:xfrm>
-                <a:off x="7991475" y="2491226"/>
-                <a:ext cx="2318019" cy="1861699"/>
-              </a:xfrm>
-              <a:prstGeom prst="rect">
-                <a:avLst/>
-              </a:prstGeom>
-              <a:noFill/>
-              <a:ln>
-                <a:solidFill>
-                  <a:schemeClr val="tx1"/>
-                </a:solidFill>
-              </a:ln>
-            </p:spPr>
-            <p:style>
-              <a:lnRef idx="2">
-                <a:schemeClr val="accent1">
-                  <a:shade val="50000"/>
-                </a:schemeClr>
-              </a:lnRef>
-              <a:fillRef idx="1">
-                <a:schemeClr val="accent1"/>
-              </a:fillRef>
-              <a:effectRef idx="0">
-                <a:schemeClr val="accent1"/>
-              </a:effectRef>
-              <a:fontRef idx="minor">
-                <a:schemeClr val="lt1"/>
-              </a:fontRef>
-            </p:style>
-            <p:txBody>
-              <a:bodyPr rtlCol="0" anchor="ctr"/>
-              <a:lstStyle/>
-              <a:p>
-                <a:pPr algn="ctr"/>
-                <a:endParaRPr lang="ko-KR" altLang="en-US"/>
-              </a:p>
-            </p:txBody>
-          </p:sp>
-          <p:grpSp>
-            <p:nvGrpSpPr>
-              <p:cNvPr id="5" name="그룹 4">
-                <a:extLst>
-                  <a:ext uri="{FF2B5EF4-FFF2-40B4-BE49-F238E27FC236}">
-                    <a16:creationId xmlns:a16="http://schemas.microsoft.com/office/drawing/2014/main" id="{5A537DFB-04ED-D69F-2E02-00D758608956}"/>
-                  </a:ext>
-                </a:extLst>
-              </p:cNvPr>
-              <p:cNvGrpSpPr/>
-              <p:nvPr/>
-            </p:nvGrpSpPr>
-            <p:grpSpPr>
-              <a:xfrm>
-                <a:off x="8100651" y="2603467"/>
-                <a:ext cx="2130458" cy="1635239"/>
-                <a:chOff x="3548342" y="1766161"/>
-                <a:chExt cx="2130458" cy="1635239"/>
-              </a:xfrm>
-            </p:grpSpPr>
-            <p:sp>
-              <p:nvSpPr>
-                <p:cNvPr id="48" name="사각형: 둥근 모서리 6">
-                  <a:extLst>
-                    <a:ext uri="{FF2B5EF4-FFF2-40B4-BE49-F238E27FC236}">
-                      <a16:creationId xmlns:a16="http://schemas.microsoft.com/office/drawing/2014/main" id="{60F10154-40E8-874D-DCB3-0CA0B07CF973}"/>
-                    </a:ext>
-                  </a:extLst>
-                </p:cNvPr>
-                <p:cNvSpPr/>
-                <p:nvPr/>
-              </p:nvSpPr>
-              <p:spPr>
-                <a:xfrm>
-                  <a:off x="3548342" y="1766161"/>
-                  <a:ext cx="2130458" cy="499025"/>
-                </a:xfrm>
-                <a:prstGeom prst="roundRect">
-                  <a:avLst/>
-                </a:prstGeom>
-                <a:solidFill>
-                  <a:srgbClr val="90EE90">
-                    <a:alpha val="70000"/>
-                  </a:srgbClr>
-                </a:solidFill>
-                <a:ln>
-                  <a:noFill/>
-                </a:ln>
-              </p:spPr>
-              <p:style>
-                <a:lnRef idx="2">
-                  <a:schemeClr val="accent1">
-                    <a:shade val="50000"/>
-                  </a:schemeClr>
-                </a:lnRef>
-                <a:fillRef idx="1">
-                  <a:schemeClr val="accent1"/>
-                </a:fillRef>
-                <a:effectRef idx="0">
-                  <a:schemeClr val="accent1"/>
-                </a:effectRef>
-                <a:fontRef idx="minor">
-                  <a:schemeClr val="lt1"/>
-                </a:fontRef>
-              </p:style>
-              <p:txBody>
-                <a:bodyPr rtlCol="0" anchor="ctr"/>
-                <a:lstStyle/>
-                <a:p>
-                  <a:pPr algn="ctr"/>
-                  <a:r>
-                    <a:rPr lang="en-US" altLang="ko-KR" sz="1000" dirty="0">
-                      <a:solidFill>
-                        <a:schemeClr val="tx1"/>
-                      </a:solidFill>
-                      <a:latin typeface="Noto Sans CJK KR" panose="020B0500000000000000" pitchFamily="34" charset="-127"/>
-                      <a:ea typeface="Noto Sans CJK KR" panose="020B0500000000000000" pitchFamily="34" charset="-127"/>
-                    </a:rPr>
-                    <a:t>Portal Collect Service Process</a:t>
-                  </a:r>
-                  <a:endParaRPr lang="ko-KR" altLang="en-US" sz="1000" dirty="0">
-                    <a:solidFill>
-                      <a:schemeClr val="tx1"/>
-                    </a:solidFill>
-                    <a:latin typeface="Noto Sans CJK KR" panose="020B0500000000000000" pitchFamily="34" charset="-127"/>
-                    <a:ea typeface="Noto Sans CJK KR" panose="020B0500000000000000" pitchFamily="34" charset="-127"/>
-                  </a:endParaRPr>
-                </a:p>
-              </p:txBody>
-            </p:sp>
-            <p:sp>
-              <p:nvSpPr>
-                <p:cNvPr id="51" name="사각형: 둥근 모서리 6">
-                  <a:extLst>
-                    <a:ext uri="{FF2B5EF4-FFF2-40B4-BE49-F238E27FC236}">
-                      <a16:creationId xmlns:a16="http://schemas.microsoft.com/office/drawing/2014/main" id="{2A43BC52-0A7A-C3E3-05D8-8357FD508F0C}"/>
-                    </a:ext>
-                  </a:extLst>
-                </p:cNvPr>
-                <p:cNvSpPr/>
-                <p:nvPr/>
-              </p:nvSpPr>
-              <p:spPr>
-                <a:xfrm>
-                  <a:off x="3548342" y="2334268"/>
-                  <a:ext cx="2130458" cy="499025"/>
-                </a:xfrm>
-                <a:prstGeom prst="roundRect">
-                  <a:avLst/>
-                </a:prstGeom>
-                <a:solidFill>
-                  <a:srgbClr val="90EE90">
-                    <a:alpha val="70000"/>
-                  </a:srgbClr>
-                </a:solidFill>
-                <a:ln>
-                  <a:noFill/>
-                </a:ln>
-              </p:spPr>
-              <p:style>
-                <a:lnRef idx="2">
-                  <a:schemeClr val="accent1">
-                    <a:shade val="50000"/>
-                  </a:schemeClr>
-                </a:lnRef>
-                <a:fillRef idx="1">
-                  <a:schemeClr val="accent1"/>
-                </a:fillRef>
-                <a:effectRef idx="0">
-                  <a:schemeClr val="accent1"/>
-                </a:effectRef>
-                <a:fontRef idx="minor">
-                  <a:schemeClr val="lt1"/>
-                </a:fontRef>
-              </p:style>
-              <p:txBody>
-                <a:bodyPr rtlCol="0" anchor="ctr"/>
-                <a:lstStyle/>
-                <a:p>
-                  <a:pPr algn="ctr"/>
-                  <a:r>
-                    <a:rPr lang="en-US" altLang="ko-KR" sz="1000" dirty="0">
-                      <a:solidFill>
-                        <a:schemeClr val="tx1"/>
-                      </a:solidFill>
-                      <a:latin typeface="Noto Sans CJK KR" panose="020B0500000000000000" pitchFamily="34" charset="-127"/>
-                      <a:ea typeface="Noto Sans CJK KR" panose="020B0500000000000000" pitchFamily="34" charset="-127"/>
-                    </a:rPr>
-                    <a:t>News Collect Service Process</a:t>
-                  </a:r>
-                  <a:endParaRPr lang="ko-KR" altLang="en-US" sz="1000" dirty="0">
-                    <a:solidFill>
-                      <a:schemeClr val="tx1"/>
-                    </a:solidFill>
-                    <a:latin typeface="Noto Sans CJK KR" panose="020B0500000000000000" pitchFamily="34" charset="-127"/>
-                    <a:ea typeface="Noto Sans CJK KR" panose="020B0500000000000000" pitchFamily="34" charset="-127"/>
-                  </a:endParaRPr>
-                </a:p>
-              </p:txBody>
-            </p:sp>
-            <p:sp>
-              <p:nvSpPr>
-                <p:cNvPr id="52" name="사각형: 둥근 모서리 6">
-                  <a:extLst>
-                    <a:ext uri="{FF2B5EF4-FFF2-40B4-BE49-F238E27FC236}">
-                      <a16:creationId xmlns:a16="http://schemas.microsoft.com/office/drawing/2014/main" id="{B96AD634-3F44-3276-7DFE-827B4D6919E3}"/>
-                    </a:ext>
-                  </a:extLst>
-                </p:cNvPr>
-                <p:cNvSpPr/>
-                <p:nvPr/>
-              </p:nvSpPr>
-              <p:spPr>
-                <a:xfrm>
-                  <a:off x="3548342" y="2902375"/>
-                  <a:ext cx="2130458" cy="499025"/>
-                </a:xfrm>
-                <a:prstGeom prst="roundRect">
-                  <a:avLst/>
-                </a:prstGeom>
-                <a:solidFill>
-                  <a:srgbClr val="90EE90">
-                    <a:alpha val="70000"/>
-                  </a:srgbClr>
-                </a:solidFill>
-                <a:ln>
-                  <a:noFill/>
-                </a:ln>
-              </p:spPr>
-              <p:style>
-                <a:lnRef idx="2">
-                  <a:schemeClr val="accent1">
-                    <a:shade val="50000"/>
-                  </a:schemeClr>
-                </a:lnRef>
-                <a:fillRef idx="1">
-                  <a:schemeClr val="accent1"/>
-                </a:fillRef>
-                <a:effectRef idx="0">
-                  <a:schemeClr val="accent1"/>
-                </a:effectRef>
-                <a:fontRef idx="minor">
-                  <a:schemeClr val="lt1"/>
-                </a:fontRef>
-              </p:style>
-              <p:txBody>
-                <a:bodyPr rtlCol="0" anchor="ctr"/>
-                <a:lstStyle/>
-                <a:p>
-                  <a:pPr algn="ctr"/>
-                  <a:r>
-                    <a:rPr lang="en-US" altLang="ko-KR" sz="1000" dirty="0">
-                      <a:solidFill>
-                        <a:schemeClr val="tx1"/>
-                      </a:solidFill>
-                      <a:latin typeface="Noto Sans CJK KR" panose="020B0500000000000000" pitchFamily="34" charset="-127"/>
-                      <a:ea typeface="Noto Sans CJK KR" panose="020B0500000000000000" pitchFamily="34" charset="-127"/>
-                    </a:rPr>
-                    <a:t>SNS Collect Service Process</a:t>
-                  </a:r>
-                  <a:endParaRPr lang="ko-KR" altLang="en-US" sz="1000" dirty="0">
-                    <a:solidFill>
-                      <a:schemeClr val="tx1"/>
-                    </a:solidFill>
-                    <a:latin typeface="Noto Sans CJK KR" panose="020B0500000000000000" pitchFamily="34" charset="-127"/>
-                    <a:ea typeface="Noto Sans CJK KR" panose="020B0500000000000000" pitchFamily="34" charset="-127"/>
-                  </a:endParaRPr>
-                </a:p>
-              </p:txBody>
-            </p:sp>
-          </p:grpSp>
-        </p:grpSp>
-      </p:grpSp>
-      <p:sp>
-        <p:nvSpPr>
-          <p:cNvPr id="55" name="사각형: 둥근 모서리 6">
-            <a:extLst>
-              <a:ext uri="{FF2B5EF4-FFF2-40B4-BE49-F238E27FC236}">
-                <a16:creationId xmlns:a16="http://schemas.microsoft.com/office/drawing/2014/main" id="{89A47E33-9720-B483-3BB6-DFC5E42241BD}"/>
-              </a:ext>
-            </a:extLst>
-          </p:cNvPr>
-          <p:cNvSpPr/>
-          <p:nvPr/>
-        </p:nvSpPr>
-        <p:spPr>
-          <a:xfrm>
-            <a:off x="10992255" y="3227793"/>
-            <a:ext cx="1475632" cy="1082005"/>
-          </a:xfrm>
-          <a:prstGeom prst="roundRect">
-            <a:avLst/>
-          </a:prstGeom>
-          <a:solidFill>
-            <a:srgbClr val="7B68EE"/>
-          </a:solidFill>
-          <a:ln>
-            <a:noFill/>
-          </a:ln>
-        </p:spPr>
-        <p:style>
-          <a:lnRef idx="2">
-            <a:schemeClr val="accent1">
-              <a:shade val="50000"/>
-            </a:schemeClr>
-          </a:lnRef>
-          <a:fillRef idx="1">
-            <a:schemeClr val="accent1"/>
-          </a:fillRef>
-          <a:effectRef idx="0">
-            <a:schemeClr val="accent1"/>
-          </a:effectRef>
-          <a:fontRef idx="minor">
-            <a:schemeClr val="lt1"/>
-          </a:fontRef>
-        </p:style>
-        <p:txBody>
-          <a:bodyPr rtlCol="0" anchor="ctr"/>
-          <a:lstStyle/>
-          <a:p>
-            <a:pPr algn="ctr"/>
-            <a:r>
-              <a:rPr lang="en-US" altLang="ko-KR" dirty="0">
-                <a:solidFill>
-                  <a:schemeClr val="tx1"/>
-                </a:solidFill>
-                <a:latin typeface="Noto Sans CJK KR" panose="020B0500000000000000" pitchFamily="34" charset="-127"/>
-                <a:ea typeface="Noto Sans CJK KR" panose="020B0500000000000000" pitchFamily="34" charset="-127"/>
-              </a:rPr>
-              <a:t>Collect</a:t>
-            </a:r>
-          </a:p>
-          <a:p>
-            <a:pPr algn="ctr"/>
-            <a:r>
-              <a:rPr lang="en-US" altLang="ko-KR" dirty="0">
-                <a:solidFill>
-                  <a:schemeClr val="tx1"/>
-                </a:solidFill>
-                <a:latin typeface="Noto Sans CJK KR" panose="020B0500000000000000" pitchFamily="34" charset="-127"/>
-                <a:ea typeface="Noto Sans CJK KR" panose="020B0500000000000000" pitchFamily="34" charset="-127"/>
-              </a:rPr>
-              <a:t>Server</a:t>
-            </a:r>
-            <a:endParaRPr lang="ko-KR" altLang="en-US" dirty="0">
-              <a:solidFill>
-                <a:schemeClr val="tx1"/>
-              </a:solidFill>
-              <a:latin typeface="Noto Sans CJK KR" panose="020B0500000000000000" pitchFamily="34" charset="-127"/>
-              <a:ea typeface="Noto Sans CJK KR" panose="020B0500000000000000" pitchFamily="34" charset="-127"/>
-            </a:endParaRPr>
-          </a:p>
-        </p:txBody>
-      </p:sp>
-      <p:cxnSp>
-        <p:nvCxnSpPr>
-          <p:cNvPr id="56" name="직선 화살표 연결선 55">
-            <a:extLst>
-              <a:ext uri="{FF2B5EF4-FFF2-40B4-BE49-F238E27FC236}">
-                <a16:creationId xmlns:a16="http://schemas.microsoft.com/office/drawing/2014/main" id="{234B1996-D80A-13DA-B446-92ADE657B1FB}"/>
-              </a:ext>
-            </a:extLst>
-          </p:cNvPr>
-          <p:cNvCxnSpPr>
-            <a:cxnSpLocks/>
-            <a:stCxn id="27" idx="3"/>
-            <a:endCxn id="8" idx="1"/>
-          </p:cNvCxnSpPr>
-          <p:nvPr/>
-        </p:nvCxnSpPr>
-        <p:spPr>
-          <a:xfrm>
-            <a:off x="6964199" y="4608320"/>
-            <a:ext cx="1028795" cy="0"/>
-          </a:xfrm>
-          <a:prstGeom prst="straightConnector1">
-            <a:avLst/>
-          </a:prstGeom>
-          <a:ln w="19050">
-            <a:solidFill>
-              <a:schemeClr val="tx1"/>
-            </a:solidFill>
-            <a:headEnd type="arrow"/>
-            <a:tailEnd type="none"/>
-          </a:ln>
-        </p:spPr>
-        <p:style>
-          <a:lnRef idx="1">
-            <a:schemeClr val="accent1"/>
-          </a:lnRef>
-          <a:fillRef idx="0">
-            <a:schemeClr val="accent1"/>
-          </a:fillRef>
-          <a:effectRef idx="0">
-            <a:schemeClr val="accent1"/>
-          </a:effectRef>
-          <a:fontRef idx="minor">
-            <a:schemeClr val="tx1"/>
-          </a:fontRef>
-        </p:style>
-      </p:cxnSp>
-      <p:sp>
-        <p:nvSpPr>
-          <p:cNvPr id="57" name="TextBox 56">
-            <a:extLst>
-              <a:ext uri="{FF2B5EF4-FFF2-40B4-BE49-F238E27FC236}">
-                <a16:creationId xmlns:a16="http://schemas.microsoft.com/office/drawing/2014/main" id="{26B2FC10-A15D-AD82-0567-AB9B35369AEE}"/>
-              </a:ext>
-            </a:extLst>
-          </p:cNvPr>
-          <p:cNvSpPr txBox="1"/>
-          <p:nvPr/>
-        </p:nvSpPr>
-        <p:spPr>
-          <a:xfrm>
-            <a:off x="7121699" y="4288736"/>
-            <a:ext cx="785151" cy="338554"/>
-          </a:xfrm>
-          <a:prstGeom prst="rect">
-            <a:avLst/>
-          </a:prstGeom>
-          <a:noFill/>
-        </p:spPr>
-        <p:txBody>
-          <a:bodyPr wrap="none" rtlCol="0">
-            <a:spAutoFit/>
-          </a:bodyPr>
-          <a:lstStyle/>
-          <a:p>
-            <a:r>
-              <a:rPr lang="en-US" altLang="ko-KR" sz="1600" dirty="0">
-                <a:latin typeface="Noto Sans CJK KR" panose="020B0500000000000000" pitchFamily="34" charset="-127"/>
-                <a:ea typeface="Noto Sans CJK KR" panose="020B0500000000000000" pitchFamily="34" charset="-127"/>
-              </a:rPr>
-              <a:t>report</a:t>
-            </a:r>
-            <a:endParaRPr lang="ko-KR" altLang="en-US" sz="1600" dirty="0">
-              <a:latin typeface="Noto Sans CJK KR" panose="020B0500000000000000" pitchFamily="34" charset="-127"/>
-              <a:ea typeface="Noto Sans CJK KR" panose="020B0500000000000000" pitchFamily="34" charset="-127"/>
-            </a:endParaRPr>
-          </a:p>
-        </p:txBody>
-      </p:sp>
-      <p:sp>
-        <p:nvSpPr>
-          <p:cNvPr id="61" name="TextBox 60">
-            <a:extLst>
-              <a:ext uri="{FF2B5EF4-FFF2-40B4-BE49-F238E27FC236}">
-                <a16:creationId xmlns:a16="http://schemas.microsoft.com/office/drawing/2014/main" id="{716BBAD7-C3E7-7041-CF95-D8762EE5659B}"/>
-              </a:ext>
-            </a:extLst>
-          </p:cNvPr>
-          <p:cNvSpPr txBox="1"/>
-          <p:nvPr/>
-        </p:nvSpPr>
-        <p:spPr>
-          <a:xfrm>
-            <a:off x="568609" y="187333"/>
-            <a:ext cx="6647974" cy="461665"/>
-          </a:xfrm>
-          <a:prstGeom prst="rect">
-            <a:avLst/>
-          </a:prstGeom>
-          <a:noFill/>
-        </p:spPr>
-        <p:txBody>
-          <a:bodyPr wrap="none" rtlCol="0">
-            <a:spAutoFit/>
-          </a:bodyPr>
-          <a:lstStyle/>
-          <a:p>
-            <a:r>
-              <a:rPr lang="ko-KR" altLang="en-US" sz="2400" dirty="0">
-                <a:latin typeface="HY견고딕" panose="02030600000101010101" pitchFamily="18" charset="-127"/>
-                <a:ea typeface="HY견고딕" panose="02030600000101010101" pitchFamily="18" charset="-127"/>
-              </a:rPr>
-              <a:t>수집 네트워크 서비스 상세</a:t>
-            </a:r>
-            <a:r>
-              <a:rPr lang="en-US" altLang="ko-KR" sz="2400" dirty="0">
-                <a:latin typeface="HY견고딕" panose="02030600000101010101" pitchFamily="18" charset="-127"/>
-                <a:ea typeface="HY견고딕" panose="02030600000101010101" pitchFamily="18" charset="-127"/>
-              </a:rPr>
-              <a:t>: Collect Service</a:t>
-            </a:r>
-            <a:endParaRPr lang="ko-KR" altLang="en-US" sz="2400" dirty="0">
-              <a:latin typeface="HY견고딕" panose="02030600000101010101" pitchFamily="18" charset="-127"/>
-              <a:ea typeface="HY견고딕" panose="02030600000101010101" pitchFamily="18" charset="-127"/>
-            </a:endParaRPr>
-          </a:p>
-        </p:txBody>
-      </p:sp>
-      <p:sp>
-        <p:nvSpPr>
-          <p:cNvPr id="62" name="TextBox 61">
-            <a:extLst>
-              <a:ext uri="{FF2B5EF4-FFF2-40B4-BE49-F238E27FC236}">
-                <a16:creationId xmlns:a16="http://schemas.microsoft.com/office/drawing/2014/main" id="{FFFF3AD0-2186-56C4-4A85-178B1F9A07AD}"/>
-              </a:ext>
-            </a:extLst>
-          </p:cNvPr>
-          <p:cNvSpPr txBox="1"/>
-          <p:nvPr/>
-        </p:nvSpPr>
-        <p:spPr>
-          <a:xfrm>
-            <a:off x="131769" y="759462"/>
-            <a:ext cx="6948953" cy="2726644"/>
-          </a:xfrm>
-          <a:prstGeom prst="rect">
-            <a:avLst/>
-          </a:prstGeom>
-          <a:noFill/>
-        </p:spPr>
-        <p:txBody>
-          <a:bodyPr wrap="square" rtlCol="0">
-            <a:spAutoFit/>
-          </a:bodyPr>
-          <a:lstStyle/>
-          <a:p>
-            <a:pPr marL="285750" indent="-285750">
-              <a:lnSpc>
-                <a:spcPct val="150000"/>
-              </a:lnSpc>
-              <a:buFont typeface="Wingdings" panose="05000000000000000000" pitchFamily="2" charset="2"/>
-              <a:buChar char="v"/>
-            </a:pPr>
-            <a:r>
-              <a:rPr lang="en-US" altLang="ko-KR" sz="1400" b="1" dirty="0">
-                <a:latin typeface="Noto Sans CJK KR" panose="020B0500000000000000" pitchFamily="34" charset="-127"/>
-                <a:ea typeface="Noto Sans CJK KR" panose="020B0500000000000000" pitchFamily="34" charset="-127"/>
-              </a:rPr>
-              <a:t>Mechanism</a:t>
-            </a:r>
-            <a:endParaRPr lang="en-US" altLang="ko-KR" sz="1400" b="1" dirty="0">
-              <a:solidFill>
-                <a:srgbClr val="0000CD"/>
-              </a:solidFill>
-              <a:latin typeface="Noto Sans CJK KR" panose="020B0500000000000000" pitchFamily="34" charset="-127"/>
-              <a:ea typeface="Noto Sans CJK KR" panose="020B0500000000000000" pitchFamily="34" charset="-127"/>
-            </a:endParaRPr>
-          </a:p>
-          <a:p>
-            <a:pPr>
-              <a:lnSpc>
-                <a:spcPct val="150000"/>
-              </a:lnSpc>
-            </a:pPr>
-            <a:r>
-              <a:rPr lang="ko-KR" altLang="en-US" sz="1400" dirty="0">
-                <a:solidFill>
-                  <a:srgbClr val="0000CD"/>
-                </a:solidFill>
-                <a:latin typeface="Noto Sans CJK KR" panose="020B0500000000000000" pitchFamily="34" charset="-127"/>
-                <a:ea typeface="Noto Sans CJK KR" panose="020B0500000000000000" pitchFamily="34" charset="-127"/>
-              </a:rPr>
-              <a:t>① </a:t>
-            </a:r>
-            <a:r>
-              <a:rPr lang="en-US" altLang="ko-KR" sz="1400" dirty="0">
-                <a:solidFill>
-                  <a:srgbClr val="0000CD"/>
-                </a:solidFill>
-                <a:latin typeface="Noto Sans CJK KR" panose="020B0500000000000000" pitchFamily="34" charset="-127"/>
-                <a:ea typeface="Noto Sans CJK KR" panose="020B0500000000000000" pitchFamily="34" charset="-127"/>
-              </a:rPr>
-              <a:t>fork</a:t>
-            </a:r>
-            <a:r>
-              <a:rPr lang="en-US" altLang="ko-KR" sz="1400" dirty="0">
-                <a:latin typeface="Noto Sans CJK KR" panose="020B0500000000000000" pitchFamily="34" charset="-127"/>
-                <a:ea typeface="Noto Sans CJK KR" panose="020B0500000000000000" pitchFamily="34" charset="-127"/>
-              </a:rPr>
-              <a:t>: </a:t>
-            </a:r>
-            <a:r>
-              <a:rPr lang="ko-KR" altLang="en-US" sz="1400" dirty="0">
-                <a:solidFill>
-                  <a:srgbClr val="696969"/>
-                </a:solidFill>
-                <a:latin typeface="Noto Sans CJK KR" panose="020B0500000000000000" pitchFamily="34" charset="-127"/>
-                <a:ea typeface="Noto Sans CJK KR" panose="020B0500000000000000" pitchFamily="34" charset="-127"/>
-              </a:rPr>
-              <a:t>워커서버에 매니저서버로부터 수집작업명세의 리스트가 전달되면 </a:t>
-            </a:r>
-            <a:r>
-              <a:rPr lang="en-US" altLang="ko-KR" sz="1400" dirty="0">
-                <a:solidFill>
-                  <a:srgbClr val="696969"/>
-                </a:solidFill>
-                <a:latin typeface="Noto Sans CJK KR" panose="020B0500000000000000" pitchFamily="34" charset="-127"/>
-                <a:ea typeface="Noto Sans CJK KR" panose="020B0500000000000000" pitchFamily="34" charset="-127"/>
-              </a:rPr>
-              <a:t>IPC </a:t>
-            </a:r>
-            <a:r>
-              <a:rPr lang="ko-KR" altLang="en-US" sz="1400" dirty="0">
-                <a:solidFill>
-                  <a:srgbClr val="696969"/>
-                </a:solidFill>
-                <a:latin typeface="Noto Sans CJK KR" panose="020B0500000000000000" pitchFamily="34" charset="-127"/>
-                <a:ea typeface="Noto Sans CJK KR" panose="020B0500000000000000" pitchFamily="34" charset="-127"/>
-              </a:rPr>
-              <a:t>서비스</a:t>
-            </a:r>
-            <a:r>
-              <a:rPr lang="en-US" altLang="ko-KR" sz="1400" dirty="0">
-                <a:solidFill>
-                  <a:srgbClr val="696969"/>
-                </a:solidFill>
-                <a:latin typeface="Noto Sans CJK KR" panose="020B0500000000000000" pitchFamily="34" charset="-127"/>
-                <a:ea typeface="Noto Sans CJK KR" panose="020B0500000000000000" pitchFamily="34" charset="-127"/>
-              </a:rPr>
-              <a:t> </a:t>
-            </a:r>
-            <a:r>
-              <a:rPr lang="ko-KR" altLang="en-US" sz="1400" dirty="0">
-                <a:solidFill>
-                  <a:srgbClr val="696969"/>
-                </a:solidFill>
-                <a:latin typeface="Noto Sans CJK KR" panose="020B0500000000000000" pitchFamily="34" charset="-127"/>
-                <a:ea typeface="Noto Sans CJK KR" panose="020B0500000000000000" pitchFamily="34" charset="-127"/>
-              </a:rPr>
-              <a:t>모듈은 이를 해석하여 명세에 맞는 수집 서비스 프로세스를 실행하고</a:t>
-            </a:r>
-            <a:r>
-              <a:rPr lang="en-US" altLang="ko-KR" sz="1400" dirty="0">
-                <a:solidFill>
-                  <a:srgbClr val="696969"/>
-                </a:solidFill>
-                <a:latin typeface="Noto Sans CJK KR" panose="020B0500000000000000" pitchFamily="34" charset="-127"/>
-                <a:ea typeface="Noto Sans CJK KR" panose="020B0500000000000000" pitchFamily="34" charset="-127"/>
-              </a:rPr>
-              <a:t>, </a:t>
-            </a:r>
-            <a:r>
-              <a:rPr lang="ko-KR" altLang="en-US" sz="1400" dirty="0">
-                <a:solidFill>
-                  <a:srgbClr val="696969"/>
-                </a:solidFill>
-                <a:latin typeface="Noto Sans CJK KR" panose="020B0500000000000000" pitchFamily="34" charset="-127"/>
-                <a:ea typeface="Noto Sans CJK KR" panose="020B0500000000000000" pitchFamily="34" charset="-127"/>
-              </a:rPr>
-              <a:t>실행된 명세를 제외한 리스트를 매니저서버에게 반환함</a:t>
-            </a:r>
-            <a:r>
-              <a:rPr lang="en-US" altLang="ko-KR" sz="1400" dirty="0">
-                <a:solidFill>
-                  <a:srgbClr val="696969"/>
-                </a:solidFill>
-                <a:latin typeface="Noto Sans CJK KR" panose="020B0500000000000000" pitchFamily="34" charset="-127"/>
-                <a:ea typeface="Noto Sans CJK KR" panose="020B0500000000000000" pitchFamily="34" charset="-127"/>
-              </a:rPr>
-              <a:t>(return)</a:t>
-            </a:r>
-          </a:p>
-          <a:p>
-            <a:pPr>
-              <a:lnSpc>
-                <a:spcPct val="150000"/>
-              </a:lnSpc>
-            </a:pPr>
-            <a:r>
-              <a:rPr lang="ko-KR" altLang="en-US" sz="1400" dirty="0">
-                <a:solidFill>
-                  <a:srgbClr val="0000CD"/>
-                </a:solidFill>
-                <a:latin typeface="Noto Sans CJK KR" panose="020B0500000000000000" pitchFamily="34" charset="-127"/>
-                <a:ea typeface="Noto Sans CJK KR" panose="020B0500000000000000" pitchFamily="34" charset="-127"/>
-              </a:rPr>
-              <a:t>② </a:t>
-            </a:r>
-            <a:r>
-              <a:rPr lang="en-US" altLang="ko-KR" sz="1400" dirty="0">
-                <a:solidFill>
-                  <a:srgbClr val="0000CD"/>
-                </a:solidFill>
-                <a:latin typeface="Noto Sans CJK KR" panose="020B0500000000000000" pitchFamily="34" charset="-127"/>
-                <a:ea typeface="Noto Sans CJK KR" panose="020B0500000000000000" pitchFamily="34" charset="-127"/>
-              </a:rPr>
-              <a:t>execute:</a:t>
-            </a:r>
-            <a:r>
-              <a:rPr lang="en-US" altLang="ko-KR" sz="1400" dirty="0">
-                <a:latin typeface="Noto Sans CJK KR" panose="020B0500000000000000" pitchFamily="34" charset="-127"/>
-                <a:ea typeface="Noto Sans CJK KR" panose="020B0500000000000000" pitchFamily="34" charset="-127"/>
-              </a:rPr>
-              <a:t> </a:t>
-            </a:r>
-            <a:r>
-              <a:rPr lang="en-US" altLang="ko-KR" sz="1400" dirty="0">
-                <a:solidFill>
-                  <a:srgbClr val="696969"/>
-                </a:solidFill>
-                <a:latin typeface="Noto Sans CJK KR" panose="020B0500000000000000" pitchFamily="34" charset="-127"/>
-                <a:ea typeface="Noto Sans CJK KR" panose="020B0500000000000000" pitchFamily="34" charset="-127"/>
-              </a:rPr>
-              <a:t>IPC </a:t>
-            </a:r>
-            <a:r>
-              <a:rPr lang="ko-KR" altLang="en-US" sz="1400" dirty="0">
-                <a:solidFill>
-                  <a:srgbClr val="696969"/>
-                </a:solidFill>
-                <a:latin typeface="Noto Sans CJK KR" panose="020B0500000000000000" pitchFamily="34" charset="-127"/>
-                <a:ea typeface="Noto Sans CJK KR" panose="020B0500000000000000" pitchFamily="34" charset="-127"/>
-              </a:rPr>
-              <a:t>모듈에 의해 실행된 서비스 프로세스는 명세의 수집 조건에 따라 수집 사이트에 접근하여 실질적인 수집 작업을 수행한 후 작업결과를 매니저서버에게 보고함</a:t>
-            </a:r>
-            <a:r>
-              <a:rPr lang="en-US" altLang="ko-KR" sz="1400" dirty="0">
-                <a:solidFill>
-                  <a:srgbClr val="696969"/>
-                </a:solidFill>
-                <a:latin typeface="Noto Sans CJK KR" panose="020B0500000000000000" pitchFamily="34" charset="-127"/>
-                <a:ea typeface="Noto Sans CJK KR" panose="020B0500000000000000" pitchFamily="34" charset="-127"/>
-              </a:rPr>
-              <a:t>(report)</a:t>
-            </a:r>
-          </a:p>
-          <a:p>
-            <a:pPr>
-              <a:lnSpc>
-                <a:spcPct val="150000"/>
-              </a:lnSpc>
-            </a:pPr>
-            <a:endParaRPr lang="ko-KR" altLang="en-US" sz="1600" dirty="0">
-              <a:latin typeface="Noto Sans CJK KR" panose="020B0500000000000000" pitchFamily="34" charset="-127"/>
-              <a:ea typeface="Noto Sans CJK KR" panose="020B0500000000000000" pitchFamily="34" charset="-127"/>
-            </a:endParaRPr>
-          </a:p>
-          <a:p>
-            <a:pPr>
-              <a:lnSpc>
-                <a:spcPct val="150000"/>
-              </a:lnSpc>
-            </a:pPr>
-            <a:endParaRPr lang="en-US" altLang="ko-KR" sz="1600" dirty="0">
-              <a:solidFill>
-                <a:srgbClr val="696969"/>
-              </a:solidFill>
-              <a:latin typeface="Noto Sans CJK KR" panose="020B0500000000000000" pitchFamily="34" charset="-127"/>
-              <a:ea typeface="Noto Sans CJK KR" panose="020B0500000000000000" pitchFamily="34" charset="-127"/>
-            </a:endParaRPr>
-          </a:p>
-        </p:txBody>
-      </p:sp>
-      <p:sp>
-        <p:nvSpPr>
-          <p:cNvPr id="64" name="TextBox 63">
-            <a:extLst>
-              <a:ext uri="{FF2B5EF4-FFF2-40B4-BE49-F238E27FC236}">
-                <a16:creationId xmlns:a16="http://schemas.microsoft.com/office/drawing/2014/main" id="{B62081E3-CD09-B824-5E3F-567ADCF56F1C}"/>
-              </a:ext>
-            </a:extLst>
-          </p:cNvPr>
-          <p:cNvSpPr txBox="1"/>
-          <p:nvPr/>
-        </p:nvSpPr>
-        <p:spPr>
-          <a:xfrm rot="19025957">
-            <a:off x="7170784" y="2985045"/>
-            <a:ext cx="781304" cy="338554"/>
-          </a:xfrm>
-          <a:prstGeom prst="rect">
-            <a:avLst/>
-          </a:prstGeom>
-          <a:noFill/>
-        </p:spPr>
-        <p:txBody>
-          <a:bodyPr wrap="none" rtlCol="0">
-            <a:spAutoFit/>
-          </a:bodyPr>
-          <a:lstStyle/>
-          <a:p>
-            <a:r>
-              <a:rPr lang="en-US" altLang="ko-KR" sz="1600" dirty="0">
-                <a:latin typeface="Noto Sans CJK KR" panose="020B0500000000000000" pitchFamily="34" charset="-127"/>
-                <a:ea typeface="Noto Sans CJK KR" panose="020B0500000000000000" pitchFamily="34" charset="-127"/>
-              </a:rPr>
-              <a:t>return</a:t>
-            </a:r>
-            <a:endParaRPr lang="ko-KR" altLang="en-US" sz="1600" dirty="0">
-              <a:latin typeface="Noto Sans CJK KR" panose="020B0500000000000000" pitchFamily="34" charset="-127"/>
-              <a:ea typeface="Noto Sans CJK KR" panose="020B0500000000000000" pitchFamily="34" charset="-127"/>
-            </a:endParaRPr>
-          </a:p>
-        </p:txBody>
-      </p:sp>
-      <p:sp>
-        <p:nvSpPr>
-          <p:cNvPr id="18" name="슬라이드 번호 개체 틀 17">
-            <a:extLst>
-              <a:ext uri="{FF2B5EF4-FFF2-40B4-BE49-F238E27FC236}">
-                <a16:creationId xmlns:a16="http://schemas.microsoft.com/office/drawing/2014/main" id="{FD8A2AD4-5705-AFB6-82A0-029FC36381FA}"/>
-              </a:ext>
-            </a:extLst>
-          </p:cNvPr>
-          <p:cNvSpPr>
-            <a:spLocks noGrp="1"/>
-          </p:cNvSpPr>
-          <p:nvPr>
-            <p:ph type="sldNum" sz="quarter" idx="12"/>
-          </p:nvPr>
-        </p:nvSpPr>
-        <p:spPr/>
-        <p:txBody>
-          <a:bodyPr/>
-          <a:lstStyle/>
-          <a:p>
-            <a:fld id="{B6A9F74D-109D-4BF9-BFEA-3B5AFCB83424}" type="slidenum">
-              <a:rPr lang="ko-KR" altLang="en-US" smtClean="0"/>
-              <a:t>8</a:t>
-            </a:fld>
-            <a:endParaRPr lang="ko-KR" altLang="en-US"/>
-          </a:p>
-        </p:txBody>
-      </p:sp>
-      <p:sp>
-        <p:nvSpPr>
-          <p:cNvPr id="27" name="사각형: 둥근 모서리 5">
-            <a:extLst>
-              <a:ext uri="{FF2B5EF4-FFF2-40B4-BE49-F238E27FC236}">
-                <a16:creationId xmlns:a16="http://schemas.microsoft.com/office/drawing/2014/main" id="{82716FF5-5F1F-DEF8-B67B-6326A26A15AD}"/>
-              </a:ext>
-            </a:extLst>
-          </p:cNvPr>
-          <p:cNvSpPr/>
-          <p:nvPr/>
-        </p:nvSpPr>
-        <p:spPr>
-          <a:xfrm>
-            <a:off x="5398770" y="4006450"/>
-            <a:ext cx="1565429" cy="1203740"/>
-          </a:xfrm>
-          <a:prstGeom prst="roundRect">
-            <a:avLst/>
-          </a:prstGeom>
-          <a:solidFill>
-            <a:srgbClr val="00BFFF"/>
-          </a:solidFill>
-          <a:ln>
-            <a:noFill/>
-          </a:ln>
-        </p:spPr>
-        <p:style>
-          <a:lnRef idx="2">
-            <a:schemeClr val="accent1">
-              <a:shade val="50000"/>
-            </a:schemeClr>
-          </a:lnRef>
-          <a:fillRef idx="1">
-            <a:schemeClr val="accent1"/>
-          </a:fillRef>
-          <a:effectRef idx="0">
-            <a:schemeClr val="accent1"/>
-          </a:effectRef>
-          <a:fontRef idx="minor">
-            <a:schemeClr val="lt1"/>
-          </a:fontRef>
-        </p:style>
-        <p:txBody>
-          <a:bodyPr rtlCol="0" anchor="ctr"/>
-          <a:lstStyle/>
-          <a:p>
-            <a:pPr algn="ctr"/>
-            <a:r>
-              <a:rPr lang="en-US" altLang="ko-KR" dirty="0">
-                <a:solidFill>
-                  <a:schemeClr val="tx1"/>
-                </a:solidFill>
-                <a:latin typeface="Noto Sans CJK KR" panose="020B0500000000000000" pitchFamily="34" charset="-127"/>
-                <a:ea typeface="Noto Sans CJK KR" panose="020B0500000000000000" pitchFamily="34" charset="-127"/>
-              </a:rPr>
-              <a:t>Manager</a:t>
-            </a:r>
-          </a:p>
-          <a:p>
-            <a:pPr algn="ctr"/>
-            <a:r>
-              <a:rPr lang="en-US" altLang="ko-KR" dirty="0">
-                <a:solidFill>
-                  <a:schemeClr val="tx1"/>
-                </a:solidFill>
-                <a:latin typeface="Noto Sans CJK KR" panose="020B0500000000000000" pitchFamily="34" charset="-127"/>
-                <a:ea typeface="Noto Sans CJK KR" panose="020B0500000000000000" pitchFamily="34" charset="-127"/>
-              </a:rPr>
-              <a:t>Server</a:t>
-            </a:r>
-            <a:endParaRPr lang="ko-KR" altLang="en-US" dirty="0">
-              <a:solidFill>
-                <a:schemeClr val="tx1"/>
-              </a:solidFill>
-              <a:latin typeface="Noto Sans CJK KR" panose="020B0500000000000000" pitchFamily="34" charset="-127"/>
-              <a:ea typeface="Noto Sans CJK KR" panose="020B0500000000000000" pitchFamily="34" charset="-127"/>
-            </a:endParaRPr>
-          </a:p>
-        </p:txBody>
-      </p:sp>
-      <p:cxnSp>
-        <p:nvCxnSpPr>
-          <p:cNvPr id="36" name="직선 화살표 연결선 35">
-            <a:extLst>
-              <a:ext uri="{FF2B5EF4-FFF2-40B4-BE49-F238E27FC236}">
-                <a16:creationId xmlns:a16="http://schemas.microsoft.com/office/drawing/2014/main" id="{4FCBEA5B-6216-9F41-DE8E-E188B443A6F5}"/>
-              </a:ext>
-            </a:extLst>
-          </p:cNvPr>
-          <p:cNvCxnSpPr>
-            <a:cxnSpLocks/>
-            <a:endCxn id="46" idx="1"/>
-          </p:cNvCxnSpPr>
-          <p:nvPr/>
-        </p:nvCxnSpPr>
-        <p:spPr>
-          <a:xfrm flipV="1">
-            <a:off x="6973209" y="2735292"/>
-            <a:ext cx="1291578" cy="1218800"/>
-          </a:xfrm>
-          <a:prstGeom prst="straightConnector1">
-            <a:avLst/>
-          </a:prstGeom>
-          <a:ln w="19050">
-            <a:solidFill>
-              <a:schemeClr val="tx1"/>
-            </a:solidFill>
-            <a:headEnd type="arrow"/>
-            <a:tailEnd type="none"/>
-          </a:ln>
-        </p:spPr>
-        <p:style>
-          <a:lnRef idx="1">
-            <a:schemeClr val="accent1"/>
-          </a:lnRef>
-          <a:fillRef idx="0">
-            <a:schemeClr val="accent1"/>
-          </a:fillRef>
-          <a:effectRef idx="0">
-            <a:schemeClr val="accent1"/>
-          </a:effectRef>
-          <a:fontRef idx="minor">
-            <a:schemeClr val="tx1"/>
-          </a:fontRef>
-        </p:style>
-      </p:cxnSp>
-    </p:spTree>
-    <p:extLst>
-      <p:ext uri="{BB962C8B-B14F-4D97-AF65-F5344CB8AC3E}">
-        <p14:creationId xmlns:p14="http://schemas.microsoft.com/office/powerpoint/2010/main" val="2756363949"/>
-      </p:ext>
-    </p:extLst>
-  </p:cSld>
-  <p:clrMapOvr>
-    <a:masterClrMapping/>
-  </p:clrMapOvr>
-</p:sld>
-</file>
-
 <file path=ppt/theme/theme1.xml><?xml version="1.0" encoding="utf-8"?>
 <a:theme xmlns:a="http://schemas.openxmlformats.org/drawingml/2006/main" name="Office 테마">
   <a:themeElements>

--- a/Toy-project/bee4설계_진행중.pptx
+++ b/Toy-project/bee4설계_진행중.pptx
@@ -208,7 +208,7 @@
           <a:p>
             <a:fld id="{51C6EE63-EAFB-43B0-AA72-95A6EB9B6918}" type="datetimeFigureOut">
               <a:rPr lang="ko-KR" altLang="en-US" smtClean="0"/>
-              <a:t>2024-04-08</a:t>
+              <a:t>2024-04-11</a:t>
             </a:fld>
             <a:endParaRPr lang="ko-KR" altLang="en-US"/>
           </a:p>
@@ -622,7 +622,7 @@
           <a:p>
             <a:fld id="{FAE18B5F-2B3A-41E2-8C9B-9A146BA5DB45}" type="datetime1">
               <a:rPr lang="ko-KR" altLang="en-US" smtClean="0"/>
-              <a:t>2024-04-08</a:t>
+              <a:t>2024-04-11</a:t>
             </a:fld>
             <a:endParaRPr lang="ko-KR" altLang="en-US"/>
           </a:p>
@@ -825,7 +825,7 @@
           <a:p>
             <a:fld id="{DF74A3EA-D584-4189-A346-B52A1586DF5A}" type="datetime1">
               <a:rPr lang="ko-KR" altLang="en-US" smtClean="0"/>
-              <a:t>2024-04-08</a:t>
+              <a:t>2024-04-11</a:t>
             </a:fld>
             <a:endParaRPr lang="ko-KR" altLang="en-US"/>
           </a:p>
@@ -1033,7 +1033,7 @@
           <a:p>
             <a:fld id="{7DD28874-8F3C-4E9E-8468-65C6F0B59F50}" type="datetime1">
               <a:rPr lang="ko-KR" altLang="en-US" smtClean="0"/>
-              <a:t>2024-04-08</a:t>
+              <a:t>2024-04-11</a:t>
             </a:fld>
             <a:endParaRPr lang="ko-KR" altLang="en-US"/>
           </a:p>
@@ -1231,7 +1231,7 @@
           <a:p>
             <a:fld id="{2F2F19A6-E7D4-49BA-9128-40E350D94858}" type="datetime1">
               <a:rPr lang="ko-KR" altLang="en-US" smtClean="0"/>
-              <a:t>2024-04-08</a:t>
+              <a:t>2024-04-11</a:t>
             </a:fld>
             <a:endParaRPr lang="ko-KR" altLang="en-US"/>
           </a:p>
@@ -1506,7 +1506,7 @@
           <a:p>
             <a:fld id="{4C754405-9CAE-4E9F-8D69-3A9D872730D5}" type="datetime1">
               <a:rPr lang="ko-KR" altLang="en-US" smtClean="0"/>
-              <a:t>2024-04-08</a:t>
+              <a:t>2024-04-11</a:t>
             </a:fld>
             <a:endParaRPr lang="ko-KR" altLang="en-US"/>
           </a:p>
@@ -1771,7 +1771,7 @@
           <a:p>
             <a:fld id="{B88205F5-05F7-4DB1-AB34-9D2715D8F695}" type="datetime1">
               <a:rPr lang="ko-KR" altLang="en-US" smtClean="0"/>
-              <a:t>2024-04-08</a:t>
+              <a:t>2024-04-11</a:t>
             </a:fld>
             <a:endParaRPr lang="ko-KR" altLang="en-US"/>
           </a:p>
@@ -2183,7 +2183,7 @@
           <a:p>
             <a:fld id="{B4BE5A52-0759-42F1-B972-9DF35B6F7F69}" type="datetime1">
               <a:rPr lang="ko-KR" altLang="en-US" smtClean="0"/>
-              <a:t>2024-04-08</a:t>
+              <a:t>2024-04-11</a:t>
             </a:fld>
             <a:endParaRPr lang="ko-KR" altLang="en-US"/>
           </a:p>
@@ -2324,7 +2324,7 @@
           <a:p>
             <a:fld id="{21E1BF98-5BAF-4E10-BFF4-07A90368345B}" type="datetime1">
               <a:rPr lang="ko-KR" altLang="en-US" smtClean="0"/>
-              <a:t>2024-04-08</a:t>
+              <a:t>2024-04-11</a:t>
             </a:fld>
             <a:endParaRPr lang="ko-KR" altLang="en-US"/>
           </a:p>
@@ -2437,7 +2437,7 @@
           <a:p>
             <a:fld id="{66170E4C-0281-4A9D-A92C-F56F531DA030}" type="datetime1">
               <a:rPr lang="ko-KR" altLang="en-US" smtClean="0"/>
-              <a:t>2024-04-08</a:t>
+              <a:t>2024-04-11</a:t>
             </a:fld>
             <a:endParaRPr lang="ko-KR" altLang="en-US"/>
           </a:p>
@@ -2792,7 +2792,7 @@
           <a:p>
             <a:fld id="{75956195-C9BD-45A3-A71A-98887084073F}" type="datetime1">
               <a:rPr lang="ko-KR" altLang="en-US" smtClean="0"/>
-              <a:t>2024-04-08</a:t>
+              <a:t>2024-04-11</a:t>
             </a:fld>
             <a:endParaRPr lang="ko-KR" altLang="en-US"/>
           </a:p>
@@ -3080,7 +3080,7 @@
           <a:p>
             <a:fld id="{FA7CAE5C-1BB2-4F1F-ABD2-E757D9C24BA1}" type="datetime1">
               <a:rPr lang="ko-KR" altLang="en-US" smtClean="0"/>
-              <a:t>2024-04-08</a:t>
+              <a:t>2024-04-11</a:t>
             </a:fld>
             <a:endParaRPr lang="ko-KR" altLang="en-US"/>
           </a:p>
@@ -3321,7 +3321,7 @@
           <a:p>
             <a:fld id="{DD969061-4EBA-4879-8C2A-0E160E0CAE62}" type="datetime1">
               <a:rPr lang="ko-KR" altLang="en-US" smtClean="0"/>
-              <a:t>2024-04-08</a:t>
+              <a:t>2024-04-11</a:t>
             </a:fld>
             <a:endParaRPr lang="ko-KR" altLang="en-US"/>
           </a:p>
@@ -4426,7 +4426,7 @@
             <a:blip r:embed="rId2">
               <a:extLst>
                 <a:ext uri="{96DAC541-7B7A-43D3-8B79-37D633B846F1}">
-                  <asvg:svgBlip xmlns="" xmlns:asvg="http://schemas.microsoft.com/office/drawing/2016/SVG/main" r:embed="rId3"/>
+                  <asvg:svgBlip xmlns:asvg="http://schemas.microsoft.com/office/drawing/2016/SVG/main" xmlns="" r:embed="rId3"/>
                 </a:ext>
               </a:extLst>
             </a:blip>
@@ -8771,10 +8771,10 @@
           <a:lstStyle/>
           <a:p>
             <a:r>
-              <a:rPr lang="en-US" altLang="ko-KR" smtClean="0"/>
+              <a:rPr lang="en-US" altLang="ko-KR" dirty="0" smtClean="0"/>
               <a:t>Healthy &amp; Idle Check</a:t>
             </a:r>
-            <a:endParaRPr lang="ko-KR" altLang="en-US"/>
+            <a:endParaRPr lang="ko-KR" altLang="en-US" dirty="0"/>
           </a:p>
         </p:txBody>
       </p:sp>
@@ -8898,7 +8898,7 @@
             <a:p>
               <a:pPr algn="ctr"/>
               <a:r>
-                <a:rPr lang="en-US" altLang="ko-KR" smtClean="0">
+                <a:rPr lang="en-US" altLang="ko-KR" dirty="0" smtClean="0">
                   <a:solidFill>
                     <a:srgbClr val="0000CD"/>
                   </a:solidFill>
@@ -8979,7 +8979,7 @@
             <a:p>
               <a:pPr algn="ctr"/>
               <a:r>
-                <a:rPr lang="en-US" altLang="ko-KR" smtClean="0">
+                <a:rPr lang="en-US" altLang="ko-KR" dirty="0" smtClean="0">
                   <a:solidFill>
                     <a:srgbClr val="0000CD"/>
                   </a:solidFill>
@@ -9071,18 +9071,18 @@
             <a:lstStyle/>
             <a:p>
               <a:r>
-                <a:rPr lang="en-US" altLang="ko-KR" sz="1400" smtClean="0">
+                <a:rPr lang="en-US" altLang="ko-KR" sz="1400" dirty="0" err="1" smtClean="0">
                   <a:latin typeface="Noto Sans KR Light" panose="020B0300000000000000" pitchFamily="34" charset="-127"/>
                   <a:ea typeface="Noto Sans KR Light" panose="020B0300000000000000" pitchFamily="34" charset="-127"/>
                 </a:rPr>
-                <a:t>i)</a:t>
+                <a:t>i</a:t>
               </a:r>
               <a:r>
-                <a:rPr lang="en-US" altLang="ko-KR" sz="1400" smtClean="0">
+                <a:rPr lang="en-US" altLang="ko-KR" sz="1400" dirty="0" smtClean="0">
                   <a:latin typeface="Noto Sans KR Light" panose="020B0300000000000000" pitchFamily="34" charset="-127"/>
                   <a:ea typeface="Noto Sans KR Light" panose="020B0300000000000000" pitchFamily="34" charset="-127"/>
                 </a:rPr>
-                <a:t> Are You Healthy?</a:t>
+                <a:t>) Are You Healthy?</a:t>
               </a:r>
               <a:endParaRPr lang="ko-KR" altLang="en-US" sz="1400" dirty="0">
                 <a:latin typeface="Noto Sans KR Light" panose="020B0300000000000000" pitchFamily="34" charset="-127"/>
@@ -9124,14 +9124,7 @@
                   <a:latin typeface="Noto Sans KR Light" panose="020B0300000000000000" pitchFamily="34" charset="-127"/>
                   <a:ea typeface="Noto Sans KR Light" panose="020B0300000000000000" pitchFamily="34" charset="-127"/>
                 </a:rPr>
-                <a:t>ii)</a:t>
-              </a:r>
-              <a:r>
-                <a:rPr lang="en-US" altLang="ko-KR" sz="1400" smtClean="0">
-                  <a:latin typeface="Noto Sans KR Light" panose="020B0300000000000000" pitchFamily="34" charset="-127"/>
-                  <a:ea typeface="Noto Sans KR Light" panose="020B0300000000000000" pitchFamily="34" charset="-127"/>
-                </a:rPr>
-                <a:t> Yes or No</a:t>
+                <a:t>ii) Yes or No</a:t>
               </a:r>
               <a:endParaRPr lang="ko-KR" altLang="en-US" sz="1400" dirty="0">
                 <a:latin typeface="Noto Sans KR Light" panose="020B0300000000000000" pitchFamily="34" charset="-127"/>
@@ -9258,18 +9251,11 @@
             <a:lstStyle/>
             <a:p>
               <a:r>
-                <a:rPr lang="en-US" altLang="ko-KR" sz="1400" smtClean="0">
+                <a:rPr lang="en-US" altLang="ko-KR" sz="1400" dirty="0" smtClean="0">
                   <a:latin typeface="Noto Sans KR Light" panose="020B0300000000000000" pitchFamily="34" charset="-127"/>
                   <a:ea typeface="Noto Sans KR Light" panose="020B0300000000000000" pitchFamily="34" charset="-127"/>
                 </a:rPr>
-                <a:t>iii)</a:t>
-              </a:r>
-              <a:r>
-                <a:rPr lang="en-US" altLang="ko-KR" sz="1400" smtClean="0">
-                  <a:latin typeface="Noto Sans KR Light" panose="020B0300000000000000" pitchFamily="34" charset="-127"/>
-                  <a:ea typeface="Noto Sans KR Light" panose="020B0300000000000000" pitchFamily="34" charset="-127"/>
-                </a:rPr>
-                <a:t> Are You Idle?</a:t>
+                <a:t>iii) Are You Idle?</a:t>
               </a:r>
               <a:endParaRPr lang="ko-KR" altLang="en-US" sz="1400" dirty="0">
                 <a:latin typeface="Noto Sans KR Light" panose="020B0300000000000000" pitchFamily="34" charset="-127"/>
@@ -9475,7 +9461,7 @@
               <a:p>
                 <a:pPr algn="ctr"/>
                 <a:r>
-                  <a:rPr lang="en-US" altLang="ko-KR" smtClean="0">
+                  <a:rPr lang="en-US" altLang="ko-KR" dirty="0" smtClean="0">
                     <a:solidFill>
                       <a:schemeClr val="tx1"/>
                     </a:solidFill>
@@ -9495,7 +9481,7 @@
               <a:p>
                 <a:pPr algn="ctr"/>
                 <a:r>
-                  <a:rPr lang="en-US" altLang="ko-KR" smtClean="0">
+                  <a:rPr lang="en-US" altLang="ko-KR" dirty="0" smtClean="0">
                     <a:solidFill>
                       <a:srgbClr val="0000CD"/>
                     </a:solidFill>
@@ -9563,7 +9549,7 @@
               <a:p>
                 <a:pPr algn="ctr"/>
                 <a:r>
-                  <a:rPr lang="en-US" altLang="ko-KR" smtClean="0">
+                  <a:rPr lang="en-US" altLang="ko-KR" dirty="0" smtClean="0">
                     <a:solidFill>
                       <a:schemeClr val="tx1"/>
                     </a:solidFill>
@@ -9583,7 +9569,7 @@
               <a:p>
                 <a:pPr algn="ctr"/>
                 <a:r>
-                  <a:rPr lang="en-US" altLang="ko-KR" smtClean="0">
+                  <a:rPr lang="en-US" altLang="ko-KR" dirty="0" smtClean="0">
                     <a:solidFill>
                       <a:srgbClr val="0000CD"/>
                     </a:solidFill>
@@ -9651,7 +9637,7 @@
               <a:p>
                 <a:pPr algn="ctr"/>
                 <a:r>
-                  <a:rPr lang="en-US" altLang="ko-KR" smtClean="0">
+                  <a:rPr lang="en-US" altLang="ko-KR" dirty="0" smtClean="0">
                     <a:solidFill>
                       <a:schemeClr val="tx1"/>
                     </a:solidFill>
@@ -9671,7 +9657,7 @@
               <a:p>
                 <a:pPr algn="ctr"/>
                 <a:r>
-                  <a:rPr lang="en-US" altLang="ko-KR" smtClean="0">
+                  <a:rPr lang="en-US" altLang="ko-KR" dirty="0" smtClean="0">
                     <a:solidFill>
                       <a:srgbClr val="0000CD"/>
                     </a:solidFill>
@@ -9719,18 +9705,11 @@
               <a:lstStyle/>
               <a:p>
                 <a:r>
-                  <a:rPr lang="en-US" altLang="ko-KR" sz="1400" smtClean="0">
+                  <a:rPr lang="en-US" altLang="ko-KR" sz="1400" dirty="0" smtClean="0">
                     <a:latin typeface="Noto Sans KR Light" panose="020B0300000000000000" pitchFamily="34" charset="-127"/>
                     <a:ea typeface="Noto Sans KR Light" panose="020B0300000000000000" pitchFamily="34" charset="-127"/>
                   </a:rPr>
-                  <a:t>v)</a:t>
-                </a:r>
-                <a:r>
-                  <a:rPr lang="en-US" altLang="ko-KR" sz="1400" smtClean="0">
-                    <a:latin typeface="Noto Sans KR Light" panose="020B0300000000000000" pitchFamily="34" charset="-127"/>
-                    <a:ea typeface="Noto Sans KR Light" panose="020B0300000000000000" pitchFamily="34" charset="-127"/>
-                  </a:rPr>
-                  <a:t> Yes or No</a:t>
+                  <a:t>v) Yes or No</a:t>
                 </a:r>
                 <a:endParaRPr lang="ko-KR" altLang="en-US" sz="1400" dirty="0">
                   <a:latin typeface="Noto Sans KR Light" panose="020B0300000000000000" pitchFamily="34" charset="-127"/>
@@ -9784,8 +9763,8 @@
               </a:fontRef>
             </p:style>
           </p:cxnSp>
-          <mc:AlternateContent xmlns:mc="http://schemas.openxmlformats.org/markup-compatibility/2006">
-            <mc:Choice xmlns:a14="http://schemas.microsoft.com/office/drawing/2010/main" Requires="a14">
+          <mc:AlternateContent xmlns:mc="http://schemas.openxmlformats.org/markup-compatibility/2006" xmlns:a14="http://schemas.microsoft.com/office/drawing/2010/main">
+            <mc:Choice Requires="a14">
               <p:sp>
                 <p:nvSpPr>
                   <p:cNvPr id="47" name="TextBox 46"/>
@@ -9808,6 +9787,7 @@
                   </a:bodyPr>
                   <a:lstStyle/>
                   <a:p>
+                    <a:pPr/>
                     <a14:m>
                       <m:oMathPara xmlns:m="http://schemas.openxmlformats.org/officeDocument/2006/math">
                         <m:oMathParaPr>
@@ -9828,7 +9808,7 @@
                 </p:txBody>
               </p:sp>
             </mc:Choice>
-            <mc:Fallback>
+            <mc:Fallback xmlns="">
               <p:sp>
                 <p:nvSpPr>
                   <p:cNvPr id="47" name="TextBox 46"/>
@@ -9867,8 +9847,8 @@
               </p:sp>
             </mc:Fallback>
           </mc:AlternateContent>
-          <mc:AlternateContent xmlns:mc="http://schemas.openxmlformats.org/markup-compatibility/2006">
-            <mc:Choice xmlns:a14="http://schemas.microsoft.com/office/drawing/2010/main" Requires="a14">
+          <mc:AlternateContent xmlns:mc="http://schemas.openxmlformats.org/markup-compatibility/2006" xmlns:a14="http://schemas.microsoft.com/office/drawing/2010/main">
+            <mc:Choice Requires="a14">
               <p:sp>
                 <p:nvSpPr>
                   <p:cNvPr id="48" name="TextBox 47"/>
@@ -9891,6 +9871,7 @@
                   </a:bodyPr>
                   <a:lstStyle/>
                   <a:p>
+                    <a:pPr/>
                     <a14:m>
                       <m:oMathPara xmlns:m="http://schemas.openxmlformats.org/officeDocument/2006/math">
                         <m:oMathParaPr>
@@ -9911,7 +9892,7 @@
                 </p:txBody>
               </p:sp>
             </mc:Choice>
-            <mc:Fallback>
+            <mc:Fallback xmlns="">
               <p:sp>
                 <p:nvSpPr>
                   <p:cNvPr id="48" name="TextBox 47"/>
@@ -10030,14 +10011,7 @@
                 <a:latin typeface="D2Coding" panose="020B0609020101020101" pitchFamily="49" charset="-127"/>
                 <a:ea typeface="D2Coding" panose="020B0609020101020101" pitchFamily="49" charset="-127"/>
               </a:rPr>
-              <a:t>option java_outer_classname </a:t>
-            </a:r>
-            <a:r>
-              <a:rPr lang="en-US" altLang="ko-KR" sz="1200">
-                <a:latin typeface="D2Coding" panose="020B0609020101020101" pitchFamily="49" charset="-127"/>
-                <a:ea typeface="D2Coding" panose="020B0609020101020101" pitchFamily="49" charset="-127"/>
-              </a:rPr>
-              <a:t>= </a:t>
+              <a:t>option java_outer_classname = </a:t>
             </a:r>
             <a:r>
               <a:rPr lang="en-US" altLang="ko-KR" sz="1200" smtClean="0">
@@ -10162,6 +10136,749 @@
             <a:endParaRPr lang="ko-KR" altLang="en-US" sz="1200">
               <a:latin typeface="D2Coding" panose="020B0609020101020101" pitchFamily="49" charset="-127"/>
               <a:ea typeface="D2Coding" panose="020B0609020101020101" pitchFamily="49" charset="-127"/>
+            </a:endParaRPr>
+          </a:p>
+        </p:txBody>
+      </p:sp>
+      <p:sp>
+        <p:nvSpPr>
+          <p:cNvPr id="26" name="사각형: 둥근 모서리 6">
+            <a:extLst>
+              <a:ext uri="{FF2B5EF4-FFF2-40B4-BE49-F238E27FC236}">
+                <a16:creationId xmlns:a16="http://schemas.microsoft.com/office/drawing/2014/main" id="{24FB913C-EE51-CBBE-2223-E2A82D106E32}"/>
+              </a:ext>
+            </a:extLst>
+          </p:cNvPr>
+          <p:cNvSpPr/>
+          <p:nvPr/>
+        </p:nvSpPr>
+        <p:spPr>
+          <a:xfrm>
+            <a:off x="3156553" y="5681790"/>
+            <a:ext cx="1567022" cy="900803"/>
+          </a:xfrm>
+          <a:prstGeom prst="roundRect">
+            <a:avLst/>
+          </a:prstGeom>
+          <a:solidFill>
+            <a:srgbClr val="FFAD01"/>
+          </a:solidFill>
+          <a:ln>
+            <a:noFill/>
+          </a:ln>
+        </p:spPr>
+        <p:style>
+          <a:lnRef idx="2">
+            <a:schemeClr val="accent1">
+              <a:shade val="50000"/>
+            </a:schemeClr>
+          </a:lnRef>
+          <a:fillRef idx="1">
+            <a:schemeClr val="accent1"/>
+          </a:fillRef>
+          <a:effectRef idx="0">
+            <a:schemeClr val="accent1"/>
+          </a:effectRef>
+          <a:fontRef idx="minor">
+            <a:schemeClr val="lt1"/>
+          </a:fontRef>
+        </p:style>
+        <p:txBody>
+          <a:bodyPr rtlCol="0" anchor="ctr"/>
+          <a:lstStyle/>
+          <a:p>
+            <a:pPr algn="ctr"/>
+            <a:r>
+              <a:rPr lang="en-US" altLang="ko-KR" dirty="0" smtClean="0">
+                <a:solidFill>
+                  <a:schemeClr val="tx1"/>
+                </a:solidFill>
+                <a:latin typeface="Noto Sans KR Light" panose="020B0300000000000000" pitchFamily="34" charset="-127"/>
+                <a:ea typeface="Noto Sans KR Light" panose="020B0300000000000000" pitchFamily="34" charset="-127"/>
+              </a:rPr>
+              <a:t>DB</a:t>
+            </a:r>
+          </a:p>
+          <a:p>
+            <a:pPr algn="ctr"/>
+            <a:r>
+              <a:rPr lang="en-US" altLang="ko-KR" dirty="0" err="1" smtClean="0">
+                <a:solidFill>
+                  <a:schemeClr val="tx1"/>
+                </a:solidFill>
+                <a:latin typeface="Noto Sans KR Light" panose="020B0300000000000000" pitchFamily="34" charset="-127"/>
+                <a:ea typeface="Noto Sans KR Light" panose="020B0300000000000000" pitchFamily="34" charset="-127"/>
+              </a:rPr>
+              <a:t>Fatcher</a:t>
+            </a:r>
+            <a:endParaRPr lang="ko-KR" altLang="en-US" dirty="0">
+              <a:solidFill>
+                <a:srgbClr val="0000CD"/>
+              </a:solidFill>
+              <a:latin typeface="Noto Sans KR Light" panose="020B0300000000000000" pitchFamily="34" charset="-127"/>
+              <a:ea typeface="Noto Sans KR Light" panose="020B0300000000000000" pitchFamily="34" charset="-127"/>
+            </a:endParaRPr>
+          </a:p>
+        </p:txBody>
+      </p:sp>
+      <p:sp>
+        <p:nvSpPr>
+          <p:cNvPr id="29" name="원통형 22">
+            <a:extLst>
+              <a:ext uri="{FF2B5EF4-FFF2-40B4-BE49-F238E27FC236}">
+                <a16:creationId xmlns:a16="http://schemas.microsoft.com/office/drawing/2014/main" id="{BCC1752D-B889-54F4-AC32-05490D638586}"/>
+              </a:ext>
+            </a:extLst>
+          </p:cNvPr>
+          <p:cNvSpPr/>
+          <p:nvPr/>
+        </p:nvSpPr>
+        <p:spPr>
+          <a:xfrm>
+            <a:off x="3415241" y="4460248"/>
+            <a:ext cx="1049646" cy="875484"/>
+          </a:xfrm>
+          <a:prstGeom prst="can">
+            <a:avLst/>
+          </a:prstGeom>
+          <a:solidFill>
+            <a:srgbClr val="90EE90"/>
+          </a:solidFill>
+          <a:ln>
+            <a:noFill/>
+          </a:ln>
+        </p:spPr>
+        <p:style>
+          <a:lnRef idx="2">
+            <a:schemeClr val="accent1">
+              <a:shade val="50000"/>
+            </a:schemeClr>
+          </a:lnRef>
+          <a:fillRef idx="1">
+            <a:schemeClr val="accent1"/>
+          </a:fillRef>
+          <a:effectRef idx="0">
+            <a:schemeClr val="accent1"/>
+          </a:effectRef>
+          <a:fontRef idx="minor">
+            <a:schemeClr val="lt1"/>
+          </a:fontRef>
+        </p:style>
+        <p:txBody>
+          <a:bodyPr rtlCol="0" anchor="ctr"/>
+          <a:lstStyle/>
+          <a:p>
+            <a:pPr algn="ctr"/>
+            <a:r>
+              <a:rPr lang="en-US" altLang="ko-KR" smtClean="0">
+                <a:solidFill>
+                  <a:schemeClr val="tx1"/>
+                </a:solidFill>
+                <a:latin typeface="Noto Sans CJK KR" panose="020B0500000000000000" pitchFamily="34" charset="-127"/>
+                <a:ea typeface="Noto Sans CJK KR" panose="020B0500000000000000" pitchFamily="34" charset="-127"/>
+              </a:rPr>
+              <a:t>Kafka</a:t>
+            </a:r>
+            <a:endParaRPr lang="ko-KR" altLang="en-US" dirty="0">
+              <a:solidFill>
+                <a:schemeClr val="tx1"/>
+              </a:solidFill>
+              <a:latin typeface="Noto Sans CJK KR" panose="020B0500000000000000" pitchFamily="34" charset="-127"/>
+              <a:ea typeface="Noto Sans CJK KR" panose="020B0500000000000000" pitchFamily="34" charset="-127"/>
+            </a:endParaRPr>
+          </a:p>
+        </p:txBody>
+      </p:sp>
+      <p:cxnSp>
+        <p:nvCxnSpPr>
+          <p:cNvPr id="32" name="직선 화살표 연결선 31">
+            <a:extLst>
+              <a:ext uri="{FF2B5EF4-FFF2-40B4-BE49-F238E27FC236}">
+                <a16:creationId xmlns:a16="http://schemas.microsoft.com/office/drawing/2014/main" id="{9FFE6438-71E8-EE06-C32D-B15BC6D33172}"/>
+              </a:ext>
+            </a:extLst>
+          </p:cNvPr>
+          <p:cNvCxnSpPr>
+            <a:cxnSpLocks/>
+          </p:cNvCxnSpPr>
+          <p:nvPr/>
+        </p:nvCxnSpPr>
+        <p:spPr>
+          <a:xfrm>
+            <a:off x="1565200" y="3879973"/>
+            <a:ext cx="1514456" cy="648199"/>
+          </a:xfrm>
+          <a:prstGeom prst="straightConnector1">
+            <a:avLst/>
+          </a:prstGeom>
+          <a:ln w="19050">
+            <a:solidFill>
+              <a:schemeClr val="tx1"/>
+            </a:solidFill>
+            <a:tailEnd type="arrow"/>
+          </a:ln>
+        </p:spPr>
+        <p:style>
+          <a:lnRef idx="1">
+            <a:schemeClr val="accent1"/>
+          </a:lnRef>
+          <a:fillRef idx="0">
+            <a:schemeClr val="accent1"/>
+          </a:fillRef>
+          <a:effectRef idx="0">
+            <a:schemeClr val="accent1"/>
+          </a:effectRef>
+          <a:fontRef idx="minor">
+            <a:schemeClr val="tx1"/>
+          </a:fontRef>
+        </p:style>
+      </p:cxnSp>
+      <p:cxnSp>
+        <p:nvCxnSpPr>
+          <p:cNvPr id="34" name="직선 화살표 연결선 33">
+            <a:extLst>
+              <a:ext uri="{FF2B5EF4-FFF2-40B4-BE49-F238E27FC236}">
+                <a16:creationId xmlns:a16="http://schemas.microsoft.com/office/drawing/2014/main" id="{9FFE6438-71E8-EE06-C32D-B15BC6D33172}"/>
+              </a:ext>
+            </a:extLst>
+          </p:cNvPr>
+          <p:cNvCxnSpPr>
+            <a:cxnSpLocks/>
+          </p:cNvCxnSpPr>
+          <p:nvPr/>
+        </p:nvCxnSpPr>
+        <p:spPr>
+          <a:xfrm flipH="1">
+            <a:off x="4678986" y="3900589"/>
+            <a:ext cx="1550932" cy="605085"/>
+          </a:xfrm>
+          <a:prstGeom prst="straightConnector1">
+            <a:avLst/>
+          </a:prstGeom>
+          <a:ln w="19050">
+            <a:solidFill>
+              <a:schemeClr val="tx1"/>
+            </a:solidFill>
+            <a:tailEnd type="arrow"/>
+          </a:ln>
+        </p:spPr>
+        <p:style>
+          <a:lnRef idx="1">
+            <a:schemeClr val="accent1"/>
+          </a:lnRef>
+          <a:fillRef idx="0">
+            <a:schemeClr val="accent1"/>
+          </a:fillRef>
+          <a:effectRef idx="0">
+            <a:schemeClr val="accent1"/>
+          </a:effectRef>
+          <a:fontRef idx="minor">
+            <a:schemeClr val="tx1"/>
+          </a:fontRef>
+        </p:style>
+      </p:cxnSp>
+      <p:cxnSp>
+        <p:nvCxnSpPr>
+          <p:cNvPr id="40" name="직선 화살표 연결선 39">
+            <a:extLst>
+              <a:ext uri="{FF2B5EF4-FFF2-40B4-BE49-F238E27FC236}">
+                <a16:creationId xmlns:a16="http://schemas.microsoft.com/office/drawing/2014/main" id="{9FFE6438-71E8-EE06-C32D-B15BC6D33172}"/>
+              </a:ext>
+            </a:extLst>
+          </p:cNvPr>
+          <p:cNvCxnSpPr>
+            <a:cxnSpLocks/>
+          </p:cNvCxnSpPr>
+          <p:nvPr/>
+        </p:nvCxnSpPr>
+        <p:spPr>
+          <a:xfrm>
+            <a:off x="3940064" y="3811743"/>
+            <a:ext cx="0" cy="604617"/>
+          </a:xfrm>
+          <a:prstGeom prst="straightConnector1">
+            <a:avLst/>
+          </a:prstGeom>
+          <a:ln w="19050">
+            <a:solidFill>
+              <a:schemeClr val="tx1"/>
+            </a:solidFill>
+            <a:tailEnd type="arrow"/>
+          </a:ln>
+        </p:spPr>
+        <p:style>
+          <a:lnRef idx="1">
+            <a:schemeClr val="accent1"/>
+          </a:lnRef>
+          <a:fillRef idx="0">
+            <a:schemeClr val="accent1"/>
+          </a:fillRef>
+          <a:effectRef idx="0">
+            <a:schemeClr val="accent1"/>
+          </a:effectRef>
+          <a:fontRef idx="minor">
+            <a:schemeClr val="tx1"/>
+          </a:fontRef>
+        </p:style>
+      </p:cxnSp>
+      <p:sp>
+        <p:nvSpPr>
+          <p:cNvPr id="42" name="원통형 22">
+            <a:extLst>
+              <a:ext uri="{FF2B5EF4-FFF2-40B4-BE49-F238E27FC236}">
+                <a16:creationId xmlns:a16="http://schemas.microsoft.com/office/drawing/2014/main" id="{BCC1752D-B889-54F4-AC32-05490D638586}"/>
+              </a:ext>
+            </a:extLst>
+          </p:cNvPr>
+          <p:cNvSpPr/>
+          <p:nvPr/>
+        </p:nvSpPr>
+        <p:spPr>
+          <a:xfrm>
+            <a:off x="1187547" y="5681790"/>
+            <a:ext cx="1049646" cy="875484"/>
+          </a:xfrm>
+          <a:prstGeom prst="can">
+            <a:avLst/>
+          </a:prstGeom>
+          <a:solidFill>
+            <a:srgbClr val="90EE90"/>
+          </a:solidFill>
+          <a:ln>
+            <a:noFill/>
+          </a:ln>
+        </p:spPr>
+        <p:style>
+          <a:lnRef idx="2">
+            <a:schemeClr val="accent1">
+              <a:shade val="50000"/>
+            </a:schemeClr>
+          </a:lnRef>
+          <a:fillRef idx="1">
+            <a:schemeClr val="accent1"/>
+          </a:fillRef>
+          <a:effectRef idx="0">
+            <a:schemeClr val="accent1"/>
+          </a:effectRef>
+          <a:fontRef idx="minor">
+            <a:schemeClr val="lt1"/>
+          </a:fontRef>
+        </p:style>
+        <p:txBody>
+          <a:bodyPr rtlCol="0" anchor="ctr"/>
+          <a:lstStyle/>
+          <a:p>
+            <a:pPr algn="ctr"/>
+            <a:r>
+              <a:rPr lang="en-US" altLang="ko-KR" dirty="0">
+                <a:solidFill>
+                  <a:schemeClr val="tx1"/>
+                </a:solidFill>
+                <a:latin typeface="Noto Sans CJK KR" panose="020B0500000000000000" pitchFamily="34" charset="-127"/>
+                <a:ea typeface="Noto Sans CJK KR" panose="020B0500000000000000" pitchFamily="34" charset="-127"/>
+              </a:rPr>
+              <a:t>DB</a:t>
+            </a:r>
+            <a:endParaRPr lang="ko-KR" altLang="en-US" dirty="0">
+              <a:solidFill>
+                <a:schemeClr val="tx1"/>
+              </a:solidFill>
+              <a:latin typeface="Noto Sans CJK KR" panose="020B0500000000000000" pitchFamily="34" charset="-127"/>
+              <a:ea typeface="Noto Sans CJK KR" panose="020B0500000000000000" pitchFamily="34" charset="-127"/>
+            </a:endParaRPr>
+          </a:p>
+        </p:txBody>
+      </p:sp>
+      <p:cxnSp>
+        <p:nvCxnSpPr>
+          <p:cNvPr id="43" name="직선 화살표 연결선 42">
+            <a:extLst>
+              <a:ext uri="{FF2B5EF4-FFF2-40B4-BE49-F238E27FC236}">
+                <a16:creationId xmlns:a16="http://schemas.microsoft.com/office/drawing/2014/main" id="{9FFE6438-71E8-EE06-C32D-B15BC6D33172}"/>
+              </a:ext>
+            </a:extLst>
+          </p:cNvPr>
+          <p:cNvCxnSpPr>
+            <a:cxnSpLocks/>
+          </p:cNvCxnSpPr>
+          <p:nvPr/>
+        </p:nvCxnSpPr>
+        <p:spPr>
+          <a:xfrm flipH="1">
+            <a:off x="2339731" y="6119532"/>
+            <a:ext cx="713410" cy="0"/>
+          </a:xfrm>
+          <a:prstGeom prst="straightConnector1">
+            <a:avLst/>
+          </a:prstGeom>
+          <a:ln w="19050">
+            <a:solidFill>
+              <a:schemeClr val="tx1"/>
+            </a:solidFill>
+            <a:tailEnd type="arrow"/>
+          </a:ln>
+        </p:spPr>
+        <p:style>
+          <a:lnRef idx="1">
+            <a:schemeClr val="accent1"/>
+          </a:lnRef>
+          <a:fillRef idx="0">
+            <a:schemeClr val="accent1"/>
+          </a:fillRef>
+          <a:effectRef idx="0">
+            <a:schemeClr val="accent1"/>
+          </a:effectRef>
+          <a:fontRef idx="minor">
+            <a:schemeClr val="tx1"/>
+          </a:fontRef>
+        </p:style>
+      </p:cxnSp>
+      <p:cxnSp>
+        <p:nvCxnSpPr>
+          <p:cNvPr id="52" name="직선 화살표 연결선 51">
+            <a:extLst>
+              <a:ext uri="{FF2B5EF4-FFF2-40B4-BE49-F238E27FC236}">
+                <a16:creationId xmlns:a16="http://schemas.microsoft.com/office/drawing/2014/main" id="{9FFE6438-71E8-EE06-C32D-B15BC6D33172}"/>
+              </a:ext>
+            </a:extLst>
+          </p:cNvPr>
+          <p:cNvCxnSpPr>
+            <a:cxnSpLocks/>
+          </p:cNvCxnSpPr>
+          <p:nvPr/>
+        </p:nvCxnSpPr>
+        <p:spPr>
+          <a:xfrm flipH="1">
+            <a:off x="320567" y="6156034"/>
+            <a:ext cx="713410" cy="0"/>
+          </a:xfrm>
+          <a:prstGeom prst="straightConnector1">
+            <a:avLst/>
+          </a:prstGeom>
+          <a:ln w="19050">
+            <a:solidFill>
+              <a:schemeClr val="tx1"/>
+            </a:solidFill>
+            <a:tailEnd type="arrow"/>
+          </a:ln>
+        </p:spPr>
+        <p:style>
+          <a:lnRef idx="1">
+            <a:schemeClr val="accent1"/>
+          </a:lnRef>
+          <a:fillRef idx="0">
+            <a:schemeClr val="accent1"/>
+          </a:fillRef>
+          <a:effectRef idx="0">
+            <a:schemeClr val="accent1"/>
+          </a:effectRef>
+          <a:fontRef idx="minor">
+            <a:schemeClr val="tx1"/>
+          </a:fontRef>
+        </p:style>
+      </p:cxnSp>
+      <p:sp>
+        <p:nvSpPr>
+          <p:cNvPr id="53" name="TextBox 52">
+            <a:extLst>
+              <a:ext uri="{FF2B5EF4-FFF2-40B4-BE49-F238E27FC236}">
+                <a16:creationId xmlns:a16="http://schemas.microsoft.com/office/drawing/2014/main" id="{5A3B92B5-FE63-538A-FA0D-2C938FE70523}"/>
+              </a:ext>
+            </a:extLst>
+          </p:cNvPr>
+          <p:cNvSpPr txBox="1"/>
+          <p:nvPr/>
+        </p:nvSpPr>
+        <p:spPr>
+          <a:xfrm>
+            <a:off x="320567" y="5805795"/>
+            <a:ext cx="760144" cy="307777"/>
+          </a:xfrm>
+          <a:prstGeom prst="rect">
+            <a:avLst/>
+          </a:prstGeom>
+          <a:noFill/>
+        </p:spPr>
+        <p:txBody>
+          <a:bodyPr wrap="none" rtlCol="0">
+            <a:spAutoFit/>
+          </a:bodyPr>
+          <a:lstStyle/>
+          <a:p>
+            <a:r>
+              <a:rPr lang="en-US" altLang="ko-KR" sz="1400" dirty="0" smtClean="0">
+                <a:latin typeface="Noto Sans KR Light" panose="020B0300000000000000" pitchFamily="34" charset="-127"/>
+                <a:ea typeface="Noto Sans KR Light" panose="020B0300000000000000" pitchFamily="34" charset="-127"/>
+              </a:rPr>
+              <a:t>To App</a:t>
+            </a:r>
+            <a:endParaRPr lang="ko-KR" altLang="en-US" sz="1400" dirty="0">
+              <a:latin typeface="Noto Sans KR Light" panose="020B0300000000000000" pitchFamily="34" charset="-127"/>
+              <a:ea typeface="Noto Sans KR Light" panose="020B0300000000000000" pitchFamily="34" charset="-127"/>
+            </a:endParaRPr>
+          </a:p>
+        </p:txBody>
+      </p:sp>
+      <p:sp>
+        <p:nvSpPr>
+          <p:cNvPr id="54" name="TextBox 53">
+            <a:extLst>
+              <a:ext uri="{FF2B5EF4-FFF2-40B4-BE49-F238E27FC236}">
+                <a16:creationId xmlns:a16="http://schemas.microsoft.com/office/drawing/2014/main" id="{5A3B92B5-FE63-538A-FA0D-2C938FE70523}"/>
+              </a:ext>
+            </a:extLst>
+          </p:cNvPr>
+          <p:cNvSpPr txBox="1"/>
+          <p:nvPr/>
+        </p:nvSpPr>
+        <p:spPr>
+          <a:xfrm>
+            <a:off x="2370997" y="5805794"/>
+            <a:ext cx="635110" cy="307777"/>
+          </a:xfrm>
+          <a:prstGeom prst="rect">
+            <a:avLst/>
+          </a:prstGeom>
+          <a:noFill/>
+        </p:spPr>
+        <p:txBody>
+          <a:bodyPr wrap="none" rtlCol="0">
+            <a:spAutoFit/>
+          </a:bodyPr>
+          <a:lstStyle/>
+          <a:p>
+            <a:r>
+              <a:rPr lang="en-US" altLang="ko-KR" sz="1400" dirty="0" smtClean="0">
+                <a:latin typeface="Noto Sans KR Light" panose="020B0300000000000000" pitchFamily="34" charset="-127"/>
+                <a:ea typeface="Noto Sans KR Light" panose="020B0300000000000000" pitchFamily="34" charset="-127"/>
+              </a:rPr>
+              <a:t>Fetch</a:t>
+            </a:r>
+            <a:endParaRPr lang="ko-KR" altLang="en-US" sz="1400" dirty="0">
+              <a:latin typeface="Noto Sans KR Light" panose="020B0300000000000000" pitchFamily="34" charset="-127"/>
+              <a:ea typeface="Noto Sans KR Light" panose="020B0300000000000000" pitchFamily="34" charset="-127"/>
+            </a:endParaRPr>
+          </a:p>
+        </p:txBody>
+      </p:sp>
+      <p:cxnSp>
+        <p:nvCxnSpPr>
+          <p:cNvPr id="55" name="직선 화살표 연결선 54">
+            <a:extLst>
+              <a:ext uri="{FF2B5EF4-FFF2-40B4-BE49-F238E27FC236}">
+                <a16:creationId xmlns:a16="http://schemas.microsoft.com/office/drawing/2014/main" id="{9FFE6438-71E8-EE06-C32D-B15BC6D33172}"/>
+              </a:ext>
+            </a:extLst>
+          </p:cNvPr>
+          <p:cNvCxnSpPr>
+            <a:cxnSpLocks/>
+          </p:cNvCxnSpPr>
+          <p:nvPr/>
+        </p:nvCxnSpPr>
+        <p:spPr>
+          <a:xfrm>
+            <a:off x="3940064" y="5201177"/>
+            <a:ext cx="0" cy="604617"/>
+          </a:xfrm>
+          <a:prstGeom prst="straightConnector1">
+            <a:avLst/>
+          </a:prstGeom>
+          <a:ln w="19050">
+            <a:solidFill>
+              <a:schemeClr val="tx1"/>
+            </a:solidFill>
+            <a:tailEnd type="arrow"/>
+          </a:ln>
+        </p:spPr>
+        <p:style>
+          <a:lnRef idx="1">
+            <a:schemeClr val="accent1"/>
+          </a:lnRef>
+          <a:fillRef idx="0">
+            <a:schemeClr val="accent1"/>
+          </a:fillRef>
+          <a:effectRef idx="0">
+            <a:schemeClr val="accent1"/>
+          </a:effectRef>
+          <a:fontRef idx="minor">
+            <a:schemeClr val="tx1"/>
+          </a:fontRef>
+        </p:style>
+      </p:cxnSp>
+      <p:sp>
+        <p:nvSpPr>
+          <p:cNvPr id="56" name="원통형 22">
+            <a:extLst>
+              <a:ext uri="{FF2B5EF4-FFF2-40B4-BE49-F238E27FC236}">
+                <a16:creationId xmlns:a16="http://schemas.microsoft.com/office/drawing/2014/main" id="{BCC1752D-B889-54F4-AC32-05490D638586}"/>
+              </a:ext>
+            </a:extLst>
+          </p:cNvPr>
+          <p:cNvSpPr/>
+          <p:nvPr/>
+        </p:nvSpPr>
+        <p:spPr>
+          <a:xfrm>
+            <a:off x="75996" y="599612"/>
+            <a:ext cx="1049646" cy="875484"/>
+          </a:xfrm>
+          <a:prstGeom prst="can">
+            <a:avLst/>
+          </a:prstGeom>
+          <a:solidFill>
+            <a:srgbClr val="90EE90"/>
+          </a:solidFill>
+          <a:ln>
+            <a:noFill/>
+          </a:ln>
+        </p:spPr>
+        <p:style>
+          <a:lnRef idx="2">
+            <a:schemeClr val="accent1">
+              <a:shade val="50000"/>
+            </a:schemeClr>
+          </a:lnRef>
+          <a:fillRef idx="1">
+            <a:schemeClr val="accent1"/>
+          </a:fillRef>
+          <a:effectRef idx="0">
+            <a:schemeClr val="accent1"/>
+          </a:effectRef>
+          <a:fontRef idx="minor">
+            <a:schemeClr val="lt1"/>
+          </a:fontRef>
+        </p:style>
+        <p:txBody>
+          <a:bodyPr rtlCol="0" anchor="ctr"/>
+          <a:lstStyle/>
+          <a:p>
+            <a:pPr algn="ctr"/>
+            <a:r>
+              <a:rPr lang="en-US" altLang="ko-KR" dirty="0">
+                <a:solidFill>
+                  <a:schemeClr val="tx1"/>
+                </a:solidFill>
+                <a:latin typeface="Noto Sans CJK KR" panose="020B0500000000000000" pitchFamily="34" charset="-127"/>
+                <a:ea typeface="Noto Sans CJK KR" panose="020B0500000000000000" pitchFamily="34" charset="-127"/>
+              </a:rPr>
+              <a:t>DB</a:t>
+            </a:r>
+            <a:endParaRPr lang="ko-KR" altLang="en-US" dirty="0">
+              <a:solidFill>
+                <a:schemeClr val="tx1"/>
+              </a:solidFill>
+              <a:latin typeface="Noto Sans CJK KR" panose="020B0500000000000000" pitchFamily="34" charset="-127"/>
+              <a:ea typeface="Noto Sans CJK KR" panose="020B0500000000000000" pitchFamily="34" charset="-127"/>
+            </a:endParaRPr>
+          </a:p>
+        </p:txBody>
+      </p:sp>
+      <p:sp>
+        <p:nvSpPr>
+          <p:cNvPr id="57" name="TextBox 56">
+            <a:extLst>
+              <a:ext uri="{FF2B5EF4-FFF2-40B4-BE49-F238E27FC236}">
+                <a16:creationId xmlns:a16="http://schemas.microsoft.com/office/drawing/2014/main" id="{5A3B92B5-FE63-538A-FA0D-2C938FE70523}"/>
+              </a:ext>
+            </a:extLst>
+          </p:cNvPr>
+          <p:cNvSpPr txBox="1"/>
+          <p:nvPr/>
+        </p:nvSpPr>
+        <p:spPr>
+          <a:xfrm>
+            <a:off x="6103903" y="5195708"/>
+            <a:ext cx="535724" cy="307777"/>
+          </a:xfrm>
+          <a:prstGeom prst="rect">
+            <a:avLst/>
+          </a:prstGeom>
+          <a:noFill/>
+        </p:spPr>
+        <p:txBody>
+          <a:bodyPr wrap="none" rtlCol="0">
+            <a:spAutoFit/>
+          </a:bodyPr>
+          <a:lstStyle/>
+          <a:p>
+            <a:r>
+              <a:rPr lang="en-US" altLang="ko-KR" sz="1400" dirty="0" smtClean="0">
+                <a:latin typeface="Noto Sans KR Light" panose="020B0300000000000000" pitchFamily="34" charset="-127"/>
+                <a:ea typeface="Noto Sans KR Light" panose="020B0300000000000000" pitchFamily="34" charset="-127"/>
+              </a:rPr>
+              <a:t>MSA</a:t>
+            </a:r>
+            <a:endParaRPr lang="ko-KR" altLang="en-US" sz="1400" dirty="0">
+              <a:latin typeface="Noto Sans KR Light" panose="020B0300000000000000" pitchFamily="34" charset="-127"/>
+              <a:ea typeface="Noto Sans KR Light" panose="020B0300000000000000" pitchFamily="34" charset="-127"/>
+            </a:endParaRPr>
+          </a:p>
+        </p:txBody>
+      </p:sp>
+      <p:sp>
+        <p:nvSpPr>
+          <p:cNvPr id="58" name="사각형: 둥근 모서리 6">
+            <a:extLst>
+              <a:ext uri="{FF2B5EF4-FFF2-40B4-BE49-F238E27FC236}">
+                <a16:creationId xmlns:a16="http://schemas.microsoft.com/office/drawing/2014/main" id="{24FB913C-EE51-CBBE-2223-E2A82D106E32}"/>
+              </a:ext>
+            </a:extLst>
+          </p:cNvPr>
+          <p:cNvSpPr/>
+          <p:nvPr/>
+        </p:nvSpPr>
+        <p:spPr>
+          <a:xfrm>
+            <a:off x="-160347" y="4502301"/>
+            <a:ext cx="1567022" cy="900803"/>
+          </a:xfrm>
+          <a:prstGeom prst="roundRect">
+            <a:avLst/>
+          </a:prstGeom>
+          <a:solidFill>
+            <a:srgbClr val="FFAD01"/>
+          </a:solidFill>
+          <a:ln>
+            <a:noFill/>
+          </a:ln>
+        </p:spPr>
+        <p:style>
+          <a:lnRef idx="2">
+            <a:schemeClr val="accent1">
+              <a:shade val="50000"/>
+            </a:schemeClr>
+          </a:lnRef>
+          <a:fillRef idx="1">
+            <a:schemeClr val="accent1"/>
+          </a:fillRef>
+          <a:effectRef idx="0">
+            <a:schemeClr val="accent1"/>
+          </a:effectRef>
+          <a:fontRef idx="minor">
+            <a:schemeClr val="lt1"/>
+          </a:fontRef>
+        </p:style>
+        <p:txBody>
+          <a:bodyPr rtlCol="0" anchor="ctr"/>
+          <a:lstStyle/>
+          <a:p>
+            <a:pPr algn="ctr"/>
+            <a:r>
+              <a:rPr lang="en-US" altLang="ko-KR" dirty="0" smtClean="0">
+                <a:solidFill>
+                  <a:schemeClr val="tx1"/>
+                </a:solidFill>
+                <a:latin typeface="Noto Sans KR Light" panose="020B0300000000000000" pitchFamily="34" charset="-127"/>
+                <a:ea typeface="Noto Sans KR Light" panose="020B0300000000000000" pitchFamily="34" charset="-127"/>
+              </a:rPr>
+              <a:t>Web</a:t>
+            </a:r>
+            <a:endParaRPr lang="ko-KR" altLang="en-US" dirty="0">
+              <a:solidFill>
+                <a:srgbClr val="0000CD"/>
+              </a:solidFill>
+              <a:latin typeface="Noto Sans KR Light" panose="020B0300000000000000" pitchFamily="34" charset="-127"/>
+              <a:ea typeface="Noto Sans KR Light" panose="020B0300000000000000" pitchFamily="34" charset="-127"/>
             </a:endParaRPr>
           </a:p>
         </p:txBody>
@@ -10449,14 +11166,7 @@
                 <a:latin typeface="Noto Sans KR Light" panose="020B0300000000000000" pitchFamily="34" charset="-127"/>
                 <a:ea typeface="Noto Sans KR Light" panose="020B0300000000000000" pitchFamily="34" charset="-127"/>
               </a:rPr>
-              <a:t>i)</a:t>
-            </a:r>
-            <a:r>
-              <a:rPr lang="en-US" altLang="ko-KR" sz="1400" smtClean="0">
-                <a:latin typeface="Noto Sans KR Light" panose="020B0300000000000000" pitchFamily="34" charset="-127"/>
-                <a:ea typeface="Noto Sans KR Light" panose="020B0300000000000000" pitchFamily="34" charset="-127"/>
-              </a:rPr>
-              <a:t> Deliver Feed</a:t>
+              <a:t>i) Deliver Feed</a:t>
             </a:r>
             <a:endParaRPr lang="ko-KR" altLang="en-US" sz="1400" dirty="0">
               <a:latin typeface="Noto Sans KR Light" panose="020B0300000000000000" pitchFamily="34" charset="-127"/>
@@ -10586,14 +11296,7 @@
                 <a:latin typeface="Noto Sans KR Light" panose="020B0300000000000000" pitchFamily="34" charset="-127"/>
                 <a:ea typeface="Noto Sans KR Light" panose="020B0300000000000000" pitchFamily="34" charset="-127"/>
               </a:rPr>
-              <a:t>ii) </a:t>
-            </a:r>
-            <a:r>
-              <a:rPr lang="en-US" altLang="ko-KR" sz="1400" smtClean="0">
-                <a:latin typeface="Noto Sans KR Light" panose="020B0300000000000000" pitchFamily="34" charset="-127"/>
-                <a:ea typeface="Noto Sans KR Light" panose="020B0300000000000000" pitchFamily="34" charset="-127"/>
-              </a:rPr>
-              <a:t>Push Result</a:t>
+              <a:t>ii) Push Result</a:t>
             </a:r>
             <a:endParaRPr lang="ko-KR" altLang="en-US" sz="1400" dirty="0">
               <a:latin typeface="Noto Sans KR Light" panose="020B0300000000000000" pitchFamily="34" charset="-127"/>
@@ -10625,7 +11328,7 @@
           <a:lstStyle/>
           <a:p>
             <a:r>
-              <a:rPr lang="en-US" altLang="ko-KR" sz="1200" b="1" smtClean="0">
+              <a:rPr lang="en-US" altLang="ko-KR" sz="1200" b="1" dirty="0" smtClean="0">
                 <a:latin typeface="D2Coding" panose="020B0609020101020101" pitchFamily="49" charset="-127"/>
                 <a:ea typeface="D2Coding" panose="020B0609020101020101" pitchFamily="49" charset="-127"/>
               </a:rPr>
@@ -10633,14 +11336,14 @@
             </a:r>
           </a:p>
           <a:p>
-            <a:endParaRPr lang="en-US" altLang="ko-KR" sz="1200" smtClean="0">
+            <a:endParaRPr lang="en-US" altLang="ko-KR" sz="1200" dirty="0" smtClean="0">
               <a:latin typeface="D2Coding" panose="020B0609020101020101" pitchFamily="49" charset="-127"/>
               <a:ea typeface="D2Coding" panose="020B0609020101020101" pitchFamily="49" charset="-127"/>
             </a:endParaRPr>
           </a:p>
           <a:p>
             <a:r>
-              <a:rPr lang="en-US" altLang="ko-KR" sz="1200">
+              <a:rPr lang="en-US" altLang="ko-KR" sz="1200" dirty="0">
                 <a:latin typeface="D2Coding" panose="020B0609020101020101" pitchFamily="49" charset="-127"/>
                 <a:ea typeface="D2Coding" panose="020B0609020101020101" pitchFamily="49" charset="-127"/>
               </a:rPr>
@@ -10648,106 +11351,155 @@
             </a:r>
           </a:p>
           <a:p>
-            <a:endParaRPr lang="en-US" altLang="ko-KR" sz="1200">
+            <a:endParaRPr lang="en-US" altLang="ko-KR" sz="1200" dirty="0">
               <a:latin typeface="D2Coding" panose="020B0609020101020101" pitchFamily="49" charset="-127"/>
               <a:ea typeface="D2Coding" panose="020B0609020101020101" pitchFamily="49" charset="-127"/>
             </a:endParaRPr>
           </a:p>
           <a:p>
             <a:r>
-              <a:rPr lang="en-US" altLang="ko-KR" sz="1200">
+              <a:rPr lang="en-US" altLang="ko-KR" sz="1200" dirty="0">
                 <a:latin typeface="D2Coding" panose="020B0609020101020101" pitchFamily="49" charset="-127"/>
                 <a:ea typeface="D2Coding" panose="020B0609020101020101" pitchFamily="49" charset="-127"/>
               </a:rPr>
-              <a:t>option java_multiple_files = true;</a:t>
-            </a:r>
-          </a:p>
-          <a:p>
-            <a:r>
-              <a:rPr lang="en-US" altLang="ko-KR" sz="1200">
+              <a:t>option </a:t>
+            </a:r>
+            <a:r>
+              <a:rPr lang="en-US" altLang="ko-KR" sz="1200" dirty="0" err="1">
                 <a:latin typeface="D2Coding" panose="020B0609020101020101" pitchFamily="49" charset="-127"/>
                 <a:ea typeface="D2Coding" panose="020B0609020101020101" pitchFamily="49" charset="-127"/>
               </a:rPr>
-              <a:t>option java_package = "org.chb.examples.lib";</a:t>
-            </a:r>
-          </a:p>
-          <a:p>
-            <a:r>
-              <a:rPr lang="en-US" altLang="ko-KR" sz="1200">
+              <a:t>java_multiple_files</a:t>
+            </a:r>
+            <a:r>
+              <a:rPr lang="en-US" altLang="ko-KR" sz="1200" dirty="0">
                 <a:latin typeface="D2Coding" panose="020B0609020101020101" pitchFamily="49" charset="-127"/>
                 <a:ea typeface="D2Coding" panose="020B0609020101020101" pitchFamily="49" charset="-127"/>
               </a:rPr>
-              <a:t>option java_outer_classname </a:t>
-            </a:r>
-            <a:r>
-              <a:rPr lang="en-US" altLang="ko-KR" sz="1200">
+              <a:t> = true;</a:t>
+            </a:r>
+          </a:p>
+          <a:p>
+            <a:r>
+              <a:rPr lang="en-US" altLang="ko-KR" sz="1200" dirty="0">
                 <a:latin typeface="D2Coding" panose="020B0609020101020101" pitchFamily="49" charset="-127"/>
                 <a:ea typeface="D2Coding" panose="020B0609020101020101" pitchFamily="49" charset="-127"/>
               </a:rPr>
-              <a:t>= </a:t>
-            </a:r>
-            <a:r>
-              <a:rPr lang="en-US" altLang="ko-KR" sz="1200" smtClean="0">
+              <a:t>option </a:t>
+            </a:r>
+            <a:r>
+              <a:rPr lang="en-US" altLang="ko-KR" sz="1200" dirty="0" err="1">
                 <a:latin typeface="D2Coding" panose="020B0609020101020101" pitchFamily="49" charset="-127"/>
                 <a:ea typeface="D2Coding" panose="020B0609020101020101" pitchFamily="49" charset="-127"/>
               </a:rPr>
-              <a:t>"Bee4Proto</a:t>
-            </a:r>
-            <a:r>
-              <a:rPr lang="en-US" altLang="ko-KR" sz="1200">
+              <a:t>java_package</a:t>
+            </a:r>
+            <a:r>
+              <a:rPr lang="en-US" altLang="ko-KR" sz="1200" dirty="0">
                 <a:latin typeface="D2Coding" panose="020B0609020101020101" pitchFamily="49" charset="-127"/>
                 <a:ea typeface="D2Coding" panose="020B0609020101020101" pitchFamily="49" charset="-127"/>
               </a:rPr>
+              <a:t> = "org.chb.examples.lib";</a:t>
+            </a:r>
+          </a:p>
+          <a:p>
+            <a:r>
+              <a:rPr lang="en-US" altLang="ko-KR" sz="1200" dirty="0">
+                <a:latin typeface="D2Coding" panose="020B0609020101020101" pitchFamily="49" charset="-127"/>
+                <a:ea typeface="D2Coding" panose="020B0609020101020101" pitchFamily="49" charset="-127"/>
+              </a:rPr>
+              <a:t>option </a:t>
+            </a:r>
+            <a:r>
+              <a:rPr lang="en-US" altLang="ko-KR" sz="1200" dirty="0" err="1">
+                <a:latin typeface="D2Coding" panose="020B0609020101020101" pitchFamily="49" charset="-127"/>
+                <a:ea typeface="D2Coding" panose="020B0609020101020101" pitchFamily="49" charset="-127"/>
+              </a:rPr>
+              <a:t>java_outer_classname</a:t>
+            </a:r>
+            <a:r>
+              <a:rPr lang="en-US" altLang="ko-KR" sz="1200" dirty="0">
+                <a:latin typeface="D2Coding" panose="020B0609020101020101" pitchFamily="49" charset="-127"/>
+                <a:ea typeface="D2Coding" panose="020B0609020101020101" pitchFamily="49" charset="-127"/>
+              </a:rPr>
+              <a:t> = </a:t>
+            </a:r>
+            <a:r>
+              <a:rPr lang="en-US" altLang="ko-KR" sz="1200" dirty="0" smtClean="0">
+                <a:latin typeface="D2Coding" panose="020B0609020101020101" pitchFamily="49" charset="-127"/>
+                <a:ea typeface="D2Coding" panose="020B0609020101020101" pitchFamily="49" charset="-127"/>
+              </a:rPr>
+              <a:t>"Bee4Proto</a:t>
+            </a:r>
+            <a:r>
+              <a:rPr lang="en-US" altLang="ko-KR" sz="1200" dirty="0">
+                <a:latin typeface="D2Coding" panose="020B0609020101020101" pitchFamily="49" charset="-127"/>
+                <a:ea typeface="D2Coding" panose="020B0609020101020101" pitchFamily="49" charset="-127"/>
+              </a:rPr>
               <a:t>";</a:t>
             </a:r>
           </a:p>
           <a:p>
-            <a:endParaRPr lang="en-US" altLang="ko-KR" sz="1200">
+            <a:endParaRPr lang="en-US" altLang="ko-KR" sz="1200" dirty="0">
               <a:latin typeface="D2Coding" panose="020B0609020101020101" pitchFamily="49" charset="-127"/>
               <a:ea typeface="D2Coding" panose="020B0609020101020101" pitchFamily="49" charset="-127"/>
             </a:endParaRPr>
           </a:p>
           <a:p>
             <a:r>
-              <a:rPr lang="en-US" altLang="ko-KR" sz="1200" smtClean="0">
+              <a:rPr lang="en-US" altLang="ko-KR" sz="1200" dirty="0" smtClean="0">
                 <a:latin typeface="D2Coding" panose="020B0609020101020101" pitchFamily="49" charset="-127"/>
                 <a:ea typeface="D2Coding" panose="020B0609020101020101" pitchFamily="49" charset="-127"/>
               </a:rPr>
-              <a:t>message NodeCondition {</a:t>
-            </a:r>
-          </a:p>
-          <a:p>
-            <a:r>
-              <a:rPr lang="en-US" altLang="ko-KR" sz="1200" smtClean="0">
+              <a:t>message </a:t>
+            </a:r>
+            <a:r>
+              <a:rPr lang="en-US" altLang="ko-KR" sz="1200" dirty="0" err="1" smtClean="0">
                 <a:latin typeface="D2Coding" panose="020B0609020101020101" pitchFamily="49" charset="-127"/>
                 <a:ea typeface="D2Coding" panose="020B0609020101020101" pitchFamily="49" charset="-127"/>
               </a:rPr>
-              <a:t>  bool healthy = 1;</a:t>
-            </a:r>
-          </a:p>
-          <a:p>
-            <a:r>
-              <a:rPr lang="en-US" altLang="ko-KR" sz="1200">
+              <a:t>NodeCondition</a:t>
+            </a:r>
+            <a:r>
+              <a:rPr lang="en-US" altLang="ko-KR" sz="1200" dirty="0" smtClean="0">
                 <a:latin typeface="D2Coding" panose="020B0609020101020101" pitchFamily="49" charset="-127"/>
                 <a:ea typeface="D2Coding" panose="020B0609020101020101" pitchFamily="49" charset="-127"/>
               </a:rPr>
-              <a:t> </a:t>
-            </a:r>
-            <a:r>
-              <a:rPr lang="en-US" altLang="ko-KR" sz="1200" smtClean="0">
+              <a:t> {</a:t>
+            </a:r>
+          </a:p>
+          <a:p>
+            <a:r>
+              <a:rPr lang="en-US" altLang="ko-KR" sz="1200" dirty="0" smtClean="0">
                 <a:latin typeface="D2Coding" panose="020B0609020101020101" pitchFamily="49" charset="-127"/>
                 <a:ea typeface="D2Coding" panose="020B0609020101020101" pitchFamily="49" charset="-127"/>
               </a:rPr>
+              <a:t>  bool healthy = 1;</a:t>
+            </a:r>
+          </a:p>
+          <a:p>
+            <a:r>
+              <a:rPr lang="en-US" altLang="ko-KR" sz="1200" dirty="0">
+                <a:latin typeface="D2Coding" panose="020B0609020101020101" pitchFamily="49" charset="-127"/>
+                <a:ea typeface="D2Coding" panose="020B0609020101020101" pitchFamily="49" charset="-127"/>
+              </a:rPr>
+              <a:t> </a:t>
+            </a:r>
+            <a:r>
+              <a:rPr lang="en-US" altLang="ko-KR" sz="1200" dirty="0" smtClean="0">
+                <a:latin typeface="D2Coding" panose="020B0609020101020101" pitchFamily="49" charset="-127"/>
+                <a:ea typeface="D2Coding" panose="020B0609020101020101" pitchFamily="49" charset="-127"/>
+              </a:rPr>
               <a:t> bool idle = 2;</a:t>
             </a:r>
-            <a:endParaRPr lang="en-US" altLang="ko-KR" sz="1200">
+            <a:endParaRPr lang="en-US" altLang="ko-KR" sz="1200" dirty="0">
               <a:latin typeface="D2Coding" panose="020B0609020101020101" pitchFamily="49" charset="-127"/>
               <a:ea typeface="D2Coding" panose="020B0609020101020101" pitchFamily="49" charset="-127"/>
             </a:endParaRPr>
           </a:p>
           <a:p>
             <a:r>
-              <a:rPr lang="en-US" altLang="ko-KR" sz="1200" smtClean="0">
+              <a:rPr lang="en-US" altLang="ko-KR" sz="1200" dirty="0" smtClean="0">
                 <a:latin typeface="D2Coding" panose="020B0609020101020101" pitchFamily="49" charset="-127"/>
                 <a:ea typeface="D2Coding" panose="020B0609020101020101" pitchFamily="49" charset="-127"/>
               </a:rPr>
@@ -10755,14 +11507,14 @@
             </a:r>
           </a:p>
           <a:p>
-            <a:endParaRPr lang="en-US" altLang="ko-KR" sz="1200">
+            <a:endParaRPr lang="en-US" altLang="ko-KR" sz="1200" dirty="0">
               <a:latin typeface="D2Coding" panose="020B0609020101020101" pitchFamily="49" charset="-127"/>
               <a:ea typeface="D2Coding" panose="020B0609020101020101" pitchFamily="49" charset="-127"/>
             </a:endParaRPr>
           </a:p>
           <a:p>
             <a:r>
-              <a:rPr lang="en-US" altLang="ko-KR" sz="1200" smtClean="0">
+              <a:rPr lang="en-US" altLang="ko-KR" sz="1200" dirty="0" smtClean="0">
                 <a:solidFill>
                   <a:srgbClr val="0000FF"/>
                 </a:solidFill>
@@ -10774,7 +11526,7 @@
           </a:p>
           <a:p>
             <a:r>
-              <a:rPr lang="en-US" altLang="ko-KR" sz="1200">
+              <a:rPr lang="en-US" altLang="ko-KR" sz="1200" dirty="0">
                 <a:solidFill>
                   <a:srgbClr val="0000FF"/>
                 </a:solidFill>
@@ -10784,7 +11536,7 @@
               <a:t> </a:t>
             </a:r>
             <a:r>
-              <a:rPr lang="en-US" altLang="ko-KR" sz="1200" smtClean="0">
+              <a:rPr lang="en-US" altLang="ko-KR" sz="1200" dirty="0" smtClean="0">
                 <a:solidFill>
                   <a:srgbClr val="0000FF"/>
                 </a:solidFill>
@@ -10796,7 +11548,7 @@
           </a:p>
           <a:p>
             <a:r>
-              <a:rPr lang="en-US" altLang="ko-KR" sz="1200">
+              <a:rPr lang="en-US" altLang="ko-KR" sz="1200" dirty="0">
                 <a:solidFill>
                   <a:srgbClr val="0000FF"/>
                 </a:solidFill>
@@ -10806,60 +11558,120 @@
               <a:t> </a:t>
             </a:r>
             <a:r>
-              <a:rPr lang="en-US" altLang="ko-KR" sz="1200" smtClean="0">
+              <a:rPr lang="en-US" altLang="ko-KR" sz="1200" dirty="0" smtClean="0">
                 <a:solidFill>
                   <a:srgbClr val="0000FF"/>
                 </a:solidFill>
                 <a:latin typeface="D2Coding" panose="020B0609020101020101" pitchFamily="49" charset="-127"/>
                 <a:ea typeface="D2Coding" panose="020B0609020101020101" pitchFamily="49" charset="-127"/>
               </a:rPr>
-              <a:t> string botType = 2;</a:t>
-            </a:r>
-          </a:p>
-          <a:p>
-            <a:r>
-              <a:rPr lang="en-US" altLang="ko-KR" sz="1200">
+              <a:t> string </a:t>
+            </a:r>
+            <a:r>
+              <a:rPr lang="en-US" altLang="ko-KR" sz="1200" dirty="0" err="1" smtClean="0">
                 <a:solidFill>
                   <a:srgbClr val="0000FF"/>
                 </a:solidFill>
                 <a:latin typeface="D2Coding" panose="020B0609020101020101" pitchFamily="49" charset="-127"/>
                 <a:ea typeface="D2Coding" panose="020B0609020101020101" pitchFamily="49" charset="-127"/>
               </a:rPr>
-              <a:t> </a:t>
-            </a:r>
-            <a:r>
-              <a:rPr lang="en-US" altLang="ko-KR" sz="1200" smtClean="0">
+              <a:t>botType</a:t>
+            </a:r>
+            <a:r>
+              <a:rPr lang="en-US" altLang="ko-KR" sz="1200" dirty="0" smtClean="0">
                 <a:solidFill>
                   <a:srgbClr val="0000FF"/>
                 </a:solidFill>
                 <a:latin typeface="D2Coding" panose="020B0609020101020101" pitchFamily="49" charset="-127"/>
                 <a:ea typeface="D2Coding" panose="020B0609020101020101" pitchFamily="49" charset="-127"/>
               </a:rPr>
-              <a:t> stirng script = 3;</a:t>
-            </a:r>
-          </a:p>
-          <a:p>
-            <a:r>
-              <a:rPr lang="en-US" altLang="ko-KR" sz="1200" smtClean="0">
+              <a:t> = 2;</a:t>
+            </a:r>
+          </a:p>
+          <a:p>
+            <a:r>
+              <a:rPr lang="en-US" altLang="ko-KR" sz="1200" dirty="0">
                 <a:solidFill>
                   <a:srgbClr val="0000FF"/>
                 </a:solidFill>
                 <a:latin typeface="D2Coding" panose="020B0609020101020101" pitchFamily="49" charset="-127"/>
                 <a:ea typeface="D2Coding" panose="020B0609020101020101" pitchFamily="49" charset="-127"/>
               </a:rPr>
-              <a:t>  </a:t>
-            </a:r>
-            <a:r>
-              <a:rPr lang="en-US" altLang="ko-KR" sz="1200">
+              <a:t> </a:t>
+            </a:r>
+            <a:r>
+              <a:rPr lang="en-US" altLang="ko-KR" sz="1200" dirty="0" smtClean="0">
                 <a:solidFill>
                   <a:srgbClr val="0000FF"/>
                 </a:solidFill>
                 <a:latin typeface="D2Coding" panose="020B0609020101020101" pitchFamily="49" charset="-127"/>
                 <a:ea typeface="D2Coding" panose="020B0609020101020101" pitchFamily="49" charset="-127"/>
               </a:rPr>
-              <a:t>string botAnswer = 2;</a:t>
-            </a:r>
-            <a:endParaRPr lang="en-US" altLang="ko-KR" sz="1200" smtClean="0">
+              <a:t> </a:t>
+            </a:r>
+            <a:r>
+              <a:rPr lang="en-US" altLang="ko-KR" sz="1200" dirty="0" err="1" smtClean="0">
+                <a:solidFill>
+                  <a:srgbClr val="0000FF"/>
+                </a:solidFill>
+                <a:latin typeface="D2Coding" panose="020B0609020101020101" pitchFamily="49" charset="-127"/>
+                <a:ea typeface="D2Coding" panose="020B0609020101020101" pitchFamily="49" charset="-127"/>
+              </a:rPr>
+              <a:t>stirng</a:t>
+            </a:r>
+            <a:r>
+              <a:rPr lang="en-US" altLang="ko-KR" sz="1200" dirty="0" smtClean="0">
+                <a:solidFill>
+                  <a:srgbClr val="0000FF"/>
+                </a:solidFill>
+                <a:latin typeface="D2Coding" panose="020B0609020101020101" pitchFamily="49" charset="-127"/>
+                <a:ea typeface="D2Coding" panose="020B0609020101020101" pitchFamily="49" charset="-127"/>
+              </a:rPr>
+              <a:t> script = 3;</a:t>
+            </a:r>
+          </a:p>
+          <a:p>
+            <a:r>
+              <a:rPr lang="en-US" altLang="ko-KR" sz="1200" dirty="0" smtClean="0">
+                <a:solidFill>
+                  <a:srgbClr val="0000FF"/>
+                </a:solidFill>
+                <a:latin typeface="D2Coding" panose="020B0609020101020101" pitchFamily="49" charset="-127"/>
+                <a:ea typeface="D2Coding" panose="020B0609020101020101" pitchFamily="49" charset="-127"/>
+              </a:rPr>
+              <a:t>  </a:t>
+            </a:r>
+            <a:r>
+              <a:rPr lang="en-US" altLang="ko-KR" sz="1200" dirty="0">
+                <a:solidFill>
+                  <a:srgbClr val="0000FF"/>
+                </a:solidFill>
+                <a:latin typeface="D2Coding" panose="020B0609020101020101" pitchFamily="49" charset="-127"/>
+                <a:ea typeface="D2Coding" panose="020B0609020101020101" pitchFamily="49" charset="-127"/>
+              </a:rPr>
+              <a:t>string </a:t>
+            </a:r>
+            <a:r>
+              <a:rPr lang="en-US" altLang="ko-KR" sz="1200" dirty="0" err="1">
+                <a:solidFill>
+                  <a:srgbClr val="0000FF"/>
+                </a:solidFill>
+                <a:latin typeface="D2Coding" panose="020B0609020101020101" pitchFamily="49" charset="-127"/>
+                <a:ea typeface="D2Coding" panose="020B0609020101020101" pitchFamily="49" charset="-127"/>
+              </a:rPr>
+              <a:t>botAnswer</a:t>
+            </a:r>
+            <a:r>
+              <a:rPr lang="en-US" altLang="ko-KR" sz="1200" dirty="0">
+                <a:solidFill>
+                  <a:srgbClr val="0000FF"/>
+                </a:solidFill>
+                <a:latin typeface="D2Coding" panose="020B0609020101020101" pitchFamily="49" charset="-127"/>
+                <a:ea typeface="D2Coding" panose="020B0609020101020101" pitchFamily="49" charset="-127"/>
+              </a:rPr>
+              <a:t> = 2;</a:t>
+            </a:r>
+            <a:endParaRPr lang="en-US" altLang="ko-KR" sz="1200" dirty="0" smtClean="0">
               <a:solidFill>
                 <a:srgbClr val="0000FF"/>
               </a:solidFill>
@@ -10869,7 +11681,7 @@
           </a:p>
           <a:p>
             <a:r>
-              <a:rPr lang="en-US" altLang="ko-KR" sz="1200" smtClean="0">
+              <a:rPr lang="en-US" altLang="ko-KR" sz="1200" dirty="0" smtClean="0">
                 <a:solidFill>
                   <a:srgbClr val="0000FF"/>
                 </a:solidFill>
@@ -10880,14 +11692,14 @@
             </a:r>
           </a:p>
           <a:p>
-            <a:endParaRPr lang="en-US" altLang="ko-KR" sz="1200">
+            <a:endParaRPr lang="en-US" altLang="ko-KR" sz="1200" dirty="0">
               <a:latin typeface="D2Coding" panose="020B0609020101020101" pitchFamily="49" charset="-127"/>
               <a:ea typeface="D2Coding" panose="020B0609020101020101" pitchFamily="49" charset="-127"/>
             </a:endParaRPr>
           </a:p>
           <a:p>
             <a:r>
-              <a:rPr lang="en-US" altLang="ko-KR" sz="1200" smtClean="0">
+              <a:rPr lang="en-US" altLang="ko-KR" sz="1200" dirty="0" smtClean="0">
                 <a:latin typeface="D2Coding" panose="020B0609020101020101" pitchFamily="49" charset="-127"/>
                 <a:ea typeface="D2Coding" panose="020B0609020101020101" pitchFamily="49" charset="-127"/>
               </a:rPr>
@@ -10896,100 +11708,204 @@
           </a:p>
           <a:p>
             <a:r>
-              <a:rPr lang="en-US" altLang="ko-KR" sz="1200" smtClean="0">
+              <a:rPr lang="en-US" altLang="ko-KR" sz="1200" dirty="0" smtClean="0">
                 <a:latin typeface="D2Coding" panose="020B0609020101020101" pitchFamily="49" charset="-127"/>
                 <a:ea typeface="D2Coding" panose="020B0609020101020101" pitchFamily="49" charset="-127"/>
               </a:rPr>
-              <a:t>  rpc areYouHealthy() returns (NodeCondition);</a:t>
-            </a:r>
-          </a:p>
-          <a:p>
-            <a:r>
-              <a:rPr lang="en-US" altLang="ko-KR" sz="1200">
+              <a:t>  </a:t>
+            </a:r>
+            <a:r>
+              <a:rPr lang="en-US" altLang="ko-KR" sz="1200" dirty="0" err="1" smtClean="0">
                 <a:latin typeface="D2Coding" panose="020B0609020101020101" pitchFamily="49" charset="-127"/>
                 <a:ea typeface="D2Coding" panose="020B0609020101020101" pitchFamily="49" charset="-127"/>
               </a:rPr>
-              <a:t> </a:t>
-            </a:r>
-            <a:r>
-              <a:rPr lang="en-US" altLang="ko-KR" sz="1200" smtClean="0">
+              <a:t>rpc</a:t>
+            </a:r>
+            <a:r>
+              <a:rPr lang="en-US" altLang="ko-KR" sz="1200" dirty="0" smtClean="0">
                 <a:latin typeface="D2Coding" panose="020B0609020101020101" pitchFamily="49" charset="-127"/>
                 <a:ea typeface="D2Coding" panose="020B0609020101020101" pitchFamily="49" charset="-127"/>
               </a:rPr>
-              <a:t> rpc areYouIdle() returns (NodeCondition);</a:t>
-            </a:r>
-          </a:p>
-          <a:p>
-            <a:r>
-              <a:rPr lang="en-US" altLang="ko-KR" sz="1200">
-                <a:solidFill>
-                  <a:srgbClr val="0000FF"/>
-                </a:solidFill>
+              <a:t> </a:t>
+            </a:r>
+            <a:r>
+              <a:rPr lang="en-US" altLang="ko-KR" sz="1200" dirty="0" err="1" smtClean="0">
                 <a:latin typeface="D2Coding" panose="020B0609020101020101" pitchFamily="49" charset="-127"/>
                 <a:ea typeface="D2Coding" panose="020B0609020101020101" pitchFamily="49" charset="-127"/>
               </a:rPr>
-              <a:t> </a:t>
-            </a:r>
-            <a:r>
-              <a:rPr lang="en-US" altLang="ko-KR" sz="1200" smtClean="0">
-                <a:solidFill>
-                  <a:srgbClr val="0000FF"/>
-                </a:solidFill>
+              <a:t>areYouHealthy</a:t>
+            </a:r>
+            <a:r>
+              <a:rPr lang="en-US" altLang="ko-KR" sz="1200" dirty="0" smtClean="0">
                 <a:latin typeface="D2Coding" panose="020B0609020101020101" pitchFamily="49" charset="-127"/>
                 <a:ea typeface="D2Coding" panose="020B0609020101020101" pitchFamily="49" charset="-127"/>
               </a:rPr>
-              <a:t> rpc deliver(</a:t>
-            </a:r>
-            <a:r>
-              <a:rPr lang="en-US" altLang="ko-KR" sz="1200">
-                <a:solidFill>
-                  <a:srgbClr val="0000FF"/>
-                </a:solidFill>
+              <a:t>() returns (</a:t>
+            </a:r>
+            <a:r>
+              <a:rPr lang="en-US" altLang="ko-KR" sz="1200" dirty="0" err="1" smtClean="0">
                 <a:latin typeface="D2Coding" panose="020B0609020101020101" pitchFamily="49" charset="-127"/>
                 <a:ea typeface="D2Coding" panose="020B0609020101020101" pitchFamily="49" charset="-127"/>
               </a:rPr>
-              <a:t>Feed</a:t>
-            </a:r>
-            <a:r>
-              <a:rPr lang="en-US" altLang="ko-KR" sz="1200" smtClean="0">
-                <a:solidFill>
-                  <a:srgbClr val="0000FF"/>
-                </a:solidFill>
+              <a:t>NodeCondition</a:t>
+            </a:r>
+            <a:r>
+              <a:rPr lang="en-US" altLang="ko-KR" sz="1200" dirty="0" smtClean="0">
                 <a:latin typeface="D2Coding" panose="020B0609020101020101" pitchFamily="49" charset="-127"/>
                 <a:ea typeface="D2Coding" panose="020B0609020101020101" pitchFamily="49" charset="-127"/>
               </a:rPr>
-              <a:t>) returns (</a:t>
-            </a:r>
-            <a:r>
-              <a:rPr lang="en-US" altLang="ko-KR" sz="1200">
-                <a:solidFill>
-                  <a:srgbClr val="0000FF"/>
-                </a:solidFill>
+              <a:t>);</a:t>
+            </a:r>
+          </a:p>
+          <a:p>
+            <a:r>
+              <a:rPr lang="en-US" altLang="ko-KR" sz="1200" dirty="0">
                 <a:latin typeface="D2Coding" panose="020B0609020101020101" pitchFamily="49" charset="-127"/>
                 <a:ea typeface="D2Coding" panose="020B0609020101020101" pitchFamily="49" charset="-127"/>
               </a:rPr>
-              <a:t>Feed</a:t>
-            </a:r>
-            <a:r>
-              <a:rPr lang="en-US" altLang="ko-KR" sz="1200" smtClean="0">
-                <a:solidFill>
-                  <a:srgbClr val="0000FF"/>
-                </a:solidFill>
+              <a:t> </a:t>
+            </a:r>
+            <a:r>
+              <a:rPr lang="en-US" altLang="ko-KR" sz="1200" dirty="0" smtClean="0">
                 <a:latin typeface="D2Coding" panose="020B0609020101020101" pitchFamily="49" charset="-127"/>
                 <a:ea typeface="D2Coding" panose="020B0609020101020101" pitchFamily="49" charset="-127"/>
               </a:rPr>
-              <a:t>);</a:t>
-            </a:r>
-          </a:p>
-          <a:p>
-            <a:r>
-              <a:rPr lang="en-US" altLang="ko-KR" sz="1200" smtClean="0">
+              <a:t> </a:t>
+            </a:r>
+            <a:r>
+              <a:rPr lang="en-US" altLang="ko-KR" sz="1200" dirty="0" err="1" smtClean="0">
                 <a:latin typeface="D2Coding" panose="020B0609020101020101" pitchFamily="49" charset="-127"/>
                 <a:ea typeface="D2Coding" panose="020B0609020101020101" pitchFamily="49" charset="-127"/>
               </a:rPr>
+              <a:t>rpc</a:t>
+            </a:r>
+            <a:r>
+              <a:rPr lang="en-US" altLang="ko-KR" sz="1200" dirty="0" smtClean="0">
+                <a:latin typeface="D2Coding" panose="020B0609020101020101" pitchFamily="49" charset="-127"/>
+                <a:ea typeface="D2Coding" panose="020B0609020101020101" pitchFamily="49" charset="-127"/>
+              </a:rPr>
+              <a:t> </a:t>
+            </a:r>
+            <a:r>
+              <a:rPr lang="en-US" altLang="ko-KR" sz="1200" dirty="0" err="1" smtClean="0">
+                <a:latin typeface="D2Coding" panose="020B0609020101020101" pitchFamily="49" charset="-127"/>
+                <a:ea typeface="D2Coding" panose="020B0609020101020101" pitchFamily="49" charset="-127"/>
+              </a:rPr>
+              <a:t>areYouIdle</a:t>
+            </a:r>
+            <a:r>
+              <a:rPr lang="en-US" altLang="ko-KR" sz="1200" dirty="0" smtClean="0">
+                <a:latin typeface="D2Coding" panose="020B0609020101020101" pitchFamily="49" charset="-127"/>
+                <a:ea typeface="D2Coding" panose="020B0609020101020101" pitchFamily="49" charset="-127"/>
+              </a:rPr>
+              <a:t>() returns (</a:t>
+            </a:r>
+            <a:r>
+              <a:rPr lang="en-US" altLang="ko-KR" sz="1200" dirty="0" err="1" smtClean="0">
+                <a:latin typeface="D2Coding" panose="020B0609020101020101" pitchFamily="49" charset="-127"/>
+                <a:ea typeface="D2Coding" panose="020B0609020101020101" pitchFamily="49" charset="-127"/>
+              </a:rPr>
+              <a:t>NodeCondition</a:t>
+            </a:r>
+            <a:r>
+              <a:rPr lang="en-US" altLang="ko-KR" sz="1200" dirty="0" smtClean="0">
+                <a:latin typeface="D2Coding" panose="020B0609020101020101" pitchFamily="49" charset="-127"/>
+                <a:ea typeface="D2Coding" panose="020B0609020101020101" pitchFamily="49" charset="-127"/>
+              </a:rPr>
+              <a:t>);</a:t>
+            </a:r>
+          </a:p>
+          <a:p>
+            <a:r>
+              <a:rPr lang="en-US" altLang="ko-KR" sz="1200" dirty="0">
+                <a:solidFill>
+                  <a:srgbClr val="0000FF"/>
+                </a:solidFill>
+                <a:latin typeface="D2Coding" panose="020B0609020101020101" pitchFamily="49" charset="-127"/>
+                <a:ea typeface="D2Coding" panose="020B0609020101020101" pitchFamily="49" charset="-127"/>
+              </a:rPr>
+              <a:t> </a:t>
+            </a:r>
+            <a:r>
+              <a:rPr lang="en-US" altLang="ko-KR" sz="1200" dirty="0" smtClean="0">
+                <a:solidFill>
+                  <a:srgbClr val="0000FF"/>
+                </a:solidFill>
+                <a:latin typeface="D2Coding" panose="020B0609020101020101" pitchFamily="49" charset="-127"/>
+                <a:ea typeface="D2Coding" panose="020B0609020101020101" pitchFamily="49" charset="-127"/>
+              </a:rPr>
+              <a:t> </a:t>
+            </a:r>
+            <a:r>
+              <a:rPr lang="en-US" altLang="ko-KR" sz="1200" dirty="0" err="1" smtClean="0">
+                <a:solidFill>
+                  <a:srgbClr val="0000FF"/>
+                </a:solidFill>
+                <a:latin typeface="D2Coding" panose="020B0609020101020101" pitchFamily="49" charset="-127"/>
+                <a:ea typeface="D2Coding" panose="020B0609020101020101" pitchFamily="49" charset="-127"/>
+              </a:rPr>
+              <a:t>rpc</a:t>
+            </a:r>
+            <a:r>
+              <a:rPr lang="en-US" altLang="ko-KR" sz="1200" dirty="0" smtClean="0">
+                <a:solidFill>
+                  <a:srgbClr val="0000FF"/>
+                </a:solidFill>
+                <a:latin typeface="D2Coding" panose="020B0609020101020101" pitchFamily="49" charset="-127"/>
+                <a:ea typeface="D2Coding" panose="020B0609020101020101" pitchFamily="49" charset="-127"/>
+              </a:rPr>
+              <a:t> deliver(</a:t>
+            </a:r>
+            <a:r>
+              <a:rPr lang="en-US" altLang="ko-KR" sz="1200" dirty="0">
+                <a:solidFill>
+                  <a:srgbClr val="0000FF"/>
+                </a:solidFill>
+                <a:latin typeface="D2Coding" panose="020B0609020101020101" pitchFamily="49" charset="-127"/>
+                <a:ea typeface="D2Coding" panose="020B0609020101020101" pitchFamily="49" charset="-127"/>
+              </a:rPr>
+              <a:t>Feed</a:t>
+            </a:r>
+            <a:r>
+              <a:rPr lang="en-US" altLang="ko-KR" sz="1200" dirty="0" smtClean="0">
+                <a:solidFill>
+                  <a:srgbClr val="0000FF"/>
+                </a:solidFill>
+                <a:latin typeface="D2Coding" panose="020B0609020101020101" pitchFamily="49" charset="-127"/>
+                <a:ea typeface="D2Coding" panose="020B0609020101020101" pitchFamily="49" charset="-127"/>
+              </a:rPr>
+              <a:t>) returns (</a:t>
+            </a:r>
+            <a:r>
+              <a:rPr lang="en-US" altLang="ko-KR" sz="1200" dirty="0">
+                <a:solidFill>
+                  <a:srgbClr val="0000FF"/>
+                </a:solidFill>
+                <a:latin typeface="D2Coding" panose="020B0609020101020101" pitchFamily="49" charset="-127"/>
+                <a:ea typeface="D2Coding" panose="020B0609020101020101" pitchFamily="49" charset="-127"/>
+              </a:rPr>
+              <a:t>Feed</a:t>
+            </a:r>
+            <a:r>
+              <a:rPr lang="en-US" altLang="ko-KR" sz="1200" dirty="0" smtClean="0">
+                <a:solidFill>
+                  <a:srgbClr val="0000FF"/>
+                </a:solidFill>
+                <a:latin typeface="D2Coding" panose="020B0609020101020101" pitchFamily="49" charset="-127"/>
+                <a:ea typeface="D2Coding" panose="020B0609020101020101" pitchFamily="49" charset="-127"/>
+              </a:rPr>
+              <a:t>);</a:t>
+            </a:r>
+          </a:p>
+          <a:p>
+            <a:r>
+              <a:rPr lang="en-US" altLang="ko-KR" sz="1200" dirty="0" smtClean="0">
+                <a:latin typeface="D2Coding" panose="020B0609020101020101" pitchFamily="49" charset="-127"/>
+                <a:ea typeface="D2Coding" panose="020B0609020101020101" pitchFamily="49" charset="-127"/>
+              </a:rPr>
               <a:t>}</a:t>
             </a:r>
-            <a:endParaRPr lang="ko-KR" altLang="en-US" sz="1200">
+            <a:endParaRPr lang="ko-KR" altLang="en-US" sz="1200" dirty="0">
               <a:latin typeface="D2Coding" panose="020B0609020101020101" pitchFamily="49" charset="-127"/>
               <a:ea typeface="D2Coding" panose="020B0609020101020101" pitchFamily="49" charset="-127"/>
             </a:endParaRPr>
@@ -11324,14 +12240,7 @@
                 <a:latin typeface="Noto Sans KR Light" panose="020B0300000000000000" pitchFamily="34" charset="-127"/>
                 <a:ea typeface="Noto Sans KR Light" panose="020B0300000000000000" pitchFamily="34" charset="-127"/>
               </a:rPr>
-              <a:t>iii) </a:t>
-            </a:r>
-            <a:r>
-              <a:rPr lang="en-US" altLang="ko-KR" sz="1400" smtClean="0">
-                <a:latin typeface="Noto Sans KR Light" panose="020B0300000000000000" pitchFamily="34" charset="-127"/>
-                <a:ea typeface="Noto Sans KR Light" panose="020B0300000000000000" pitchFamily="34" charset="-127"/>
-              </a:rPr>
-              <a:t>Pop Result</a:t>
+              <a:t>iii) Pop Result</a:t>
             </a:r>
             <a:endParaRPr lang="ko-KR" altLang="en-US" sz="1400" dirty="0">
               <a:latin typeface="Noto Sans KR Light" panose="020B0300000000000000" pitchFamily="34" charset="-127"/>
@@ -11380,14 +12289,7 @@
                 <a:latin typeface="Noto Sans KR Light" panose="020B0300000000000000" pitchFamily="34" charset="-127"/>
                 <a:ea typeface="Noto Sans KR Light" panose="020B0300000000000000" pitchFamily="34" charset="-127"/>
               </a:rPr>
-              <a:t>) </a:t>
-            </a:r>
-            <a:r>
-              <a:rPr lang="en-US" altLang="ko-KR" sz="1400" smtClean="0">
-                <a:latin typeface="Noto Sans KR Light" panose="020B0300000000000000" pitchFamily="34" charset="-127"/>
-                <a:ea typeface="Noto Sans KR Light" panose="020B0300000000000000" pitchFamily="34" charset="-127"/>
-              </a:rPr>
-              <a:t>Fetch Result</a:t>
+              <a:t>) Fetch Result</a:t>
             </a:r>
             <a:endParaRPr lang="ko-KR" altLang="en-US" sz="1400" dirty="0">
               <a:latin typeface="Noto Sans KR Light" panose="020B0300000000000000" pitchFamily="34" charset="-127"/>
@@ -15896,7 +16798,7 @@
             <a:blip r:embed="rId2">
               <a:extLst>
                 <a:ext uri="{96DAC541-7B7A-43D3-8B79-37D633B846F1}">
-                  <asvg:svgBlip xmlns="" xmlns:asvg="http://schemas.microsoft.com/office/drawing/2016/SVG/main" r:embed="rId3"/>
+                  <asvg:svgBlip xmlns:asvg="http://schemas.microsoft.com/office/drawing/2016/SVG/main" xmlns="" r:embed="rId3"/>
                 </a:ext>
               </a:extLst>
             </a:blip>
@@ -18026,7 +18928,7 @@
             <a:blip r:embed="rId2">
               <a:extLst>
                 <a:ext uri="{96DAC541-7B7A-43D3-8B79-37D633B846F1}">
-                  <asvg:svgBlip xmlns="" xmlns:asvg="http://schemas.microsoft.com/office/drawing/2016/SVG/main" r:embed="rId3"/>
+                  <asvg:svgBlip xmlns:asvg="http://schemas.microsoft.com/office/drawing/2016/SVG/main" xmlns="" r:embed="rId3"/>
                 </a:ext>
               </a:extLst>
             </a:blip>

--- a/Toy-project/bee4설계_진행중.pptx
+++ b/Toy-project/bee4설계_진행중.pptx
@@ -208,7 +208,7 @@
           <a:p>
             <a:fld id="{51C6EE63-EAFB-43B0-AA72-95A6EB9B6918}" type="datetimeFigureOut">
               <a:rPr lang="ko-KR" altLang="en-US" smtClean="0"/>
-              <a:t>2024-04-11</a:t>
+              <a:t>2024-04-17</a:t>
             </a:fld>
             <a:endParaRPr lang="ko-KR" altLang="en-US"/>
           </a:p>
@@ -622,7 +622,7 @@
           <a:p>
             <a:fld id="{FAE18B5F-2B3A-41E2-8C9B-9A146BA5DB45}" type="datetime1">
               <a:rPr lang="ko-KR" altLang="en-US" smtClean="0"/>
-              <a:t>2024-04-11</a:t>
+              <a:t>2024-04-17</a:t>
             </a:fld>
             <a:endParaRPr lang="ko-KR" altLang="en-US"/>
           </a:p>
@@ -825,7 +825,7 @@
           <a:p>
             <a:fld id="{DF74A3EA-D584-4189-A346-B52A1586DF5A}" type="datetime1">
               <a:rPr lang="ko-KR" altLang="en-US" smtClean="0"/>
-              <a:t>2024-04-11</a:t>
+              <a:t>2024-04-17</a:t>
             </a:fld>
             <a:endParaRPr lang="ko-KR" altLang="en-US"/>
           </a:p>
@@ -1033,7 +1033,7 @@
           <a:p>
             <a:fld id="{7DD28874-8F3C-4E9E-8468-65C6F0B59F50}" type="datetime1">
               <a:rPr lang="ko-KR" altLang="en-US" smtClean="0"/>
-              <a:t>2024-04-11</a:t>
+              <a:t>2024-04-17</a:t>
             </a:fld>
             <a:endParaRPr lang="ko-KR" altLang="en-US"/>
           </a:p>
@@ -1231,7 +1231,7 @@
           <a:p>
             <a:fld id="{2F2F19A6-E7D4-49BA-9128-40E350D94858}" type="datetime1">
               <a:rPr lang="ko-KR" altLang="en-US" smtClean="0"/>
-              <a:t>2024-04-11</a:t>
+              <a:t>2024-04-17</a:t>
             </a:fld>
             <a:endParaRPr lang="ko-KR" altLang="en-US"/>
           </a:p>
@@ -1506,7 +1506,7 @@
           <a:p>
             <a:fld id="{4C754405-9CAE-4E9F-8D69-3A9D872730D5}" type="datetime1">
               <a:rPr lang="ko-KR" altLang="en-US" smtClean="0"/>
-              <a:t>2024-04-11</a:t>
+              <a:t>2024-04-17</a:t>
             </a:fld>
             <a:endParaRPr lang="ko-KR" altLang="en-US"/>
           </a:p>
@@ -1771,7 +1771,7 @@
           <a:p>
             <a:fld id="{B88205F5-05F7-4DB1-AB34-9D2715D8F695}" type="datetime1">
               <a:rPr lang="ko-KR" altLang="en-US" smtClean="0"/>
-              <a:t>2024-04-11</a:t>
+              <a:t>2024-04-17</a:t>
             </a:fld>
             <a:endParaRPr lang="ko-KR" altLang="en-US"/>
           </a:p>
@@ -2183,7 +2183,7 @@
           <a:p>
             <a:fld id="{B4BE5A52-0759-42F1-B972-9DF35B6F7F69}" type="datetime1">
               <a:rPr lang="ko-KR" altLang="en-US" smtClean="0"/>
-              <a:t>2024-04-11</a:t>
+              <a:t>2024-04-17</a:t>
             </a:fld>
             <a:endParaRPr lang="ko-KR" altLang="en-US"/>
           </a:p>
@@ -2324,7 +2324,7 @@
           <a:p>
             <a:fld id="{21E1BF98-5BAF-4E10-BFF4-07A90368345B}" type="datetime1">
               <a:rPr lang="ko-KR" altLang="en-US" smtClean="0"/>
-              <a:t>2024-04-11</a:t>
+              <a:t>2024-04-17</a:t>
             </a:fld>
             <a:endParaRPr lang="ko-KR" altLang="en-US"/>
           </a:p>
@@ -2437,7 +2437,7 @@
           <a:p>
             <a:fld id="{66170E4C-0281-4A9D-A92C-F56F531DA030}" type="datetime1">
               <a:rPr lang="ko-KR" altLang="en-US" smtClean="0"/>
-              <a:t>2024-04-11</a:t>
+              <a:t>2024-04-17</a:t>
             </a:fld>
             <a:endParaRPr lang="ko-KR" altLang="en-US"/>
           </a:p>
@@ -2792,7 +2792,7 @@
           <a:p>
             <a:fld id="{75956195-C9BD-45A3-A71A-98887084073F}" type="datetime1">
               <a:rPr lang="ko-KR" altLang="en-US" smtClean="0"/>
-              <a:t>2024-04-11</a:t>
+              <a:t>2024-04-17</a:t>
             </a:fld>
             <a:endParaRPr lang="ko-KR" altLang="en-US"/>
           </a:p>
@@ -3080,7 +3080,7 @@
           <a:p>
             <a:fld id="{FA7CAE5C-1BB2-4F1F-ABD2-E757D9C24BA1}" type="datetime1">
               <a:rPr lang="ko-KR" altLang="en-US" smtClean="0"/>
-              <a:t>2024-04-11</a:t>
+              <a:t>2024-04-17</a:t>
             </a:fld>
             <a:endParaRPr lang="ko-KR" altLang="en-US"/>
           </a:p>
@@ -3321,7 +3321,7 @@
           <a:p>
             <a:fld id="{DD969061-4EBA-4879-8C2A-0E160E0CAE62}" type="datetime1">
               <a:rPr lang="ko-KR" altLang="en-US" smtClean="0"/>
-              <a:t>2024-04-11</a:t>
+              <a:t>2024-04-17</a:t>
             </a:fld>
             <a:endParaRPr lang="ko-KR" altLang="en-US"/>
           </a:p>
@@ -4426,7 +4426,7 @@
             <a:blip r:embed="rId2">
               <a:extLst>
                 <a:ext uri="{96DAC541-7B7A-43D3-8B79-37D633B846F1}">
-                  <asvg:svgBlip xmlns:asvg="http://schemas.microsoft.com/office/drawing/2016/SVG/main" xmlns="" r:embed="rId3"/>
+                  <asvg:svgBlip xmlns="" xmlns:asvg="http://schemas.microsoft.com/office/drawing/2016/SVG/main" r:embed="rId3"/>
                 </a:ext>
               </a:extLst>
             </a:blip>
@@ -10787,7 +10787,7 @@
         </p:nvSpPr>
         <p:spPr>
           <a:xfrm>
-            <a:off x="6103903" y="5195708"/>
+            <a:off x="10888357" y="5651905"/>
             <a:ext cx="535724" cy="307777"/>
           </a:xfrm>
           <a:prstGeom prst="rect">
@@ -10829,7 +10829,7 @@
         </p:nvSpPr>
         <p:spPr>
           <a:xfrm>
-            <a:off x="-160347" y="4502301"/>
+            <a:off x="-17211" y="4351634"/>
             <a:ext cx="1567022" cy="900803"/>
           </a:xfrm>
           <a:prstGeom prst="roundRect">
@@ -16798,7 +16798,7 @@
             <a:blip r:embed="rId2">
               <a:extLst>
                 <a:ext uri="{96DAC541-7B7A-43D3-8B79-37D633B846F1}">
-                  <asvg:svgBlip xmlns:asvg="http://schemas.microsoft.com/office/drawing/2016/SVG/main" xmlns="" r:embed="rId3"/>
+                  <asvg:svgBlip xmlns="" xmlns:asvg="http://schemas.microsoft.com/office/drawing/2016/SVG/main" r:embed="rId3"/>
                 </a:ext>
               </a:extLst>
             </a:blip>
@@ -18928,7 +18928,7 @@
             <a:blip r:embed="rId2">
               <a:extLst>
                 <a:ext uri="{96DAC541-7B7A-43D3-8B79-37D633B846F1}">
-                  <asvg:svgBlip xmlns:asvg="http://schemas.microsoft.com/office/drawing/2016/SVG/main" xmlns="" r:embed="rId3"/>
+                  <asvg:svgBlip xmlns="" xmlns:asvg="http://schemas.microsoft.com/office/drawing/2016/SVG/main" r:embed="rId3"/>
                 </a:ext>
               </a:extLst>
             </a:blip>

--- a/Toy-project/bee4설계_진행중.pptx
+++ b/Toy-project/bee4설계_진행중.pptx
@@ -5,21 +5,20 @@
     <p:sldMasterId id="2147483648" r:id="rId1"/>
   </p:sldMasterIdLst>
   <p:notesMasterIdLst>
-    <p:notesMasterId r:id="rId14"/>
+    <p:notesMasterId r:id="rId13"/>
   </p:notesMasterIdLst>
   <p:sldIdLst>
     <p:sldId id="289" r:id="rId2"/>
     <p:sldId id="293" r:id="rId3"/>
     <p:sldId id="294" r:id="rId4"/>
-    <p:sldId id="292" r:id="rId5"/>
-    <p:sldId id="281" r:id="rId6"/>
-    <p:sldId id="283" r:id="rId7"/>
-    <p:sldId id="265" r:id="rId8"/>
-    <p:sldId id="285" r:id="rId9"/>
-    <p:sldId id="291" r:id="rId10"/>
-    <p:sldId id="288" r:id="rId11"/>
-    <p:sldId id="267" r:id="rId12"/>
-    <p:sldId id="268" r:id="rId13"/>
+    <p:sldId id="281" r:id="rId5"/>
+    <p:sldId id="283" r:id="rId6"/>
+    <p:sldId id="265" r:id="rId7"/>
+    <p:sldId id="285" r:id="rId8"/>
+    <p:sldId id="291" r:id="rId9"/>
+    <p:sldId id="288" r:id="rId10"/>
+    <p:sldId id="267" r:id="rId11"/>
+    <p:sldId id="268" r:id="rId12"/>
   </p:sldIdLst>
   <p:sldSz cx="12192000" cy="6858000"/>
   <p:notesSz cx="6858000" cy="9144000"/>
@@ -208,7 +207,7 @@
           <a:p>
             <a:fld id="{51C6EE63-EAFB-43B0-AA72-95A6EB9B6918}" type="datetimeFigureOut">
               <a:rPr lang="ko-KR" altLang="en-US" smtClean="0"/>
-              <a:t>2024-04-17</a:t>
+              <a:t>2024-10-26</a:t>
             </a:fld>
             <a:endParaRPr lang="ko-KR" altLang="en-US"/>
           </a:p>
@@ -622,7 +621,7 @@
           <a:p>
             <a:fld id="{FAE18B5F-2B3A-41E2-8C9B-9A146BA5DB45}" type="datetime1">
               <a:rPr lang="ko-KR" altLang="en-US" smtClean="0"/>
-              <a:t>2024-04-17</a:t>
+              <a:t>2024-10-26</a:t>
             </a:fld>
             <a:endParaRPr lang="ko-KR" altLang="en-US"/>
           </a:p>
@@ -825,7 +824,7 @@
           <a:p>
             <a:fld id="{DF74A3EA-D584-4189-A346-B52A1586DF5A}" type="datetime1">
               <a:rPr lang="ko-KR" altLang="en-US" smtClean="0"/>
-              <a:t>2024-04-17</a:t>
+              <a:t>2024-10-26</a:t>
             </a:fld>
             <a:endParaRPr lang="ko-KR" altLang="en-US"/>
           </a:p>
@@ -1033,7 +1032,7 @@
           <a:p>
             <a:fld id="{7DD28874-8F3C-4E9E-8468-65C6F0B59F50}" type="datetime1">
               <a:rPr lang="ko-KR" altLang="en-US" smtClean="0"/>
-              <a:t>2024-04-17</a:t>
+              <a:t>2024-10-26</a:t>
             </a:fld>
             <a:endParaRPr lang="ko-KR" altLang="en-US"/>
           </a:p>
@@ -1231,7 +1230,7 @@
           <a:p>
             <a:fld id="{2F2F19A6-E7D4-49BA-9128-40E350D94858}" type="datetime1">
               <a:rPr lang="ko-KR" altLang="en-US" smtClean="0"/>
-              <a:t>2024-04-17</a:t>
+              <a:t>2024-10-26</a:t>
             </a:fld>
             <a:endParaRPr lang="ko-KR" altLang="en-US"/>
           </a:p>
@@ -1506,7 +1505,7 @@
           <a:p>
             <a:fld id="{4C754405-9CAE-4E9F-8D69-3A9D872730D5}" type="datetime1">
               <a:rPr lang="ko-KR" altLang="en-US" smtClean="0"/>
-              <a:t>2024-04-17</a:t>
+              <a:t>2024-10-26</a:t>
             </a:fld>
             <a:endParaRPr lang="ko-KR" altLang="en-US"/>
           </a:p>
@@ -1771,7 +1770,7 @@
           <a:p>
             <a:fld id="{B88205F5-05F7-4DB1-AB34-9D2715D8F695}" type="datetime1">
               <a:rPr lang="ko-KR" altLang="en-US" smtClean="0"/>
-              <a:t>2024-04-17</a:t>
+              <a:t>2024-10-26</a:t>
             </a:fld>
             <a:endParaRPr lang="ko-KR" altLang="en-US"/>
           </a:p>
@@ -2183,7 +2182,7 @@
           <a:p>
             <a:fld id="{B4BE5A52-0759-42F1-B972-9DF35B6F7F69}" type="datetime1">
               <a:rPr lang="ko-KR" altLang="en-US" smtClean="0"/>
-              <a:t>2024-04-17</a:t>
+              <a:t>2024-10-26</a:t>
             </a:fld>
             <a:endParaRPr lang="ko-KR" altLang="en-US"/>
           </a:p>
@@ -2324,7 +2323,7 @@
           <a:p>
             <a:fld id="{21E1BF98-5BAF-4E10-BFF4-07A90368345B}" type="datetime1">
               <a:rPr lang="ko-KR" altLang="en-US" smtClean="0"/>
-              <a:t>2024-04-17</a:t>
+              <a:t>2024-10-26</a:t>
             </a:fld>
             <a:endParaRPr lang="ko-KR" altLang="en-US"/>
           </a:p>
@@ -2437,7 +2436,7 @@
           <a:p>
             <a:fld id="{66170E4C-0281-4A9D-A92C-F56F531DA030}" type="datetime1">
               <a:rPr lang="ko-KR" altLang="en-US" smtClean="0"/>
-              <a:t>2024-04-17</a:t>
+              <a:t>2024-10-26</a:t>
             </a:fld>
             <a:endParaRPr lang="ko-KR" altLang="en-US"/>
           </a:p>
@@ -2792,7 +2791,7 @@
           <a:p>
             <a:fld id="{75956195-C9BD-45A3-A71A-98887084073F}" type="datetime1">
               <a:rPr lang="ko-KR" altLang="en-US" smtClean="0"/>
-              <a:t>2024-04-17</a:t>
+              <a:t>2024-10-26</a:t>
             </a:fld>
             <a:endParaRPr lang="ko-KR" altLang="en-US"/>
           </a:p>
@@ -3080,7 +3079,7 @@
           <a:p>
             <a:fld id="{FA7CAE5C-1BB2-4F1F-ABD2-E757D9C24BA1}" type="datetime1">
               <a:rPr lang="ko-KR" altLang="en-US" smtClean="0"/>
-              <a:t>2024-04-17</a:t>
+              <a:t>2024-10-26</a:t>
             </a:fld>
             <a:endParaRPr lang="ko-KR" altLang="en-US"/>
           </a:p>
@@ -3321,7 +3320,7 @@
           <a:p>
             <a:fld id="{DD969061-4EBA-4879-8C2A-0E160E0CAE62}" type="datetime1">
               <a:rPr lang="ko-KR" altLang="en-US" smtClean="0"/>
-              <a:t>2024-04-17</a:t>
+              <a:t>2024-10-26</a:t>
             </a:fld>
             <a:endParaRPr lang="ko-KR" altLang="en-US"/>
           </a:p>
@@ -4390,1544 +4389,6 @@
       </p:grpSpPr>
       <p:grpSp>
         <p:nvGrpSpPr>
-          <p:cNvPr id="16" name="그룹 15">
-            <a:extLst>
-              <a:ext uri="{FF2B5EF4-FFF2-40B4-BE49-F238E27FC236}">
-                <a16:creationId xmlns:a16="http://schemas.microsoft.com/office/drawing/2014/main" id="{93670469-4401-C0E8-1962-F7DC38357E3F}"/>
-              </a:ext>
-            </a:extLst>
-          </p:cNvPr>
-          <p:cNvGrpSpPr/>
-          <p:nvPr/>
-        </p:nvGrpSpPr>
-        <p:grpSpPr>
-          <a:xfrm>
-            <a:off x="210308" y="187333"/>
-            <a:ext cx="6403546" cy="461665"/>
-            <a:chOff x="4743397" y="1441059"/>
-            <a:chExt cx="6403546" cy="461665"/>
-          </a:xfrm>
-        </p:grpSpPr>
-        <p:pic>
-          <p:nvPicPr>
-            <p:cNvPr id="22" name="그래픽 21">
-              <a:extLst>
-                <a:ext uri="{FF2B5EF4-FFF2-40B4-BE49-F238E27FC236}">
-                  <a16:creationId xmlns:a16="http://schemas.microsoft.com/office/drawing/2014/main" id="{C7830BD2-C286-F6E2-F17B-475C389DA4E2}"/>
-                </a:ext>
-              </a:extLst>
-            </p:cNvPr>
-            <p:cNvPicPr>
-              <a:picLocks noChangeAspect="1"/>
-            </p:cNvPicPr>
-            <p:nvPr/>
-          </p:nvPicPr>
-          <p:blipFill>
-            <a:blip r:embed="rId2">
-              <a:extLst>
-                <a:ext uri="{96DAC541-7B7A-43D3-8B79-37D633B846F1}">
-                  <asvg:svgBlip xmlns="" xmlns:asvg="http://schemas.microsoft.com/office/drawing/2016/SVG/main" r:embed="rId3"/>
-                </a:ext>
-              </a:extLst>
-            </a:blip>
-            <a:stretch>
-              <a:fillRect/>
-            </a:stretch>
-          </p:blipFill>
-          <p:spPr>
-            <a:xfrm>
-              <a:off x="4743397" y="1512196"/>
-              <a:ext cx="358301" cy="358301"/>
-            </a:xfrm>
-            <a:prstGeom prst="rect">
-              <a:avLst/>
-            </a:prstGeom>
-          </p:spPr>
-        </p:pic>
-        <p:sp>
-          <p:nvSpPr>
-            <p:cNvPr id="23" name="TextBox 22">
-              <a:extLst>
-                <a:ext uri="{FF2B5EF4-FFF2-40B4-BE49-F238E27FC236}">
-                  <a16:creationId xmlns:a16="http://schemas.microsoft.com/office/drawing/2014/main" id="{2EEF2A5D-0B8C-2D9D-029A-E06357175EB0}"/>
-                </a:ext>
-              </a:extLst>
-            </p:cNvPr>
-            <p:cNvSpPr txBox="1"/>
-            <p:nvPr/>
-          </p:nvSpPr>
-          <p:spPr>
-            <a:xfrm>
-              <a:off x="5101698" y="1441059"/>
-              <a:ext cx="6045245" cy="461665"/>
-            </a:xfrm>
-            <a:prstGeom prst="rect">
-              <a:avLst/>
-            </a:prstGeom>
-            <a:noFill/>
-          </p:spPr>
-          <p:txBody>
-            <a:bodyPr wrap="none" rtlCol="0">
-              <a:spAutoFit/>
-            </a:bodyPr>
-            <a:lstStyle/>
-            <a:p>
-              <a:r>
-                <a:rPr lang="ko-KR" altLang="en-US" sz="2400" dirty="0">
-                  <a:latin typeface="HY견고딕" panose="02030600000101010101" pitchFamily="18" charset="-127"/>
-                  <a:ea typeface="HY견고딕" panose="02030600000101010101" pitchFamily="18" charset="-127"/>
-                </a:rPr>
-                <a:t>수집 네트워크 서비스 상세</a:t>
-              </a:r>
-              <a:r>
-                <a:rPr lang="en-US" altLang="ko-KR" sz="2400" dirty="0">
-                  <a:latin typeface="HY견고딕" panose="02030600000101010101" pitchFamily="18" charset="-127"/>
-                  <a:ea typeface="HY견고딕" panose="02030600000101010101" pitchFamily="18" charset="-127"/>
-                </a:rPr>
-                <a:t>: </a:t>
-              </a:r>
-              <a:r>
-                <a:rPr lang="ko-KR" altLang="en-US" sz="2400" dirty="0">
-                  <a:latin typeface="HY견고딕" panose="02030600000101010101" pitchFamily="18" charset="-127"/>
-                  <a:ea typeface="HY견고딕" panose="02030600000101010101" pitchFamily="18" charset="-127"/>
-                </a:rPr>
-                <a:t>수집명세 분할</a:t>
-              </a:r>
-            </a:p>
-          </p:txBody>
-        </p:sp>
-      </p:grpSp>
-      <p:grpSp>
-        <p:nvGrpSpPr>
-          <p:cNvPr id="119" name="그룹 118">
-            <a:extLst>
-              <a:ext uri="{FF2B5EF4-FFF2-40B4-BE49-F238E27FC236}">
-                <a16:creationId xmlns:a16="http://schemas.microsoft.com/office/drawing/2014/main" id="{63922B8C-8C8A-E053-2A9C-3E2371E5A944}"/>
-              </a:ext>
-            </a:extLst>
-          </p:cNvPr>
-          <p:cNvGrpSpPr/>
-          <p:nvPr/>
-        </p:nvGrpSpPr>
-        <p:grpSpPr>
-          <a:xfrm>
-            <a:off x="3151543" y="1435750"/>
-            <a:ext cx="6144857" cy="4076368"/>
-            <a:chOff x="1639937" y="1379626"/>
-            <a:chExt cx="6144857" cy="4076368"/>
-          </a:xfrm>
-        </p:grpSpPr>
-        <p:sp>
-          <p:nvSpPr>
-            <p:cNvPr id="30" name="사각형: 둥근 모서리 6">
-              <a:extLst>
-                <a:ext uri="{FF2B5EF4-FFF2-40B4-BE49-F238E27FC236}">
-                  <a16:creationId xmlns:a16="http://schemas.microsoft.com/office/drawing/2014/main" id="{AB44BB17-F789-907C-FA72-DAAE67819B08}"/>
-                </a:ext>
-              </a:extLst>
-            </p:cNvPr>
-            <p:cNvSpPr/>
-            <p:nvPr/>
-          </p:nvSpPr>
-          <p:spPr>
-            <a:xfrm>
-              <a:off x="2042766" y="2668995"/>
-              <a:ext cx="2912904" cy="2786999"/>
-            </a:xfrm>
-            <a:prstGeom prst="roundRect">
-              <a:avLst>
-                <a:gd name="adj" fmla="val 3584"/>
-              </a:avLst>
-            </a:prstGeom>
-            <a:solidFill>
-              <a:srgbClr val="00BFFF">
-                <a:alpha val="30000"/>
-              </a:srgbClr>
-            </a:solidFill>
-            <a:ln>
-              <a:noFill/>
-            </a:ln>
-          </p:spPr>
-          <p:style>
-            <a:lnRef idx="2">
-              <a:schemeClr val="accent1">
-                <a:shade val="50000"/>
-              </a:schemeClr>
-            </a:lnRef>
-            <a:fillRef idx="1">
-              <a:schemeClr val="accent1"/>
-            </a:fillRef>
-            <a:effectRef idx="0">
-              <a:schemeClr val="accent1"/>
-            </a:effectRef>
-            <a:fontRef idx="minor">
-              <a:schemeClr val="lt1"/>
-            </a:fontRef>
-          </p:style>
-          <p:txBody>
-            <a:bodyPr rtlCol="0" anchor="ctr"/>
-            <a:lstStyle/>
-            <a:p>
-              <a:pPr algn="ctr"/>
-              <a:endParaRPr lang="ko-KR" altLang="en-US" sz="1000" dirty="0">
-                <a:solidFill>
-                  <a:schemeClr val="tx1"/>
-                </a:solidFill>
-                <a:latin typeface="Noto Sans CJK KR" panose="020B0500000000000000" pitchFamily="34" charset="-127"/>
-                <a:ea typeface="Noto Sans CJK KR" panose="020B0500000000000000" pitchFamily="34" charset="-127"/>
-              </a:endParaRPr>
-            </a:p>
-          </p:txBody>
-        </p:sp>
-        <p:sp>
-          <p:nvSpPr>
-            <p:cNvPr id="104" name="사각형: 둥근 모서리 6">
-              <a:extLst>
-                <a:ext uri="{FF2B5EF4-FFF2-40B4-BE49-F238E27FC236}">
-                  <a16:creationId xmlns:a16="http://schemas.microsoft.com/office/drawing/2014/main" id="{1255B7FB-BB00-A2D7-3AD7-DC58CBD04C91}"/>
-                </a:ext>
-              </a:extLst>
-            </p:cNvPr>
-            <p:cNvSpPr/>
-            <p:nvPr/>
-          </p:nvSpPr>
-          <p:spPr>
-            <a:xfrm>
-              <a:off x="3525920" y="3009274"/>
-              <a:ext cx="1198080" cy="2243235"/>
-            </a:xfrm>
-            <a:prstGeom prst="roundRect">
-              <a:avLst>
-                <a:gd name="adj" fmla="val 8071"/>
-              </a:avLst>
-            </a:prstGeom>
-            <a:solidFill>
-              <a:schemeClr val="bg1">
-                <a:lumMod val="85000"/>
-              </a:schemeClr>
-            </a:solidFill>
-            <a:ln>
-              <a:noFill/>
-            </a:ln>
-          </p:spPr>
-          <p:style>
-            <a:lnRef idx="2">
-              <a:schemeClr val="accent1">
-                <a:shade val="50000"/>
-              </a:schemeClr>
-            </a:lnRef>
-            <a:fillRef idx="1">
-              <a:schemeClr val="accent1"/>
-            </a:fillRef>
-            <a:effectRef idx="0">
-              <a:schemeClr val="accent1"/>
-            </a:effectRef>
-            <a:fontRef idx="minor">
-              <a:schemeClr val="lt1"/>
-            </a:fontRef>
-          </p:style>
-          <p:txBody>
-            <a:bodyPr rtlCol="0" anchor="ctr"/>
-            <a:lstStyle/>
-            <a:p>
-              <a:pPr algn="ctr"/>
-              <a:endParaRPr lang="ko-KR" altLang="en-US" sz="1000" dirty="0">
-                <a:solidFill>
-                  <a:schemeClr val="tx1"/>
-                </a:solidFill>
-                <a:latin typeface="Noto Sans CJK KR" panose="020B0500000000000000" pitchFamily="34" charset="-127"/>
-                <a:ea typeface="Noto Sans CJK KR" panose="020B0500000000000000" pitchFamily="34" charset="-127"/>
-              </a:endParaRPr>
-            </a:p>
-          </p:txBody>
-        </p:sp>
-        <p:sp>
-          <p:nvSpPr>
-            <p:cNvPr id="18" name="사각형: 둥근 모서리 6">
-              <a:extLst>
-                <a:ext uri="{FF2B5EF4-FFF2-40B4-BE49-F238E27FC236}">
-                  <a16:creationId xmlns:a16="http://schemas.microsoft.com/office/drawing/2014/main" id="{24FB913C-EE51-CBBE-2223-E2A82D106E32}"/>
-                </a:ext>
-              </a:extLst>
-            </p:cNvPr>
-            <p:cNvSpPr/>
-            <p:nvPr/>
-          </p:nvSpPr>
-          <p:spPr>
-            <a:xfrm>
-              <a:off x="6235026" y="4440357"/>
-              <a:ext cx="1534192" cy="881931"/>
-            </a:xfrm>
-            <a:prstGeom prst="roundRect">
-              <a:avLst/>
-            </a:prstGeom>
-            <a:solidFill>
-              <a:srgbClr val="7B68EE"/>
-            </a:solidFill>
-            <a:ln>
-              <a:noFill/>
-            </a:ln>
-          </p:spPr>
-          <p:style>
-            <a:lnRef idx="2">
-              <a:schemeClr val="accent1">
-                <a:shade val="50000"/>
-              </a:schemeClr>
-            </a:lnRef>
-            <a:fillRef idx="1">
-              <a:schemeClr val="accent1"/>
-            </a:fillRef>
-            <a:effectRef idx="0">
-              <a:schemeClr val="accent1"/>
-            </a:effectRef>
-            <a:fontRef idx="minor">
-              <a:schemeClr val="lt1"/>
-            </a:fontRef>
-          </p:style>
-          <p:txBody>
-            <a:bodyPr rtlCol="0" anchor="ctr"/>
-            <a:lstStyle/>
-            <a:p>
-              <a:pPr algn="ctr"/>
-              <a:r>
-                <a:rPr lang="en-US" altLang="ko-KR" dirty="0">
-                  <a:solidFill>
-                    <a:schemeClr val="tx1"/>
-                  </a:solidFill>
-                  <a:latin typeface="Noto Sans CJK KR" panose="020B0500000000000000" pitchFamily="34" charset="-127"/>
-                  <a:ea typeface="Noto Sans CJK KR" panose="020B0500000000000000" pitchFamily="34" charset="-127"/>
-                </a:rPr>
-                <a:t>Collect</a:t>
-              </a:r>
-            </a:p>
-            <a:p>
-              <a:pPr algn="ctr"/>
-              <a:r>
-                <a:rPr lang="en-US" altLang="ko-KR" dirty="0">
-                  <a:solidFill>
-                    <a:schemeClr val="tx1"/>
-                  </a:solidFill>
-                  <a:latin typeface="Noto Sans CJK KR" panose="020B0500000000000000" pitchFamily="34" charset="-127"/>
-                  <a:ea typeface="Noto Sans CJK KR" panose="020B0500000000000000" pitchFamily="34" charset="-127"/>
-                </a:rPr>
-                <a:t>Server-N</a:t>
-              </a:r>
-              <a:endParaRPr lang="ko-KR" altLang="en-US" dirty="0">
-                <a:solidFill>
-                  <a:schemeClr val="tx1"/>
-                </a:solidFill>
-                <a:latin typeface="Noto Sans CJK KR" panose="020B0500000000000000" pitchFamily="34" charset="-127"/>
-                <a:ea typeface="Noto Sans CJK KR" panose="020B0500000000000000" pitchFamily="34" charset="-127"/>
-              </a:endParaRPr>
-            </a:p>
-          </p:txBody>
-        </p:sp>
-        <p:grpSp>
-          <p:nvGrpSpPr>
-            <p:cNvPr id="118" name="그룹 117">
-              <a:extLst>
-                <a:ext uri="{FF2B5EF4-FFF2-40B4-BE49-F238E27FC236}">
-                  <a16:creationId xmlns:a16="http://schemas.microsoft.com/office/drawing/2014/main" id="{ECC45501-FE6B-9EFB-BC9B-A2CED3DC3FA1}"/>
-                </a:ext>
-              </a:extLst>
-            </p:cNvPr>
-            <p:cNvGrpSpPr/>
-            <p:nvPr/>
-          </p:nvGrpSpPr>
-          <p:grpSpPr>
-            <a:xfrm>
-              <a:off x="6235026" y="1379626"/>
-              <a:ext cx="1549768" cy="3079831"/>
-              <a:chOff x="6235026" y="1194800"/>
-              <a:chExt cx="1549768" cy="3079831"/>
-            </a:xfrm>
-          </p:grpSpPr>
-          <p:sp>
-            <p:nvSpPr>
-              <p:cNvPr id="14" name="사각형: 둥근 모서리 6">
-                <a:extLst>
-                  <a:ext uri="{FF2B5EF4-FFF2-40B4-BE49-F238E27FC236}">
-                    <a16:creationId xmlns:a16="http://schemas.microsoft.com/office/drawing/2014/main" id="{24FB913C-EE51-CBBE-2223-E2A82D106E32}"/>
-                  </a:ext>
-                </a:extLst>
-              </p:cNvPr>
-              <p:cNvSpPr/>
-              <p:nvPr/>
-            </p:nvSpPr>
-            <p:spPr>
-              <a:xfrm>
-                <a:off x="6250602" y="3081730"/>
-                <a:ext cx="1534192" cy="881931"/>
-              </a:xfrm>
-              <a:prstGeom prst="roundRect">
-                <a:avLst/>
-              </a:prstGeom>
-              <a:solidFill>
-                <a:srgbClr val="7B68EE"/>
-              </a:solidFill>
-              <a:ln>
-                <a:noFill/>
-              </a:ln>
-            </p:spPr>
-            <p:style>
-              <a:lnRef idx="2">
-                <a:schemeClr val="accent1">
-                  <a:shade val="50000"/>
-                </a:schemeClr>
-              </a:lnRef>
-              <a:fillRef idx="1">
-                <a:schemeClr val="accent1"/>
-              </a:fillRef>
-              <a:effectRef idx="0">
-                <a:schemeClr val="accent1"/>
-              </a:effectRef>
-              <a:fontRef idx="minor">
-                <a:schemeClr val="lt1"/>
-              </a:fontRef>
-            </p:style>
-            <p:txBody>
-              <a:bodyPr rtlCol="0" anchor="ctr"/>
-              <a:lstStyle/>
-              <a:p>
-                <a:pPr algn="ctr"/>
-                <a:r>
-                  <a:rPr lang="en-US" altLang="ko-KR" dirty="0">
-                    <a:solidFill>
-                      <a:schemeClr val="tx1"/>
-                    </a:solidFill>
-                    <a:latin typeface="Noto Sans CJK KR" panose="020B0500000000000000" pitchFamily="34" charset="-127"/>
-                    <a:ea typeface="Noto Sans CJK KR" panose="020B0500000000000000" pitchFamily="34" charset="-127"/>
-                  </a:rPr>
-                  <a:t>Collect</a:t>
-                </a:r>
-              </a:p>
-              <a:p>
-                <a:pPr algn="ctr"/>
-                <a:r>
-                  <a:rPr lang="en-US" altLang="ko-KR" dirty="0">
-                    <a:solidFill>
-                      <a:schemeClr val="tx1"/>
-                    </a:solidFill>
-                    <a:latin typeface="Noto Sans CJK KR" panose="020B0500000000000000" pitchFamily="34" charset="-127"/>
-                    <a:ea typeface="Noto Sans CJK KR" panose="020B0500000000000000" pitchFamily="34" charset="-127"/>
-                  </a:rPr>
-                  <a:t>Server-3</a:t>
-                </a:r>
-                <a:endParaRPr lang="ko-KR" altLang="en-US" dirty="0">
-                  <a:solidFill>
-                    <a:schemeClr val="tx1"/>
-                  </a:solidFill>
-                  <a:latin typeface="Noto Sans CJK KR" panose="020B0500000000000000" pitchFamily="34" charset="-127"/>
-                  <a:ea typeface="Noto Sans CJK KR" panose="020B0500000000000000" pitchFamily="34" charset="-127"/>
-                </a:endParaRPr>
-              </a:p>
-            </p:txBody>
-          </p:sp>
-          <p:sp>
-            <p:nvSpPr>
-              <p:cNvPr id="15" name="사각형: 둥근 모서리 6">
-                <a:extLst>
-                  <a:ext uri="{FF2B5EF4-FFF2-40B4-BE49-F238E27FC236}">
-                    <a16:creationId xmlns:a16="http://schemas.microsoft.com/office/drawing/2014/main" id="{24FB913C-EE51-CBBE-2223-E2A82D106E32}"/>
-                  </a:ext>
-                </a:extLst>
-              </p:cNvPr>
-              <p:cNvSpPr/>
-              <p:nvPr/>
-            </p:nvSpPr>
-            <p:spPr>
-              <a:xfrm>
-                <a:off x="6235026" y="1194800"/>
-                <a:ext cx="1534192" cy="881931"/>
-              </a:xfrm>
-              <a:prstGeom prst="roundRect">
-                <a:avLst/>
-              </a:prstGeom>
-              <a:solidFill>
-                <a:srgbClr val="7B68EE"/>
-              </a:solidFill>
-              <a:ln>
-                <a:noFill/>
-              </a:ln>
-            </p:spPr>
-            <p:style>
-              <a:lnRef idx="2">
-                <a:schemeClr val="accent1">
-                  <a:shade val="50000"/>
-                </a:schemeClr>
-              </a:lnRef>
-              <a:fillRef idx="1">
-                <a:schemeClr val="accent1"/>
-              </a:fillRef>
-              <a:effectRef idx="0">
-                <a:schemeClr val="accent1"/>
-              </a:effectRef>
-              <a:fontRef idx="minor">
-                <a:schemeClr val="lt1"/>
-              </a:fontRef>
-            </p:style>
-            <p:txBody>
-              <a:bodyPr rtlCol="0" anchor="ctr"/>
-              <a:lstStyle/>
-              <a:p>
-                <a:pPr algn="ctr"/>
-                <a:r>
-                  <a:rPr lang="en-US" altLang="ko-KR" dirty="0">
-                    <a:solidFill>
-                      <a:schemeClr val="tx1"/>
-                    </a:solidFill>
-                    <a:latin typeface="Noto Sans CJK KR" panose="020B0500000000000000" pitchFamily="34" charset="-127"/>
-                    <a:ea typeface="Noto Sans CJK KR" panose="020B0500000000000000" pitchFamily="34" charset="-127"/>
-                  </a:rPr>
-                  <a:t>Collect</a:t>
-                </a:r>
-              </a:p>
-              <a:p>
-                <a:pPr algn="ctr"/>
-                <a:r>
-                  <a:rPr lang="en-US" altLang="ko-KR" dirty="0">
-                    <a:solidFill>
-                      <a:schemeClr val="tx1"/>
-                    </a:solidFill>
-                    <a:latin typeface="Noto Sans CJK KR" panose="020B0500000000000000" pitchFamily="34" charset="-127"/>
-                    <a:ea typeface="Noto Sans CJK KR" panose="020B0500000000000000" pitchFamily="34" charset="-127"/>
-                  </a:rPr>
-                  <a:t>Server-1</a:t>
-                </a:r>
-                <a:endParaRPr lang="ko-KR" altLang="en-US" dirty="0">
-                  <a:solidFill>
-                    <a:schemeClr val="tx1"/>
-                  </a:solidFill>
-                  <a:latin typeface="Noto Sans CJK KR" panose="020B0500000000000000" pitchFamily="34" charset="-127"/>
-                  <a:ea typeface="Noto Sans CJK KR" panose="020B0500000000000000" pitchFamily="34" charset="-127"/>
-                </a:endParaRPr>
-              </a:p>
-            </p:txBody>
-          </p:sp>
-          <p:sp>
-            <p:nvSpPr>
-              <p:cNvPr id="17" name="사각형: 둥근 모서리 6">
-                <a:extLst>
-                  <a:ext uri="{FF2B5EF4-FFF2-40B4-BE49-F238E27FC236}">
-                    <a16:creationId xmlns:a16="http://schemas.microsoft.com/office/drawing/2014/main" id="{24FB913C-EE51-CBBE-2223-E2A82D106E32}"/>
-                  </a:ext>
-                </a:extLst>
-              </p:cNvPr>
-              <p:cNvSpPr/>
-              <p:nvPr/>
-            </p:nvSpPr>
-            <p:spPr>
-              <a:xfrm>
-                <a:off x="6250602" y="2141439"/>
-                <a:ext cx="1534192" cy="881931"/>
-              </a:xfrm>
-              <a:prstGeom prst="roundRect">
-                <a:avLst/>
-              </a:prstGeom>
-              <a:solidFill>
-                <a:srgbClr val="7B68EE"/>
-              </a:solidFill>
-              <a:ln>
-                <a:noFill/>
-              </a:ln>
-            </p:spPr>
-            <p:style>
-              <a:lnRef idx="2">
-                <a:schemeClr val="accent1">
-                  <a:shade val="50000"/>
-                </a:schemeClr>
-              </a:lnRef>
-              <a:fillRef idx="1">
-                <a:schemeClr val="accent1"/>
-              </a:fillRef>
-              <a:effectRef idx="0">
-                <a:schemeClr val="accent1"/>
-              </a:effectRef>
-              <a:fontRef idx="minor">
-                <a:schemeClr val="lt1"/>
-              </a:fontRef>
-            </p:style>
-            <p:txBody>
-              <a:bodyPr rtlCol="0" anchor="ctr"/>
-              <a:lstStyle/>
-              <a:p>
-                <a:pPr algn="ctr"/>
-                <a:r>
-                  <a:rPr lang="en-US" altLang="ko-KR" dirty="0">
-                    <a:solidFill>
-                      <a:schemeClr val="tx1"/>
-                    </a:solidFill>
-                    <a:latin typeface="Noto Sans CJK KR" panose="020B0500000000000000" pitchFamily="34" charset="-127"/>
-                    <a:ea typeface="Noto Sans CJK KR" panose="020B0500000000000000" pitchFamily="34" charset="-127"/>
-                  </a:rPr>
-                  <a:t>Collect</a:t>
-                </a:r>
-              </a:p>
-              <a:p>
-                <a:pPr algn="ctr"/>
-                <a:r>
-                  <a:rPr lang="en-US" altLang="ko-KR" dirty="0">
-                    <a:solidFill>
-                      <a:schemeClr val="tx1"/>
-                    </a:solidFill>
-                    <a:latin typeface="Noto Sans CJK KR" panose="020B0500000000000000" pitchFamily="34" charset="-127"/>
-                    <a:ea typeface="Noto Sans CJK KR" panose="020B0500000000000000" pitchFamily="34" charset="-127"/>
-                  </a:rPr>
-                  <a:t>Server-2</a:t>
-                </a:r>
-                <a:endParaRPr lang="ko-KR" altLang="en-US" dirty="0">
-                  <a:solidFill>
-                    <a:schemeClr val="tx1"/>
-                  </a:solidFill>
-                  <a:latin typeface="Noto Sans CJK KR" panose="020B0500000000000000" pitchFamily="34" charset="-127"/>
-                  <a:ea typeface="Noto Sans CJK KR" panose="020B0500000000000000" pitchFamily="34" charset="-127"/>
-                </a:endParaRPr>
-              </a:p>
-            </p:txBody>
-          </p:sp>
-          <mc:AlternateContent xmlns:mc="http://schemas.openxmlformats.org/markup-compatibility/2006" xmlns:a14="http://schemas.microsoft.com/office/drawing/2010/main">
-            <mc:Choice Requires="a14">
-              <p:sp>
-                <p:nvSpPr>
-                  <p:cNvPr id="2" name="TextBox 1"/>
-                  <p:cNvSpPr txBox="1"/>
-                  <p:nvPr/>
-                </p:nvSpPr>
-                <p:spPr>
-                  <a:xfrm>
-                    <a:off x="6848421" y="3905299"/>
-                    <a:ext cx="338554" cy="369332"/>
-                  </a:xfrm>
-                  <a:prstGeom prst="rect">
-                    <a:avLst/>
-                  </a:prstGeom>
-                  <a:noFill/>
-                </p:spPr>
-                <p:txBody>
-                  <a:bodyPr wrap="none" rtlCol="0">
-                    <a:spAutoFit/>
-                  </a:bodyPr>
-                  <a:lstStyle/>
-                  <a:p>
-                    <a:pPr/>
-                    <a14:m>
-                      <m:oMathPara xmlns:m="http://schemas.openxmlformats.org/officeDocument/2006/math">
-                        <m:oMathParaPr>
-                          <m:jc m:val="centerGroup"/>
-                        </m:oMathParaPr>
-                        <m:oMath xmlns:m="http://schemas.openxmlformats.org/officeDocument/2006/math">
-                          <m:r>
-                            <a:rPr lang="ko-KR" altLang="en-US" i="1" smtClean="0">
-                              <a:latin typeface="Cambria Math" panose="02040503050406030204" pitchFamily="18" charset="0"/>
-                            </a:rPr>
-                            <m:t>⋮</m:t>
-                          </m:r>
-                        </m:oMath>
-                      </m:oMathPara>
-                    </a14:m>
-                    <a:endParaRPr lang="ko-KR" altLang="en-US" dirty="0"/>
-                  </a:p>
-                </p:txBody>
-              </p:sp>
-            </mc:Choice>
-            <mc:Fallback xmlns="">
-              <p:sp>
-                <p:nvSpPr>
-                  <p:cNvPr id="2" name="TextBox 1"/>
-                  <p:cNvSpPr txBox="1">
-                    <a:spLocks noRot="1" noChangeAspect="1" noMove="1" noResize="1" noEditPoints="1" noAdjustHandles="1" noChangeArrowheads="1" noChangeShapeType="1" noTextEdit="1"/>
-                  </p:cNvSpPr>
-                  <p:nvPr/>
-                </p:nvSpPr>
-                <p:spPr>
-                  <a:xfrm>
-                    <a:off x="6848421" y="3905299"/>
-                    <a:ext cx="338554" cy="369332"/>
-                  </a:xfrm>
-                  <a:prstGeom prst="rect">
-                    <a:avLst/>
-                  </a:prstGeom>
-                  <a:blipFill>
-                    <a:blip r:embed="rId4"/>
-                    <a:stretch>
-                      <a:fillRect/>
-                    </a:stretch>
-                  </a:blipFill>
-                </p:spPr>
-                <p:txBody>
-                  <a:bodyPr/>
-                  <a:lstStyle/>
-                  <a:p>
-                    <a:r>
-                      <a:rPr lang="ko-KR" altLang="en-US">
-                        <a:noFill/>
-                      </a:rPr>
-                      <a:t> </a:t>
-                    </a:r>
-                  </a:p>
-                </p:txBody>
-              </p:sp>
-            </mc:Fallback>
-          </mc:AlternateContent>
-        </p:grpSp>
-        <p:sp>
-          <p:nvSpPr>
-            <p:cNvPr id="10" name="사각형: 둥근 모서리 5">
-              <a:extLst>
-                <a:ext uri="{FF2B5EF4-FFF2-40B4-BE49-F238E27FC236}">
-                  <a16:creationId xmlns:a16="http://schemas.microsoft.com/office/drawing/2014/main" id="{05157B58-D063-8713-B9A4-1D30A1953EC7}"/>
-                </a:ext>
-              </a:extLst>
-            </p:cNvPr>
-            <p:cNvSpPr/>
-            <p:nvPr/>
-          </p:nvSpPr>
-          <p:spPr>
-            <a:xfrm>
-              <a:off x="1639937" y="2231532"/>
-              <a:ext cx="1565429" cy="943181"/>
-            </a:xfrm>
-            <a:prstGeom prst="roundRect">
-              <a:avLst/>
-            </a:prstGeom>
-            <a:solidFill>
-              <a:srgbClr val="00BFFF"/>
-            </a:solidFill>
-            <a:ln>
-              <a:noFill/>
-            </a:ln>
-          </p:spPr>
-          <p:style>
-            <a:lnRef idx="2">
-              <a:schemeClr val="accent1">
-                <a:shade val="50000"/>
-              </a:schemeClr>
-            </a:lnRef>
-            <a:fillRef idx="1">
-              <a:schemeClr val="accent1"/>
-            </a:fillRef>
-            <a:effectRef idx="0">
-              <a:schemeClr val="accent1"/>
-            </a:effectRef>
-            <a:fontRef idx="minor">
-              <a:schemeClr val="lt1"/>
-            </a:fontRef>
-          </p:style>
-          <p:txBody>
-            <a:bodyPr rtlCol="0" anchor="ctr"/>
-            <a:lstStyle/>
-            <a:p>
-              <a:pPr algn="ctr"/>
-              <a:r>
-                <a:rPr lang="en-US" altLang="ko-KR" dirty="0">
-                  <a:solidFill>
-                    <a:schemeClr val="tx1"/>
-                  </a:solidFill>
-                  <a:latin typeface="Noto Sans CJK KR" panose="020B0500000000000000" pitchFamily="34" charset="-127"/>
-                  <a:ea typeface="Noto Sans CJK KR" panose="020B0500000000000000" pitchFamily="34" charset="-127"/>
-                </a:rPr>
-                <a:t>Manager</a:t>
-              </a:r>
-            </a:p>
-            <a:p>
-              <a:pPr algn="ctr"/>
-              <a:r>
-                <a:rPr lang="en-US" altLang="ko-KR" dirty="0">
-                  <a:solidFill>
-                    <a:schemeClr val="tx1"/>
-                  </a:solidFill>
-                  <a:latin typeface="Noto Sans CJK KR" panose="020B0500000000000000" pitchFamily="34" charset="-127"/>
-                  <a:ea typeface="Noto Sans CJK KR" panose="020B0500000000000000" pitchFamily="34" charset="-127"/>
-                </a:rPr>
-                <a:t>Server</a:t>
-              </a:r>
-              <a:endParaRPr lang="ko-KR" altLang="en-US" dirty="0">
-                <a:solidFill>
-                  <a:schemeClr val="tx1"/>
-                </a:solidFill>
-                <a:latin typeface="Noto Sans CJK KR" panose="020B0500000000000000" pitchFamily="34" charset="-127"/>
-                <a:ea typeface="Noto Sans CJK KR" panose="020B0500000000000000" pitchFamily="34" charset="-127"/>
-              </a:endParaRPr>
-            </a:p>
-          </p:txBody>
-        </p:sp>
-        <p:grpSp>
-          <p:nvGrpSpPr>
-            <p:cNvPr id="63" name="그룹 62">
-              <a:extLst>
-                <a:ext uri="{FF2B5EF4-FFF2-40B4-BE49-F238E27FC236}">
-                  <a16:creationId xmlns:a16="http://schemas.microsoft.com/office/drawing/2014/main" id="{32ACC6C5-3384-CA0A-3447-3D841DAAD772}"/>
-                </a:ext>
-              </a:extLst>
-            </p:cNvPr>
-            <p:cNvGrpSpPr/>
-            <p:nvPr/>
-          </p:nvGrpSpPr>
-          <p:grpSpPr>
-            <a:xfrm>
-              <a:off x="3783069" y="3143673"/>
-              <a:ext cx="741407" cy="1943831"/>
-              <a:chOff x="4206256" y="2253784"/>
-              <a:chExt cx="741407" cy="1943831"/>
-            </a:xfrm>
-          </p:grpSpPr>
-          <p:sp>
-            <p:nvSpPr>
-              <p:cNvPr id="37" name="직사각형 36">
-                <a:extLst>
-                  <a:ext uri="{FF2B5EF4-FFF2-40B4-BE49-F238E27FC236}">
-                    <a16:creationId xmlns:a16="http://schemas.microsoft.com/office/drawing/2014/main" id="{64A307A1-4236-B492-98E0-F8E81BD0BDA4}"/>
-                  </a:ext>
-                </a:extLst>
-              </p:cNvPr>
-              <p:cNvSpPr/>
-              <p:nvPr/>
-            </p:nvSpPr>
-            <p:spPr>
-              <a:xfrm>
-                <a:off x="4206258" y="2253784"/>
-                <a:ext cx="741405" cy="367101"/>
-              </a:xfrm>
-              <a:prstGeom prst="rect">
-                <a:avLst/>
-              </a:prstGeom>
-              <a:solidFill>
-                <a:srgbClr val="48D1CC"/>
-              </a:solidFill>
-              <a:ln>
-                <a:noFill/>
-              </a:ln>
-            </p:spPr>
-            <p:style>
-              <a:lnRef idx="2">
-                <a:schemeClr val="accent1">
-                  <a:shade val="50000"/>
-                </a:schemeClr>
-              </a:lnRef>
-              <a:fillRef idx="1">
-                <a:schemeClr val="accent1"/>
-              </a:fillRef>
-              <a:effectRef idx="0">
-                <a:schemeClr val="accent1"/>
-              </a:effectRef>
-              <a:fontRef idx="minor">
-                <a:schemeClr val="lt1"/>
-              </a:fontRef>
-            </p:style>
-            <p:txBody>
-              <a:bodyPr rtlCol="0" anchor="ctr"/>
-              <a:lstStyle/>
-              <a:p>
-                <a:pPr algn="ctr"/>
-                <a:r>
-                  <a:rPr lang="en-US" altLang="ko-KR" sz="1200" dirty="0">
-                    <a:solidFill>
-                      <a:schemeClr val="tx1"/>
-                    </a:solidFill>
-                    <a:latin typeface="Noto Sans CJK KR" panose="020B0500000000000000" pitchFamily="34" charset="-127"/>
-                    <a:ea typeface="Noto Sans CJK KR" panose="020B0500000000000000" pitchFamily="34" charset="-127"/>
-                  </a:rPr>
-                  <a:t>Task 1</a:t>
-                </a:r>
-                <a:endParaRPr lang="ko-KR" altLang="en-US" sz="1200" dirty="0">
-                  <a:solidFill>
-                    <a:schemeClr val="tx1"/>
-                  </a:solidFill>
-                  <a:latin typeface="Noto Sans CJK KR" panose="020B0500000000000000" pitchFamily="34" charset="-127"/>
-                  <a:ea typeface="Noto Sans CJK KR" panose="020B0500000000000000" pitchFamily="34" charset="-127"/>
-                </a:endParaRPr>
-              </a:p>
-            </p:txBody>
-          </p:sp>
-          <p:sp>
-            <p:nvSpPr>
-              <p:cNvPr id="53" name="직사각형 52">
-                <a:extLst>
-                  <a:ext uri="{FF2B5EF4-FFF2-40B4-BE49-F238E27FC236}">
-                    <a16:creationId xmlns:a16="http://schemas.microsoft.com/office/drawing/2014/main" id="{0B1BCF22-D433-4538-4109-FAE8E372AC15}"/>
-                  </a:ext>
-                </a:extLst>
-              </p:cNvPr>
-              <p:cNvSpPr/>
-              <p:nvPr/>
-            </p:nvSpPr>
-            <p:spPr>
-              <a:xfrm>
-                <a:off x="4206257" y="2667713"/>
-                <a:ext cx="741405" cy="367101"/>
-              </a:xfrm>
-              <a:prstGeom prst="rect">
-                <a:avLst/>
-              </a:prstGeom>
-              <a:solidFill>
-                <a:srgbClr val="48D1CC"/>
-              </a:solidFill>
-              <a:ln>
-                <a:noFill/>
-              </a:ln>
-            </p:spPr>
-            <p:style>
-              <a:lnRef idx="2">
-                <a:schemeClr val="accent1">
-                  <a:shade val="50000"/>
-                </a:schemeClr>
-              </a:lnRef>
-              <a:fillRef idx="1">
-                <a:schemeClr val="accent1"/>
-              </a:fillRef>
-              <a:effectRef idx="0">
-                <a:schemeClr val="accent1"/>
-              </a:effectRef>
-              <a:fontRef idx="minor">
-                <a:schemeClr val="lt1"/>
-              </a:fontRef>
-            </p:style>
-            <p:txBody>
-              <a:bodyPr rtlCol="0" anchor="ctr"/>
-              <a:lstStyle/>
-              <a:p>
-                <a:pPr algn="ctr"/>
-                <a:r>
-                  <a:rPr lang="en-US" altLang="ko-KR" sz="1200" dirty="0">
-                    <a:solidFill>
-                      <a:schemeClr val="tx1"/>
-                    </a:solidFill>
-                    <a:latin typeface="Noto Sans CJK KR" panose="020B0500000000000000" pitchFamily="34" charset="-127"/>
-                    <a:ea typeface="Noto Sans CJK KR" panose="020B0500000000000000" pitchFamily="34" charset="-127"/>
-                  </a:rPr>
-                  <a:t>Task 2</a:t>
-                </a:r>
-                <a:endParaRPr lang="ko-KR" altLang="en-US" sz="1200" dirty="0">
-                  <a:solidFill>
-                    <a:schemeClr val="tx1"/>
-                  </a:solidFill>
-                  <a:latin typeface="Noto Sans CJK KR" panose="020B0500000000000000" pitchFamily="34" charset="-127"/>
-                  <a:ea typeface="Noto Sans CJK KR" panose="020B0500000000000000" pitchFamily="34" charset="-127"/>
-                </a:endParaRPr>
-              </a:p>
-            </p:txBody>
-          </p:sp>
-          <p:sp>
-            <p:nvSpPr>
-              <p:cNvPr id="54" name="직사각형 53">
-                <a:extLst>
-                  <a:ext uri="{FF2B5EF4-FFF2-40B4-BE49-F238E27FC236}">
-                    <a16:creationId xmlns:a16="http://schemas.microsoft.com/office/drawing/2014/main" id="{C657A5B5-73BC-A9A0-67EE-E3329AC46C85}"/>
-                  </a:ext>
-                </a:extLst>
-              </p:cNvPr>
-              <p:cNvSpPr/>
-              <p:nvPr/>
-            </p:nvSpPr>
-            <p:spPr>
-              <a:xfrm>
-                <a:off x="4206257" y="3075674"/>
-                <a:ext cx="741405" cy="367101"/>
-              </a:xfrm>
-              <a:prstGeom prst="rect">
-                <a:avLst/>
-              </a:prstGeom>
-              <a:solidFill>
-                <a:srgbClr val="48D1CC"/>
-              </a:solidFill>
-              <a:ln>
-                <a:noFill/>
-              </a:ln>
-            </p:spPr>
-            <p:style>
-              <a:lnRef idx="2">
-                <a:schemeClr val="accent1">
-                  <a:shade val="50000"/>
-                </a:schemeClr>
-              </a:lnRef>
-              <a:fillRef idx="1">
-                <a:schemeClr val="accent1"/>
-              </a:fillRef>
-              <a:effectRef idx="0">
-                <a:schemeClr val="accent1"/>
-              </a:effectRef>
-              <a:fontRef idx="minor">
-                <a:schemeClr val="lt1"/>
-              </a:fontRef>
-            </p:style>
-            <p:txBody>
-              <a:bodyPr rtlCol="0" anchor="ctr"/>
-              <a:lstStyle/>
-              <a:p>
-                <a:pPr algn="ctr"/>
-                <a:r>
-                  <a:rPr lang="en-US" altLang="ko-KR" sz="1200" dirty="0">
-                    <a:solidFill>
-                      <a:schemeClr val="tx1"/>
-                    </a:solidFill>
-                    <a:latin typeface="Noto Sans CJK KR" panose="020B0500000000000000" pitchFamily="34" charset="-127"/>
-                    <a:ea typeface="Noto Sans CJK KR" panose="020B0500000000000000" pitchFamily="34" charset="-127"/>
-                  </a:rPr>
-                  <a:t>Task 3</a:t>
-                </a:r>
-                <a:endParaRPr lang="ko-KR" altLang="en-US" sz="1200" dirty="0">
-                  <a:solidFill>
-                    <a:schemeClr val="tx1"/>
-                  </a:solidFill>
-                  <a:latin typeface="Noto Sans CJK KR" panose="020B0500000000000000" pitchFamily="34" charset="-127"/>
-                  <a:ea typeface="Noto Sans CJK KR" panose="020B0500000000000000" pitchFamily="34" charset="-127"/>
-                </a:endParaRPr>
-              </a:p>
-            </p:txBody>
-          </p:sp>
-          <mc:AlternateContent xmlns:mc="http://schemas.openxmlformats.org/markup-compatibility/2006" xmlns:a14="http://schemas.microsoft.com/office/drawing/2010/main">
-            <mc:Choice Requires="a14">
-              <p:sp>
-                <p:nvSpPr>
-                  <p:cNvPr id="55" name="TextBox 54">
-                    <a:extLst>
-                      <a:ext uri="{FF2B5EF4-FFF2-40B4-BE49-F238E27FC236}">
-                        <a16:creationId xmlns:a16="http://schemas.microsoft.com/office/drawing/2014/main" id="{57360A07-E3BE-5501-98F5-EC80414F38DD}"/>
-                      </a:ext>
-                    </a:extLst>
-                  </p:cNvPr>
-                  <p:cNvSpPr txBox="1"/>
-                  <p:nvPr/>
-                </p:nvSpPr>
-                <p:spPr>
-                  <a:xfrm>
-                    <a:off x="4407682" y="3442775"/>
-                    <a:ext cx="338554" cy="369332"/>
-                  </a:xfrm>
-                  <a:prstGeom prst="rect">
-                    <a:avLst/>
-                  </a:prstGeom>
-                  <a:noFill/>
-                </p:spPr>
-                <p:txBody>
-                  <a:bodyPr wrap="none" rtlCol="0">
-                    <a:spAutoFit/>
-                  </a:bodyPr>
-                  <a:lstStyle/>
-                  <a:p>
-                    <a:pPr/>
-                    <a14:m>
-                      <m:oMathPara xmlns:m="http://schemas.openxmlformats.org/officeDocument/2006/math">
-                        <m:oMathParaPr>
-                          <m:jc m:val="centerGroup"/>
-                        </m:oMathParaPr>
-                        <m:oMath xmlns:m="http://schemas.openxmlformats.org/officeDocument/2006/math">
-                          <m:r>
-                            <a:rPr lang="ko-KR" altLang="en-US" i="1" smtClean="0">
-                              <a:latin typeface="Cambria Math" panose="02040503050406030204" pitchFamily="18" charset="0"/>
-                            </a:rPr>
-                            <m:t>⋮</m:t>
-                          </m:r>
-                        </m:oMath>
-                      </m:oMathPara>
-                    </a14:m>
-                    <a:endParaRPr lang="ko-KR" altLang="en-US" dirty="0"/>
-                  </a:p>
-                </p:txBody>
-              </p:sp>
-            </mc:Choice>
-            <mc:Fallback xmlns="">
-              <p:sp>
-                <p:nvSpPr>
-                  <p:cNvPr id="55" name="TextBox 54">
-                    <a:extLst>
-                      <a:ext uri="{FF2B5EF4-FFF2-40B4-BE49-F238E27FC236}">
-                        <a16:creationId xmlns:a16="http://schemas.microsoft.com/office/drawing/2014/main" id="{57360A07-E3BE-5501-98F5-EC80414F38DD}"/>
-                      </a:ext>
-                    </a:extLst>
-                  </p:cNvPr>
-                  <p:cNvSpPr txBox="1">
-                    <a:spLocks noRot="1" noChangeAspect="1" noMove="1" noResize="1" noEditPoints="1" noAdjustHandles="1" noChangeArrowheads="1" noChangeShapeType="1" noTextEdit="1"/>
-                  </p:cNvSpPr>
-                  <p:nvPr/>
-                </p:nvSpPr>
-                <p:spPr>
-                  <a:xfrm>
-                    <a:off x="4407682" y="3442775"/>
-                    <a:ext cx="338554" cy="369332"/>
-                  </a:xfrm>
-                  <a:prstGeom prst="rect">
-                    <a:avLst/>
-                  </a:prstGeom>
-                  <a:blipFill>
-                    <a:blip r:embed="rId5"/>
-                    <a:stretch>
-                      <a:fillRect/>
-                    </a:stretch>
-                  </a:blipFill>
-                </p:spPr>
-                <p:txBody>
-                  <a:bodyPr/>
-                  <a:lstStyle/>
-                  <a:p>
-                    <a:r>
-                      <a:rPr lang="ko-KR" altLang="en-US">
-                        <a:noFill/>
-                      </a:rPr>
-                      <a:t> </a:t>
-                    </a:r>
-                  </a:p>
-                </p:txBody>
-              </p:sp>
-            </mc:Fallback>
-          </mc:AlternateContent>
-          <p:sp>
-            <p:nvSpPr>
-              <p:cNvPr id="56" name="직사각형 55">
-                <a:extLst>
-                  <a:ext uri="{FF2B5EF4-FFF2-40B4-BE49-F238E27FC236}">
-                    <a16:creationId xmlns:a16="http://schemas.microsoft.com/office/drawing/2014/main" id="{57422DF4-3E87-50FF-2406-9A71C3E2A07F}"/>
-                  </a:ext>
-                </a:extLst>
-              </p:cNvPr>
-              <p:cNvSpPr/>
-              <p:nvPr/>
-            </p:nvSpPr>
-            <p:spPr>
-              <a:xfrm>
-                <a:off x="4206256" y="3830514"/>
-                <a:ext cx="741405" cy="367101"/>
-              </a:xfrm>
-              <a:prstGeom prst="rect">
-                <a:avLst/>
-              </a:prstGeom>
-              <a:solidFill>
-                <a:srgbClr val="48D1CC"/>
-              </a:solidFill>
-              <a:ln>
-                <a:noFill/>
-              </a:ln>
-            </p:spPr>
-            <p:style>
-              <a:lnRef idx="2">
-                <a:schemeClr val="accent1">
-                  <a:shade val="50000"/>
-                </a:schemeClr>
-              </a:lnRef>
-              <a:fillRef idx="1">
-                <a:schemeClr val="accent1"/>
-              </a:fillRef>
-              <a:effectRef idx="0">
-                <a:schemeClr val="accent1"/>
-              </a:effectRef>
-              <a:fontRef idx="minor">
-                <a:schemeClr val="lt1"/>
-              </a:fontRef>
-            </p:style>
-            <p:txBody>
-              <a:bodyPr rtlCol="0" anchor="ctr"/>
-              <a:lstStyle/>
-              <a:p>
-                <a:pPr algn="ctr"/>
-                <a:r>
-                  <a:rPr lang="en-US" altLang="ko-KR" sz="1200" dirty="0">
-                    <a:solidFill>
-                      <a:schemeClr val="tx1"/>
-                    </a:solidFill>
-                    <a:latin typeface="Noto Sans CJK KR" panose="020B0500000000000000" pitchFamily="34" charset="-127"/>
-                    <a:ea typeface="Noto Sans CJK KR" panose="020B0500000000000000" pitchFamily="34" charset="-127"/>
-                  </a:rPr>
-                  <a:t>Task K</a:t>
-                </a:r>
-                <a:endParaRPr lang="ko-KR" altLang="en-US" sz="1200" dirty="0">
-                  <a:solidFill>
-                    <a:schemeClr val="tx1"/>
-                  </a:solidFill>
-                  <a:latin typeface="Noto Sans CJK KR" panose="020B0500000000000000" pitchFamily="34" charset="-127"/>
-                  <a:ea typeface="Noto Sans CJK KR" panose="020B0500000000000000" pitchFamily="34" charset="-127"/>
-                </a:endParaRPr>
-              </a:p>
-            </p:txBody>
-          </p:sp>
-        </p:grpSp>
-        <p:sp>
-          <p:nvSpPr>
-            <p:cNvPr id="75" name="사각형: 둥근 모서리 6">
-              <a:extLst>
-                <a:ext uri="{FF2B5EF4-FFF2-40B4-BE49-F238E27FC236}">
-                  <a16:creationId xmlns:a16="http://schemas.microsoft.com/office/drawing/2014/main" id="{369836F7-289F-80D9-4C8B-9F7047C1B6C8}"/>
-                </a:ext>
-              </a:extLst>
-            </p:cNvPr>
-            <p:cNvSpPr/>
-            <p:nvPr/>
-          </p:nvSpPr>
-          <p:spPr>
-            <a:xfrm>
-              <a:off x="2371935" y="3711148"/>
-              <a:ext cx="1300743" cy="637788"/>
-            </a:xfrm>
-            <a:prstGeom prst="roundRect">
-              <a:avLst/>
-            </a:prstGeom>
-            <a:solidFill>
-              <a:srgbClr val="90EE90">
-                <a:alpha val="70000"/>
-              </a:srgbClr>
-            </a:solidFill>
-            <a:ln>
-              <a:noFill/>
-            </a:ln>
-          </p:spPr>
-          <p:style>
-            <a:lnRef idx="2">
-              <a:schemeClr val="accent1">
-                <a:shade val="50000"/>
-              </a:schemeClr>
-            </a:lnRef>
-            <a:fillRef idx="1">
-              <a:schemeClr val="accent1"/>
-            </a:fillRef>
-            <a:effectRef idx="0">
-              <a:schemeClr val="accent1"/>
-            </a:effectRef>
-            <a:fontRef idx="minor">
-              <a:schemeClr val="lt1"/>
-            </a:fontRef>
-          </p:style>
-          <p:txBody>
-            <a:bodyPr rtlCol="0" anchor="ctr"/>
-            <a:lstStyle/>
-            <a:p>
-              <a:pPr algn="ctr"/>
-              <a:r>
-                <a:rPr lang="en-US" altLang="ko-KR" sz="1000" dirty="0">
-                  <a:solidFill>
-                    <a:schemeClr val="tx1"/>
-                  </a:solidFill>
-                  <a:latin typeface="Noto Sans CJK KR" panose="020B0500000000000000" pitchFamily="34" charset="-127"/>
-                  <a:ea typeface="Noto Sans CJK KR" panose="020B0500000000000000" pitchFamily="34" charset="-127"/>
-                </a:rPr>
-                <a:t>Task</a:t>
-              </a:r>
-              <a:r>
-                <a:rPr lang="ko-KR" altLang="en-US" sz="1000" dirty="0">
-                  <a:solidFill>
-                    <a:schemeClr val="tx1"/>
-                  </a:solidFill>
-                  <a:latin typeface="Noto Sans CJK KR" panose="020B0500000000000000" pitchFamily="34" charset="-127"/>
-                  <a:ea typeface="Noto Sans CJK KR" panose="020B0500000000000000" pitchFamily="34" charset="-127"/>
-                </a:rPr>
-                <a:t> </a:t>
-              </a:r>
-              <a:r>
-                <a:rPr lang="en-US" altLang="ko-KR" sz="1000" dirty="0">
-                  <a:solidFill>
-                    <a:schemeClr val="tx1"/>
-                  </a:solidFill>
-                  <a:latin typeface="Noto Sans CJK KR" panose="020B0500000000000000" pitchFamily="34" charset="-127"/>
-                  <a:ea typeface="Noto Sans CJK KR" panose="020B0500000000000000" pitchFamily="34" charset="-127"/>
-                </a:rPr>
-                <a:t>Delivery</a:t>
-              </a:r>
-              <a:r>
-                <a:rPr lang="ko-KR" altLang="en-US" sz="1000" dirty="0">
-                  <a:solidFill>
-                    <a:schemeClr val="tx1"/>
-                  </a:solidFill>
-                  <a:latin typeface="Noto Sans CJK KR" panose="020B0500000000000000" pitchFamily="34" charset="-127"/>
-                  <a:ea typeface="Noto Sans CJK KR" panose="020B0500000000000000" pitchFamily="34" charset="-127"/>
-                </a:rPr>
-                <a:t> </a:t>
-              </a:r>
-              <a:endParaRPr lang="en-US" altLang="ko-KR" sz="1000" dirty="0">
-                <a:solidFill>
-                  <a:schemeClr val="tx1"/>
-                </a:solidFill>
-                <a:latin typeface="Noto Sans CJK KR" panose="020B0500000000000000" pitchFamily="34" charset="-127"/>
-                <a:ea typeface="Noto Sans CJK KR" panose="020B0500000000000000" pitchFamily="34" charset="-127"/>
-              </a:endParaRPr>
-            </a:p>
-            <a:p>
-              <a:pPr algn="ctr"/>
-              <a:r>
-                <a:rPr lang="en-US" altLang="ko-KR" sz="1000" dirty="0">
-                  <a:solidFill>
-                    <a:schemeClr val="tx1"/>
-                  </a:solidFill>
-                  <a:latin typeface="Noto Sans CJK KR" panose="020B0500000000000000" pitchFamily="34" charset="-127"/>
-                  <a:ea typeface="Noto Sans CJK KR" panose="020B0500000000000000" pitchFamily="34" charset="-127"/>
-                </a:rPr>
-                <a:t>Service Process</a:t>
-              </a:r>
-              <a:endParaRPr lang="ko-KR" altLang="en-US" sz="1000" dirty="0">
-                <a:solidFill>
-                  <a:schemeClr val="tx1"/>
-                </a:solidFill>
-                <a:latin typeface="Noto Sans CJK KR" panose="020B0500000000000000" pitchFamily="34" charset="-127"/>
-                <a:ea typeface="Noto Sans CJK KR" panose="020B0500000000000000" pitchFamily="34" charset="-127"/>
-              </a:endParaRPr>
-            </a:p>
-          </p:txBody>
-        </p:sp>
-        <p:cxnSp>
-          <p:nvCxnSpPr>
-            <p:cNvPr id="90" name="직선 화살표 연결선 89">
-              <a:extLst>
-                <a:ext uri="{FF2B5EF4-FFF2-40B4-BE49-F238E27FC236}">
-                  <a16:creationId xmlns:a16="http://schemas.microsoft.com/office/drawing/2014/main" id="{91B3AC3D-016C-A1FD-BE86-ADAAB56708AC}"/>
-                </a:ext>
-              </a:extLst>
-            </p:cNvPr>
-            <p:cNvCxnSpPr>
-              <a:cxnSpLocks/>
-              <a:endCxn id="15" idx="1"/>
-            </p:cNvCxnSpPr>
-            <p:nvPr/>
-          </p:nvCxnSpPr>
-          <p:spPr>
-            <a:xfrm flipV="1">
-              <a:off x="4524476" y="1820592"/>
-              <a:ext cx="1710550" cy="1438536"/>
-            </a:xfrm>
-            <a:prstGeom prst="straightConnector1">
-              <a:avLst/>
-            </a:prstGeom>
-            <a:ln w="19050">
-              <a:solidFill>
-                <a:schemeClr val="tx1"/>
-              </a:solidFill>
-              <a:tailEnd type="arrow"/>
-            </a:ln>
-          </p:spPr>
-          <p:style>
-            <a:lnRef idx="1">
-              <a:schemeClr val="accent1"/>
-            </a:lnRef>
-            <a:fillRef idx="0">
-              <a:schemeClr val="accent1"/>
-            </a:fillRef>
-            <a:effectRef idx="0">
-              <a:schemeClr val="accent1"/>
-            </a:effectRef>
-            <a:fontRef idx="minor">
-              <a:schemeClr val="tx1"/>
-            </a:fontRef>
-          </p:style>
-        </p:cxnSp>
-        <p:cxnSp>
-          <p:nvCxnSpPr>
-            <p:cNvPr id="93" name="직선 화살표 연결선 92">
-              <a:extLst>
-                <a:ext uri="{FF2B5EF4-FFF2-40B4-BE49-F238E27FC236}">
-                  <a16:creationId xmlns:a16="http://schemas.microsoft.com/office/drawing/2014/main" id="{25EC0201-154A-C342-9981-95481A84285F}"/>
-                </a:ext>
-              </a:extLst>
-            </p:cNvPr>
-            <p:cNvCxnSpPr>
-              <a:cxnSpLocks/>
-              <a:stCxn id="53" idx="3"/>
-              <a:endCxn id="17" idx="1"/>
-            </p:cNvCxnSpPr>
-            <p:nvPr/>
-          </p:nvCxnSpPr>
-          <p:spPr>
-            <a:xfrm flipV="1">
-              <a:off x="4524475" y="2767231"/>
-              <a:ext cx="1726127" cy="973922"/>
-            </a:xfrm>
-            <a:prstGeom prst="straightConnector1">
-              <a:avLst/>
-            </a:prstGeom>
-            <a:ln w="19050">
-              <a:solidFill>
-                <a:schemeClr val="tx1"/>
-              </a:solidFill>
-              <a:tailEnd type="arrow"/>
-            </a:ln>
-          </p:spPr>
-          <p:style>
-            <a:lnRef idx="1">
-              <a:schemeClr val="accent1"/>
-            </a:lnRef>
-            <a:fillRef idx="0">
-              <a:schemeClr val="accent1"/>
-            </a:fillRef>
-            <a:effectRef idx="0">
-              <a:schemeClr val="accent1"/>
-            </a:effectRef>
-            <a:fontRef idx="minor">
-              <a:schemeClr val="tx1"/>
-            </a:fontRef>
-          </p:style>
-        </p:cxnSp>
-        <p:cxnSp>
-          <p:nvCxnSpPr>
-            <p:cNvPr id="96" name="직선 화살표 연결선 95">
-              <a:extLst>
-                <a:ext uri="{FF2B5EF4-FFF2-40B4-BE49-F238E27FC236}">
-                  <a16:creationId xmlns:a16="http://schemas.microsoft.com/office/drawing/2014/main" id="{AEF54941-7679-7409-DC1B-9FA728754954}"/>
-                </a:ext>
-              </a:extLst>
-            </p:cNvPr>
-            <p:cNvCxnSpPr>
-              <a:cxnSpLocks/>
-              <a:stCxn id="54" idx="3"/>
-              <a:endCxn id="14" idx="1"/>
-            </p:cNvCxnSpPr>
-            <p:nvPr/>
-          </p:nvCxnSpPr>
-          <p:spPr>
-            <a:xfrm flipV="1">
-              <a:off x="4524475" y="3707522"/>
-              <a:ext cx="1726127" cy="441592"/>
-            </a:xfrm>
-            <a:prstGeom prst="straightConnector1">
-              <a:avLst/>
-            </a:prstGeom>
-            <a:ln w="19050">
-              <a:solidFill>
-                <a:schemeClr val="tx1"/>
-              </a:solidFill>
-              <a:tailEnd type="arrow"/>
-            </a:ln>
-          </p:spPr>
-          <p:style>
-            <a:lnRef idx="1">
-              <a:schemeClr val="accent1"/>
-            </a:lnRef>
-            <a:fillRef idx="0">
-              <a:schemeClr val="accent1"/>
-            </a:fillRef>
-            <a:effectRef idx="0">
-              <a:schemeClr val="accent1"/>
-            </a:effectRef>
-            <a:fontRef idx="minor">
-              <a:schemeClr val="tx1"/>
-            </a:fontRef>
-          </p:style>
-        </p:cxnSp>
-        <p:cxnSp>
-          <p:nvCxnSpPr>
-            <p:cNvPr id="101" name="직선 화살표 연결선 100">
-              <a:extLst>
-                <a:ext uri="{FF2B5EF4-FFF2-40B4-BE49-F238E27FC236}">
-                  <a16:creationId xmlns:a16="http://schemas.microsoft.com/office/drawing/2014/main" id="{6DB6E509-2E0E-4122-226E-CF8302A306C6}"/>
-                </a:ext>
-              </a:extLst>
-            </p:cNvPr>
-            <p:cNvCxnSpPr>
-              <a:cxnSpLocks/>
-              <a:stCxn id="56" idx="3"/>
-              <a:endCxn id="18" idx="1"/>
-            </p:cNvCxnSpPr>
-            <p:nvPr/>
-          </p:nvCxnSpPr>
-          <p:spPr>
-            <a:xfrm flipV="1">
-              <a:off x="4524474" y="4881323"/>
-              <a:ext cx="1710552" cy="22631"/>
-            </a:xfrm>
-            <a:prstGeom prst="straightConnector1">
-              <a:avLst/>
-            </a:prstGeom>
-            <a:ln w="19050">
-              <a:solidFill>
-                <a:schemeClr val="tx1"/>
-              </a:solidFill>
-              <a:tailEnd type="arrow"/>
-            </a:ln>
-          </p:spPr>
-          <p:style>
-            <a:lnRef idx="1">
-              <a:schemeClr val="accent1"/>
-            </a:lnRef>
-            <a:fillRef idx="0">
-              <a:schemeClr val="accent1"/>
-            </a:fillRef>
-            <a:effectRef idx="0">
-              <a:schemeClr val="accent1"/>
-            </a:effectRef>
-            <a:fontRef idx="minor">
-              <a:schemeClr val="tx1"/>
-            </a:fontRef>
-          </p:style>
-        </p:cxnSp>
-      </p:grpSp>
-      <p:sp>
-        <p:nvSpPr>
-          <p:cNvPr id="110" name="TextBox 109">
-            <a:extLst>
-              <a:ext uri="{FF2B5EF4-FFF2-40B4-BE49-F238E27FC236}">
-                <a16:creationId xmlns:a16="http://schemas.microsoft.com/office/drawing/2014/main" id="{B930C00C-FB5A-B0D1-DB4B-05418B58038F}"/>
-              </a:ext>
-            </a:extLst>
-          </p:cNvPr>
-          <p:cNvSpPr txBox="1"/>
-          <p:nvPr/>
-        </p:nvSpPr>
-        <p:spPr>
-          <a:xfrm>
-            <a:off x="131768" y="759462"/>
-            <a:ext cx="11570606" cy="377539"/>
-          </a:xfrm>
-          <a:prstGeom prst="rect">
-            <a:avLst/>
-          </a:prstGeom>
-          <a:noFill/>
-        </p:spPr>
-        <p:txBody>
-          <a:bodyPr wrap="square" rtlCol="0">
-            <a:spAutoFit/>
-          </a:bodyPr>
-          <a:lstStyle/>
-          <a:p>
-            <a:pPr marL="285750" indent="-285750">
-              <a:lnSpc>
-                <a:spcPct val="150000"/>
-              </a:lnSpc>
-              <a:buFont typeface="Wingdings" panose="05000000000000000000" pitchFamily="2" charset="2"/>
-              <a:buChar char="v"/>
-            </a:pPr>
-            <a:r>
-              <a:rPr lang="ko-KR" altLang="en-US" sz="1400" b="1" dirty="0">
-                <a:latin typeface="Noto Sans CJK KR" panose="020B0500000000000000" pitchFamily="34" charset="-127"/>
-                <a:ea typeface="Noto Sans CJK KR" panose="020B0500000000000000" pitchFamily="34" charset="-127"/>
-              </a:rPr>
-              <a:t>분할된 수집리스트 전달</a:t>
-            </a:r>
-            <a:endParaRPr lang="en-US" altLang="ko-KR" sz="1400" b="1" dirty="0">
-              <a:solidFill>
-                <a:srgbClr val="0000CD"/>
-              </a:solidFill>
-              <a:latin typeface="Noto Sans CJK KR" panose="020B0500000000000000" pitchFamily="34" charset="-127"/>
-              <a:ea typeface="Noto Sans CJK KR" panose="020B0500000000000000" pitchFamily="34" charset="-127"/>
-            </a:endParaRPr>
-          </a:p>
-        </p:txBody>
-      </p:sp>
-    </p:spTree>
-    <p:extLst>
-      <p:ext uri="{BB962C8B-B14F-4D97-AF65-F5344CB8AC3E}">
-        <p14:creationId xmlns:p14="http://schemas.microsoft.com/office/powerpoint/2010/main" val="3092577143"/>
-      </p:ext>
-    </p:extLst>
-  </p:cSld>
-  <p:clrMapOvr>
-    <a:masterClrMapping/>
-  </p:clrMapOvr>
-</p:sld>
-</file>
-
-<file path=ppt/slides/slide11.xml><?xml version="1.0" encoding="utf-8"?>
-<p:sld xmlns:a="http://schemas.openxmlformats.org/drawingml/2006/main" xmlns:r="http://schemas.openxmlformats.org/officeDocument/2006/relationships" xmlns:p="http://schemas.openxmlformats.org/presentationml/2006/main">
-  <p:cSld>
-    <p:spTree>
-      <p:nvGrpSpPr>
-        <p:cNvPr id="1" name=""/>
-        <p:cNvGrpSpPr/>
-        <p:nvPr/>
-      </p:nvGrpSpPr>
-      <p:grpSpPr>
-        <a:xfrm>
-          <a:off x="0" y="0"/>
-          <a:ext cx="0" cy="0"/>
-          <a:chOff x="0" y="0"/>
-          <a:chExt cx="0" cy="0"/>
-        </a:xfrm>
-      </p:grpSpPr>
-      <p:grpSp>
-        <p:nvGrpSpPr>
           <p:cNvPr id="10" name="그룹 9">
             <a:extLst>
               <a:ext uri="{FF2B5EF4-FFF2-40B4-BE49-F238E27FC236}">
@@ -7161,7 +5622,7 @@
           <a:p>
             <a:fld id="{B6A9F74D-109D-4BF9-BFEA-3B5AFCB83424}" type="slidenum">
               <a:rPr lang="ko-KR" altLang="en-US" smtClean="0"/>
-              <a:t>10</a:t>
+              <a:t>9</a:t>
             </a:fld>
             <a:endParaRPr lang="ko-KR" altLang="en-US"/>
           </a:p>
@@ -7307,7 +5768,7 @@
 </p:sld>
 </file>
 
-<file path=ppt/slides/slide12.xml><?xml version="1.0" encoding="utf-8"?>
+<file path=ppt/slides/slide11.xml><?xml version="1.0" encoding="utf-8"?>
 <p:sld xmlns:a="http://schemas.openxmlformats.org/drawingml/2006/main" xmlns:r="http://schemas.openxmlformats.org/officeDocument/2006/relationships" xmlns:p="http://schemas.openxmlformats.org/presentationml/2006/main">
   <p:cSld>
     <p:spTree>
@@ -8696,7 +7157,7 @@
           <a:p>
             <a:fld id="{B6A9F74D-109D-4BF9-BFEA-3B5AFCB83424}" type="slidenum">
               <a:rPr lang="ko-KR" altLang="en-US" smtClean="0"/>
-              <a:t>11</a:t>
+              <a:t>10</a:t>
             </a:fld>
             <a:endParaRPr lang="ko-KR" altLang="en-US"/>
           </a:p>
@@ -12330,78 +10791,6 @@
       </p:grpSpPr>
       <p:sp>
         <p:nvSpPr>
-          <p:cNvPr id="4" name="슬라이드 번호 개체 틀 3"/>
-          <p:cNvSpPr>
-            <a:spLocks noGrp="1"/>
-          </p:cNvSpPr>
-          <p:nvPr>
-            <p:ph type="sldNum" sz="quarter" idx="12"/>
-          </p:nvPr>
-        </p:nvSpPr>
-        <p:spPr/>
-        <p:txBody>
-          <a:bodyPr/>
-          <a:lstStyle/>
-          <a:p>
-            <a:fld id="{B6A9F74D-109D-4BF9-BFEA-3B5AFCB83424}" type="slidenum">
-              <a:rPr lang="ko-KR" altLang="en-US" smtClean="0"/>
-              <a:t>3</a:t>
-            </a:fld>
-            <a:endParaRPr lang="ko-KR" altLang="en-US"/>
-          </a:p>
-        </p:txBody>
-      </p:sp>
-      <p:sp>
-        <p:nvSpPr>
-          <p:cNvPr id="5" name="텍스트 개체 틀 4"/>
-          <p:cNvSpPr>
-            <a:spLocks noGrp="1"/>
-          </p:cNvSpPr>
-          <p:nvPr>
-            <p:ph type="body" sz="quarter" idx="13"/>
-          </p:nvPr>
-        </p:nvSpPr>
-        <p:spPr/>
-        <p:txBody>
-          <a:bodyPr/>
-          <a:lstStyle/>
-          <a:p>
-            <a:endParaRPr lang="ko-KR" altLang="en-US"/>
-          </a:p>
-        </p:txBody>
-      </p:sp>
-    </p:spTree>
-    <p:extLst>
-      <p:ext uri="{BB962C8B-B14F-4D97-AF65-F5344CB8AC3E}">
-        <p14:creationId xmlns:p14="http://schemas.microsoft.com/office/powerpoint/2010/main" val="4159322512"/>
-      </p:ext>
-    </p:extLst>
-  </p:cSld>
-  <p:clrMapOvr>
-    <a:masterClrMapping/>
-  </p:clrMapOvr>
-</p:sld>
-</file>
-
-<file path=ppt/slides/slide5.xml><?xml version="1.0" encoding="utf-8"?>
-<p:sld xmlns:a="http://schemas.openxmlformats.org/drawingml/2006/main" xmlns:r="http://schemas.openxmlformats.org/officeDocument/2006/relationships" xmlns:p="http://schemas.openxmlformats.org/presentationml/2006/main">
-  <p:cSld>
-    <p:spTree>
-      <p:nvGrpSpPr>
-        <p:cNvPr id="1" name=""/>
-        <p:cNvGrpSpPr/>
-        <p:nvPr/>
-      </p:nvGrpSpPr>
-      <p:grpSpPr>
-        <a:xfrm>
-          <a:off x="0" y="0"/>
-          <a:ext cx="0" cy="0"/>
-          <a:chOff x="0" y="0"/>
-          <a:chExt cx="0" cy="0"/>
-        </a:xfrm>
-      </p:grpSpPr>
-      <p:sp>
-        <p:nvSpPr>
           <p:cNvPr id="14" name="TextBox 13">
             <a:extLst>
               <a:ext uri="{FF2B5EF4-FFF2-40B4-BE49-F238E27FC236}">
@@ -12779,7 +11168,7 @@
           <a:p>
             <a:fld id="{B6A9F74D-109D-4BF9-BFEA-3B5AFCB83424}" type="slidenum">
               <a:rPr lang="ko-KR" altLang="en-US" smtClean="0"/>
-              <a:t>4</a:t>
+              <a:t>3</a:t>
             </a:fld>
             <a:endParaRPr lang="ko-KR" altLang="en-US"/>
           </a:p>
@@ -13990,7 +12379,7 @@
 </p:sld>
 </file>
 
-<file path=ppt/slides/slide6.xml><?xml version="1.0" encoding="utf-8"?>
+<file path=ppt/slides/slide5.xml><?xml version="1.0" encoding="utf-8"?>
 <p:sld xmlns:a="http://schemas.openxmlformats.org/drawingml/2006/main" xmlns:r="http://schemas.openxmlformats.org/officeDocument/2006/relationships" xmlns:p="http://schemas.openxmlformats.org/presentationml/2006/main">
   <p:cSld>
     <p:spTree>
@@ -15544,7 +13933,7 @@
           <a:p>
             <a:fld id="{B6A9F74D-109D-4BF9-BFEA-3B5AFCB83424}" type="slidenum">
               <a:rPr lang="ko-KR" altLang="en-US" smtClean="0"/>
-              <a:t>5</a:t>
+              <a:t>4</a:t>
             </a:fld>
             <a:endParaRPr lang="ko-KR" altLang="en-US"/>
           </a:p>
@@ -15563,7 +13952,7 @@
 </p:sld>
 </file>
 
-<file path=ppt/slides/slide7.xml><?xml version="1.0" encoding="utf-8"?>
+<file path=ppt/slides/slide6.xml><?xml version="1.0" encoding="utf-8"?>
 <p:sld xmlns:a="http://schemas.openxmlformats.org/drawingml/2006/main" xmlns:r="http://schemas.openxmlformats.org/officeDocument/2006/relationships" xmlns:p="http://schemas.openxmlformats.org/presentationml/2006/main">
   <p:cSld>
     <p:spTree>
@@ -16367,7 +14756,7 @@
           <a:p>
             <a:fld id="{B6A9F74D-109D-4BF9-BFEA-3B5AFCB83424}" type="slidenum">
               <a:rPr lang="ko-KR" altLang="en-US" smtClean="0"/>
-              <a:t>6</a:t>
+              <a:t>5</a:t>
             </a:fld>
             <a:endParaRPr lang="ko-KR" altLang="en-US"/>
           </a:p>
@@ -16467,7 +14856,7 @@
 </p:sld>
 </file>
 
-<file path=ppt/slides/slide8.xml><?xml version="1.0" encoding="utf-8"?>
+<file path=ppt/slides/slide7.xml><?xml version="1.0" encoding="utf-8"?>
 <p:sld xmlns:a="http://schemas.openxmlformats.org/drawingml/2006/main" xmlns:r="http://schemas.openxmlformats.org/officeDocument/2006/relationships" xmlns:p="http://schemas.openxmlformats.org/presentationml/2006/main">
   <p:cSld>
     <p:spTree>
@@ -16798,7 +15187,7 @@
             <a:blip r:embed="rId2">
               <a:extLst>
                 <a:ext uri="{96DAC541-7B7A-43D3-8B79-37D633B846F1}">
-                  <asvg:svgBlip xmlns="" xmlns:asvg="http://schemas.microsoft.com/office/drawing/2016/SVG/main" r:embed="rId3"/>
+                  <asvg:svgBlip xmlns:asvg="http://schemas.microsoft.com/office/drawing/2016/SVG/main" xmlns="" r:embed="rId3"/>
                 </a:ext>
               </a:extLst>
             </a:blip>
@@ -16889,7 +15278,7 @@
           <a:p>
             <a:fld id="{B6A9F74D-109D-4BF9-BFEA-3B5AFCB83424}" type="slidenum">
               <a:rPr lang="ko-KR" altLang="en-US" smtClean="0"/>
-              <a:t>7</a:t>
+              <a:t>6</a:t>
             </a:fld>
             <a:endParaRPr lang="ko-KR" altLang="en-US"/>
           </a:p>
@@ -18544,7 +16933,7 @@
 </p:sld>
 </file>
 
-<file path=ppt/slides/slide9.xml><?xml version="1.0" encoding="utf-8"?>
+<file path=ppt/slides/slide8.xml><?xml version="1.0" encoding="utf-8"?>
 <p:sld xmlns:a="http://schemas.openxmlformats.org/drawingml/2006/main" xmlns:r="http://schemas.openxmlformats.org/officeDocument/2006/relationships" xmlns:p="http://schemas.openxmlformats.org/presentationml/2006/main">
   <p:cSld>
     <p:spTree>
@@ -18928,7 +17317,7 @@
             <a:blip r:embed="rId2">
               <a:extLst>
                 <a:ext uri="{96DAC541-7B7A-43D3-8B79-37D633B846F1}">
-                  <asvg:svgBlip xmlns="" xmlns:asvg="http://schemas.microsoft.com/office/drawing/2016/SVG/main" r:embed="rId3"/>
+                  <asvg:svgBlip xmlns:asvg="http://schemas.microsoft.com/office/drawing/2016/SVG/main" xmlns="" r:embed="rId3"/>
                 </a:ext>
               </a:extLst>
             </a:blip>
@@ -19022,7 +17411,7 @@
           <a:p>
             <a:fld id="{B6A9F74D-109D-4BF9-BFEA-3B5AFCB83424}" type="slidenum">
               <a:rPr lang="ko-KR" altLang="en-US" smtClean="0"/>
-              <a:t>8</a:t>
+              <a:t>7</a:t>
             </a:fld>
             <a:endParaRPr lang="ko-KR" altLang="en-US"/>
           </a:p>
@@ -21417,6 +19806,1544 @@
 </p:sld>
 </file>
 
+<file path=ppt/slides/slide9.xml><?xml version="1.0" encoding="utf-8"?>
+<p:sld xmlns:a="http://schemas.openxmlformats.org/drawingml/2006/main" xmlns:r="http://schemas.openxmlformats.org/officeDocument/2006/relationships" xmlns:p="http://schemas.openxmlformats.org/presentationml/2006/main">
+  <p:cSld>
+    <p:spTree>
+      <p:nvGrpSpPr>
+        <p:cNvPr id="1" name=""/>
+        <p:cNvGrpSpPr/>
+        <p:nvPr/>
+      </p:nvGrpSpPr>
+      <p:grpSpPr>
+        <a:xfrm>
+          <a:off x="0" y="0"/>
+          <a:ext cx="0" cy="0"/>
+          <a:chOff x="0" y="0"/>
+          <a:chExt cx="0" cy="0"/>
+        </a:xfrm>
+      </p:grpSpPr>
+      <p:grpSp>
+        <p:nvGrpSpPr>
+          <p:cNvPr id="16" name="그룹 15">
+            <a:extLst>
+              <a:ext uri="{FF2B5EF4-FFF2-40B4-BE49-F238E27FC236}">
+                <a16:creationId xmlns:a16="http://schemas.microsoft.com/office/drawing/2014/main" id="{93670469-4401-C0E8-1962-F7DC38357E3F}"/>
+              </a:ext>
+            </a:extLst>
+          </p:cNvPr>
+          <p:cNvGrpSpPr/>
+          <p:nvPr/>
+        </p:nvGrpSpPr>
+        <p:grpSpPr>
+          <a:xfrm>
+            <a:off x="210308" y="187333"/>
+            <a:ext cx="6403546" cy="461665"/>
+            <a:chOff x="4743397" y="1441059"/>
+            <a:chExt cx="6403546" cy="461665"/>
+          </a:xfrm>
+        </p:grpSpPr>
+        <p:pic>
+          <p:nvPicPr>
+            <p:cNvPr id="22" name="그래픽 21">
+              <a:extLst>
+                <a:ext uri="{FF2B5EF4-FFF2-40B4-BE49-F238E27FC236}">
+                  <a16:creationId xmlns:a16="http://schemas.microsoft.com/office/drawing/2014/main" id="{C7830BD2-C286-F6E2-F17B-475C389DA4E2}"/>
+                </a:ext>
+              </a:extLst>
+            </p:cNvPr>
+            <p:cNvPicPr>
+              <a:picLocks noChangeAspect="1"/>
+            </p:cNvPicPr>
+            <p:nvPr/>
+          </p:nvPicPr>
+          <p:blipFill>
+            <a:blip r:embed="rId2">
+              <a:extLst>
+                <a:ext uri="{96DAC541-7B7A-43D3-8B79-37D633B846F1}">
+                  <asvg:svgBlip xmlns:asvg="http://schemas.microsoft.com/office/drawing/2016/SVG/main" xmlns="" r:embed="rId3"/>
+                </a:ext>
+              </a:extLst>
+            </a:blip>
+            <a:stretch>
+              <a:fillRect/>
+            </a:stretch>
+          </p:blipFill>
+          <p:spPr>
+            <a:xfrm>
+              <a:off x="4743397" y="1512196"/>
+              <a:ext cx="358301" cy="358301"/>
+            </a:xfrm>
+            <a:prstGeom prst="rect">
+              <a:avLst/>
+            </a:prstGeom>
+          </p:spPr>
+        </p:pic>
+        <p:sp>
+          <p:nvSpPr>
+            <p:cNvPr id="23" name="TextBox 22">
+              <a:extLst>
+                <a:ext uri="{FF2B5EF4-FFF2-40B4-BE49-F238E27FC236}">
+                  <a16:creationId xmlns:a16="http://schemas.microsoft.com/office/drawing/2014/main" id="{2EEF2A5D-0B8C-2D9D-029A-E06357175EB0}"/>
+                </a:ext>
+              </a:extLst>
+            </p:cNvPr>
+            <p:cNvSpPr txBox="1"/>
+            <p:nvPr/>
+          </p:nvSpPr>
+          <p:spPr>
+            <a:xfrm>
+              <a:off x="5101698" y="1441059"/>
+              <a:ext cx="6045245" cy="461665"/>
+            </a:xfrm>
+            <a:prstGeom prst="rect">
+              <a:avLst/>
+            </a:prstGeom>
+            <a:noFill/>
+          </p:spPr>
+          <p:txBody>
+            <a:bodyPr wrap="none" rtlCol="0">
+              <a:spAutoFit/>
+            </a:bodyPr>
+            <a:lstStyle/>
+            <a:p>
+              <a:r>
+                <a:rPr lang="ko-KR" altLang="en-US" sz="2400" dirty="0">
+                  <a:latin typeface="HY견고딕" panose="02030600000101010101" pitchFamily="18" charset="-127"/>
+                  <a:ea typeface="HY견고딕" panose="02030600000101010101" pitchFamily="18" charset="-127"/>
+                </a:rPr>
+                <a:t>수집 네트워크 서비스 상세</a:t>
+              </a:r>
+              <a:r>
+                <a:rPr lang="en-US" altLang="ko-KR" sz="2400" dirty="0">
+                  <a:latin typeface="HY견고딕" panose="02030600000101010101" pitchFamily="18" charset="-127"/>
+                  <a:ea typeface="HY견고딕" panose="02030600000101010101" pitchFamily="18" charset="-127"/>
+                </a:rPr>
+                <a:t>: </a:t>
+              </a:r>
+              <a:r>
+                <a:rPr lang="ko-KR" altLang="en-US" sz="2400" dirty="0">
+                  <a:latin typeface="HY견고딕" panose="02030600000101010101" pitchFamily="18" charset="-127"/>
+                  <a:ea typeface="HY견고딕" panose="02030600000101010101" pitchFamily="18" charset="-127"/>
+                </a:rPr>
+                <a:t>수집명세 분할</a:t>
+              </a:r>
+            </a:p>
+          </p:txBody>
+        </p:sp>
+      </p:grpSp>
+      <p:grpSp>
+        <p:nvGrpSpPr>
+          <p:cNvPr id="119" name="그룹 118">
+            <a:extLst>
+              <a:ext uri="{FF2B5EF4-FFF2-40B4-BE49-F238E27FC236}">
+                <a16:creationId xmlns:a16="http://schemas.microsoft.com/office/drawing/2014/main" id="{63922B8C-8C8A-E053-2A9C-3E2371E5A944}"/>
+              </a:ext>
+            </a:extLst>
+          </p:cNvPr>
+          <p:cNvGrpSpPr/>
+          <p:nvPr/>
+        </p:nvGrpSpPr>
+        <p:grpSpPr>
+          <a:xfrm>
+            <a:off x="3151543" y="1435750"/>
+            <a:ext cx="6144857" cy="4076368"/>
+            <a:chOff x="1639937" y="1379626"/>
+            <a:chExt cx="6144857" cy="4076368"/>
+          </a:xfrm>
+        </p:grpSpPr>
+        <p:sp>
+          <p:nvSpPr>
+            <p:cNvPr id="30" name="사각형: 둥근 모서리 6">
+              <a:extLst>
+                <a:ext uri="{FF2B5EF4-FFF2-40B4-BE49-F238E27FC236}">
+                  <a16:creationId xmlns:a16="http://schemas.microsoft.com/office/drawing/2014/main" id="{AB44BB17-F789-907C-FA72-DAAE67819B08}"/>
+                </a:ext>
+              </a:extLst>
+            </p:cNvPr>
+            <p:cNvSpPr/>
+            <p:nvPr/>
+          </p:nvSpPr>
+          <p:spPr>
+            <a:xfrm>
+              <a:off x="2042766" y="2668995"/>
+              <a:ext cx="2912904" cy="2786999"/>
+            </a:xfrm>
+            <a:prstGeom prst="roundRect">
+              <a:avLst>
+                <a:gd name="adj" fmla="val 3584"/>
+              </a:avLst>
+            </a:prstGeom>
+            <a:solidFill>
+              <a:srgbClr val="00BFFF">
+                <a:alpha val="30000"/>
+              </a:srgbClr>
+            </a:solidFill>
+            <a:ln>
+              <a:noFill/>
+            </a:ln>
+          </p:spPr>
+          <p:style>
+            <a:lnRef idx="2">
+              <a:schemeClr val="accent1">
+                <a:shade val="50000"/>
+              </a:schemeClr>
+            </a:lnRef>
+            <a:fillRef idx="1">
+              <a:schemeClr val="accent1"/>
+            </a:fillRef>
+            <a:effectRef idx="0">
+              <a:schemeClr val="accent1"/>
+            </a:effectRef>
+            <a:fontRef idx="minor">
+              <a:schemeClr val="lt1"/>
+            </a:fontRef>
+          </p:style>
+          <p:txBody>
+            <a:bodyPr rtlCol="0" anchor="ctr"/>
+            <a:lstStyle/>
+            <a:p>
+              <a:pPr algn="ctr"/>
+              <a:endParaRPr lang="ko-KR" altLang="en-US" sz="1000" dirty="0">
+                <a:solidFill>
+                  <a:schemeClr val="tx1"/>
+                </a:solidFill>
+                <a:latin typeface="Noto Sans CJK KR" panose="020B0500000000000000" pitchFamily="34" charset="-127"/>
+                <a:ea typeface="Noto Sans CJK KR" panose="020B0500000000000000" pitchFamily="34" charset="-127"/>
+              </a:endParaRPr>
+            </a:p>
+          </p:txBody>
+        </p:sp>
+        <p:sp>
+          <p:nvSpPr>
+            <p:cNvPr id="104" name="사각형: 둥근 모서리 6">
+              <a:extLst>
+                <a:ext uri="{FF2B5EF4-FFF2-40B4-BE49-F238E27FC236}">
+                  <a16:creationId xmlns:a16="http://schemas.microsoft.com/office/drawing/2014/main" id="{1255B7FB-BB00-A2D7-3AD7-DC58CBD04C91}"/>
+                </a:ext>
+              </a:extLst>
+            </p:cNvPr>
+            <p:cNvSpPr/>
+            <p:nvPr/>
+          </p:nvSpPr>
+          <p:spPr>
+            <a:xfrm>
+              <a:off x="3525920" y="3009274"/>
+              <a:ext cx="1198080" cy="2243235"/>
+            </a:xfrm>
+            <a:prstGeom prst="roundRect">
+              <a:avLst>
+                <a:gd name="adj" fmla="val 8071"/>
+              </a:avLst>
+            </a:prstGeom>
+            <a:solidFill>
+              <a:schemeClr val="bg1">
+                <a:lumMod val="85000"/>
+              </a:schemeClr>
+            </a:solidFill>
+            <a:ln>
+              <a:noFill/>
+            </a:ln>
+          </p:spPr>
+          <p:style>
+            <a:lnRef idx="2">
+              <a:schemeClr val="accent1">
+                <a:shade val="50000"/>
+              </a:schemeClr>
+            </a:lnRef>
+            <a:fillRef idx="1">
+              <a:schemeClr val="accent1"/>
+            </a:fillRef>
+            <a:effectRef idx="0">
+              <a:schemeClr val="accent1"/>
+            </a:effectRef>
+            <a:fontRef idx="minor">
+              <a:schemeClr val="lt1"/>
+            </a:fontRef>
+          </p:style>
+          <p:txBody>
+            <a:bodyPr rtlCol="0" anchor="ctr"/>
+            <a:lstStyle/>
+            <a:p>
+              <a:pPr algn="ctr"/>
+              <a:endParaRPr lang="ko-KR" altLang="en-US" sz="1000" dirty="0">
+                <a:solidFill>
+                  <a:schemeClr val="tx1"/>
+                </a:solidFill>
+                <a:latin typeface="Noto Sans CJK KR" panose="020B0500000000000000" pitchFamily="34" charset="-127"/>
+                <a:ea typeface="Noto Sans CJK KR" panose="020B0500000000000000" pitchFamily="34" charset="-127"/>
+              </a:endParaRPr>
+            </a:p>
+          </p:txBody>
+        </p:sp>
+        <p:sp>
+          <p:nvSpPr>
+            <p:cNvPr id="18" name="사각형: 둥근 모서리 6">
+              <a:extLst>
+                <a:ext uri="{FF2B5EF4-FFF2-40B4-BE49-F238E27FC236}">
+                  <a16:creationId xmlns:a16="http://schemas.microsoft.com/office/drawing/2014/main" id="{24FB913C-EE51-CBBE-2223-E2A82D106E32}"/>
+                </a:ext>
+              </a:extLst>
+            </p:cNvPr>
+            <p:cNvSpPr/>
+            <p:nvPr/>
+          </p:nvSpPr>
+          <p:spPr>
+            <a:xfrm>
+              <a:off x="6235026" y="4440357"/>
+              <a:ext cx="1534192" cy="881931"/>
+            </a:xfrm>
+            <a:prstGeom prst="roundRect">
+              <a:avLst/>
+            </a:prstGeom>
+            <a:solidFill>
+              <a:srgbClr val="7B68EE"/>
+            </a:solidFill>
+            <a:ln>
+              <a:noFill/>
+            </a:ln>
+          </p:spPr>
+          <p:style>
+            <a:lnRef idx="2">
+              <a:schemeClr val="accent1">
+                <a:shade val="50000"/>
+              </a:schemeClr>
+            </a:lnRef>
+            <a:fillRef idx="1">
+              <a:schemeClr val="accent1"/>
+            </a:fillRef>
+            <a:effectRef idx="0">
+              <a:schemeClr val="accent1"/>
+            </a:effectRef>
+            <a:fontRef idx="minor">
+              <a:schemeClr val="lt1"/>
+            </a:fontRef>
+          </p:style>
+          <p:txBody>
+            <a:bodyPr rtlCol="0" anchor="ctr"/>
+            <a:lstStyle/>
+            <a:p>
+              <a:pPr algn="ctr"/>
+              <a:r>
+                <a:rPr lang="en-US" altLang="ko-KR" dirty="0">
+                  <a:solidFill>
+                    <a:schemeClr val="tx1"/>
+                  </a:solidFill>
+                  <a:latin typeface="Noto Sans CJK KR" panose="020B0500000000000000" pitchFamily="34" charset="-127"/>
+                  <a:ea typeface="Noto Sans CJK KR" panose="020B0500000000000000" pitchFamily="34" charset="-127"/>
+                </a:rPr>
+                <a:t>Collect</a:t>
+              </a:r>
+            </a:p>
+            <a:p>
+              <a:pPr algn="ctr"/>
+              <a:r>
+                <a:rPr lang="en-US" altLang="ko-KR" dirty="0">
+                  <a:solidFill>
+                    <a:schemeClr val="tx1"/>
+                  </a:solidFill>
+                  <a:latin typeface="Noto Sans CJK KR" panose="020B0500000000000000" pitchFamily="34" charset="-127"/>
+                  <a:ea typeface="Noto Sans CJK KR" panose="020B0500000000000000" pitchFamily="34" charset="-127"/>
+                </a:rPr>
+                <a:t>Server-N</a:t>
+              </a:r>
+              <a:endParaRPr lang="ko-KR" altLang="en-US" dirty="0">
+                <a:solidFill>
+                  <a:schemeClr val="tx1"/>
+                </a:solidFill>
+                <a:latin typeface="Noto Sans CJK KR" panose="020B0500000000000000" pitchFamily="34" charset="-127"/>
+                <a:ea typeface="Noto Sans CJK KR" panose="020B0500000000000000" pitchFamily="34" charset="-127"/>
+              </a:endParaRPr>
+            </a:p>
+          </p:txBody>
+        </p:sp>
+        <p:grpSp>
+          <p:nvGrpSpPr>
+            <p:cNvPr id="118" name="그룹 117">
+              <a:extLst>
+                <a:ext uri="{FF2B5EF4-FFF2-40B4-BE49-F238E27FC236}">
+                  <a16:creationId xmlns:a16="http://schemas.microsoft.com/office/drawing/2014/main" id="{ECC45501-FE6B-9EFB-BC9B-A2CED3DC3FA1}"/>
+                </a:ext>
+              </a:extLst>
+            </p:cNvPr>
+            <p:cNvGrpSpPr/>
+            <p:nvPr/>
+          </p:nvGrpSpPr>
+          <p:grpSpPr>
+            <a:xfrm>
+              <a:off x="6235026" y="1379626"/>
+              <a:ext cx="1549768" cy="3079831"/>
+              <a:chOff x="6235026" y="1194800"/>
+              <a:chExt cx="1549768" cy="3079831"/>
+            </a:xfrm>
+          </p:grpSpPr>
+          <p:sp>
+            <p:nvSpPr>
+              <p:cNvPr id="14" name="사각형: 둥근 모서리 6">
+                <a:extLst>
+                  <a:ext uri="{FF2B5EF4-FFF2-40B4-BE49-F238E27FC236}">
+                    <a16:creationId xmlns:a16="http://schemas.microsoft.com/office/drawing/2014/main" id="{24FB913C-EE51-CBBE-2223-E2A82D106E32}"/>
+                  </a:ext>
+                </a:extLst>
+              </p:cNvPr>
+              <p:cNvSpPr/>
+              <p:nvPr/>
+            </p:nvSpPr>
+            <p:spPr>
+              <a:xfrm>
+                <a:off x="6250602" y="3081730"/>
+                <a:ext cx="1534192" cy="881931"/>
+              </a:xfrm>
+              <a:prstGeom prst="roundRect">
+                <a:avLst/>
+              </a:prstGeom>
+              <a:solidFill>
+                <a:srgbClr val="7B68EE"/>
+              </a:solidFill>
+              <a:ln>
+                <a:noFill/>
+              </a:ln>
+            </p:spPr>
+            <p:style>
+              <a:lnRef idx="2">
+                <a:schemeClr val="accent1">
+                  <a:shade val="50000"/>
+                </a:schemeClr>
+              </a:lnRef>
+              <a:fillRef idx="1">
+                <a:schemeClr val="accent1"/>
+              </a:fillRef>
+              <a:effectRef idx="0">
+                <a:schemeClr val="accent1"/>
+              </a:effectRef>
+              <a:fontRef idx="minor">
+                <a:schemeClr val="lt1"/>
+              </a:fontRef>
+            </p:style>
+            <p:txBody>
+              <a:bodyPr rtlCol="0" anchor="ctr"/>
+              <a:lstStyle/>
+              <a:p>
+                <a:pPr algn="ctr"/>
+                <a:r>
+                  <a:rPr lang="en-US" altLang="ko-KR" dirty="0">
+                    <a:solidFill>
+                      <a:schemeClr val="tx1"/>
+                    </a:solidFill>
+                    <a:latin typeface="Noto Sans CJK KR" panose="020B0500000000000000" pitchFamily="34" charset="-127"/>
+                    <a:ea typeface="Noto Sans CJK KR" panose="020B0500000000000000" pitchFamily="34" charset="-127"/>
+                  </a:rPr>
+                  <a:t>Collect</a:t>
+                </a:r>
+              </a:p>
+              <a:p>
+                <a:pPr algn="ctr"/>
+                <a:r>
+                  <a:rPr lang="en-US" altLang="ko-KR" dirty="0">
+                    <a:solidFill>
+                      <a:schemeClr val="tx1"/>
+                    </a:solidFill>
+                    <a:latin typeface="Noto Sans CJK KR" panose="020B0500000000000000" pitchFamily="34" charset="-127"/>
+                    <a:ea typeface="Noto Sans CJK KR" panose="020B0500000000000000" pitchFamily="34" charset="-127"/>
+                  </a:rPr>
+                  <a:t>Server-3</a:t>
+                </a:r>
+                <a:endParaRPr lang="ko-KR" altLang="en-US" dirty="0">
+                  <a:solidFill>
+                    <a:schemeClr val="tx1"/>
+                  </a:solidFill>
+                  <a:latin typeface="Noto Sans CJK KR" panose="020B0500000000000000" pitchFamily="34" charset="-127"/>
+                  <a:ea typeface="Noto Sans CJK KR" panose="020B0500000000000000" pitchFamily="34" charset="-127"/>
+                </a:endParaRPr>
+              </a:p>
+            </p:txBody>
+          </p:sp>
+          <p:sp>
+            <p:nvSpPr>
+              <p:cNvPr id="15" name="사각형: 둥근 모서리 6">
+                <a:extLst>
+                  <a:ext uri="{FF2B5EF4-FFF2-40B4-BE49-F238E27FC236}">
+                    <a16:creationId xmlns:a16="http://schemas.microsoft.com/office/drawing/2014/main" id="{24FB913C-EE51-CBBE-2223-E2A82D106E32}"/>
+                  </a:ext>
+                </a:extLst>
+              </p:cNvPr>
+              <p:cNvSpPr/>
+              <p:nvPr/>
+            </p:nvSpPr>
+            <p:spPr>
+              <a:xfrm>
+                <a:off x="6235026" y="1194800"/>
+                <a:ext cx="1534192" cy="881931"/>
+              </a:xfrm>
+              <a:prstGeom prst="roundRect">
+                <a:avLst/>
+              </a:prstGeom>
+              <a:solidFill>
+                <a:srgbClr val="7B68EE"/>
+              </a:solidFill>
+              <a:ln>
+                <a:noFill/>
+              </a:ln>
+            </p:spPr>
+            <p:style>
+              <a:lnRef idx="2">
+                <a:schemeClr val="accent1">
+                  <a:shade val="50000"/>
+                </a:schemeClr>
+              </a:lnRef>
+              <a:fillRef idx="1">
+                <a:schemeClr val="accent1"/>
+              </a:fillRef>
+              <a:effectRef idx="0">
+                <a:schemeClr val="accent1"/>
+              </a:effectRef>
+              <a:fontRef idx="minor">
+                <a:schemeClr val="lt1"/>
+              </a:fontRef>
+            </p:style>
+            <p:txBody>
+              <a:bodyPr rtlCol="0" anchor="ctr"/>
+              <a:lstStyle/>
+              <a:p>
+                <a:pPr algn="ctr"/>
+                <a:r>
+                  <a:rPr lang="en-US" altLang="ko-KR" dirty="0">
+                    <a:solidFill>
+                      <a:schemeClr val="tx1"/>
+                    </a:solidFill>
+                    <a:latin typeface="Noto Sans CJK KR" panose="020B0500000000000000" pitchFamily="34" charset="-127"/>
+                    <a:ea typeface="Noto Sans CJK KR" panose="020B0500000000000000" pitchFamily="34" charset="-127"/>
+                  </a:rPr>
+                  <a:t>Collect</a:t>
+                </a:r>
+              </a:p>
+              <a:p>
+                <a:pPr algn="ctr"/>
+                <a:r>
+                  <a:rPr lang="en-US" altLang="ko-KR" dirty="0">
+                    <a:solidFill>
+                      <a:schemeClr val="tx1"/>
+                    </a:solidFill>
+                    <a:latin typeface="Noto Sans CJK KR" panose="020B0500000000000000" pitchFamily="34" charset="-127"/>
+                    <a:ea typeface="Noto Sans CJK KR" panose="020B0500000000000000" pitchFamily="34" charset="-127"/>
+                  </a:rPr>
+                  <a:t>Server-1</a:t>
+                </a:r>
+                <a:endParaRPr lang="ko-KR" altLang="en-US" dirty="0">
+                  <a:solidFill>
+                    <a:schemeClr val="tx1"/>
+                  </a:solidFill>
+                  <a:latin typeface="Noto Sans CJK KR" panose="020B0500000000000000" pitchFamily="34" charset="-127"/>
+                  <a:ea typeface="Noto Sans CJK KR" panose="020B0500000000000000" pitchFamily="34" charset="-127"/>
+                </a:endParaRPr>
+              </a:p>
+            </p:txBody>
+          </p:sp>
+          <p:sp>
+            <p:nvSpPr>
+              <p:cNvPr id="17" name="사각형: 둥근 모서리 6">
+                <a:extLst>
+                  <a:ext uri="{FF2B5EF4-FFF2-40B4-BE49-F238E27FC236}">
+                    <a16:creationId xmlns:a16="http://schemas.microsoft.com/office/drawing/2014/main" id="{24FB913C-EE51-CBBE-2223-E2A82D106E32}"/>
+                  </a:ext>
+                </a:extLst>
+              </p:cNvPr>
+              <p:cNvSpPr/>
+              <p:nvPr/>
+            </p:nvSpPr>
+            <p:spPr>
+              <a:xfrm>
+                <a:off x="6250602" y="2141439"/>
+                <a:ext cx="1534192" cy="881931"/>
+              </a:xfrm>
+              <a:prstGeom prst="roundRect">
+                <a:avLst/>
+              </a:prstGeom>
+              <a:solidFill>
+                <a:srgbClr val="7B68EE"/>
+              </a:solidFill>
+              <a:ln>
+                <a:noFill/>
+              </a:ln>
+            </p:spPr>
+            <p:style>
+              <a:lnRef idx="2">
+                <a:schemeClr val="accent1">
+                  <a:shade val="50000"/>
+                </a:schemeClr>
+              </a:lnRef>
+              <a:fillRef idx="1">
+                <a:schemeClr val="accent1"/>
+              </a:fillRef>
+              <a:effectRef idx="0">
+                <a:schemeClr val="accent1"/>
+              </a:effectRef>
+              <a:fontRef idx="minor">
+                <a:schemeClr val="lt1"/>
+              </a:fontRef>
+            </p:style>
+            <p:txBody>
+              <a:bodyPr rtlCol="0" anchor="ctr"/>
+              <a:lstStyle/>
+              <a:p>
+                <a:pPr algn="ctr"/>
+                <a:r>
+                  <a:rPr lang="en-US" altLang="ko-KR" dirty="0">
+                    <a:solidFill>
+                      <a:schemeClr val="tx1"/>
+                    </a:solidFill>
+                    <a:latin typeface="Noto Sans CJK KR" panose="020B0500000000000000" pitchFamily="34" charset="-127"/>
+                    <a:ea typeface="Noto Sans CJK KR" panose="020B0500000000000000" pitchFamily="34" charset="-127"/>
+                  </a:rPr>
+                  <a:t>Collect</a:t>
+                </a:r>
+              </a:p>
+              <a:p>
+                <a:pPr algn="ctr"/>
+                <a:r>
+                  <a:rPr lang="en-US" altLang="ko-KR" dirty="0">
+                    <a:solidFill>
+                      <a:schemeClr val="tx1"/>
+                    </a:solidFill>
+                    <a:latin typeface="Noto Sans CJK KR" panose="020B0500000000000000" pitchFamily="34" charset="-127"/>
+                    <a:ea typeface="Noto Sans CJK KR" panose="020B0500000000000000" pitchFamily="34" charset="-127"/>
+                  </a:rPr>
+                  <a:t>Server-2</a:t>
+                </a:r>
+                <a:endParaRPr lang="ko-KR" altLang="en-US" dirty="0">
+                  <a:solidFill>
+                    <a:schemeClr val="tx1"/>
+                  </a:solidFill>
+                  <a:latin typeface="Noto Sans CJK KR" panose="020B0500000000000000" pitchFamily="34" charset="-127"/>
+                  <a:ea typeface="Noto Sans CJK KR" panose="020B0500000000000000" pitchFamily="34" charset="-127"/>
+                </a:endParaRPr>
+              </a:p>
+            </p:txBody>
+          </p:sp>
+          <mc:AlternateContent xmlns:mc="http://schemas.openxmlformats.org/markup-compatibility/2006" xmlns:a14="http://schemas.microsoft.com/office/drawing/2010/main">
+            <mc:Choice Requires="a14">
+              <p:sp>
+                <p:nvSpPr>
+                  <p:cNvPr id="2" name="TextBox 1"/>
+                  <p:cNvSpPr txBox="1"/>
+                  <p:nvPr/>
+                </p:nvSpPr>
+                <p:spPr>
+                  <a:xfrm>
+                    <a:off x="6848421" y="3905299"/>
+                    <a:ext cx="338554" cy="369332"/>
+                  </a:xfrm>
+                  <a:prstGeom prst="rect">
+                    <a:avLst/>
+                  </a:prstGeom>
+                  <a:noFill/>
+                </p:spPr>
+                <p:txBody>
+                  <a:bodyPr wrap="none" rtlCol="0">
+                    <a:spAutoFit/>
+                  </a:bodyPr>
+                  <a:lstStyle/>
+                  <a:p>
+                    <a:pPr/>
+                    <a14:m>
+                      <m:oMathPara xmlns:m="http://schemas.openxmlformats.org/officeDocument/2006/math">
+                        <m:oMathParaPr>
+                          <m:jc m:val="centerGroup"/>
+                        </m:oMathParaPr>
+                        <m:oMath xmlns:m="http://schemas.openxmlformats.org/officeDocument/2006/math">
+                          <m:r>
+                            <a:rPr lang="ko-KR" altLang="en-US" i="1" smtClean="0">
+                              <a:latin typeface="Cambria Math" panose="02040503050406030204" pitchFamily="18" charset="0"/>
+                            </a:rPr>
+                            <m:t>⋮</m:t>
+                          </m:r>
+                        </m:oMath>
+                      </m:oMathPara>
+                    </a14:m>
+                    <a:endParaRPr lang="ko-KR" altLang="en-US" dirty="0"/>
+                  </a:p>
+                </p:txBody>
+              </p:sp>
+            </mc:Choice>
+            <mc:Fallback xmlns="">
+              <p:sp>
+                <p:nvSpPr>
+                  <p:cNvPr id="2" name="TextBox 1"/>
+                  <p:cNvSpPr txBox="1">
+                    <a:spLocks noRot="1" noChangeAspect="1" noMove="1" noResize="1" noEditPoints="1" noAdjustHandles="1" noChangeArrowheads="1" noChangeShapeType="1" noTextEdit="1"/>
+                  </p:cNvSpPr>
+                  <p:nvPr/>
+                </p:nvSpPr>
+                <p:spPr>
+                  <a:xfrm>
+                    <a:off x="6848421" y="3905299"/>
+                    <a:ext cx="338554" cy="369332"/>
+                  </a:xfrm>
+                  <a:prstGeom prst="rect">
+                    <a:avLst/>
+                  </a:prstGeom>
+                  <a:blipFill>
+                    <a:blip r:embed="rId4"/>
+                    <a:stretch>
+                      <a:fillRect/>
+                    </a:stretch>
+                  </a:blipFill>
+                </p:spPr>
+                <p:txBody>
+                  <a:bodyPr/>
+                  <a:lstStyle/>
+                  <a:p>
+                    <a:r>
+                      <a:rPr lang="ko-KR" altLang="en-US">
+                        <a:noFill/>
+                      </a:rPr>
+                      <a:t> </a:t>
+                    </a:r>
+                  </a:p>
+                </p:txBody>
+              </p:sp>
+            </mc:Fallback>
+          </mc:AlternateContent>
+        </p:grpSp>
+        <p:sp>
+          <p:nvSpPr>
+            <p:cNvPr id="10" name="사각형: 둥근 모서리 5">
+              <a:extLst>
+                <a:ext uri="{FF2B5EF4-FFF2-40B4-BE49-F238E27FC236}">
+                  <a16:creationId xmlns:a16="http://schemas.microsoft.com/office/drawing/2014/main" id="{05157B58-D063-8713-B9A4-1D30A1953EC7}"/>
+                </a:ext>
+              </a:extLst>
+            </p:cNvPr>
+            <p:cNvSpPr/>
+            <p:nvPr/>
+          </p:nvSpPr>
+          <p:spPr>
+            <a:xfrm>
+              <a:off x="1639937" y="2231532"/>
+              <a:ext cx="1565429" cy="943181"/>
+            </a:xfrm>
+            <a:prstGeom prst="roundRect">
+              <a:avLst/>
+            </a:prstGeom>
+            <a:solidFill>
+              <a:srgbClr val="00BFFF"/>
+            </a:solidFill>
+            <a:ln>
+              <a:noFill/>
+            </a:ln>
+          </p:spPr>
+          <p:style>
+            <a:lnRef idx="2">
+              <a:schemeClr val="accent1">
+                <a:shade val="50000"/>
+              </a:schemeClr>
+            </a:lnRef>
+            <a:fillRef idx="1">
+              <a:schemeClr val="accent1"/>
+            </a:fillRef>
+            <a:effectRef idx="0">
+              <a:schemeClr val="accent1"/>
+            </a:effectRef>
+            <a:fontRef idx="minor">
+              <a:schemeClr val="lt1"/>
+            </a:fontRef>
+          </p:style>
+          <p:txBody>
+            <a:bodyPr rtlCol="0" anchor="ctr"/>
+            <a:lstStyle/>
+            <a:p>
+              <a:pPr algn="ctr"/>
+              <a:r>
+                <a:rPr lang="en-US" altLang="ko-KR" dirty="0">
+                  <a:solidFill>
+                    <a:schemeClr val="tx1"/>
+                  </a:solidFill>
+                  <a:latin typeface="Noto Sans CJK KR" panose="020B0500000000000000" pitchFamily="34" charset="-127"/>
+                  <a:ea typeface="Noto Sans CJK KR" panose="020B0500000000000000" pitchFamily="34" charset="-127"/>
+                </a:rPr>
+                <a:t>Manager</a:t>
+              </a:r>
+            </a:p>
+            <a:p>
+              <a:pPr algn="ctr"/>
+              <a:r>
+                <a:rPr lang="en-US" altLang="ko-KR" dirty="0">
+                  <a:solidFill>
+                    <a:schemeClr val="tx1"/>
+                  </a:solidFill>
+                  <a:latin typeface="Noto Sans CJK KR" panose="020B0500000000000000" pitchFamily="34" charset="-127"/>
+                  <a:ea typeface="Noto Sans CJK KR" panose="020B0500000000000000" pitchFamily="34" charset="-127"/>
+                </a:rPr>
+                <a:t>Server</a:t>
+              </a:r>
+              <a:endParaRPr lang="ko-KR" altLang="en-US" dirty="0">
+                <a:solidFill>
+                  <a:schemeClr val="tx1"/>
+                </a:solidFill>
+                <a:latin typeface="Noto Sans CJK KR" panose="020B0500000000000000" pitchFamily="34" charset="-127"/>
+                <a:ea typeface="Noto Sans CJK KR" panose="020B0500000000000000" pitchFamily="34" charset="-127"/>
+              </a:endParaRPr>
+            </a:p>
+          </p:txBody>
+        </p:sp>
+        <p:grpSp>
+          <p:nvGrpSpPr>
+            <p:cNvPr id="63" name="그룹 62">
+              <a:extLst>
+                <a:ext uri="{FF2B5EF4-FFF2-40B4-BE49-F238E27FC236}">
+                  <a16:creationId xmlns:a16="http://schemas.microsoft.com/office/drawing/2014/main" id="{32ACC6C5-3384-CA0A-3447-3D841DAAD772}"/>
+                </a:ext>
+              </a:extLst>
+            </p:cNvPr>
+            <p:cNvGrpSpPr/>
+            <p:nvPr/>
+          </p:nvGrpSpPr>
+          <p:grpSpPr>
+            <a:xfrm>
+              <a:off x="3783069" y="3143673"/>
+              <a:ext cx="741407" cy="1943831"/>
+              <a:chOff x="4206256" y="2253784"/>
+              <a:chExt cx="741407" cy="1943831"/>
+            </a:xfrm>
+          </p:grpSpPr>
+          <p:sp>
+            <p:nvSpPr>
+              <p:cNvPr id="37" name="직사각형 36">
+                <a:extLst>
+                  <a:ext uri="{FF2B5EF4-FFF2-40B4-BE49-F238E27FC236}">
+                    <a16:creationId xmlns:a16="http://schemas.microsoft.com/office/drawing/2014/main" id="{64A307A1-4236-B492-98E0-F8E81BD0BDA4}"/>
+                  </a:ext>
+                </a:extLst>
+              </p:cNvPr>
+              <p:cNvSpPr/>
+              <p:nvPr/>
+            </p:nvSpPr>
+            <p:spPr>
+              <a:xfrm>
+                <a:off x="4206258" y="2253784"/>
+                <a:ext cx="741405" cy="367101"/>
+              </a:xfrm>
+              <a:prstGeom prst="rect">
+                <a:avLst/>
+              </a:prstGeom>
+              <a:solidFill>
+                <a:srgbClr val="48D1CC"/>
+              </a:solidFill>
+              <a:ln>
+                <a:noFill/>
+              </a:ln>
+            </p:spPr>
+            <p:style>
+              <a:lnRef idx="2">
+                <a:schemeClr val="accent1">
+                  <a:shade val="50000"/>
+                </a:schemeClr>
+              </a:lnRef>
+              <a:fillRef idx="1">
+                <a:schemeClr val="accent1"/>
+              </a:fillRef>
+              <a:effectRef idx="0">
+                <a:schemeClr val="accent1"/>
+              </a:effectRef>
+              <a:fontRef idx="minor">
+                <a:schemeClr val="lt1"/>
+              </a:fontRef>
+            </p:style>
+            <p:txBody>
+              <a:bodyPr rtlCol="0" anchor="ctr"/>
+              <a:lstStyle/>
+              <a:p>
+                <a:pPr algn="ctr"/>
+                <a:r>
+                  <a:rPr lang="en-US" altLang="ko-KR" sz="1200" dirty="0">
+                    <a:solidFill>
+                      <a:schemeClr val="tx1"/>
+                    </a:solidFill>
+                    <a:latin typeface="Noto Sans CJK KR" panose="020B0500000000000000" pitchFamily="34" charset="-127"/>
+                    <a:ea typeface="Noto Sans CJK KR" panose="020B0500000000000000" pitchFamily="34" charset="-127"/>
+                  </a:rPr>
+                  <a:t>Task 1</a:t>
+                </a:r>
+                <a:endParaRPr lang="ko-KR" altLang="en-US" sz="1200" dirty="0">
+                  <a:solidFill>
+                    <a:schemeClr val="tx1"/>
+                  </a:solidFill>
+                  <a:latin typeface="Noto Sans CJK KR" panose="020B0500000000000000" pitchFamily="34" charset="-127"/>
+                  <a:ea typeface="Noto Sans CJK KR" panose="020B0500000000000000" pitchFamily="34" charset="-127"/>
+                </a:endParaRPr>
+              </a:p>
+            </p:txBody>
+          </p:sp>
+          <p:sp>
+            <p:nvSpPr>
+              <p:cNvPr id="53" name="직사각형 52">
+                <a:extLst>
+                  <a:ext uri="{FF2B5EF4-FFF2-40B4-BE49-F238E27FC236}">
+                    <a16:creationId xmlns:a16="http://schemas.microsoft.com/office/drawing/2014/main" id="{0B1BCF22-D433-4538-4109-FAE8E372AC15}"/>
+                  </a:ext>
+                </a:extLst>
+              </p:cNvPr>
+              <p:cNvSpPr/>
+              <p:nvPr/>
+            </p:nvSpPr>
+            <p:spPr>
+              <a:xfrm>
+                <a:off x="4206257" y="2667713"/>
+                <a:ext cx="741405" cy="367101"/>
+              </a:xfrm>
+              <a:prstGeom prst="rect">
+                <a:avLst/>
+              </a:prstGeom>
+              <a:solidFill>
+                <a:srgbClr val="48D1CC"/>
+              </a:solidFill>
+              <a:ln>
+                <a:noFill/>
+              </a:ln>
+            </p:spPr>
+            <p:style>
+              <a:lnRef idx="2">
+                <a:schemeClr val="accent1">
+                  <a:shade val="50000"/>
+                </a:schemeClr>
+              </a:lnRef>
+              <a:fillRef idx="1">
+                <a:schemeClr val="accent1"/>
+              </a:fillRef>
+              <a:effectRef idx="0">
+                <a:schemeClr val="accent1"/>
+              </a:effectRef>
+              <a:fontRef idx="minor">
+                <a:schemeClr val="lt1"/>
+              </a:fontRef>
+            </p:style>
+            <p:txBody>
+              <a:bodyPr rtlCol="0" anchor="ctr"/>
+              <a:lstStyle/>
+              <a:p>
+                <a:pPr algn="ctr"/>
+                <a:r>
+                  <a:rPr lang="en-US" altLang="ko-KR" sz="1200" dirty="0">
+                    <a:solidFill>
+                      <a:schemeClr val="tx1"/>
+                    </a:solidFill>
+                    <a:latin typeface="Noto Sans CJK KR" panose="020B0500000000000000" pitchFamily="34" charset="-127"/>
+                    <a:ea typeface="Noto Sans CJK KR" panose="020B0500000000000000" pitchFamily="34" charset="-127"/>
+                  </a:rPr>
+                  <a:t>Task 2</a:t>
+                </a:r>
+                <a:endParaRPr lang="ko-KR" altLang="en-US" sz="1200" dirty="0">
+                  <a:solidFill>
+                    <a:schemeClr val="tx1"/>
+                  </a:solidFill>
+                  <a:latin typeface="Noto Sans CJK KR" panose="020B0500000000000000" pitchFamily="34" charset="-127"/>
+                  <a:ea typeface="Noto Sans CJK KR" panose="020B0500000000000000" pitchFamily="34" charset="-127"/>
+                </a:endParaRPr>
+              </a:p>
+            </p:txBody>
+          </p:sp>
+          <p:sp>
+            <p:nvSpPr>
+              <p:cNvPr id="54" name="직사각형 53">
+                <a:extLst>
+                  <a:ext uri="{FF2B5EF4-FFF2-40B4-BE49-F238E27FC236}">
+                    <a16:creationId xmlns:a16="http://schemas.microsoft.com/office/drawing/2014/main" id="{C657A5B5-73BC-A9A0-67EE-E3329AC46C85}"/>
+                  </a:ext>
+                </a:extLst>
+              </p:cNvPr>
+              <p:cNvSpPr/>
+              <p:nvPr/>
+            </p:nvSpPr>
+            <p:spPr>
+              <a:xfrm>
+                <a:off x="4206257" y="3075674"/>
+                <a:ext cx="741405" cy="367101"/>
+              </a:xfrm>
+              <a:prstGeom prst="rect">
+                <a:avLst/>
+              </a:prstGeom>
+              <a:solidFill>
+                <a:srgbClr val="48D1CC"/>
+              </a:solidFill>
+              <a:ln>
+                <a:noFill/>
+              </a:ln>
+            </p:spPr>
+            <p:style>
+              <a:lnRef idx="2">
+                <a:schemeClr val="accent1">
+                  <a:shade val="50000"/>
+                </a:schemeClr>
+              </a:lnRef>
+              <a:fillRef idx="1">
+                <a:schemeClr val="accent1"/>
+              </a:fillRef>
+              <a:effectRef idx="0">
+                <a:schemeClr val="accent1"/>
+              </a:effectRef>
+              <a:fontRef idx="minor">
+                <a:schemeClr val="lt1"/>
+              </a:fontRef>
+            </p:style>
+            <p:txBody>
+              <a:bodyPr rtlCol="0" anchor="ctr"/>
+              <a:lstStyle/>
+              <a:p>
+                <a:pPr algn="ctr"/>
+                <a:r>
+                  <a:rPr lang="en-US" altLang="ko-KR" sz="1200" dirty="0">
+                    <a:solidFill>
+                      <a:schemeClr val="tx1"/>
+                    </a:solidFill>
+                    <a:latin typeface="Noto Sans CJK KR" panose="020B0500000000000000" pitchFamily="34" charset="-127"/>
+                    <a:ea typeface="Noto Sans CJK KR" panose="020B0500000000000000" pitchFamily="34" charset="-127"/>
+                  </a:rPr>
+                  <a:t>Task 3</a:t>
+                </a:r>
+                <a:endParaRPr lang="ko-KR" altLang="en-US" sz="1200" dirty="0">
+                  <a:solidFill>
+                    <a:schemeClr val="tx1"/>
+                  </a:solidFill>
+                  <a:latin typeface="Noto Sans CJK KR" panose="020B0500000000000000" pitchFamily="34" charset="-127"/>
+                  <a:ea typeface="Noto Sans CJK KR" panose="020B0500000000000000" pitchFamily="34" charset="-127"/>
+                </a:endParaRPr>
+              </a:p>
+            </p:txBody>
+          </p:sp>
+          <mc:AlternateContent xmlns:mc="http://schemas.openxmlformats.org/markup-compatibility/2006" xmlns:a14="http://schemas.microsoft.com/office/drawing/2010/main">
+            <mc:Choice Requires="a14">
+              <p:sp>
+                <p:nvSpPr>
+                  <p:cNvPr id="55" name="TextBox 54">
+                    <a:extLst>
+                      <a:ext uri="{FF2B5EF4-FFF2-40B4-BE49-F238E27FC236}">
+                        <a16:creationId xmlns:a16="http://schemas.microsoft.com/office/drawing/2014/main" id="{57360A07-E3BE-5501-98F5-EC80414F38DD}"/>
+                      </a:ext>
+                    </a:extLst>
+                  </p:cNvPr>
+                  <p:cNvSpPr txBox="1"/>
+                  <p:nvPr/>
+                </p:nvSpPr>
+                <p:spPr>
+                  <a:xfrm>
+                    <a:off x="4407682" y="3442775"/>
+                    <a:ext cx="338554" cy="369332"/>
+                  </a:xfrm>
+                  <a:prstGeom prst="rect">
+                    <a:avLst/>
+                  </a:prstGeom>
+                  <a:noFill/>
+                </p:spPr>
+                <p:txBody>
+                  <a:bodyPr wrap="none" rtlCol="0">
+                    <a:spAutoFit/>
+                  </a:bodyPr>
+                  <a:lstStyle/>
+                  <a:p>
+                    <a:pPr/>
+                    <a14:m>
+                      <m:oMathPara xmlns:m="http://schemas.openxmlformats.org/officeDocument/2006/math">
+                        <m:oMathParaPr>
+                          <m:jc m:val="centerGroup"/>
+                        </m:oMathParaPr>
+                        <m:oMath xmlns:m="http://schemas.openxmlformats.org/officeDocument/2006/math">
+                          <m:r>
+                            <a:rPr lang="ko-KR" altLang="en-US" i="1" smtClean="0">
+                              <a:latin typeface="Cambria Math" panose="02040503050406030204" pitchFamily="18" charset="0"/>
+                            </a:rPr>
+                            <m:t>⋮</m:t>
+                          </m:r>
+                        </m:oMath>
+                      </m:oMathPara>
+                    </a14:m>
+                    <a:endParaRPr lang="ko-KR" altLang="en-US" dirty="0"/>
+                  </a:p>
+                </p:txBody>
+              </p:sp>
+            </mc:Choice>
+            <mc:Fallback xmlns="">
+              <p:sp>
+                <p:nvSpPr>
+                  <p:cNvPr id="55" name="TextBox 54">
+                    <a:extLst>
+                      <a:ext uri="{FF2B5EF4-FFF2-40B4-BE49-F238E27FC236}">
+                        <a16:creationId xmlns:a16="http://schemas.microsoft.com/office/drawing/2014/main" id="{57360A07-E3BE-5501-98F5-EC80414F38DD}"/>
+                      </a:ext>
+                    </a:extLst>
+                  </p:cNvPr>
+                  <p:cNvSpPr txBox="1">
+                    <a:spLocks noRot="1" noChangeAspect="1" noMove="1" noResize="1" noEditPoints="1" noAdjustHandles="1" noChangeArrowheads="1" noChangeShapeType="1" noTextEdit="1"/>
+                  </p:cNvSpPr>
+                  <p:nvPr/>
+                </p:nvSpPr>
+                <p:spPr>
+                  <a:xfrm>
+                    <a:off x="4407682" y="3442775"/>
+                    <a:ext cx="338554" cy="369332"/>
+                  </a:xfrm>
+                  <a:prstGeom prst="rect">
+                    <a:avLst/>
+                  </a:prstGeom>
+                  <a:blipFill>
+                    <a:blip r:embed="rId5"/>
+                    <a:stretch>
+                      <a:fillRect/>
+                    </a:stretch>
+                  </a:blipFill>
+                </p:spPr>
+                <p:txBody>
+                  <a:bodyPr/>
+                  <a:lstStyle/>
+                  <a:p>
+                    <a:r>
+                      <a:rPr lang="ko-KR" altLang="en-US">
+                        <a:noFill/>
+                      </a:rPr>
+                      <a:t> </a:t>
+                    </a:r>
+                  </a:p>
+                </p:txBody>
+              </p:sp>
+            </mc:Fallback>
+          </mc:AlternateContent>
+          <p:sp>
+            <p:nvSpPr>
+              <p:cNvPr id="56" name="직사각형 55">
+                <a:extLst>
+                  <a:ext uri="{FF2B5EF4-FFF2-40B4-BE49-F238E27FC236}">
+                    <a16:creationId xmlns:a16="http://schemas.microsoft.com/office/drawing/2014/main" id="{57422DF4-3E87-50FF-2406-9A71C3E2A07F}"/>
+                  </a:ext>
+                </a:extLst>
+              </p:cNvPr>
+              <p:cNvSpPr/>
+              <p:nvPr/>
+            </p:nvSpPr>
+            <p:spPr>
+              <a:xfrm>
+                <a:off x="4206256" y="3830514"/>
+                <a:ext cx="741405" cy="367101"/>
+              </a:xfrm>
+              <a:prstGeom prst="rect">
+                <a:avLst/>
+              </a:prstGeom>
+              <a:solidFill>
+                <a:srgbClr val="48D1CC"/>
+              </a:solidFill>
+              <a:ln>
+                <a:noFill/>
+              </a:ln>
+            </p:spPr>
+            <p:style>
+              <a:lnRef idx="2">
+                <a:schemeClr val="accent1">
+                  <a:shade val="50000"/>
+                </a:schemeClr>
+              </a:lnRef>
+              <a:fillRef idx="1">
+                <a:schemeClr val="accent1"/>
+              </a:fillRef>
+              <a:effectRef idx="0">
+                <a:schemeClr val="accent1"/>
+              </a:effectRef>
+              <a:fontRef idx="minor">
+                <a:schemeClr val="lt1"/>
+              </a:fontRef>
+            </p:style>
+            <p:txBody>
+              <a:bodyPr rtlCol="0" anchor="ctr"/>
+              <a:lstStyle/>
+              <a:p>
+                <a:pPr algn="ctr"/>
+                <a:r>
+                  <a:rPr lang="en-US" altLang="ko-KR" sz="1200" dirty="0">
+                    <a:solidFill>
+                      <a:schemeClr val="tx1"/>
+                    </a:solidFill>
+                    <a:latin typeface="Noto Sans CJK KR" panose="020B0500000000000000" pitchFamily="34" charset="-127"/>
+                    <a:ea typeface="Noto Sans CJK KR" panose="020B0500000000000000" pitchFamily="34" charset="-127"/>
+                  </a:rPr>
+                  <a:t>Task K</a:t>
+                </a:r>
+                <a:endParaRPr lang="ko-KR" altLang="en-US" sz="1200" dirty="0">
+                  <a:solidFill>
+                    <a:schemeClr val="tx1"/>
+                  </a:solidFill>
+                  <a:latin typeface="Noto Sans CJK KR" panose="020B0500000000000000" pitchFamily="34" charset="-127"/>
+                  <a:ea typeface="Noto Sans CJK KR" panose="020B0500000000000000" pitchFamily="34" charset="-127"/>
+                </a:endParaRPr>
+              </a:p>
+            </p:txBody>
+          </p:sp>
+        </p:grpSp>
+        <p:sp>
+          <p:nvSpPr>
+            <p:cNvPr id="75" name="사각형: 둥근 모서리 6">
+              <a:extLst>
+                <a:ext uri="{FF2B5EF4-FFF2-40B4-BE49-F238E27FC236}">
+                  <a16:creationId xmlns:a16="http://schemas.microsoft.com/office/drawing/2014/main" id="{369836F7-289F-80D9-4C8B-9F7047C1B6C8}"/>
+                </a:ext>
+              </a:extLst>
+            </p:cNvPr>
+            <p:cNvSpPr/>
+            <p:nvPr/>
+          </p:nvSpPr>
+          <p:spPr>
+            <a:xfrm>
+              <a:off x="2371935" y="3711148"/>
+              <a:ext cx="1300743" cy="637788"/>
+            </a:xfrm>
+            <a:prstGeom prst="roundRect">
+              <a:avLst/>
+            </a:prstGeom>
+            <a:solidFill>
+              <a:srgbClr val="90EE90">
+                <a:alpha val="70000"/>
+              </a:srgbClr>
+            </a:solidFill>
+            <a:ln>
+              <a:noFill/>
+            </a:ln>
+          </p:spPr>
+          <p:style>
+            <a:lnRef idx="2">
+              <a:schemeClr val="accent1">
+                <a:shade val="50000"/>
+              </a:schemeClr>
+            </a:lnRef>
+            <a:fillRef idx="1">
+              <a:schemeClr val="accent1"/>
+            </a:fillRef>
+            <a:effectRef idx="0">
+              <a:schemeClr val="accent1"/>
+            </a:effectRef>
+            <a:fontRef idx="minor">
+              <a:schemeClr val="lt1"/>
+            </a:fontRef>
+          </p:style>
+          <p:txBody>
+            <a:bodyPr rtlCol="0" anchor="ctr"/>
+            <a:lstStyle/>
+            <a:p>
+              <a:pPr algn="ctr"/>
+              <a:r>
+                <a:rPr lang="en-US" altLang="ko-KR" sz="1000" dirty="0">
+                  <a:solidFill>
+                    <a:schemeClr val="tx1"/>
+                  </a:solidFill>
+                  <a:latin typeface="Noto Sans CJK KR" panose="020B0500000000000000" pitchFamily="34" charset="-127"/>
+                  <a:ea typeface="Noto Sans CJK KR" panose="020B0500000000000000" pitchFamily="34" charset="-127"/>
+                </a:rPr>
+                <a:t>Task</a:t>
+              </a:r>
+              <a:r>
+                <a:rPr lang="ko-KR" altLang="en-US" sz="1000" dirty="0">
+                  <a:solidFill>
+                    <a:schemeClr val="tx1"/>
+                  </a:solidFill>
+                  <a:latin typeface="Noto Sans CJK KR" panose="020B0500000000000000" pitchFamily="34" charset="-127"/>
+                  <a:ea typeface="Noto Sans CJK KR" panose="020B0500000000000000" pitchFamily="34" charset="-127"/>
+                </a:rPr>
+                <a:t> </a:t>
+              </a:r>
+              <a:r>
+                <a:rPr lang="en-US" altLang="ko-KR" sz="1000" dirty="0">
+                  <a:solidFill>
+                    <a:schemeClr val="tx1"/>
+                  </a:solidFill>
+                  <a:latin typeface="Noto Sans CJK KR" panose="020B0500000000000000" pitchFamily="34" charset="-127"/>
+                  <a:ea typeface="Noto Sans CJK KR" panose="020B0500000000000000" pitchFamily="34" charset="-127"/>
+                </a:rPr>
+                <a:t>Delivery</a:t>
+              </a:r>
+              <a:r>
+                <a:rPr lang="ko-KR" altLang="en-US" sz="1000" dirty="0">
+                  <a:solidFill>
+                    <a:schemeClr val="tx1"/>
+                  </a:solidFill>
+                  <a:latin typeface="Noto Sans CJK KR" panose="020B0500000000000000" pitchFamily="34" charset="-127"/>
+                  <a:ea typeface="Noto Sans CJK KR" panose="020B0500000000000000" pitchFamily="34" charset="-127"/>
+                </a:rPr>
+                <a:t> </a:t>
+              </a:r>
+              <a:endParaRPr lang="en-US" altLang="ko-KR" sz="1000" dirty="0">
+                <a:solidFill>
+                  <a:schemeClr val="tx1"/>
+                </a:solidFill>
+                <a:latin typeface="Noto Sans CJK KR" panose="020B0500000000000000" pitchFamily="34" charset="-127"/>
+                <a:ea typeface="Noto Sans CJK KR" panose="020B0500000000000000" pitchFamily="34" charset="-127"/>
+              </a:endParaRPr>
+            </a:p>
+            <a:p>
+              <a:pPr algn="ctr"/>
+              <a:r>
+                <a:rPr lang="en-US" altLang="ko-KR" sz="1000" dirty="0">
+                  <a:solidFill>
+                    <a:schemeClr val="tx1"/>
+                  </a:solidFill>
+                  <a:latin typeface="Noto Sans CJK KR" panose="020B0500000000000000" pitchFamily="34" charset="-127"/>
+                  <a:ea typeface="Noto Sans CJK KR" panose="020B0500000000000000" pitchFamily="34" charset="-127"/>
+                </a:rPr>
+                <a:t>Service Process</a:t>
+              </a:r>
+              <a:endParaRPr lang="ko-KR" altLang="en-US" sz="1000" dirty="0">
+                <a:solidFill>
+                  <a:schemeClr val="tx1"/>
+                </a:solidFill>
+                <a:latin typeface="Noto Sans CJK KR" panose="020B0500000000000000" pitchFamily="34" charset="-127"/>
+                <a:ea typeface="Noto Sans CJK KR" panose="020B0500000000000000" pitchFamily="34" charset="-127"/>
+              </a:endParaRPr>
+            </a:p>
+          </p:txBody>
+        </p:sp>
+        <p:cxnSp>
+          <p:nvCxnSpPr>
+            <p:cNvPr id="90" name="직선 화살표 연결선 89">
+              <a:extLst>
+                <a:ext uri="{FF2B5EF4-FFF2-40B4-BE49-F238E27FC236}">
+                  <a16:creationId xmlns:a16="http://schemas.microsoft.com/office/drawing/2014/main" id="{91B3AC3D-016C-A1FD-BE86-ADAAB56708AC}"/>
+                </a:ext>
+              </a:extLst>
+            </p:cNvPr>
+            <p:cNvCxnSpPr>
+              <a:cxnSpLocks/>
+              <a:endCxn id="15" idx="1"/>
+            </p:cNvCxnSpPr>
+            <p:nvPr/>
+          </p:nvCxnSpPr>
+          <p:spPr>
+            <a:xfrm flipV="1">
+              <a:off x="4524476" y="1820592"/>
+              <a:ext cx="1710550" cy="1438536"/>
+            </a:xfrm>
+            <a:prstGeom prst="straightConnector1">
+              <a:avLst/>
+            </a:prstGeom>
+            <a:ln w="19050">
+              <a:solidFill>
+                <a:schemeClr val="tx1"/>
+              </a:solidFill>
+              <a:tailEnd type="arrow"/>
+            </a:ln>
+          </p:spPr>
+          <p:style>
+            <a:lnRef idx="1">
+              <a:schemeClr val="accent1"/>
+            </a:lnRef>
+            <a:fillRef idx="0">
+              <a:schemeClr val="accent1"/>
+            </a:fillRef>
+            <a:effectRef idx="0">
+              <a:schemeClr val="accent1"/>
+            </a:effectRef>
+            <a:fontRef idx="minor">
+              <a:schemeClr val="tx1"/>
+            </a:fontRef>
+          </p:style>
+        </p:cxnSp>
+        <p:cxnSp>
+          <p:nvCxnSpPr>
+            <p:cNvPr id="93" name="직선 화살표 연결선 92">
+              <a:extLst>
+                <a:ext uri="{FF2B5EF4-FFF2-40B4-BE49-F238E27FC236}">
+                  <a16:creationId xmlns:a16="http://schemas.microsoft.com/office/drawing/2014/main" id="{25EC0201-154A-C342-9981-95481A84285F}"/>
+                </a:ext>
+              </a:extLst>
+            </p:cNvPr>
+            <p:cNvCxnSpPr>
+              <a:cxnSpLocks/>
+              <a:stCxn id="53" idx="3"/>
+              <a:endCxn id="17" idx="1"/>
+            </p:cNvCxnSpPr>
+            <p:nvPr/>
+          </p:nvCxnSpPr>
+          <p:spPr>
+            <a:xfrm flipV="1">
+              <a:off x="4524475" y="2767231"/>
+              <a:ext cx="1726127" cy="973922"/>
+            </a:xfrm>
+            <a:prstGeom prst="straightConnector1">
+              <a:avLst/>
+            </a:prstGeom>
+            <a:ln w="19050">
+              <a:solidFill>
+                <a:schemeClr val="tx1"/>
+              </a:solidFill>
+              <a:tailEnd type="arrow"/>
+            </a:ln>
+          </p:spPr>
+          <p:style>
+            <a:lnRef idx="1">
+              <a:schemeClr val="accent1"/>
+            </a:lnRef>
+            <a:fillRef idx="0">
+              <a:schemeClr val="accent1"/>
+            </a:fillRef>
+            <a:effectRef idx="0">
+              <a:schemeClr val="accent1"/>
+            </a:effectRef>
+            <a:fontRef idx="minor">
+              <a:schemeClr val="tx1"/>
+            </a:fontRef>
+          </p:style>
+        </p:cxnSp>
+        <p:cxnSp>
+          <p:nvCxnSpPr>
+            <p:cNvPr id="96" name="직선 화살표 연결선 95">
+              <a:extLst>
+                <a:ext uri="{FF2B5EF4-FFF2-40B4-BE49-F238E27FC236}">
+                  <a16:creationId xmlns:a16="http://schemas.microsoft.com/office/drawing/2014/main" id="{AEF54941-7679-7409-DC1B-9FA728754954}"/>
+                </a:ext>
+              </a:extLst>
+            </p:cNvPr>
+            <p:cNvCxnSpPr>
+              <a:cxnSpLocks/>
+              <a:stCxn id="54" idx="3"/>
+              <a:endCxn id="14" idx="1"/>
+            </p:cNvCxnSpPr>
+            <p:nvPr/>
+          </p:nvCxnSpPr>
+          <p:spPr>
+            <a:xfrm flipV="1">
+              <a:off x="4524475" y="3707522"/>
+              <a:ext cx="1726127" cy="441592"/>
+            </a:xfrm>
+            <a:prstGeom prst="straightConnector1">
+              <a:avLst/>
+            </a:prstGeom>
+            <a:ln w="19050">
+              <a:solidFill>
+                <a:schemeClr val="tx1"/>
+              </a:solidFill>
+              <a:tailEnd type="arrow"/>
+            </a:ln>
+          </p:spPr>
+          <p:style>
+            <a:lnRef idx="1">
+              <a:schemeClr val="accent1"/>
+            </a:lnRef>
+            <a:fillRef idx="0">
+              <a:schemeClr val="accent1"/>
+            </a:fillRef>
+            <a:effectRef idx="0">
+              <a:schemeClr val="accent1"/>
+            </a:effectRef>
+            <a:fontRef idx="minor">
+              <a:schemeClr val="tx1"/>
+            </a:fontRef>
+          </p:style>
+        </p:cxnSp>
+        <p:cxnSp>
+          <p:nvCxnSpPr>
+            <p:cNvPr id="101" name="직선 화살표 연결선 100">
+              <a:extLst>
+                <a:ext uri="{FF2B5EF4-FFF2-40B4-BE49-F238E27FC236}">
+                  <a16:creationId xmlns:a16="http://schemas.microsoft.com/office/drawing/2014/main" id="{6DB6E509-2E0E-4122-226E-CF8302A306C6}"/>
+                </a:ext>
+              </a:extLst>
+            </p:cNvPr>
+            <p:cNvCxnSpPr>
+              <a:cxnSpLocks/>
+              <a:stCxn id="56" idx="3"/>
+              <a:endCxn id="18" idx="1"/>
+            </p:cNvCxnSpPr>
+            <p:nvPr/>
+          </p:nvCxnSpPr>
+          <p:spPr>
+            <a:xfrm flipV="1">
+              <a:off x="4524474" y="4881323"/>
+              <a:ext cx="1710552" cy="22631"/>
+            </a:xfrm>
+            <a:prstGeom prst="straightConnector1">
+              <a:avLst/>
+            </a:prstGeom>
+            <a:ln w="19050">
+              <a:solidFill>
+                <a:schemeClr val="tx1"/>
+              </a:solidFill>
+              <a:tailEnd type="arrow"/>
+            </a:ln>
+          </p:spPr>
+          <p:style>
+            <a:lnRef idx="1">
+              <a:schemeClr val="accent1"/>
+            </a:lnRef>
+            <a:fillRef idx="0">
+              <a:schemeClr val="accent1"/>
+            </a:fillRef>
+            <a:effectRef idx="0">
+              <a:schemeClr val="accent1"/>
+            </a:effectRef>
+            <a:fontRef idx="minor">
+              <a:schemeClr val="tx1"/>
+            </a:fontRef>
+          </p:style>
+        </p:cxnSp>
+      </p:grpSp>
+      <p:sp>
+        <p:nvSpPr>
+          <p:cNvPr id="110" name="TextBox 109">
+            <a:extLst>
+              <a:ext uri="{FF2B5EF4-FFF2-40B4-BE49-F238E27FC236}">
+                <a16:creationId xmlns:a16="http://schemas.microsoft.com/office/drawing/2014/main" id="{B930C00C-FB5A-B0D1-DB4B-05418B58038F}"/>
+              </a:ext>
+            </a:extLst>
+          </p:cNvPr>
+          <p:cNvSpPr txBox="1"/>
+          <p:nvPr/>
+        </p:nvSpPr>
+        <p:spPr>
+          <a:xfrm>
+            <a:off x="131768" y="759462"/>
+            <a:ext cx="11570606" cy="377539"/>
+          </a:xfrm>
+          <a:prstGeom prst="rect">
+            <a:avLst/>
+          </a:prstGeom>
+          <a:noFill/>
+        </p:spPr>
+        <p:txBody>
+          <a:bodyPr wrap="square" rtlCol="0">
+            <a:spAutoFit/>
+          </a:bodyPr>
+          <a:lstStyle/>
+          <a:p>
+            <a:pPr marL="285750" indent="-285750">
+              <a:lnSpc>
+                <a:spcPct val="150000"/>
+              </a:lnSpc>
+              <a:buFont typeface="Wingdings" panose="05000000000000000000" pitchFamily="2" charset="2"/>
+              <a:buChar char="v"/>
+            </a:pPr>
+            <a:r>
+              <a:rPr lang="ko-KR" altLang="en-US" sz="1400" b="1" dirty="0">
+                <a:latin typeface="Noto Sans CJK KR" panose="020B0500000000000000" pitchFamily="34" charset="-127"/>
+                <a:ea typeface="Noto Sans CJK KR" panose="020B0500000000000000" pitchFamily="34" charset="-127"/>
+              </a:rPr>
+              <a:t>분할된 수집리스트 전달</a:t>
+            </a:r>
+            <a:endParaRPr lang="en-US" altLang="ko-KR" sz="1400" b="1" dirty="0">
+              <a:solidFill>
+                <a:srgbClr val="0000CD"/>
+              </a:solidFill>
+              <a:latin typeface="Noto Sans CJK KR" panose="020B0500000000000000" pitchFamily="34" charset="-127"/>
+              <a:ea typeface="Noto Sans CJK KR" panose="020B0500000000000000" pitchFamily="34" charset="-127"/>
+            </a:endParaRPr>
+          </a:p>
+        </p:txBody>
+      </p:sp>
+    </p:spTree>
+    <p:extLst>
+      <p:ext uri="{BB962C8B-B14F-4D97-AF65-F5344CB8AC3E}">
+        <p14:creationId xmlns:p14="http://schemas.microsoft.com/office/powerpoint/2010/main" val="3092577143"/>
+      </p:ext>
+    </p:extLst>
+  </p:cSld>
+  <p:clrMapOvr>
+    <a:masterClrMapping/>
+  </p:clrMapOvr>
+</p:sld>
+</file>
+
 <file path=ppt/theme/theme1.xml><?xml version="1.0" encoding="utf-8"?>
 <a:theme xmlns:a="http://schemas.openxmlformats.org/drawingml/2006/main" name="Office 테마">
   <a:themeElements>
